--- a/DesignSpecification.pptx
+++ b/DesignSpecification.pptx
@@ -11,6 +11,10 @@
     <p:sldId id="259" r:id="rId5"/>
     <p:sldId id="260" r:id="rId6"/>
     <p:sldId id="261" r:id="rId7"/>
+    <p:sldId id="262" r:id="rId8"/>
+    <p:sldId id="263" r:id="rId9"/>
+    <p:sldId id="264" r:id="rId10"/>
+    <p:sldId id="265" r:id="rId11"/>
   </p:sldIdLst>
   <p:sldSz cx="12192000" cy="6858000"/>
   <p:notesSz cx="6858000" cy="9144000"/>
@@ -109,6 +113,11 @@
       </a:defRPr>
     </a:lvl9pPr>
   </p:defaultTextStyle>
+  <p:extLst>
+    <p:ext uri="{EFAFB233-063F-42B5-8137-9DF3F51BA10A}">
+      <p15:sldGuideLst xmlns:p15="http://schemas.microsoft.com/office/powerpoint/2012/main"/>
+    </p:ext>
+  </p:extLst>
 </p:presentation>
 </file>
 
@@ -261,7 +270,7 @@
           <a:p>
             <a:fld id="{95092FE3-F51D-0C4A-A1D2-112694A4D9A8}" type="datetimeFigureOut">
               <a:rPr lang="en-US" smtClean="0"/>
-              <a:t>2/21/22</a:t>
+              <a:t>2/22/2022</a:t>
             </a:fld>
             <a:endParaRPr lang="en-US"/>
           </a:p>
@@ -461,7 +470,7 @@
           <a:p>
             <a:fld id="{95092FE3-F51D-0C4A-A1D2-112694A4D9A8}" type="datetimeFigureOut">
               <a:rPr lang="en-US" smtClean="0"/>
-              <a:t>2/21/22</a:t>
+              <a:t>2/22/2022</a:t>
             </a:fld>
             <a:endParaRPr lang="en-US"/>
           </a:p>
@@ -671,7 +680,7 @@
           <a:p>
             <a:fld id="{95092FE3-F51D-0C4A-A1D2-112694A4D9A8}" type="datetimeFigureOut">
               <a:rPr lang="en-US" smtClean="0"/>
-              <a:t>2/21/22</a:t>
+              <a:t>2/22/2022</a:t>
             </a:fld>
             <a:endParaRPr lang="en-US"/>
           </a:p>
@@ -871,7 +880,7 @@
           <a:p>
             <a:fld id="{95092FE3-F51D-0C4A-A1D2-112694A4D9A8}" type="datetimeFigureOut">
               <a:rPr lang="en-US" smtClean="0"/>
-              <a:t>2/21/22</a:t>
+              <a:t>2/22/2022</a:t>
             </a:fld>
             <a:endParaRPr lang="en-US"/>
           </a:p>
@@ -1147,7 +1156,7 @@
           <a:p>
             <a:fld id="{95092FE3-F51D-0C4A-A1D2-112694A4D9A8}" type="datetimeFigureOut">
               <a:rPr lang="en-US" smtClean="0"/>
-              <a:t>2/21/22</a:t>
+              <a:t>2/22/2022</a:t>
             </a:fld>
             <a:endParaRPr lang="en-US"/>
           </a:p>
@@ -1415,7 +1424,7 @@
           <a:p>
             <a:fld id="{95092FE3-F51D-0C4A-A1D2-112694A4D9A8}" type="datetimeFigureOut">
               <a:rPr lang="en-US" smtClean="0"/>
-              <a:t>2/21/22</a:t>
+              <a:t>2/22/2022</a:t>
             </a:fld>
             <a:endParaRPr lang="en-US"/>
           </a:p>
@@ -1830,7 +1839,7 @@
           <a:p>
             <a:fld id="{95092FE3-F51D-0C4A-A1D2-112694A4D9A8}" type="datetimeFigureOut">
               <a:rPr lang="en-US" smtClean="0"/>
-              <a:t>2/21/22</a:t>
+              <a:t>2/22/2022</a:t>
             </a:fld>
             <a:endParaRPr lang="en-US"/>
           </a:p>
@@ -1972,7 +1981,7 @@
           <a:p>
             <a:fld id="{95092FE3-F51D-0C4A-A1D2-112694A4D9A8}" type="datetimeFigureOut">
               <a:rPr lang="en-US" smtClean="0"/>
-              <a:t>2/21/22</a:t>
+              <a:t>2/22/2022</a:t>
             </a:fld>
             <a:endParaRPr lang="en-US"/>
           </a:p>
@@ -2085,7 +2094,7 @@
           <a:p>
             <a:fld id="{95092FE3-F51D-0C4A-A1D2-112694A4D9A8}" type="datetimeFigureOut">
               <a:rPr lang="en-US" smtClean="0"/>
-              <a:t>2/21/22</a:t>
+              <a:t>2/22/2022</a:t>
             </a:fld>
             <a:endParaRPr lang="en-US"/>
           </a:p>
@@ -2398,7 +2407,7 @@
           <a:p>
             <a:fld id="{95092FE3-F51D-0C4A-A1D2-112694A4D9A8}" type="datetimeFigureOut">
               <a:rPr lang="en-US" smtClean="0"/>
-              <a:t>2/21/22</a:t>
+              <a:t>2/22/2022</a:t>
             </a:fld>
             <a:endParaRPr lang="en-US"/>
           </a:p>
@@ -2687,7 +2696,7 @@
           <a:p>
             <a:fld id="{95092FE3-F51D-0C4A-A1D2-112694A4D9A8}" type="datetimeFigureOut">
               <a:rPr lang="en-US" smtClean="0"/>
-              <a:t>2/21/22</a:t>
+              <a:t>2/22/2022</a:t>
             </a:fld>
             <a:endParaRPr lang="en-US"/>
           </a:p>
@@ -2930,7 +2939,7 @@
           <a:p>
             <a:fld id="{95092FE3-F51D-0C4A-A1D2-112694A4D9A8}" type="datetimeFigureOut">
               <a:rPr lang="en-US" smtClean="0"/>
-              <a:t>2/21/22</a:t>
+              <a:t>2/22/2022</a:t>
             </a:fld>
             <a:endParaRPr lang="en-US"/>
           </a:p>
@@ -3419,6 +3428,89 @@
 </p:sld>
 </file>
 
+<file path=ppt/slides/slide10.xml><?xml version="1.0" encoding="utf-8"?>
+<p:sld xmlns:a="http://schemas.openxmlformats.org/drawingml/2006/main" xmlns:r="http://schemas.openxmlformats.org/officeDocument/2006/relationships" xmlns:p="http://schemas.openxmlformats.org/presentationml/2006/main">
+  <p:cSld>
+    <p:spTree>
+      <p:nvGrpSpPr>
+        <p:cNvPr id="1" name=""/>
+        <p:cNvGrpSpPr/>
+        <p:nvPr/>
+      </p:nvGrpSpPr>
+      <p:grpSpPr>
+        <a:xfrm>
+          <a:off x="0" y="0"/>
+          <a:ext cx="0" cy="0"/>
+          <a:chOff x="0" y="0"/>
+          <a:chExt cx="0" cy="0"/>
+        </a:xfrm>
+      </p:grpSpPr>
+      <p:sp>
+        <p:nvSpPr>
+          <p:cNvPr id="2" name="Title 1">
+            <a:extLst>
+              <a:ext uri="{FF2B5EF4-FFF2-40B4-BE49-F238E27FC236}">
+                <a16:creationId xmlns:a16="http://schemas.microsoft.com/office/drawing/2014/main" id="{EAA9E18D-6439-40D7-8CC4-2EA82C8DA52E}"/>
+              </a:ext>
+            </a:extLst>
+          </p:cNvPr>
+          <p:cNvSpPr>
+            <a:spLocks noGrp="1"/>
+          </p:cNvSpPr>
+          <p:nvPr>
+            <p:ph type="title"/>
+          </p:nvPr>
+        </p:nvSpPr>
+        <p:spPr/>
+        <p:txBody>
+          <a:bodyPr/>
+          <a:lstStyle/>
+          <a:p>
+            <a:r>
+              <a:rPr lang="en-GB" dirty="0"/>
+              <a:t>Walkthrough </a:t>
+            </a:r>
+          </a:p>
+        </p:txBody>
+      </p:sp>
+      <p:sp>
+        <p:nvSpPr>
+          <p:cNvPr id="3" name="Content Placeholder 2">
+            <a:extLst>
+              <a:ext uri="{FF2B5EF4-FFF2-40B4-BE49-F238E27FC236}">
+                <a16:creationId xmlns:a16="http://schemas.microsoft.com/office/drawing/2014/main" id="{BC7C4B6A-0C81-4E88-868A-D95400B4A5F2}"/>
+              </a:ext>
+            </a:extLst>
+          </p:cNvPr>
+          <p:cNvSpPr>
+            <a:spLocks noGrp="1"/>
+          </p:cNvSpPr>
+          <p:nvPr>
+            <p:ph idx="1"/>
+          </p:nvPr>
+        </p:nvSpPr>
+        <p:spPr/>
+        <p:txBody>
+          <a:bodyPr/>
+          <a:lstStyle/>
+          <a:p>
+            <a:endParaRPr lang="en-GB"/>
+          </a:p>
+        </p:txBody>
+      </p:sp>
+    </p:spTree>
+    <p:extLst>
+      <p:ext uri="{BB962C8B-B14F-4D97-AF65-F5344CB8AC3E}">
+        <p14:creationId xmlns:p14="http://schemas.microsoft.com/office/powerpoint/2010/main" val="1331374456"/>
+      </p:ext>
+    </p:extLst>
+  </p:cSld>
+  <p:clrMapOvr>
+    <a:masterClrMapping/>
+  </p:clrMapOvr>
+</p:sld>
+</file>
+
 <file path=ppt/slides/slide2.xml><?xml version="1.0" encoding="utf-8"?>
 <p:sld xmlns:a="http://schemas.openxmlformats.org/drawingml/2006/main" xmlns:r="http://schemas.openxmlformats.org/officeDocument/2006/relationships" xmlns:p="http://schemas.openxmlformats.org/presentationml/2006/main">
   <p:cSld>
@@ -3460,7 +3552,7 @@
             <a:pPr algn="ctr"/>
             <a:r>
               <a:rPr lang="en-US" dirty="0"/>
-              <a:t>Group 7A – Find my Lecture</a:t>
+              <a:t>Group 7A: Overview – Find my Lecture</a:t>
             </a:r>
           </a:p>
         </p:txBody>
@@ -3496,19 +3588,19 @@
           <a:p>
             <a:r>
               <a:rPr lang="en-US" sz="2400" dirty="0"/>
-              <a:t>Users will be able to perform keyword searches and get filtered results based on week no/professor name/module name</a:t>
+              <a:t>Users will be able to perform keyword searches and get filtered results based on week number/professor name/module name</a:t>
             </a:r>
           </a:p>
           <a:p>
             <a:r>
               <a:rPr lang="en-US" sz="2400" dirty="0"/>
-              <a:t>Users will also be able to highlight/star these instances and save it to their profile.</a:t>
+              <a:t>Users will also be able to create an account to highlight/star these instances and save it to their profile.</a:t>
             </a:r>
           </a:p>
           <a:p>
             <a:r>
               <a:rPr lang="en-US" sz="2400" dirty="0"/>
-              <a:t>Professors will be able to upload study materials</a:t>
+              <a:t>Professors will be able to upload study materials for the students to save/highlight</a:t>
             </a:r>
           </a:p>
         </p:txBody>
@@ -3600,7 +3692,7 @@
           <a:p>
             <a:r>
               <a:rPr lang="en-US" sz="2400" dirty="0"/>
-              <a:t>Professors will have access to add/remove study materials. Students will have a read only access. </a:t>
+              <a:t>Professors and site admins will have access to add/remove study materials. Students will have a read only access. </a:t>
             </a:r>
           </a:p>
           <a:p>
@@ -5625,6 +5717,1032 @@
     <p:extLst>
       <p:ext uri="{BB962C8B-B14F-4D97-AF65-F5344CB8AC3E}">
         <p14:creationId xmlns:p14="http://schemas.microsoft.com/office/powerpoint/2010/main" val="2065194113"/>
+      </p:ext>
+    </p:extLst>
+  </p:cSld>
+  <p:clrMapOvr>
+    <a:masterClrMapping/>
+  </p:clrMapOvr>
+</p:sld>
+</file>
+
+<file path=ppt/slides/slide7.xml><?xml version="1.0" encoding="utf-8"?>
+<p:sld xmlns:a="http://schemas.openxmlformats.org/drawingml/2006/main" xmlns:r="http://schemas.openxmlformats.org/officeDocument/2006/relationships" xmlns:p="http://schemas.openxmlformats.org/presentationml/2006/main">
+  <p:cSld>
+    <p:spTree>
+      <p:nvGrpSpPr>
+        <p:cNvPr id="1" name=""/>
+        <p:cNvGrpSpPr/>
+        <p:nvPr/>
+      </p:nvGrpSpPr>
+      <p:grpSpPr>
+        <a:xfrm>
+          <a:off x="0" y="0"/>
+          <a:ext cx="0" cy="0"/>
+          <a:chOff x="0" y="0"/>
+          <a:chExt cx="0" cy="0"/>
+        </a:xfrm>
+      </p:grpSpPr>
+      <p:sp>
+        <p:nvSpPr>
+          <p:cNvPr id="2" name="Title 1">
+            <a:extLst>
+              <a:ext uri="{FF2B5EF4-FFF2-40B4-BE49-F238E27FC236}">
+                <a16:creationId xmlns:a16="http://schemas.microsoft.com/office/drawing/2014/main" id="{CB256729-69DC-4EC6-A5ED-2602B9E324B5}"/>
+              </a:ext>
+            </a:extLst>
+          </p:cNvPr>
+          <p:cNvSpPr>
+            <a:spLocks noGrp="1"/>
+          </p:cNvSpPr>
+          <p:nvPr>
+            <p:ph type="title"/>
+          </p:nvPr>
+        </p:nvSpPr>
+        <p:spPr/>
+        <p:txBody>
+          <a:bodyPr/>
+          <a:lstStyle/>
+          <a:p>
+            <a:r>
+              <a:rPr lang="en-GB" dirty="0"/>
+              <a:t>The Specification </a:t>
+            </a:r>
+          </a:p>
+        </p:txBody>
+      </p:sp>
+      <p:sp>
+        <p:nvSpPr>
+          <p:cNvPr id="3" name="Content Placeholder 2">
+            <a:extLst>
+              <a:ext uri="{FF2B5EF4-FFF2-40B4-BE49-F238E27FC236}">
+                <a16:creationId xmlns:a16="http://schemas.microsoft.com/office/drawing/2014/main" id="{45731521-319D-4886-B0B5-0F21D488A460}"/>
+              </a:ext>
+            </a:extLst>
+          </p:cNvPr>
+          <p:cNvSpPr>
+            <a:spLocks noGrp="1"/>
+          </p:cNvSpPr>
+          <p:nvPr>
+            <p:ph idx="1"/>
+          </p:nvPr>
+        </p:nvSpPr>
+        <p:spPr/>
+        <p:txBody>
+          <a:bodyPr>
+            <a:normAutofit lnSpcReduction="10000"/>
+          </a:bodyPr>
+          <a:lstStyle/>
+          <a:p>
+            <a:r>
+              <a:rPr lang="en-GB" dirty="0"/>
+              <a:t>The user is able to create/delete their account </a:t>
+            </a:r>
+          </a:p>
+          <a:p>
+            <a:r>
+              <a:rPr lang="en-GB" dirty="0"/>
+              <a:t>The user is able to log in/out of their account</a:t>
+            </a:r>
+          </a:p>
+          <a:p>
+            <a:r>
+              <a:rPr lang="en-GB" dirty="0"/>
+              <a:t>Professors with accounts and site admins can upload content </a:t>
+            </a:r>
+          </a:p>
+          <a:p>
+            <a:r>
+              <a:rPr lang="en-GB" dirty="0"/>
+              <a:t>Students can view and filter the content uploaded</a:t>
+            </a:r>
+          </a:p>
+          <a:p>
+            <a:r>
+              <a:rPr lang="en-GB" dirty="0"/>
+              <a:t>Students with accounts can save content and have their own instance to highlight</a:t>
+            </a:r>
+          </a:p>
+          <a:p>
+            <a:r>
+              <a:rPr lang="en-GB" dirty="0"/>
+              <a:t>Students with accounts can view all saved content on their account page</a:t>
+            </a:r>
+          </a:p>
+          <a:p>
+            <a:r>
+              <a:rPr lang="en-GB" dirty="0"/>
+              <a:t>User will be able to navigate through all pages that aren’t login restricted on all pages</a:t>
+            </a:r>
+          </a:p>
+          <a:p>
+            <a:endParaRPr lang="en-GB" dirty="0"/>
+          </a:p>
+          <a:p>
+            <a:endParaRPr lang="en-GB" dirty="0"/>
+          </a:p>
+        </p:txBody>
+      </p:sp>
+    </p:spTree>
+    <p:extLst>
+      <p:ext uri="{BB962C8B-B14F-4D97-AF65-F5344CB8AC3E}">
+        <p14:creationId xmlns:p14="http://schemas.microsoft.com/office/powerpoint/2010/main" val="3335088000"/>
+      </p:ext>
+    </p:extLst>
+  </p:cSld>
+  <p:clrMapOvr>
+    <a:masterClrMapping/>
+  </p:clrMapOvr>
+</p:sld>
+</file>
+
+<file path=ppt/slides/slide8.xml><?xml version="1.0" encoding="utf-8"?>
+<p:sld xmlns:a="http://schemas.openxmlformats.org/drawingml/2006/main" xmlns:r="http://schemas.openxmlformats.org/officeDocument/2006/relationships" xmlns:p="http://schemas.openxmlformats.org/presentationml/2006/main">
+  <p:cSld>
+    <p:spTree>
+      <p:nvGrpSpPr>
+        <p:cNvPr id="1" name=""/>
+        <p:cNvGrpSpPr/>
+        <p:nvPr/>
+      </p:nvGrpSpPr>
+      <p:grpSpPr>
+        <a:xfrm>
+          <a:off x="0" y="0"/>
+          <a:ext cx="0" cy="0"/>
+          <a:chOff x="0" y="0"/>
+          <a:chExt cx="0" cy="0"/>
+        </a:xfrm>
+      </p:grpSpPr>
+      <p:sp>
+        <p:nvSpPr>
+          <p:cNvPr id="2" name="Title 1">
+            <a:extLst>
+              <a:ext uri="{FF2B5EF4-FFF2-40B4-BE49-F238E27FC236}">
+                <a16:creationId xmlns:a16="http://schemas.microsoft.com/office/drawing/2014/main" id="{9B798473-5C4E-4CB0-9573-9DFEE9D223A6}"/>
+              </a:ext>
+            </a:extLst>
+          </p:cNvPr>
+          <p:cNvSpPr>
+            <a:spLocks noGrp="1"/>
+          </p:cNvSpPr>
+          <p:nvPr>
+            <p:ph type="title"/>
+          </p:nvPr>
+        </p:nvSpPr>
+        <p:spPr/>
+        <p:txBody>
+          <a:bodyPr/>
+          <a:lstStyle/>
+          <a:p>
+            <a:r>
+              <a:rPr lang="en-GB" dirty="0"/>
+              <a:t>System Architecture</a:t>
+            </a:r>
+          </a:p>
+        </p:txBody>
+      </p:sp>
+      <p:sp>
+        <p:nvSpPr>
+          <p:cNvPr id="4" name="Smiley Face 3">
+            <a:extLst>
+              <a:ext uri="{FF2B5EF4-FFF2-40B4-BE49-F238E27FC236}">
+                <a16:creationId xmlns:a16="http://schemas.microsoft.com/office/drawing/2014/main" id="{878431BF-EF9F-4686-AAEF-CA6E40AA4E40}"/>
+              </a:ext>
+            </a:extLst>
+          </p:cNvPr>
+          <p:cNvSpPr/>
+          <p:nvPr/>
+        </p:nvSpPr>
+        <p:spPr>
+          <a:xfrm>
+            <a:off x="475862" y="2034074"/>
+            <a:ext cx="1007705" cy="933062"/>
+          </a:xfrm>
+          <a:prstGeom prst="smileyFace">
+            <a:avLst/>
+          </a:prstGeom>
+          <a:solidFill>
+            <a:schemeClr val="bg1"/>
+          </a:solidFill>
+          <a:ln>
+            <a:solidFill>
+              <a:schemeClr val="tx1"/>
+            </a:solidFill>
+          </a:ln>
+        </p:spPr>
+        <p:style>
+          <a:lnRef idx="2">
+            <a:schemeClr val="accent1">
+              <a:shade val="50000"/>
+            </a:schemeClr>
+          </a:lnRef>
+          <a:fillRef idx="1">
+            <a:schemeClr val="accent1"/>
+          </a:fillRef>
+          <a:effectRef idx="0">
+            <a:schemeClr val="accent1"/>
+          </a:effectRef>
+          <a:fontRef idx="minor">
+            <a:schemeClr val="lt1"/>
+          </a:fontRef>
+        </p:style>
+        <p:txBody>
+          <a:bodyPr rtlCol="0" anchor="ctr"/>
+          <a:lstStyle/>
+          <a:p>
+            <a:pPr algn="ctr"/>
+            <a:endParaRPr lang="en-GB"/>
+          </a:p>
+        </p:txBody>
+      </p:sp>
+      <p:cxnSp>
+        <p:nvCxnSpPr>
+          <p:cNvPr id="6" name="Straight Connector 5">
+            <a:extLst>
+              <a:ext uri="{FF2B5EF4-FFF2-40B4-BE49-F238E27FC236}">
+                <a16:creationId xmlns:a16="http://schemas.microsoft.com/office/drawing/2014/main" id="{F8470938-10B2-40EB-87C0-1156A6AF797E}"/>
+              </a:ext>
+            </a:extLst>
+          </p:cNvPr>
+          <p:cNvCxnSpPr>
+            <a:stCxn id="4" idx="4"/>
+          </p:cNvCxnSpPr>
+          <p:nvPr/>
+        </p:nvCxnSpPr>
+        <p:spPr>
+          <a:xfrm flipH="1">
+            <a:off x="970384" y="2967136"/>
+            <a:ext cx="9331" cy="1007705"/>
+          </a:xfrm>
+          <a:prstGeom prst="line">
+            <a:avLst/>
+          </a:prstGeom>
+          <a:ln>
+            <a:solidFill>
+              <a:schemeClr val="tx1"/>
+            </a:solidFill>
+          </a:ln>
+        </p:spPr>
+        <p:style>
+          <a:lnRef idx="1">
+            <a:schemeClr val="accent1"/>
+          </a:lnRef>
+          <a:fillRef idx="0">
+            <a:schemeClr val="accent1"/>
+          </a:fillRef>
+          <a:effectRef idx="0">
+            <a:schemeClr val="accent1"/>
+          </a:effectRef>
+          <a:fontRef idx="minor">
+            <a:schemeClr val="tx1"/>
+          </a:fontRef>
+        </p:style>
+      </p:cxnSp>
+      <p:cxnSp>
+        <p:nvCxnSpPr>
+          <p:cNvPr id="8" name="Straight Connector 7">
+            <a:extLst>
+              <a:ext uri="{FF2B5EF4-FFF2-40B4-BE49-F238E27FC236}">
+                <a16:creationId xmlns:a16="http://schemas.microsoft.com/office/drawing/2014/main" id="{C19B3E6C-D052-4BF9-9BBD-D94C4CB612CA}"/>
+              </a:ext>
+            </a:extLst>
+          </p:cNvPr>
+          <p:cNvCxnSpPr/>
+          <p:nvPr/>
+        </p:nvCxnSpPr>
+        <p:spPr>
+          <a:xfrm>
+            <a:off x="970384" y="3974841"/>
+            <a:ext cx="354563" cy="587828"/>
+          </a:xfrm>
+          <a:prstGeom prst="line">
+            <a:avLst/>
+          </a:prstGeom>
+          <a:ln>
+            <a:solidFill>
+              <a:schemeClr val="tx1"/>
+            </a:solidFill>
+          </a:ln>
+        </p:spPr>
+        <p:style>
+          <a:lnRef idx="1">
+            <a:schemeClr val="accent1"/>
+          </a:lnRef>
+          <a:fillRef idx="0">
+            <a:schemeClr val="accent1"/>
+          </a:fillRef>
+          <a:effectRef idx="0">
+            <a:schemeClr val="accent1"/>
+          </a:effectRef>
+          <a:fontRef idx="minor">
+            <a:schemeClr val="tx1"/>
+          </a:fontRef>
+        </p:style>
+      </p:cxnSp>
+      <p:cxnSp>
+        <p:nvCxnSpPr>
+          <p:cNvPr id="10" name="Straight Connector 9">
+            <a:extLst>
+              <a:ext uri="{FF2B5EF4-FFF2-40B4-BE49-F238E27FC236}">
+                <a16:creationId xmlns:a16="http://schemas.microsoft.com/office/drawing/2014/main" id="{8FAE5725-6B0B-461C-94FE-BECDE339134C}"/>
+              </a:ext>
+            </a:extLst>
+          </p:cNvPr>
+          <p:cNvCxnSpPr/>
+          <p:nvPr/>
+        </p:nvCxnSpPr>
+        <p:spPr>
+          <a:xfrm flipH="1">
+            <a:off x="681135" y="3974841"/>
+            <a:ext cx="298580" cy="587828"/>
+          </a:xfrm>
+          <a:prstGeom prst="line">
+            <a:avLst/>
+          </a:prstGeom>
+          <a:ln>
+            <a:solidFill>
+              <a:schemeClr val="tx1"/>
+            </a:solidFill>
+          </a:ln>
+        </p:spPr>
+        <p:style>
+          <a:lnRef idx="1">
+            <a:schemeClr val="accent1"/>
+          </a:lnRef>
+          <a:fillRef idx="0">
+            <a:schemeClr val="accent1"/>
+          </a:fillRef>
+          <a:effectRef idx="0">
+            <a:schemeClr val="accent1"/>
+          </a:effectRef>
+          <a:fontRef idx="minor">
+            <a:schemeClr val="tx1"/>
+          </a:fontRef>
+        </p:style>
+      </p:cxnSp>
+      <p:cxnSp>
+        <p:nvCxnSpPr>
+          <p:cNvPr id="12" name="Straight Connector 11">
+            <a:extLst>
+              <a:ext uri="{FF2B5EF4-FFF2-40B4-BE49-F238E27FC236}">
+                <a16:creationId xmlns:a16="http://schemas.microsoft.com/office/drawing/2014/main" id="{19D55684-2D39-4F4C-89CA-72E938D3868D}"/>
+              </a:ext>
+            </a:extLst>
+          </p:cNvPr>
+          <p:cNvCxnSpPr>
+            <a:stCxn id="4" idx="4"/>
+          </p:cNvCxnSpPr>
+          <p:nvPr/>
+        </p:nvCxnSpPr>
+        <p:spPr>
+          <a:xfrm>
+            <a:off x="979715" y="2967136"/>
+            <a:ext cx="503852" cy="783770"/>
+          </a:xfrm>
+          <a:prstGeom prst="line">
+            <a:avLst/>
+          </a:prstGeom>
+          <a:ln>
+            <a:solidFill>
+              <a:schemeClr val="tx1"/>
+            </a:solidFill>
+          </a:ln>
+        </p:spPr>
+        <p:style>
+          <a:lnRef idx="1">
+            <a:schemeClr val="accent1"/>
+          </a:lnRef>
+          <a:fillRef idx="0">
+            <a:schemeClr val="accent1"/>
+          </a:fillRef>
+          <a:effectRef idx="0">
+            <a:schemeClr val="accent1"/>
+          </a:effectRef>
+          <a:fontRef idx="minor">
+            <a:schemeClr val="tx1"/>
+          </a:fontRef>
+        </p:style>
+      </p:cxnSp>
+      <p:cxnSp>
+        <p:nvCxnSpPr>
+          <p:cNvPr id="14" name="Straight Connector 13">
+            <a:extLst>
+              <a:ext uri="{FF2B5EF4-FFF2-40B4-BE49-F238E27FC236}">
+                <a16:creationId xmlns:a16="http://schemas.microsoft.com/office/drawing/2014/main" id="{3A412B67-B8BB-4CC3-9AD2-BF5C7E8D4E50}"/>
+              </a:ext>
+            </a:extLst>
+          </p:cNvPr>
+          <p:cNvCxnSpPr>
+            <a:stCxn id="4" idx="4"/>
+          </p:cNvCxnSpPr>
+          <p:nvPr/>
+        </p:nvCxnSpPr>
+        <p:spPr>
+          <a:xfrm flipH="1">
+            <a:off x="475862" y="2967136"/>
+            <a:ext cx="503853" cy="718456"/>
+          </a:xfrm>
+          <a:prstGeom prst="line">
+            <a:avLst/>
+          </a:prstGeom>
+          <a:ln>
+            <a:solidFill>
+              <a:schemeClr val="tx1"/>
+            </a:solidFill>
+          </a:ln>
+        </p:spPr>
+        <p:style>
+          <a:lnRef idx="1">
+            <a:schemeClr val="accent1"/>
+          </a:lnRef>
+          <a:fillRef idx="0">
+            <a:schemeClr val="accent1"/>
+          </a:fillRef>
+          <a:effectRef idx="0">
+            <a:schemeClr val="accent1"/>
+          </a:effectRef>
+          <a:fontRef idx="minor">
+            <a:schemeClr val="tx1"/>
+          </a:fontRef>
+        </p:style>
+      </p:cxnSp>
+      <p:sp>
+        <p:nvSpPr>
+          <p:cNvPr id="15" name="Rectangle 14">
+            <a:extLst>
+              <a:ext uri="{FF2B5EF4-FFF2-40B4-BE49-F238E27FC236}">
+                <a16:creationId xmlns:a16="http://schemas.microsoft.com/office/drawing/2014/main" id="{8E07B13D-6BF7-4557-8E47-CCA4C630043D}"/>
+              </a:ext>
+            </a:extLst>
+          </p:cNvPr>
+          <p:cNvSpPr/>
+          <p:nvPr/>
+        </p:nvSpPr>
+        <p:spPr>
+          <a:xfrm>
+            <a:off x="419878" y="4851918"/>
+            <a:ext cx="1623526" cy="587828"/>
+          </a:xfrm>
+          <a:prstGeom prst="rect">
+            <a:avLst/>
+          </a:prstGeom>
+          <a:noFill/>
+          <a:ln>
+            <a:solidFill>
+              <a:schemeClr val="tx1"/>
+            </a:solidFill>
+          </a:ln>
+        </p:spPr>
+        <p:style>
+          <a:lnRef idx="2">
+            <a:schemeClr val="accent1">
+              <a:shade val="50000"/>
+            </a:schemeClr>
+          </a:lnRef>
+          <a:fillRef idx="1">
+            <a:schemeClr val="accent1"/>
+          </a:fillRef>
+          <a:effectRef idx="0">
+            <a:schemeClr val="accent1"/>
+          </a:effectRef>
+          <a:fontRef idx="minor">
+            <a:schemeClr val="lt1"/>
+          </a:fontRef>
+        </p:style>
+        <p:txBody>
+          <a:bodyPr rtlCol="0" anchor="ctr"/>
+          <a:lstStyle/>
+          <a:p>
+            <a:pPr algn="ctr"/>
+            <a:r>
+              <a:rPr lang="en-GB" dirty="0">
+                <a:solidFill>
+                  <a:schemeClr val="tx1"/>
+                </a:solidFill>
+              </a:rPr>
+              <a:t>User</a:t>
+            </a:r>
+          </a:p>
+        </p:txBody>
+      </p:sp>
+      <p:sp>
+        <p:nvSpPr>
+          <p:cNvPr id="16" name="Rectangle 15">
+            <a:extLst>
+              <a:ext uri="{FF2B5EF4-FFF2-40B4-BE49-F238E27FC236}">
+                <a16:creationId xmlns:a16="http://schemas.microsoft.com/office/drawing/2014/main" id="{32B67003-E7DD-4A0E-813C-0DCE89020061}"/>
+              </a:ext>
+            </a:extLst>
+          </p:cNvPr>
+          <p:cNvSpPr/>
+          <p:nvPr/>
+        </p:nvSpPr>
+        <p:spPr>
+          <a:xfrm>
+            <a:off x="2932923" y="2825160"/>
+            <a:ext cx="1623526" cy="587828"/>
+          </a:xfrm>
+          <a:prstGeom prst="rect">
+            <a:avLst/>
+          </a:prstGeom>
+          <a:noFill/>
+          <a:ln>
+            <a:solidFill>
+              <a:schemeClr val="tx1"/>
+            </a:solidFill>
+          </a:ln>
+        </p:spPr>
+        <p:style>
+          <a:lnRef idx="2">
+            <a:schemeClr val="accent1">
+              <a:shade val="50000"/>
+            </a:schemeClr>
+          </a:lnRef>
+          <a:fillRef idx="1">
+            <a:schemeClr val="accent1"/>
+          </a:fillRef>
+          <a:effectRef idx="0">
+            <a:schemeClr val="accent1"/>
+          </a:effectRef>
+          <a:fontRef idx="minor">
+            <a:schemeClr val="lt1"/>
+          </a:fontRef>
+        </p:style>
+        <p:txBody>
+          <a:bodyPr rtlCol="0" anchor="ctr"/>
+          <a:lstStyle/>
+          <a:p>
+            <a:pPr algn="ctr"/>
+            <a:r>
+              <a:rPr lang="en-GB" dirty="0">
+                <a:solidFill>
+                  <a:schemeClr val="tx1"/>
+                </a:solidFill>
+              </a:rPr>
+              <a:t>Client</a:t>
+            </a:r>
+          </a:p>
+        </p:txBody>
+      </p:sp>
+      <p:sp>
+        <p:nvSpPr>
+          <p:cNvPr id="17" name="Rectangle 16">
+            <a:extLst>
+              <a:ext uri="{FF2B5EF4-FFF2-40B4-BE49-F238E27FC236}">
+                <a16:creationId xmlns:a16="http://schemas.microsoft.com/office/drawing/2014/main" id="{1D43E286-88CE-4B44-98A0-EBD2F728996B}"/>
+              </a:ext>
+            </a:extLst>
+          </p:cNvPr>
+          <p:cNvSpPr/>
+          <p:nvPr/>
+        </p:nvSpPr>
+        <p:spPr>
+          <a:xfrm>
+            <a:off x="5735218" y="2809148"/>
+            <a:ext cx="1623526" cy="619852"/>
+          </a:xfrm>
+          <a:prstGeom prst="rect">
+            <a:avLst/>
+          </a:prstGeom>
+          <a:noFill/>
+          <a:ln>
+            <a:solidFill>
+              <a:schemeClr val="tx1"/>
+            </a:solidFill>
+          </a:ln>
+        </p:spPr>
+        <p:style>
+          <a:lnRef idx="2">
+            <a:schemeClr val="accent1">
+              <a:shade val="50000"/>
+            </a:schemeClr>
+          </a:lnRef>
+          <a:fillRef idx="1">
+            <a:schemeClr val="accent1"/>
+          </a:fillRef>
+          <a:effectRef idx="0">
+            <a:schemeClr val="accent1"/>
+          </a:effectRef>
+          <a:fontRef idx="minor">
+            <a:schemeClr val="lt1"/>
+          </a:fontRef>
+        </p:style>
+        <p:txBody>
+          <a:bodyPr rtlCol="0" anchor="ctr"/>
+          <a:lstStyle/>
+          <a:p>
+            <a:pPr algn="ctr"/>
+            <a:r>
+              <a:rPr lang="en-GB" dirty="0">
+                <a:solidFill>
+                  <a:schemeClr val="tx1"/>
+                </a:solidFill>
+              </a:rPr>
+              <a:t>Middleware</a:t>
+            </a:r>
+          </a:p>
+        </p:txBody>
+      </p:sp>
+      <p:sp>
+        <p:nvSpPr>
+          <p:cNvPr id="18" name="Cloud 17">
+            <a:extLst>
+              <a:ext uri="{FF2B5EF4-FFF2-40B4-BE49-F238E27FC236}">
+                <a16:creationId xmlns:a16="http://schemas.microsoft.com/office/drawing/2014/main" id="{7B44C75D-218B-4859-894A-0EB6EE3CE9D0}"/>
+              </a:ext>
+            </a:extLst>
+          </p:cNvPr>
+          <p:cNvSpPr/>
+          <p:nvPr/>
+        </p:nvSpPr>
+        <p:spPr>
+          <a:xfrm>
+            <a:off x="9069355" y="891998"/>
+            <a:ext cx="2646783" cy="1436914"/>
+          </a:xfrm>
+          <a:prstGeom prst="cloud">
+            <a:avLst/>
+          </a:prstGeom>
+          <a:noFill/>
+          <a:ln>
+            <a:solidFill>
+              <a:schemeClr val="tx1"/>
+            </a:solidFill>
+          </a:ln>
+        </p:spPr>
+        <p:style>
+          <a:lnRef idx="2">
+            <a:schemeClr val="accent1">
+              <a:shade val="50000"/>
+            </a:schemeClr>
+          </a:lnRef>
+          <a:fillRef idx="1">
+            <a:schemeClr val="accent1"/>
+          </a:fillRef>
+          <a:effectRef idx="0">
+            <a:schemeClr val="accent1"/>
+          </a:effectRef>
+          <a:fontRef idx="minor">
+            <a:schemeClr val="lt1"/>
+          </a:fontRef>
+        </p:style>
+        <p:txBody>
+          <a:bodyPr rtlCol="0" anchor="ctr"/>
+          <a:lstStyle/>
+          <a:p>
+            <a:pPr algn="ctr"/>
+            <a:r>
+              <a:rPr lang="en-GB" dirty="0">
+                <a:solidFill>
+                  <a:schemeClr val="tx1"/>
+                </a:solidFill>
+              </a:rPr>
+              <a:t>Moodle/Google</a:t>
+            </a:r>
+          </a:p>
+          <a:p>
+            <a:pPr algn="ctr"/>
+            <a:r>
+              <a:rPr lang="en-GB" dirty="0">
+                <a:solidFill>
+                  <a:schemeClr val="tx1"/>
+                </a:solidFill>
+              </a:rPr>
+              <a:t>Search API</a:t>
+            </a:r>
+          </a:p>
+        </p:txBody>
+      </p:sp>
+      <p:sp>
+        <p:nvSpPr>
+          <p:cNvPr id="19" name="Cylinder 18">
+            <a:extLst>
+              <a:ext uri="{FF2B5EF4-FFF2-40B4-BE49-F238E27FC236}">
+                <a16:creationId xmlns:a16="http://schemas.microsoft.com/office/drawing/2014/main" id="{3546B2E7-3E75-4547-B0CC-D29B5188DFF4}"/>
+              </a:ext>
+            </a:extLst>
+          </p:cNvPr>
+          <p:cNvSpPr/>
+          <p:nvPr/>
+        </p:nvSpPr>
+        <p:spPr>
+          <a:xfrm>
+            <a:off x="9088016" y="3214395"/>
+            <a:ext cx="1800808" cy="1931437"/>
+          </a:xfrm>
+          <a:prstGeom prst="can">
+            <a:avLst/>
+          </a:prstGeom>
+          <a:noFill/>
+          <a:ln>
+            <a:solidFill>
+              <a:schemeClr val="tx1"/>
+            </a:solidFill>
+          </a:ln>
+        </p:spPr>
+        <p:style>
+          <a:lnRef idx="2">
+            <a:schemeClr val="accent1">
+              <a:shade val="50000"/>
+            </a:schemeClr>
+          </a:lnRef>
+          <a:fillRef idx="1">
+            <a:schemeClr val="accent1"/>
+          </a:fillRef>
+          <a:effectRef idx="0">
+            <a:schemeClr val="accent1"/>
+          </a:effectRef>
+          <a:fontRef idx="minor">
+            <a:schemeClr val="lt1"/>
+          </a:fontRef>
+        </p:style>
+        <p:txBody>
+          <a:bodyPr rtlCol="0" anchor="ctr"/>
+          <a:lstStyle/>
+          <a:p>
+            <a:pPr algn="ctr"/>
+            <a:r>
+              <a:rPr lang="en-GB" dirty="0">
+                <a:solidFill>
+                  <a:schemeClr val="tx1"/>
+                </a:solidFill>
+              </a:rPr>
+              <a:t>Database</a:t>
+            </a:r>
+          </a:p>
+        </p:txBody>
+      </p:sp>
+      <p:cxnSp>
+        <p:nvCxnSpPr>
+          <p:cNvPr id="25" name="Straight Arrow Connector 24">
+            <a:extLst>
+              <a:ext uri="{FF2B5EF4-FFF2-40B4-BE49-F238E27FC236}">
+                <a16:creationId xmlns:a16="http://schemas.microsoft.com/office/drawing/2014/main" id="{10CF4283-4F7C-413D-83C5-1CFC0F7B9B6C}"/>
+              </a:ext>
+            </a:extLst>
+          </p:cNvPr>
+          <p:cNvCxnSpPr>
+            <a:stCxn id="16" idx="1"/>
+          </p:cNvCxnSpPr>
+          <p:nvPr/>
+        </p:nvCxnSpPr>
+        <p:spPr>
+          <a:xfrm flipH="1">
+            <a:off x="1536440" y="3119074"/>
+            <a:ext cx="1396483" cy="0"/>
+          </a:xfrm>
+          <a:prstGeom prst="straightConnector1">
+            <a:avLst/>
+          </a:prstGeom>
+          <a:ln>
+            <a:solidFill>
+              <a:schemeClr val="tx1"/>
+            </a:solidFill>
+            <a:headEnd type="triangle"/>
+            <a:tailEnd type="triangle"/>
+          </a:ln>
+        </p:spPr>
+        <p:style>
+          <a:lnRef idx="1">
+            <a:schemeClr val="accent1"/>
+          </a:lnRef>
+          <a:fillRef idx="0">
+            <a:schemeClr val="accent1"/>
+          </a:fillRef>
+          <a:effectRef idx="0">
+            <a:schemeClr val="accent1"/>
+          </a:effectRef>
+          <a:fontRef idx="minor">
+            <a:schemeClr val="tx1"/>
+          </a:fontRef>
+        </p:style>
+      </p:cxnSp>
+      <p:cxnSp>
+        <p:nvCxnSpPr>
+          <p:cNvPr id="27" name="Straight Arrow Connector 26">
+            <a:extLst>
+              <a:ext uri="{FF2B5EF4-FFF2-40B4-BE49-F238E27FC236}">
+                <a16:creationId xmlns:a16="http://schemas.microsoft.com/office/drawing/2014/main" id="{9411FF59-F50E-41D6-AC39-E21CB1F6D99B}"/>
+              </a:ext>
+            </a:extLst>
+          </p:cNvPr>
+          <p:cNvCxnSpPr>
+            <a:stCxn id="16" idx="3"/>
+            <a:endCxn id="17" idx="1"/>
+          </p:cNvCxnSpPr>
+          <p:nvPr/>
+        </p:nvCxnSpPr>
+        <p:spPr>
+          <a:xfrm>
+            <a:off x="4556449" y="3119074"/>
+            <a:ext cx="1178769" cy="0"/>
+          </a:xfrm>
+          <a:prstGeom prst="straightConnector1">
+            <a:avLst/>
+          </a:prstGeom>
+          <a:ln>
+            <a:solidFill>
+              <a:schemeClr val="tx1"/>
+            </a:solidFill>
+            <a:headEnd type="triangle"/>
+            <a:tailEnd type="triangle"/>
+          </a:ln>
+        </p:spPr>
+        <p:style>
+          <a:lnRef idx="1">
+            <a:schemeClr val="accent1"/>
+          </a:lnRef>
+          <a:fillRef idx="0">
+            <a:schemeClr val="accent1"/>
+          </a:fillRef>
+          <a:effectRef idx="0">
+            <a:schemeClr val="accent1"/>
+          </a:effectRef>
+          <a:fontRef idx="minor">
+            <a:schemeClr val="tx1"/>
+          </a:fontRef>
+        </p:style>
+      </p:cxnSp>
+      <p:cxnSp>
+        <p:nvCxnSpPr>
+          <p:cNvPr id="29" name="Straight Arrow Connector 28">
+            <a:extLst>
+              <a:ext uri="{FF2B5EF4-FFF2-40B4-BE49-F238E27FC236}">
+                <a16:creationId xmlns:a16="http://schemas.microsoft.com/office/drawing/2014/main" id="{C4BD0C16-7860-4735-AA7E-0D298DF5B9A8}"/>
+              </a:ext>
+            </a:extLst>
+          </p:cNvPr>
+          <p:cNvCxnSpPr>
+            <a:stCxn id="17" idx="3"/>
+            <a:endCxn id="19" idx="2"/>
+          </p:cNvCxnSpPr>
+          <p:nvPr/>
+        </p:nvCxnSpPr>
+        <p:spPr>
+          <a:xfrm>
+            <a:off x="7358744" y="3119074"/>
+            <a:ext cx="1729272" cy="1061040"/>
+          </a:xfrm>
+          <a:prstGeom prst="straightConnector1">
+            <a:avLst/>
+          </a:prstGeom>
+          <a:ln>
+            <a:solidFill>
+              <a:schemeClr val="tx1"/>
+            </a:solidFill>
+            <a:headEnd type="triangle"/>
+            <a:tailEnd type="triangle"/>
+          </a:ln>
+        </p:spPr>
+        <p:style>
+          <a:lnRef idx="1">
+            <a:schemeClr val="accent1"/>
+          </a:lnRef>
+          <a:fillRef idx="0">
+            <a:schemeClr val="accent1"/>
+          </a:fillRef>
+          <a:effectRef idx="0">
+            <a:schemeClr val="accent1"/>
+          </a:effectRef>
+          <a:fontRef idx="minor">
+            <a:schemeClr val="tx1"/>
+          </a:fontRef>
+        </p:style>
+      </p:cxnSp>
+      <p:cxnSp>
+        <p:nvCxnSpPr>
+          <p:cNvPr id="31" name="Straight Arrow Connector 30">
+            <a:extLst>
+              <a:ext uri="{FF2B5EF4-FFF2-40B4-BE49-F238E27FC236}">
+                <a16:creationId xmlns:a16="http://schemas.microsoft.com/office/drawing/2014/main" id="{E2B8B66D-5F3B-4709-A07E-B22ED9200809}"/>
+              </a:ext>
+            </a:extLst>
+          </p:cNvPr>
+          <p:cNvCxnSpPr>
+            <a:cxnSpLocks/>
+            <a:stCxn id="17" idx="3"/>
+            <a:endCxn id="18" idx="2"/>
+          </p:cNvCxnSpPr>
+          <p:nvPr/>
+        </p:nvCxnSpPr>
+        <p:spPr>
+          <a:xfrm flipV="1">
+            <a:off x="7358744" y="1610455"/>
+            <a:ext cx="1718821" cy="1508619"/>
+          </a:xfrm>
+          <a:prstGeom prst="straightConnector1">
+            <a:avLst/>
+          </a:prstGeom>
+          <a:ln>
+            <a:solidFill>
+              <a:schemeClr val="tx1"/>
+            </a:solidFill>
+            <a:headEnd type="triangle"/>
+            <a:tailEnd type="triangle"/>
+          </a:ln>
+        </p:spPr>
+        <p:style>
+          <a:lnRef idx="1">
+            <a:schemeClr val="accent1"/>
+          </a:lnRef>
+          <a:fillRef idx="0">
+            <a:schemeClr val="accent1"/>
+          </a:fillRef>
+          <a:effectRef idx="0">
+            <a:schemeClr val="accent1"/>
+          </a:effectRef>
+          <a:fontRef idx="minor">
+            <a:schemeClr val="tx1"/>
+          </a:fontRef>
+        </p:style>
+      </p:cxnSp>
+    </p:spTree>
+    <p:extLst>
+      <p:ext uri="{BB962C8B-B14F-4D97-AF65-F5344CB8AC3E}">
+        <p14:creationId xmlns:p14="http://schemas.microsoft.com/office/powerpoint/2010/main" val="2729043450"/>
+      </p:ext>
+    </p:extLst>
+  </p:cSld>
+  <p:clrMapOvr>
+    <a:masterClrMapping/>
+  </p:clrMapOvr>
+</p:sld>
+</file>
+
+<file path=ppt/slides/slide9.xml><?xml version="1.0" encoding="utf-8"?>
+<p:sld xmlns:a="http://schemas.openxmlformats.org/drawingml/2006/main" xmlns:r="http://schemas.openxmlformats.org/officeDocument/2006/relationships" xmlns:p="http://schemas.openxmlformats.org/presentationml/2006/main">
+  <p:cSld>
+    <p:spTree>
+      <p:nvGrpSpPr>
+        <p:cNvPr id="1" name=""/>
+        <p:cNvGrpSpPr/>
+        <p:nvPr/>
+      </p:nvGrpSpPr>
+      <p:grpSpPr>
+        <a:xfrm>
+          <a:off x="0" y="0"/>
+          <a:ext cx="0" cy="0"/>
+          <a:chOff x="0" y="0"/>
+          <a:chExt cx="0" cy="0"/>
+        </a:xfrm>
+      </p:grpSpPr>
+      <p:sp>
+        <p:nvSpPr>
+          <p:cNvPr id="2" name="Title 1">
+            <a:extLst>
+              <a:ext uri="{FF2B5EF4-FFF2-40B4-BE49-F238E27FC236}">
+                <a16:creationId xmlns:a16="http://schemas.microsoft.com/office/drawing/2014/main" id="{C9ECBC21-F83F-455B-BE32-F8BC56BA83FC}"/>
+              </a:ext>
+            </a:extLst>
+          </p:cNvPr>
+          <p:cNvSpPr>
+            <a:spLocks noGrp="1"/>
+          </p:cNvSpPr>
+          <p:nvPr>
+            <p:ph type="title"/>
+          </p:nvPr>
+        </p:nvSpPr>
+        <p:spPr/>
+        <p:txBody>
+          <a:bodyPr/>
+          <a:lstStyle/>
+          <a:p>
+            <a:r>
+              <a:rPr lang="en-GB" dirty="0"/>
+              <a:t>ER Diagram (Chen notation)</a:t>
+            </a:r>
+          </a:p>
+        </p:txBody>
+      </p:sp>
+      <p:sp>
+        <p:nvSpPr>
+          <p:cNvPr id="3" name="Content Placeholder 2">
+            <a:extLst>
+              <a:ext uri="{FF2B5EF4-FFF2-40B4-BE49-F238E27FC236}">
+                <a16:creationId xmlns:a16="http://schemas.microsoft.com/office/drawing/2014/main" id="{4DA582CB-FB9A-487F-AC5B-DFEA1B184447}"/>
+              </a:ext>
+            </a:extLst>
+          </p:cNvPr>
+          <p:cNvSpPr>
+            <a:spLocks noGrp="1"/>
+          </p:cNvSpPr>
+          <p:nvPr>
+            <p:ph idx="1"/>
+          </p:nvPr>
+        </p:nvSpPr>
+        <p:spPr/>
+        <p:txBody>
+          <a:bodyPr/>
+          <a:lstStyle/>
+          <a:p>
+            <a:endParaRPr lang="en-GB"/>
+          </a:p>
+        </p:txBody>
+      </p:sp>
+    </p:spTree>
+    <p:extLst>
+      <p:ext uri="{BB962C8B-B14F-4D97-AF65-F5344CB8AC3E}">
+        <p14:creationId xmlns:p14="http://schemas.microsoft.com/office/powerpoint/2010/main" val="2859539322"/>
       </p:ext>
     </p:extLst>
   </p:cSld>

--- a/DesignSpecification.pptx
+++ b/DesignSpecification.pptx
@@ -6716,29 +6716,915 @@
       </p:sp>
       <p:sp>
         <p:nvSpPr>
-          <p:cNvPr id="3" name="Content Placeholder 2">
-            <a:extLst>
-              <a:ext uri="{FF2B5EF4-FFF2-40B4-BE49-F238E27FC236}">
-                <a16:creationId xmlns:a16="http://schemas.microsoft.com/office/drawing/2014/main" id="{4DA582CB-FB9A-487F-AC5B-DFEA1B184447}"/>
-              </a:ext>
-            </a:extLst>
-          </p:cNvPr>
-          <p:cNvSpPr>
-            <a:spLocks noGrp="1"/>
-          </p:cNvSpPr>
-          <p:nvPr>
-            <p:ph idx="1"/>
-          </p:nvPr>
-        </p:nvSpPr>
-        <p:spPr/>
-        <p:txBody>
-          <a:bodyPr/>
-          <a:lstStyle/>
-          <a:p>
+          <p:cNvPr id="4" name="Rectangle 3">
+            <a:extLst>
+              <a:ext uri="{FF2B5EF4-FFF2-40B4-BE49-F238E27FC236}">
+                <a16:creationId xmlns:a16="http://schemas.microsoft.com/office/drawing/2014/main" id="{2F051B80-E165-4202-80AB-F3B6DBDAA48F}"/>
+              </a:ext>
+            </a:extLst>
+          </p:cNvPr>
+          <p:cNvSpPr/>
+          <p:nvPr/>
+        </p:nvSpPr>
+        <p:spPr>
+          <a:xfrm>
+            <a:off x="307911" y="3247052"/>
+            <a:ext cx="1623526" cy="587828"/>
+          </a:xfrm>
+          <a:prstGeom prst="rect">
+            <a:avLst/>
+          </a:prstGeom>
+          <a:noFill/>
+          <a:ln>
+            <a:solidFill>
+              <a:schemeClr val="tx1"/>
+            </a:solidFill>
+          </a:ln>
+        </p:spPr>
+        <p:style>
+          <a:lnRef idx="2">
+            <a:schemeClr val="accent1">
+              <a:shade val="50000"/>
+            </a:schemeClr>
+          </a:lnRef>
+          <a:fillRef idx="1">
+            <a:schemeClr val="accent1"/>
+          </a:fillRef>
+          <a:effectRef idx="0">
+            <a:schemeClr val="accent1"/>
+          </a:effectRef>
+          <a:fontRef idx="minor">
+            <a:schemeClr val="lt1"/>
+          </a:fontRef>
+        </p:style>
+        <p:txBody>
+          <a:bodyPr rtlCol="0" anchor="ctr"/>
+          <a:lstStyle/>
+          <a:p>
+            <a:pPr algn="ctr"/>
+            <a:r>
+              <a:rPr lang="en-GB" dirty="0">
+                <a:solidFill>
+                  <a:schemeClr val="tx1"/>
+                </a:solidFill>
+              </a:rPr>
+              <a:t>User</a:t>
+            </a:r>
+          </a:p>
+        </p:txBody>
+      </p:sp>
+      <p:sp>
+        <p:nvSpPr>
+          <p:cNvPr id="5" name="Oval 4">
+            <a:extLst>
+              <a:ext uri="{FF2B5EF4-FFF2-40B4-BE49-F238E27FC236}">
+                <a16:creationId xmlns:a16="http://schemas.microsoft.com/office/drawing/2014/main" id="{04FD4208-8CFF-449A-B873-E3537D41FB48}"/>
+              </a:ext>
+            </a:extLst>
+          </p:cNvPr>
+          <p:cNvSpPr/>
+          <p:nvPr/>
+        </p:nvSpPr>
+        <p:spPr>
+          <a:xfrm>
+            <a:off x="2295330" y="3356685"/>
+            <a:ext cx="494523" cy="368561"/>
+          </a:xfrm>
+          <a:prstGeom prst="ellipse">
+            <a:avLst/>
+          </a:prstGeom>
+          <a:noFill/>
+          <a:ln>
+            <a:solidFill>
+              <a:schemeClr val="tx1"/>
+            </a:solidFill>
+          </a:ln>
+        </p:spPr>
+        <p:style>
+          <a:lnRef idx="2">
+            <a:schemeClr val="accent1">
+              <a:shade val="50000"/>
+            </a:schemeClr>
+          </a:lnRef>
+          <a:fillRef idx="1">
+            <a:schemeClr val="accent1"/>
+          </a:fillRef>
+          <a:effectRef idx="0">
+            <a:schemeClr val="accent1"/>
+          </a:effectRef>
+          <a:fontRef idx="minor">
+            <a:schemeClr val="lt1"/>
+          </a:fontRef>
+        </p:style>
+        <p:txBody>
+          <a:bodyPr rtlCol="0" anchor="ctr"/>
+          <a:lstStyle/>
+          <a:p>
+            <a:pPr algn="ctr"/>
+            <a:r>
+              <a:rPr lang="en-GB" dirty="0">
+                <a:solidFill>
+                  <a:schemeClr val="tx1"/>
+                </a:solidFill>
+              </a:rPr>
+              <a:t>O</a:t>
+            </a:r>
+          </a:p>
+        </p:txBody>
+      </p:sp>
+      <p:cxnSp>
+        <p:nvCxnSpPr>
+          <p:cNvPr id="7" name="Straight Connector 6">
+            <a:extLst>
+              <a:ext uri="{FF2B5EF4-FFF2-40B4-BE49-F238E27FC236}">
+                <a16:creationId xmlns:a16="http://schemas.microsoft.com/office/drawing/2014/main" id="{1F10592D-602C-4421-B7F9-9FEFB564245C}"/>
+              </a:ext>
+            </a:extLst>
+          </p:cNvPr>
+          <p:cNvCxnSpPr>
+            <a:stCxn id="4" idx="3"/>
+            <a:endCxn id="5" idx="2"/>
+          </p:cNvCxnSpPr>
+          <p:nvPr/>
+        </p:nvCxnSpPr>
+        <p:spPr>
+          <a:xfrm>
+            <a:off x="1931437" y="3540966"/>
+            <a:ext cx="363893" cy="0"/>
+          </a:xfrm>
+          <a:prstGeom prst="line">
+            <a:avLst/>
+          </a:prstGeom>
+        </p:spPr>
+        <p:style>
+          <a:lnRef idx="1">
+            <a:schemeClr val="accent1"/>
+          </a:lnRef>
+          <a:fillRef idx="0">
+            <a:schemeClr val="accent1"/>
+          </a:fillRef>
+          <a:effectRef idx="0">
+            <a:schemeClr val="accent1"/>
+          </a:effectRef>
+          <a:fontRef idx="minor">
+            <a:schemeClr val="tx1"/>
+          </a:fontRef>
+        </p:style>
+      </p:cxnSp>
+      <p:sp>
+        <p:nvSpPr>
+          <p:cNvPr id="9" name="Rectangle 8">
+            <a:extLst>
+              <a:ext uri="{FF2B5EF4-FFF2-40B4-BE49-F238E27FC236}">
+                <a16:creationId xmlns:a16="http://schemas.microsoft.com/office/drawing/2014/main" id="{AB4E13EC-5B3D-46D7-A74D-87D1FABF8E14}"/>
+              </a:ext>
+            </a:extLst>
+          </p:cNvPr>
+          <p:cNvSpPr/>
+          <p:nvPr/>
+        </p:nvSpPr>
+        <p:spPr>
+          <a:xfrm>
+            <a:off x="2942254" y="2240025"/>
+            <a:ext cx="1623526" cy="587828"/>
+          </a:xfrm>
+          <a:prstGeom prst="rect">
+            <a:avLst/>
+          </a:prstGeom>
+          <a:noFill/>
+          <a:ln>
+            <a:solidFill>
+              <a:schemeClr val="tx1"/>
+            </a:solidFill>
+          </a:ln>
+        </p:spPr>
+        <p:style>
+          <a:lnRef idx="2">
+            <a:schemeClr val="accent1">
+              <a:shade val="50000"/>
+            </a:schemeClr>
+          </a:lnRef>
+          <a:fillRef idx="1">
+            <a:schemeClr val="accent1"/>
+          </a:fillRef>
+          <a:effectRef idx="0">
+            <a:schemeClr val="accent1"/>
+          </a:effectRef>
+          <a:fontRef idx="minor">
+            <a:schemeClr val="lt1"/>
+          </a:fontRef>
+        </p:style>
+        <p:txBody>
+          <a:bodyPr rtlCol="0" anchor="ctr"/>
+          <a:lstStyle/>
+          <a:p>
+            <a:pPr algn="ctr"/>
+            <a:r>
+              <a:rPr lang="en-GB" dirty="0">
+                <a:solidFill>
+                  <a:schemeClr val="tx1"/>
+                </a:solidFill>
+              </a:rPr>
+              <a:t>Professor</a:t>
+            </a:r>
+          </a:p>
+        </p:txBody>
+      </p:sp>
+      <p:sp>
+        <p:nvSpPr>
+          <p:cNvPr id="10" name="Rectangle 9">
+            <a:extLst>
+              <a:ext uri="{FF2B5EF4-FFF2-40B4-BE49-F238E27FC236}">
+                <a16:creationId xmlns:a16="http://schemas.microsoft.com/office/drawing/2014/main" id="{99737E61-8F61-459C-BD4B-A65D5FF4CB2E}"/>
+              </a:ext>
+            </a:extLst>
+          </p:cNvPr>
+          <p:cNvSpPr/>
+          <p:nvPr/>
+        </p:nvSpPr>
+        <p:spPr>
+          <a:xfrm>
+            <a:off x="2942254" y="3987280"/>
+            <a:ext cx="1623526" cy="587828"/>
+          </a:xfrm>
+          <a:prstGeom prst="rect">
+            <a:avLst/>
+          </a:prstGeom>
+          <a:noFill/>
+          <a:ln>
+            <a:solidFill>
+              <a:schemeClr val="tx1"/>
+            </a:solidFill>
+          </a:ln>
+        </p:spPr>
+        <p:style>
+          <a:lnRef idx="2">
+            <a:schemeClr val="accent1">
+              <a:shade val="50000"/>
+            </a:schemeClr>
+          </a:lnRef>
+          <a:fillRef idx="1">
+            <a:schemeClr val="accent1"/>
+          </a:fillRef>
+          <a:effectRef idx="0">
+            <a:schemeClr val="accent1"/>
+          </a:effectRef>
+          <a:fontRef idx="minor">
+            <a:schemeClr val="lt1"/>
+          </a:fontRef>
+        </p:style>
+        <p:txBody>
+          <a:bodyPr rtlCol="0" anchor="ctr"/>
+          <a:lstStyle/>
+          <a:p>
+            <a:pPr algn="ctr"/>
+            <a:r>
+              <a:rPr lang="en-GB" dirty="0">
+                <a:solidFill>
+                  <a:schemeClr val="tx1"/>
+                </a:solidFill>
+              </a:rPr>
+              <a:t>Student</a:t>
+            </a:r>
+          </a:p>
+        </p:txBody>
+      </p:sp>
+      <p:cxnSp>
+        <p:nvCxnSpPr>
+          <p:cNvPr id="12" name="Straight Connector 11">
+            <a:extLst>
+              <a:ext uri="{FF2B5EF4-FFF2-40B4-BE49-F238E27FC236}">
+                <a16:creationId xmlns:a16="http://schemas.microsoft.com/office/drawing/2014/main" id="{6BBEBCE0-58A0-4191-A54A-E9F2F9C43F06}"/>
+              </a:ext>
+            </a:extLst>
+          </p:cNvPr>
+          <p:cNvCxnSpPr>
+            <a:stCxn id="5" idx="6"/>
+            <a:endCxn id="9" idx="1"/>
+          </p:cNvCxnSpPr>
+          <p:nvPr/>
+        </p:nvCxnSpPr>
+        <p:spPr>
+          <a:xfrm flipV="1">
+            <a:off x="2789853" y="2533939"/>
+            <a:ext cx="152401" cy="1007027"/>
+          </a:xfrm>
+          <a:prstGeom prst="line">
+            <a:avLst/>
+          </a:prstGeom>
+          <a:ln>
+            <a:solidFill>
+              <a:schemeClr val="tx1"/>
+            </a:solidFill>
+          </a:ln>
+        </p:spPr>
+        <p:style>
+          <a:lnRef idx="1">
+            <a:schemeClr val="accent1"/>
+          </a:lnRef>
+          <a:fillRef idx="0">
+            <a:schemeClr val="accent1"/>
+          </a:fillRef>
+          <a:effectRef idx="0">
+            <a:schemeClr val="accent1"/>
+          </a:effectRef>
+          <a:fontRef idx="minor">
+            <a:schemeClr val="tx1"/>
+          </a:fontRef>
+        </p:style>
+      </p:cxnSp>
+      <p:cxnSp>
+        <p:nvCxnSpPr>
+          <p:cNvPr id="14" name="Straight Connector 13">
+            <a:extLst>
+              <a:ext uri="{FF2B5EF4-FFF2-40B4-BE49-F238E27FC236}">
+                <a16:creationId xmlns:a16="http://schemas.microsoft.com/office/drawing/2014/main" id="{1A6D4049-ADE1-4A93-A9BE-4544D3394750}"/>
+              </a:ext>
+            </a:extLst>
+          </p:cNvPr>
+          <p:cNvCxnSpPr>
+            <a:stCxn id="5" idx="6"/>
+            <a:endCxn id="10" idx="1"/>
+          </p:cNvCxnSpPr>
+          <p:nvPr/>
+        </p:nvCxnSpPr>
+        <p:spPr>
+          <a:xfrm>
+            <a:off x="2789853" y="3540966"/>
+            <a:ext cx="152401" cy="740228"/>
+          </a:xfrm>
+          <a:prstGeom prst="line">
+            <a:avLst/>
+          </a:prstGeom>
+          <a:ln>
+            <a:solidFill>
+              <a:schemeClr val="tx1"/>
+            </a:solidFill>
+          </a:ln>
+        </p:spPr>
+        <p:style>
+          <a:lnRef idx="1">
+            <a:schemeClr val="accent1"/>
+          </a:lnRef>
+          <a:fillRef idx="0">
+            <a:schemeClr val="accent1"/>
+          </a:fillRef>
+          <a:effectRef idx="0">
+            <a:schemeClr val="accent1"/>
+          </a:effectRef>
+          <a:fontRef idx="minor">
+            <a:schemeClr val="tx1"/>
+          </a:fontRef>
+        </p:style>
+      </p:cxnSp>
+      <p:sp>
+        <p:nvSpPr>
+          <p:cNvPr id="15" name="Freeform: Shape 14">
+            <a:extLst>
+              <a:ext uri="{FF2B5EF4-FFF2-40B4-BE49-F238E27FC236}">
+                <a16:creationId xmlns:a16="http://schemas.microsoft.com/office/drawing/2014/main" id="{405466FD-7C76-439E-A0E2-AE4422AD9563}"/>
+              </a:ext>
+            </a:extLst>
+          </p:cNvPr>
+          <p:cNvSpPr/>
+          <p:nvPr/>
+        </p:nvSpPr>
+        <p:spPr>
+          <a:xfrm>
+            <a:off x="2771192" y="3097552"/>
+            <a:ext cx="134693" cy="121509"/>
+          </a:xfrm>
+          <a:custGeom>
+            <a:avLst/>
+            <a:gdLst>
+              <a:gd name="connsiteX0" fmla="*/ 0 w 134693"/>
+              <a:gd name="connsiteY0" fmla="*/ 46864 h 121509"/>
+              <a:gd name="connsiteX1" fmla="*/ 93306 w 134693"/>
+              <a:gd name="connsiteY1" fmla="*/ 211 h 121509"/>
+              <a:gd name="connsiteX2" fmla="*/ 130628 w 134693"/>
+              <a:gd name="connsiteY2" fmla="*/ 28203 h 121509"/>
+              <a:gd name="connsiteX3" fmla="*/ 130628 w 134693"/>
+              <a:gd name="connsiteY3" fmla="*/ 121509 h 121509"/>
+            </a:gdLst>
+            <a:ahLst/>
+            <a:cxnLst>
+              <a:cxn ang="0">
+                <a:pos x="connsiteX0" y="connsiteY0"/>
+              </a:cxn>
+              <a:cxn ang="0">
+                <a:pos x="connsiteX1" y="connsiteY1"/>
+              </a:cxn>
+              <a:cxn ang="0">
+                <a:pos x="connsiteX2" y="connsiteY2"/>
+              </a:cxn>
+              <a:cxn ang="0">
+                <a:pos x="connsiteX3" y="connsiteY3"/>
+              </a:cxn>
+            </a:cxnLst>
+            <a:rect l="l" t="t" r="r" b="b"/>
+            <a:pathLst>
+              <a:path w="134693" h="121509">
+                <a:moveTo>
+                  <a:pt x="0" y="46864"/>
+                </a:moveTo>
+                <a:cubicBezTo>
+                  <a:pt x="31102" y="31313"/>
+                  <a:pt x="58882" y="5129"/>
+                  <a:pt x="93306" y="211"/>
+                </a:cubicBezTo>
+                <a:cubicBezTo>
+                  <a:pt x="108701" y="-1988"/>
+                  <a:pt x="126055" y="13340"/>
+                  <a:pt x="130628" y="28203"/>
+                </a:cubicBezTo>
+                <a:cubicBezTo>
+                  <a:pt x="139775" y="57930"/>
+                  <a:pt x="130628" y="90407"/>
+                  <a:pt x="130628" y="121509"/>
+                </a:cubicBezTo>
+              </a:path>
+            </a:pathLst>
+          </a:custGeom>
+          <a:noFill/>
+          <a:ln>
+            <a:solidFill>
+              <a:schemeClr val="tx1"/>
+            </a:solidFill>
+          </a:ln>
+        </p:spPr>
+        <p:style>
+          <a:lnRef idx="2">
+            <a:schemeClr val="accent1">
+              <a:shade val="50000"/>
+            </a:schemeClr>
+          </a:lnRef>
+          <a:fillRef idx="1">
+            <a:schemeClr val="accent1"/>
+          </a:fillRef>
+          <a:effectRef idx="0">
+            <a:schemeClr val="accent1"/>
+          </a:effectRef>
+          <a:fontRef idx="minor">
+            <a:schemeClr val="lt1"/>
+          </a:fontRef>
+        </p:style>
+        <p:txBody>
+          <a:bodyPr rtlCol="0" anchor="ctr"/>
+          <a:lstStyle/>
+          <a:p>
+            <a:pPr algn="ctr"/>
             <a:endParaRPr lang="en-GB"/>
           </a:p>
         </p:txBody>
       </p:sp>
+      <p:sp>
+        <p:nvSpPr>
+          <p:cNvPr id="16" name="Freeform: Shape 15">
+            <a:extLst>
+              <a:ext uri="{FF2B5EF4-FFF2-40B4-BE49-F238E27FC236}">
+                <a16:creationId xmlns:a16="http://schemas.microsoft.com/office/drawing/2014/main" id="{0501A320-16BE-40F5-A948-08BDBF166EB4}"/>
+              </a:ext>
+            </a:extLst>
+          </p:cNvPr>
+          <p:cNvSpPr/>
+          <p:nvPr/>
+        </p:nvSpPr>
+        <p:spPr>
+          <a:xfrm rot="8519874">
+            <a:off x="2794319" y="3782674"/>
+            <a:ext cx="134693" cy="121509"/>
+          </a:xfrm>
+          <a:custGeom>
+            <a:avLst/>
+            <a:gdLst>
+              <a:gd name="connsiteX0" fmla="*/ 0 w 134693"/>
+              <a:gd name="connsiteY0" fmla="*/ 46864 h 121509"/>
+              <a:gd name="connsiteX1" fmla="*/ 93306 w 134693"/>
+              <a:gd name="connsiteY1" fmla="*/ 211 h 121509"/>
+              <a:gd name="connsiteX2" fmla="*/ 130628 w 134693"/>
+              <a:gd name="connsiteY2" fmla="*/ 28203 h 121509"/>
+              <a:gd name="connsiteX3" fmla="*/ 130628 w 134693"/>
+              <a:gd name="connsiteY3" fmla="*/ 121509 h 121509"/>
+            </a:gdLst>
+            <a:ahLst/>
+            <a:cxnLst>
+              <a:cxn ang="0">
+                <a:pos x="connsiteX0" y="connsiteY0"/>
+              </a:cxn>
+              <a:cxn ang="0">
+                <a:pos x="connsiteX1" y="connsiteY1"/>
+              </a:cxn>
+              <a:cxn ang="0">
+                <a:pos x="connsiteX2" y="connsiteY2"/>
+              </a:cxn>
+              <a:cxn ang="0">
+                <a:pos x="connsiteX3" y="connsiteY3"/>
+              </a:cxn>
+            </a:cxnLst>
+            <a:rect l="l" t="t" r="r" b="b"/>
+            <a:pathLst>
+              <a:path w="134693" h="121509">
+                <a:moveTo>
+                  <a:pt x="0" y="46864"/>
+                </a:moveTo>
+                <a:cubicBezTo>
+                  <a:pt x="31102" y="31313"/>
+                  <a:pt x="58882" y="5129"/>
+                  <a:pt x="93306" y="211"/>
+                </a:cubicBezTo>
+                <a:cubicBezTo>
+                  <a:pt x="108701" y="-1988"/>
+                  <a:pt x="126055" y="13340"/>
+                  <a:pt x="130628" y="28203"/>
+                </a:cubicBezTo>
+                <a:cubicBezTo>
+                  <a:pt x="139775" y="57930"/>
+                  <a:pt x="130628" y="90407"/>
+                  <a:pt x="130628" y="121509"/>
+                </a:cubicBezTo>
+              </a:path>
+            </a:pathLst>
+          </a:custGeom>
+          <a:noFill/>
+          <a:ln>
+            <a:solidFill>
+              <a:schemeClr val="tx1"/>
+            </a:solidFill>
+          </a:ln>
+        </p:spPr>
+        <p:style>
+          <a:lnRef idx="2">
+            <a:schemeClr val="accent1">
+              <a:shade val="50000"/>
+            </a:schemeClr>
+          </a:lnRef>
+          <a:fillRef idx="1">
+            <a:schemeClr val="accent1"/>
+          </a:fillRef>
+          <a:effectRef idx="0">
+            <a:schemeClr val="accent1"/>
+          </a:effectRef>
+          <a:fontRef idx="minor">
+            <a:schemeClr val="lt1"/>
+          </a:fontRef>
+        </p:style>
+        <p:txBody>
+          <a:bodyPr rtlCol="0" anchor="ctr"/>
+          <a:lstStyle/>
+          <a:p>
+            <a:pPr algn="ctr"/>
+            <a:endParaRPr lang="en-GB"/>
+          </a:p>
+        </p:txBody>
+      </p:sp>
+      <p:sp>
+        <p:nvSpPr>
+          <p:cNvPr id="17" name="Rectangle 16">
+            <a:extLst>
+              <a:ext uri="{FF2B5EF4-FFF2-40B4-BE49-F238E27FC236}">
+                <a16:creationId xmlns:a16="http://schemas.microsoft.com/office/drawing/2014/main" id="{3E57BBF4-271A-4F7F-852B-CDAABA74C3CA}"/>
+              </a:ext>
+            </a:extLst>
+          </p:cNvPr>
+          <p:cNvSpPr/>
+          <p:nvPr/>
+        </p:nvSpPr>
+        <p:spPr>
+          <a:xfrm>
+            <a:off x="10437845" y="3248600"/>
+            <a:ext cx="1623526" cy="587828"/>
+          </a:xfrm>
+          <a:prstGeom prst="rect">
+            <a:avLst/>
+          </a:prstGeom>
+          <a:noFill/>
+          <a:ln>
+            <a:solidFill>
+              <a:schemeClr val="tx1"/>
+            </a:solidFill>
+          </a:ln>
+        </p:spPr>
+        <p:style>
+          <a:lnRef idx="2">
+            <a:schemeClr val="accent1">
+              <a:shade val="50000"/>
+            </a:schemeClr>
+          </a:lnRef>
+          <a:fillRef idx="1">
+            <a:schemeClr val="accent1"/>
+          </a:fillRef>
+          <a:effectRef idx="0">
+            <a:schemeClr val="accent1"/>
+          </a:effectRef>
+          <a:fontRef idx="minor">
+            <a:schemeClr val="lt1"/>
+          </a:fontRef>
+        </p:style>
+        <p:txBody>
+          <a:bodyPr rtlCol="0" anchor="ctr"/>
+          <a:lstStyle/>
+          <a:p>
+            <a:pPr algn="ctr"/>
+            <a:r>
+              <a:rPr lang="en-GB" dirty="0">
+                <a:solidFill>
+                  <a:schemeClr val="tx1"/>
+                </a:solidFill>
+              </a:rPr>
+              <a:t>Lecture</a:t>
+            </a:r>
+          </a:p>
+        </p:txBody>
+      </p:sp>
+      <p:sp>
+        <p:nvSpPr>
+          <p:cNvPr id="18" name="Diamond 17">
+            <a:extLst>
+              <a:ext uri="{FF2B5EF4-FFF2-40B4-BE49-F238E27FC236}">
+                <a16:creationId xmlns:a16="http://schemas.microsoft.com/office/drawing/2014/main" id="{13F44BB6-0B23-40D8-ACED-E62F8F3EC6A8}"/>
+              </a:ext>
+            </a:extLst>
+          </p:cNvPr>
+          <p:cNvSpPr/>
+          <p:nvPr/>
+        </p:nvSpPr>
+        <p:spPr>
+          <a:xfrm>
+            <a:off x="5864290" y="1421778"/>
+            <a:ext cx="1782147" cy="1007027"/>
+          </a:xfrm>
+          <a:prstGeom prst="diamond">
+            <a:avLst/>
+          </a:prstGeom>
+          <a:noFill/>
+          <a:ln>
+            <a:solidFill>
+              <a:schemeClr val="tx1"/>
+            </a:solidFill>
+          </a:ln>
+        </p:spPr>
+        <p:style>
+          <a:lnRef idx="2">
+            <a:schemeClr val="accent1">
+              <a:shade val="50000"/>
+            </a:schemeClr>
+          </a:lnRef>
+          <a:fillRef idx="1">
+            <a:schemeClr val="accent1"/>
+          </a:fillRef>
+          <a:effectRef idx="0">
+            <a:schemeClr val="accent1"/>
+          </a:effectRef>
+          <a:fontRef idx="minor">
+            <a:schemeClr val="lt1"/>
+          </a:fontRef>
+        </p:style>
+        <p:txBody>
+          <a:bodyPr rtlCol="0" anchor="ctr"/>
+          <a:lstStyle/>
+          <a:p>
+            <a:pPr algn="ctr"/>
+            <a:r>
+              <a:rPr lang="en-GB" dirty="0">
+                <a:solidFill>
+                  <a:schemeClr val="tx1"/>
+                </a:solidFill>
+              </a:rPr>
+              <a:t>Upload</a:t>
+            </a:r>
+          </a:p>
+        </p:txBody>
+      </p:sp>
+      <p:sp>
+        <p:nvSpPr>
+          <p:cNvPr id="19" name="Diamond 18">
+            <a:extLst>
+              <a:ext uri="{FF2B5EF4-FFF2-40B4-BE49-F238E27FC236}">
+                <a16:creationId xmlns:a16="http://schemas.microsoft.com/office/drawing/2014/main" id="{19EF735F-7082-4D4C-AA8C-CF98C03DEF89}"/>
+              </a:ext>
+            </a:extLst>
+          </p:cNvPr>
+          <p:cNvSpPr/>
+          <p:nvPr/>
+        </p:nvSpPr>
+        <p:spPr>
+          <a:xfrm>
+            <a:off x="5960106" y="5087304"/>
+            <a:ext cx="1782147" cy="1007027"/>
+          </a:xfrm>
+          <a:prstGeom prst="diamond">
+            <a:avLst/>
+          </a:prstGeom>
+          <a:noFill/>
+          <a:ln>
+            <a:solidFill>
+              <a:schemeClr val="tx1"/>
+            </a:solidFill>
+          </a:ln>
+        </p:spPr>
+        <p:style>
+          <a:lnRef idx="2">
+            <a:schemeClr val="accent1">
+              <a:shade val="50000"/>
+            </a:schemeClr>
+          </a:lnRef>
+          <a:fillRef idx="1">
+            <a:schemeClr val="accent1"/>
+          </a:fillRef>
+          <a:effectRef idx="0">
+            <a:schemeClr val="accent1"/>
+          </a:effectRef>
+          <a:fontRef idx="minor">
+            <a:schemeClr val="lt1"/>
+          </a:fontRef>
+        </p:style>
+        <p:txBody>
+          <a:bodyPr rtlCol="0" anchor="ctr"/>
+          <a:lstStyle/>
+          <a:p>
+            <a:pPr algn="ctr"/>
+            <a:r>
+              <a:rPr lang="en-GB" dirty="0">
+                <a:solidFill>
+                  <a:schemeClr val="tx1"/>
+                </a:solidFill>
+              </a:rPr>
+              <a:t>View</a:t>
+            </a:r>
+          </a:p>
+        </p:txBody>
+      </p:sp>
+      <p:cxnSp>
+        <p:nvCxnSpPr>
+          <p:cNvPr id="21" name="Straight Connector 20">
+            <a:extLst>
+              <a:ext uri="{FF2B5EF4-FFF2-40B4-BE49-F238E27FC236}">
+                <a16:creationId xmlns:a16="http://schemas.microsoft.com/office/drawing/2014/main" id="{83C7F558-C2A3-4B25-A922-A302FDF3AE84}"/>
+              </a:ext>
+            </a:extLst>
+          </p:cNvPr>
+          <p:cNvCxnSpPr>
+            <a:stCxn id="10" idx="3"/>
+            <a:endCxn id="19" idx="1"/>
+          </p:cNvCxnSpPr>
+          <p:nvPr/>
+        </p:nvCxnSpPr>
+        <p:spPr>
+          <a:xfrm>
+            <a:off x="4565780" y="4281194"/>
+            <a:ext cx="1394326" cy="1309624"/>
+          </a:xfrm>
+          <a:prstGeom prst="line">
+            <a:avLst/>
+          </a:prstGeom>
+        </p:spPr>
+        <p:style>
+          <a:lnRef idx="1">
+            <a:schemeClr val="accent1"/>
+          </a:lnRef>
+          <a:fillRef idx="0">
+            <a:schemeClr val="accent1"/>
+          </a:fillRef>
+          <a:effectRef idx="0">
+            <a:schemeClr val="accent1"/>
+          </a:effectRef>
+          <a:fontRef idx="minor">
+            <a:schemeClr val="tx1"/>
+          </a:fontRef>
+        </p:style>
+      </p:cxnSp>
+      <p:cxnSp>
+        <p:nvCxnSpPr>
+          <p:cNvPr id="23" name="Straight Connector 22">
+            <a:extLst>
+              <a:ext uri="{FF2B5EF4-FFF2-40B4-BE49-F238E27FC236}">
+                <a16:creationId xmlns:a16="http://schemas.microsoft.com/office/drawing/2014/main" id="{19867B36-F9F2-4504-8644-BAB723605829}"/>
+              </a:ext>
+            </a:extLst>
+          </p:cNvPr>
+          <p:cNvCxnSpPr>
+            <a:stCxn id="19" idx="3"/>
+            <a:endCxn id="17" idx="2"/>
+          </p:cNvCxnSpPr>
+          <p:nvPr/>
+        </p:nvCxnSpPr>
+        <p:spPr>
+          <a:xfrm flipV="1">
+            <a:off x="7742253" y="3836428"/>
+            <a:ext cx="3507355" cy="1754390"/>
+          </a:xfrm>
+          <a:prstGeom prst="line">
+            <a:avLst/>
+          </a:prstGeom>
+          <a:ln>
+            <a:solidFill>
+              <a:schemeClr val="tx1"/>
+            </a:solidFill>
+          </a:ln>
+        </p:spPr>
+        <p:style>
+          <a:lnRef idx="1">
+            <a:schemeClr val="accent1"/>
+          </a:lnRef>
+          <a:fillRef idx="0">
+            <a:schemeClr val="accent1"/>
+          </a:fillRef>
+          <a:effectRef idx="0">
+            <a:schemeClr val="accent1"/>
+          </a:effectRef>
+          <a:fontRef idx="minor">
+            <a:schemeClr val="tx1"/>
+          </a:fontRef>
+        </p:style>
+      </p:cxnSp>
+      <p:cxnSp>
+        <p:nvCxnSpPr>
+          <p:cNvPr id="25" name="Straight Connector 24">
+            <a:extLst>
+              <a:ext uri="{FF2B5EF4-FFF2-40B4-BE49-F238E27FC236}">
+                <a16:creationId xmlns:a16="http://schemas.microsoft.com/office/drawing/2014/main" id="{A127FAC2-9A57-4B20-9100-B93AE8DE88AE}"/>
+              </a:ext>
+            </a:extLst>
+          </p:cNvPr>
+          <p:cNvCxnSpPr>
+            <a:stCxn id="9" idx="3"/>
+            <a:endCxn id="18" idx="1"/>
+          </p:cNvCxnSpPr>
+          <p:nvPr/>
+        </p:nvCxnSpPr>
+        <p:spPr>
+          <a:xfrm flipV="1">
+            <a:off x="4565780" y="1925292"/>
+            <a:ext cx="1298510" cy="608647"/>
+          </a:xfrm>
+          <a:prstGeom prst="line">
+            <a:avLst/>
+          </a:prstGeom>
+          <a:ln>
+            <a:solidFill>
+              <a:schemeClr val="tx1"/>
+            </a:solidFill>
+          </a:ln>
+        </p:spPr>
+        <p:style>
+          <a:lnRef idx="1">
+            <a:schemeClr val="accent1"/>
+          </a:lnRef>
+          <a:fillRef idx="0">
+            <a:schemeClr val="accent1"/>
+          </a:fillRef>
+          <a:effectRef idx="0">
+            <a:schemeClr val="accent1"/>
+          </a:effectRef>
+          <a:fontRef idx="minor">
+            <a:schemeClr val="tx1"/>
+          </a:fontRef>
+        </p:style>
+      </p:cxnSp>
+      <p:cxnSp>
+        <p:nvCxnSpPr>
+          <p:cNvPr id="27" name="Straight Connector 26">
+            <a:extLst>
+              <a:ext uri="{FF2B5EF4-FFF2-40B4-BE49-F238E27FC236}">
+                <a16:creationId xmlns:a16="http://schemas.microsoft.com/office/drawing/2014/main" id="{D4500744-9796-41F2-B1FB-B0CA93F95377}"/>
+              </a:ext>
+            </a:extLst>
+          </p:cNvPr>
+          <p:cNvCxnSpPr>
+            <a:stCxn id="18" idx="3"/>
+            <a:endCxn id="17" idx="0"/>
+          </p:cNvCxnSpPr>
+          <p:nvPr/>
+        </p:nvCxnSpPr>
+        <p:spPr>
+          <a:xfrm>
+            <a:off x="7646437" y="1925292"/>
+            <a:ext cx="3603171" cy="1323308"/>
+          </a:xfrm>
+          <a:prstGeom prst="line">
+            <a:avLst/>
+          </a:prstGeom>
+          <a:ln>
+            <a:solidFill>
+              <a:schemeClr val="tx1"/>
+            </a:solidFill>
+          </a:ln>
+        </p:spPr>
+        <p:style>
+          <a:lnRef idx="1">
+            <a:schemeClr val="accent1"/>
+          </a:lnRef>
+          <a:fillRef idx="0">
+            <a:schemeClr val="accent1"/>
+          </a:fillRef>
+          <a:effectRef idx="0">
+            <a:schemeClr val="accent1"/>
+          </a:effectRef>
+          <a:fontRef idx="minor">
+            <a:schemeClr val="tx1"/>
+          </a:fontRef>
+        </p:style>
+      </p:cxnSp>
     </p:spTree>
     <p:extLst>
       <p:ext uri="{BB962C8B-B14F-4D97-AF65-F5344CB8AC3E}">

--- a/DesignSpecification.pptx
+++ b/DesignSpecification.pptx
@@ -14,7 +14,9 @@
     <p:sldId id="262" r:id="rId8"/>
     <p:sldId id="263" r:id="rId9"/>
     <p:sldId id="264" r:id="rId10"/>
-    <p:sldId id="265" r:id="rId11"/>
+    <p:sldId id="267" r:id="rId11"/>
+    <p:sldId id="266" r:id="rId12"/>
+    <p:sldId id="265" r:id="rId13"/>
   </p:sldIdLst>
   <p:sldSz cx="12192000" cy="6858000"/>
   <p:notesSz cx="6858000" cy="9144000"/>
@@ -3450,6 +3452,1460 @@
           <p:cNvPr id="2" name="Title 1">
             <a:extLst>
               <a:ext uri="{FF2B5EF4-FFF2-40B4-BE49-F238E27FC236}">
+                <a16:creationId xmlns:a16="http://schemas.microsoft.com/office/drawing/2014/main" id="{509D9326-567C-4EDA-804B-04887162EBA0}"/>
+              </a:ext>
+            </a:extLst>
+          </p:cNvPr>
+          <p:cNvSpPr>
+            <a:spLocks noGrp="1"/>
+          </p:cNvSpPr>
+          <p:nvPr>
+            <p:ph type="title"/>
+          </p:nvPr>
+        </p:nvSpPr>
+        <p:spPr/>
+        <p:txBody>
+          <a:bodyPr/>
+          <a:lstStyle/>
+          <a:p>
+            <a:r>
+              <a:rPr lang="en-GB" dirty="0"/>
+              <a:t>ER Diagram (Compressed Chen Notation)</a:t>
+            </a:r>
+          </a:p>
+        </p:txBody>
+      </p:sp>
+      <p:pic>
+        <p:nvPicPr>
+          <p:cNvPr id="5" name="Picture 4">
+            <a:extLst>
+              <a:ext uri="{FF2B5EF4-FFF2-40B4-BE49-F238E27FC236}">
+                <a16:creationId xmlns:a16="http://schemas.microsoft.com/office/drawing/2014/main" id="{E96FFA1F-7AA2-4F8F-8A25-EA4B6910E204}"/>
+              </a:ext>
+            </a:extLst>
+          </p:cNvPr>
+          <p:cNvPicPr>
+            <a:picLocks noChangeAspect="1"/>
+          </p:cNvPicPr>
+          <p:nvPr/>
+        </p:nvPicPr>
+        <p:blipFill>
+          <a:blip r:embed="rId2"/>
+          <a:stretch>
+            <a:fillRect/>
+          </a:stretch>
+        </p:blipFill>
+        <p:spPr>
+          <a:xfrm>
+            <a:off x="2435289" y="1489574"/>
+            <a:ext cx="6521903" cy="4518109"/>
+          </a:xfrm>
+          <a:prstGeom prst="rect">
+            <a:avLst/>
+          </a:prstGeom>
+        </p:spPr>
+      </p:pic>
+    </p:spTree>
+    <p:extLst>
+      <p:ext uri="{BB962C8B-B14F-4D97-AF65-F5344CB8AC3E}">
+        <p14:creationId xmlns:p14="http://schemas.microsoft.com/office/powerpoint/2010/main" val="3123256431"/>
+      </p:ext>
+    </p:extLst>
+  </p:cSld>
+  <p:clrMapOvr>
+    <a:masterClrMapping/>
+  </p:clrMapOvr>
+</p:sld>
+</file>
+
+<file path=ppt/slides/slide11.xml><?xml version="1.0" encoding="utf-8"?>
+<p:sld xmlns:a="http://schemas.openxmlformats.org/drawingml/2006/main" xmlns:r="http://schemas.openxmlformats.org/officeDocument/2006/relationships" xmlns:p="http://schemas.openxmlformats.org/presentationml/2006/main">
+  <p:cSld>
+    <p:spTree>
+      <p:nvGrpSpPr>
+        <p:cNvPr id="1" name=""/>
+        <p:cNvGrpSpPr/>
+        <p:nvPr/>
+      </p:nvGrpSpPr>
+      <p:grpSpPr>
+        <a:xfrm>
+          <a:off x="0" y="0"/>
+          <a:ext cx="0" cy="0"/>
+          <a:chOff x="0" y="0"/>
+          <a:chExt cx="0" cy="0"/>
+        </a:xfrm>
+      </p:grpSpPr>
+      <p:sp>
+        <p:nvSpPr>
+          <p:cNvPr id="2" name="Title 1">
+            <a:extLst>
+              <a:ext uri="{FF2B5EF4-FFF2-40B4-BE49-F238E27FC236}">
+                <a16:creationId xmlns:a16="http://schemas.microsoft.com/office/drawing/2014/main" id="{57B4A3B3-F011-41DA-91C7-9D910AB5BF63}"/>
+              </a:ext>
+            </a:extLst>
+          </p:cNvPr>
+          <p:cNvSpPr>
+            <a:spLocks noGrp="1"/>
+          </p:cNvSpPr>
+          <p:nvPr>
+            <p:ph type="title"/>
+          </p:nvPr>
+        </p:nvSpPr>
+        <p:spPr/>
+        <p:txBody>
+          <a:bodyPr/>
+          <a:lstStyle/>
+          <a:p>
+            <a:r>
+              <a:rPr lang="en-GB" dirty="0"/>
+              <a:t>ER Diagram (Expansion)</a:t>
+            </a:r>
+          </a:p>
+        </p:txBody>
+      </p:sp>
+      <p:graphicFrame>
+        <p:nvGraphicFramePr>
+          <p:cNvPr id="6" name="Table 4">
+            <a:extLst>
+              <a:ext uri="{FF2B5EF4-FFF2-40B4-BE49-F238E27FC236}">
+                <a16:creationId xmlns:a16="http://schemas.microsoft.com/office/drawing/2014/main" id="{8FAD953A-A1C5-4E63-A82F-5564F91CBDE8}"/>
+              </a:ext>
+            </a:extLst>
+          </p:cNvPr>
+          <p:cNvGraphicFramePr>
+            <a:graphicFrameLocks noGrp="1"/>
+          </p:cNvGraphicFramePr>
+          <p:nvPr>
+            <p:extLst>
+              <p:ext uri="{D42A27DB-BD31-4B8C-83A1-F6EECF244321}">
+                <p14:modId xmlns:p14="http://schemas.microsoft.com/office/powerpoint/2010/main" val="2340865260"/>
+              </p:ext>
+            </p:extLst>
+          </p:nvPr>
+        </p:nvGraphicFramePr>
+        <p:xfrm>
+          <a:off x="211615" y="1609483"/>
+          <a:ext cx="5552000" cy="1325565"/>
+        </p:xfrm>
+        <a:graphic>
+          <a:graphicData uri="http://schemas.openxmlformats.org/drawingml/2006/table">
+            <a:tbl>
+              <a:tblPr firstRow="1" bandRow="1">
+                <a:tableStyleId>{5C22544A-7EE6-4342-B048-85BDC9FD1C3A}</a:tableStyleId>
+              </a:tblPr>
+              <a:tblGrid>
+                <a:gridCol w="2776000">
+                  <a:extLst>
+                    <a:ext uri="{9D8B030D-6E8A-4147-A177-3AD203B41FA5}">
+                      <a16:colId xmlns:a16="http://schemas.microsoft.com/office/drawing/2014/main" val="2391090108"/>
+                    </a:ext>
+                  </a:extLst>
+                </a:gridCol>
+                <a:gridCol w="2776000">
+                  <a:extLst>
+                    <a:ext uri="{9D8B030D-6E8A-4147-A177-3AD203B41FA5}">
+                      <a16:colId xmlns:a16="http://schemas.microsoft.com/office/drawing/2014/main" val="3051588018"/>
+                    </a:ext>
+                  </a:extLst>
+                </a:gridCol>
+              </a:tblGrid>
+              <a:tr h="265113">
+                <a:tc>
+                  <a:txBody>
+                    <a:bodyPr/>
+                    <a:lstStyle/>
+                    <a:p>
+                      <a:r>
+                        <a:rPr lang="en-GB" sz="1200" dirty="0"/>
+                        <a:t>Field</a:t>
+                      </a:r>
+                    </a:p>
+                  </a:txBody>
+                  <a:tcPr marL="62460" marR="62460" marT="31230" marB="31230"/>
+                </a:tc>
+                <a:tc>
+                  <a:txBody>
+                    <a:bodyPr/>
+                    <a:lstStyle/>
+                    <a:p>
+                      <a:r>
+                        <a:rPr lang="en-GB" sz="1200" dirty="0"/>
+                        <a:t>Type</a:t>
+                      </a:r>
+                    </a:p>
+                  </a:txBody>
+                  <a:tcPr marL="62460" marR="62460" marT="31230" marB="31230"/>
+                </a:tc>
+                <a:extLst>
+                  <a:ext uri="{0D108BD9-81ED-4DB2-BD59-A6C34878D82A}">
+                    <a16:rowId xmlns:a16="http://schemas.microsoft.com/office/drawing/2014/main" val="4150427295"/>
+                  </a:ext>
+                </a:extLst>
+              </a:tr>
+              <a:tr h="265113">
+                <a:tc>
+                  <a:txBody>
+                    <a:bodyPr/>
+                    <a:lstStyle/>
+                    <a:p>
+                      <a:r>
+                        <a:rPr lang="en-GB" sz="1200" b="1" u="sng" dirty="0" err="1"/>
+                        <a:t>user_ID</a:t>
+                      </a:r>
+                      <a:endParaRPr lang="en-GB" sz="1200" dirty="0"/>
+                    </a:p>
+                  </a:txBody>
+                  <a:tcPr marL="62460" marR="62460" marT="31230" marB="31230"/>
+                </a:tc>
+                <a:tc>
+                  <a:txBody>
+                    <a:bodyPr/>
+                    <a:lstStyle/>
+                    <a:p>
+                      <a:r>
+                        <a:rPr lang="en-GB" sz="1200" dirty="0"/>
+                        <a:t>IntegerField</a:t>
+                      </a:r>
+                    </a:p>
+                  </a:txBody>
+                  <a:tcPr marL="62460" marR="62460" marT="31230" marB="31230"/>
+                </a:tc>
+                <a:extLst>
+                  <a:ext uri="{0D108BD9-81ED-4DB2-BD59-A6C34878D82A}">
+                    <a16:rowId xmlns:a16="http://schemas.microsoft.com/office/drawing/2014/main" val="20519223"/>
+                  </a:ext>
+                </a:extLst>
+              </a:tr>
+              <a:tr h="265113">
+                <a:tc>
+                  <a:txBody>
+                    <a:bodyPr/>
+                    <a:lstStyle/>
+                    <a:p>
+                      <a:r>
+                        <a:rPr lang="en-GB" sz="1200" dirty="0" err="1"/>
+                        <a:t>First_name</a:t>
+                      </a:r>
+                      <a:endParaRPr lang="en-GB" sz="1200" dirty="0"/>
+                    </a:p>
+                  </a:txBody>
+                  <a:tcPr marL="62460" marR="62460" marT="31230" marB="31230"/>
+                </a:tc>
+                <a:tc>
+                  <a:txBody>
+                    <a:bodyPr/>
+                    <a:lstStyle/>
+                    <a:p>
+                      <a:r>
+                        <a:rPr lang="en-GB" sz="1200" dirty="0" err="1"/>
+                        <a:t>CharField</a:t>
+                      </a:r>
+                      <a:r>
+                        <a:rPr lang="en-GB" sz="1200" dirty="0"/>
+                        <a:t>(30)</a:t>
+                      </a:r>
+                    </a:p>
+                  </a:txBody>
+                  <a:tcPr marL="62460" marR="62460" marT="31230" marB="31230"/>
+                </a:tc>
+                <a:extLst>
+                  <a:ext uri="{0D108BD9-81ED-4DB2-BD59-A6C34878D82A}">
+                    <a16:rowId xmlns:a16="http://schemas.microsoft.com/office/drawing/2014/main" val="3097328042"/>
+                  </a:ext>
+                </a:extLst>
+              </a:tr>
+              <a:tr h="265113">
+                <a:tc>
+                  <a:txBody>
+                    <a:bodyPr/>
+                    <a:lstStyle/>
+                    <a:p>
+                      <a:r>
+                        <a:rPr lang="en-GB" sz="1200" dirty="0" err="1"/>
+                        <a:t>Last_name</a:t>
+                      </a:r>
+                      <a:endParaRPr lang="en-GB" sz="1200" dirty="0"/>
+                    </a:p>
+                  </a:txBody>
+                  <a:tcPr marL="62460" marR="62460" marT="31230" marB="31230"/>
+                </a:tc>
+                <a:tc>
+                  <a:txBody>
+                    <a:bodyPr/>
+                    <a:lstStyle/>
+                    <a:p>
+                      <a:r>
+                        <a:rPr lang="en-GB" sz="1200" dirty="0" err="1"/>
+                        <a:t>CharField</a:t>
+                      </a:r>
+                      <a:r>
+                        <a:rPr lang="en-GB" sz="1200" dirty="0"/>
+                        <a:t>(150)</a:t>
+                      </a:r>
+                    </a:p>
+                  </a:txBody>
+                  <a:tcPr marL="62460" marR="62460" marT="31230" marB="31230"/>
+                </a:tc>
+                <a:extLst>
+                  <a:ext uri="{0D108BD9-81ED-4DB2-BD59-A6C34878D82A}">
+                    <a16:rowId xmlns:a16="http://schemas.microsoft.com/office/drawing/2014/main" val="3932045059"/>
+                  </a:ext>
+                </a:extLst>
+              </a:tr>
+              <a:tr h="265113">
+                <a:tc>
+                  <a:txBody>
+                    <a:bodyPr/>
+                    <a:lstStyle/>
+                    <a:p>
+                      <a:r>
+                        <a:rPr lang="en-GB" sz="1200" dirty="0"/>
+                        <a:t>Email</a:t>
+                      </a:r>
+                    </a:p>
+                  </a:txBody>
+                  <a:tcPr marL="62460" marR="62460" marT="31230" marB="31230"/>
+                </a:tc>
+                <a:tc>
+                  <a:txBody>
+                    <a:bodyPr/>
+                    <a:lstStyle/>
+                    <a:p>
+                      <a:pPr marL="0" marR="0" lvl="0" indent="0" algn="l" defTabSz="914400" rtl="0" eaLnBrk="1" fontAlgn="auto" latinLnBrk="0" hangingPunct="1">
+                        <a:lnSpc>
+                          <a:spcPct val="100000"/>
+                        </a:lnSpc>
+                        <a:spcBef>
+                          <a:spcPts val="0"/>
+                        </a:spcBef>
+                        <a:spcAft>
+                          <a:spcPts val="0"/>
+                        </a:spcAft>
+                        <a:buClrTx/>
+                        <a:buSzTx/>
+                        <a:buFontTx/>
+                        <a:buNone/>
+                        <a:tabLst/>
+                        <a:defRPr/>
+                      </a:pPr>
+                      <a:r>
+                        <a:rPr lang="en-GB" sz="1200" dirty="0" err="1"/>
+                        <a:t>CharField</a:t>
+                      </a:r>
+                      <a:r>
+                        <a:rPr lang="en-GB" sz="1200" dirty="0"/>
+                        <a:t>(200)</a:t>
+                      </a:r>
+                    </a:p>
+                  </a:txBody>
+                  <a:tcPr marL="62460" marR="62460" marT="31230" marB="31230"/>
+                </a:tc>
+                <a:extLst>
+                  <a:ext uri="{0D108BD9-81ED-4DB2-BD59-A6C34878D82A}">
+                    <a16:rowId xmlns:a16="http://schemas.microsoft.com/office/drawing/2014/main" val="4149513090"/>
+                  </a:ext>
+                </a:extLst>
+              </a:tr>
+            </a:tbl>
+          </a:graphicData>
+        </a:graphic>
+      </p:graphicFrame>
+      <p:sp>
+        <p:nvSpPr>
+          <p:cNvPr id="7" name="TextBox 6">
+            <a:extLst>
+              <a:ext uri="{FF2B5EF4-FFF2-40B4-BE49-F238E27FC236}">
+                <a16:creationId xmlns:a16="http://schemas.microsoft.com/office/drawing/2014/main" id="{AFD9380C-4667-4670-BA78-522AA3F9A672}"/>
+              </a:ext>
+            </a:extLst>
+          </p:cNvPr>
+          <p:cNvSpPr txBox="1"/>
+          <p:nvPr/>
+        </p:nvSpPr>
+        <p:spPr>
+          <a:xfrm>
+            <a:off x="108098" y="1260844"/>
+            <a:ext cx="4932393" cy="369332"/>
+          </a:xfrm>
+          <a:prstGeom prst="rect">
+            <a:avLst/>
+          </a:prstGeom>
+          <a:noFill/>
+        </p:spPr>
+        <p:txBody>
+          <a:bodyPr wrap="square" rtlCol="0">
+            <a:spAutoFit/>
+          </a:bodyPr>
+          <a:lstStyle/>
+          <a:p>
+            <a:r>
+              <a:rPr lang="en-GB" dirty="0"/>
+              <a:t>User </a:t>
+            </a:r>
+          </a:p>
+        </p:txBody>
+      </p:sp>
+      <p:graphicFrame>
+        <p:nvGraphicFramePr>
+          <p:cNvPr id="8" name="Table 4">
+            <a:extLst>
+              <a:ext uri="{FF2B5EF4-FFF2-40B4-BE49-F238E27FC236}">
+                <a16:creationId xmlns:a16="http://schemas.microsoft.com/office/drawing/2014/main" id="{C1F12113-43E2-46B0-AF48-7FE694EFCF1D}"/>
+              </a:ext>
+            </a:extLst>
+          </p:cNvPr>
+          <p:cNvGraphicFramePr>
+            <a:graphicFrameLocks noGrp="1"/>
+          </p:cNvGraphicFramePr>
+          <p:nvPr>
+            <p:extLst>
+              <p:ext uri="{D42A27DB-BD31-4B8C-83A1-F6EECF244321}">
+                <p14:modId xmlns:p14="http://schemas.microsoft.com/office/powerpoint/2010/main" val="504049368"/>
+              </p:ext>
+            </p:extLst>
+          </p:nvPr>
+        </p:nvGraphicFramePr>
+        <p:xfrm>
+          <a:off x="211614" y="3408307"/>
+          <a:ext cx="2397388" cy="438280"/>
+        </p:xfrm>
+        <a:graphic>
+          <a:graphicData uri="http://schemas.openxmlformats.org/drawingml/2006/table">
+            <a:tbl>
+              <a:tblPr firstRow="1" bandRow="1">
+                <a:tableStyleId>{5C22544A-7EE6-4342-B048-85BDC9FD1C3A}</a:tableStyleId>
+              </a:tblPr>
+              <a:tblGrid>
+                <a:gridCol w="1198694">
+                  <a:extLst>
+                    <a:ext uri="{9D8B030D-6E8A-4147-A177-3AD203B41FA5}">
+                      <a16:colId xmlns:a16="http://schemas.microsoft.com/office/drawing/2014/main" val="2391090108"/>
+                    </a:ext>
+                  </a:extLst>
+                </a:gridCol>
+                <a:gridCol w="1198694">
+                  <a:extLst>
+                    <a:ext uri="{9D8B030D-6E8A-4147-A177-3AD203B41FA5}">
+                      <a16:colId xmlns:a16="http://schemas.microsoft.com/office/drawing/2014/main" val="3051588018"/>
+                    </a:ext>
+                  </a:extLst>
+                </a:gridCol>
+              </a:tblGrid>
+              <a:tr h="219140">
+                <a:tc>
+                  <a:txBody>
+                    <a:bodyPr/>
+                    <a:lstStyle/>
+                    <a:p>
+                      <a:r>
+                        <a:rPr lang="en-GB" sz="1000" dirty="0"/>
+                        <a:t>Field</a:t>
+                      </a:r>
+                    </a:p>
+                  </a:txBody>
+                  <a:tcPr marL="51629" marR="51629" marT="25814" marB="25814"/>
+                </a:tc>
+                <a:tc>
+                  <a:txBody>
+                    <a:bodyPr/>
+                    <a:lstStyle/>
+                    <a:p>
+                      <a:r>
+                        <a:rPr lang="en-GB" sz="1000" dirty="0"/>
+                        <a:t>Type</a:t>
+                      </a:r>
+                    </a:p>
+                  </a:txBody>
+                  <a:tcPr marL="51629" marR="51629" marT="25814" marB="25814"/>
+                </a:tc>
+                <a:extLst>
+                  <a:ext uri="{0D108BD9-81ED-4DB2-BD59-A6C34878D82A}">
+                    <a16:rowId xmlns:a16="http://schemas.microsoft.com/office/drawing/2014/main" val="4150427295"/>
+                  </a:ext>
+                </a:extLst>
+              </a:tr>
+              <a:tr h="219140">
+                <a:tc>
+                  <a:txBody>
+                    <a:bodyPr/>
+                    <a:lstStyle/>
+                    <a:p>
+                      <a:r>
+                        <a:rPr lang="en-GB" sz="1000" b="1" u="sng" dirty="0" err="1"/>
+                        <a:t>professor_ID</a:t>
+                      </a:r>
+                      <a:r>
+                        <a:rPr lang="en-GB" sz="1000" b="1" u="sng" dirty="0"/>
+                        <a:t>*</a:t>
+                      </a:r>
+                      <a:endParaRPr lang="en-GB" sz="1000" dirty="0"/>
+                    </a:p>
+                  </a:txBody>
+                  <a:tcPr marL="51629" marR="51629" marT="25814" marB="25814"/>
+                </a:tc>
+                <a:tc>
+                  <a:txBody>
+                    <a:bodyPr/>
+                    <a:lstStyle/>
+                    <a:p>
+                      <a:r>
+                        <a:rPr lang="en-GB" sz="1000" dirty="0"/>
+                        <a:t>IntegerField</a:t>
+                      </a:r>
+                    </a:p>
+                  </a:txBody>
+                  <a:tcPr marL="51629" marR="51629" marT="25814" marB="25814"/>
+                </a:tc>
+                <a:extLst>
+                  <a:ext uri="{0D108BD9-81ED-4DB2-BD59-A6C34878D82A}">
+                    <a16:rowId xmlns:a16="http://schemas.microsoft.com/office/drawing/2014/main" val="20519223"/>
+                  </a:ext>
+                </a:extLst>
+              </a:tr>
+            </a:tbl>
+          </a:graphicData>
+        </a:graphic>
+      </p:graphicFrame>
+      <p:sp>
+        <p:nvSpPr>
+          <p:cNvPr id="9" name="TextBox 8">
+            <a:extLst>
+              <a:ext uri="{FF2B5EF4-FFF2-40B4-BE49-F238E27FC236}">
+                <a16:creationId xmlns:a16="http://schemas.microsoft.com/office/drawing/2014/main" id="{17B8DE8A-9782-4998-9365-7856F128EAF5}"/>
+              </a:ext>
+            </a:extLst>
+          </p:cNvPr>
+          <p:cNvSpPr txBox="1"/>
+          <p:nvPr/>
+        </p:nvSpPr>
+        <p:spPr>
+          <a:xfrm>
+            <a:off x="108098" y="3059668"/>
+            <a:ext cx="3565480" cy="369332"/>
+          </a:xfrm>
+          <a:prstGeom prst="rect">
+            <a:avLst/>
+          </a:prstGeom>
+          <a:noFill/>
+        </p:spPr>
+        <p:txBody>
+          <a:bodyPr wrap="square" rtlCol="0">
+            <a:spAutoFit/>
+          </a:bodyPr>
+          <a:lstStyle/>
+          <a:p>
+            <a:r>
+              <a:rPr lang="en-GB" dirty="0"/>
+              <a:t> Professor</a:t>
+            </a:r>
+          </a:p>
+        </p:txBody>
+      </p:sp>
+      <p:graphicFrame>
+        <p:nvGraphicFramePr>
+          <p:cNvPr id="10" name="Table 4">
+            <a:extLst>
+              <a:ext uri="{FF2B5EF4-FFF2-40B4-BE49-F238E27FC236}">
+                <a16:creationId xmlns:a16="http://schemas.microsoft.com/office/drawing/2014/main" id="{688168F3-1C41-434B-81EC-54445C51BA80}"/>
+              </a:ext>
+            </a:extLst>
+          </p:cNvPr>
+          <p:cNvGraphicFramePr>
+            <a:graphicFrameLocks noGrp="1"/>
+          </p:cNvGraphicFramePr>
+          <p:nvPr>
+            <p:extLst>
+              <p:ext uri="{D42A27DB-BD31-4B8C-83A1-F6EECF244321}">
+                <p14:modId xmlns:p14="http://schemas.microsoft.com/office/powerpoint/2010/main" val="182593574"/>
+              </p:ext>
+            </p:extLst>
+          </p:nvPr>
+        </p:nvGraphicFramePr>
+        <p:xfrm>
+          <a:off x="5964551" y="1814842"/>
+          <a:ext cx="5234318" cy="817425"/>
+        </p:xfrm>
+        <a:graphic>
+          <a:graphicData uri="http://schemas.openxmlformats.org/drawingml/2006/table">
+            <a:tbl>
+              <a:tblPr firstRow="1" bandRow="1">
+                <a:tableStyleId>{5C22544A-7EE6-4342-B048-85BDC9FD1C3A}</a:tableStyleId>
+              </a:tblPr>
+              <a:tblGrid>
+                <a:gridCol w="2617159">
+                  <a:extLst>
+                    <a:ext uri="{9D8B030D-6E8A-4147-A177-3AD203B41FA5}">
+                      <a16:colId xmlns:a16="http://schemas.microsoft.com/office/drawing/2014/main" val="2391090108"/>
+                    </a:ext>
+                  </a:extLst>
+                </a:gridCol>
+                <a:gridCol w="2617159">
+                  <a:extLst>
+                    <a:ext uri="{9D8B030D-6E8A-4147-A177-3AD203B41FA5}">
+                      <a16:colId xmlns:a16="http://schemas.microsoft.com/office/drawing/2014/main" val="3051588018"/>
+                    </a:ext>
+                  </a:extLst>
+                </a:gridCol>
+              </a:tblGrid>
+              <a:tr h="272475">
+                <a:tc>
+                  <a:txBody>
+                    <a:bodyPr/>
+                    <a:lstStyle/>
+                    <a:p>
+                      <a:r>
+                        <a:rPr lang="en-GB" sz="1100" dirty="0"/>
+                        <a:t>Field</a:t>
+                      </a:r>
+                    </a:p>
+                  </a:txBody>
+                  <a:tcPr marL="54475" marR="54475" marT="27238" marB="27238"/>
+                </a:tc>
+                <a:tc>
+                  <a:txBody>
+                    <a:bodyPr/>
+                    <a:lstStyle/>
+                    <a:p>
+                      <a:r>
+                        <a:rPr lang="en-GB" sz="1100" dirty="0"/>
+                        <a:t>Type</a:t>
+                      </a:r>
+                    </a:p>
+                  </a:txBody>
+                  <a:tcPr marL="54475" marR="54475" marT="27238" marB="27238"/>
+                </a:tc>
+                <a:extLst>
+                  <a:ext uri="{0D108BD9-81ED-4DB2-BD59-A6C34878D82A}">
+                    <a16:rowId xmlns:a16="http://schemas.microsoft.com/office/drawing/2014/main" val="4150427295"/>
+                  </a:ext>
+                </a:extLst>
+              </a:tr>
+              <a:tr h="272475">
+                <a:tc>
+                  <a:txBody>
+                    <a:bodyPr/>
+                    <a:lstStyle/>
+                    <a:p>
+                      <a:r>
+                        <a:rPr lang="en-GB" sz="1100" b="1" u="none" dirty="0" err="1"/>
+                        <a:t>Course_ID</a:t>
+                      </a:r>
+                      <a:endParaRPr lang="en-GB" sz="1100" b="1" u="none" dirty="0"/>
+                    </a:p>
+                  </a:txBody>
+                  <a:tcPr marL="54475" marR="54475" marT="27238" marB="27238"/>
+                </a:tc>
+                <a:tc>
+                  <a:txBody>
+                    <a:bodyPr/>
+                    <a:lstStyle/>
+                    <a:p>
+                      <a:r>
+                        <a:rPr lang="en-GB" sz="1100" dirty="0"/>
+                        <a:t>IntegerField</a:t>
+                      </a:r>
+                    </a:p>
+                  </a:txBody>
+                  <a:tcPr marL="54475" marR="54475" marT="27238" marB="27238"/>
+                </a:tc>
+                <a:extLst>
+                  <a:ext uri="{0D108BD9-81ED-4DB2-BD59-A6C34878D82A}">
+                    <a16:rowId xmlns:a16="http://schemas.microsoft.com/office/drawing/2014/main" val="20519223"/>
+                  </a:ext>
+                </a:extLst>
+              </a:tr>
+              <a:tr h="272475">
+                <a:tc>
+                  <a:txBody>
+                    <a:bodyPr/>
+                    <a:lstStyle/>
+                    <a:p>
+                      <a:r>
+                        <a:rPr lang="en-GB" sz="1100" dirty="0" err="1"/>
+                        <a:t>courseName</a:t>
+                      </a:r>
+                      <a:endParaRPr lang="en-GB" sz="1100" dirty="0"/>
+                    </a:p>
+                  </a:txBody>
+                  <a:tcPr marL="54475" marR="54475" marT="27238" marB="27238"/>
+                </a:tc>
+                <a:tc>
+                  <a:txBody>
+                    <a:bodyPr/>
+                    <a:lstStyle/>
+                    <a:p>
+                      <a:r>
+                        <a:rPr lang="en-GB" sz="1100" dirty="0" err="1"/>
+                        <a:t>CharField</a:t>
+                      </a:r>
+                      <a:r>
+                        <a:rPr lang="en-GB" sz="1100"/>
+                        <a:t>(50)</a:t>
+                      </a:r>
+                      <a:endParaRPr lang="en-GB" sz="1100" dirty="0"/>
+                    </a:p>
+                  </a:txBody>
+                  <a:tcPr marL="54475" marR="54475" marT="27238" marB="27238"/>
+                </a:tc>
+                <a:extLst>
+                  <a:ext uri="{0D108BD9-81ED-4DB2-BD59-A6C34878D82A}">
+                    <a16:rowId xmlns:a16="http://schemas.microsoft.com/office/drawing/2014/main" val="3097328042"/>
+                  </a:ext>
+                </a:extLst>
+              </a:tr>
+            </a:tbl>
+          </a:graphicData>
+        </a:graphic>
+      </p:graphicFrame>
+      <p:sp>
+        <p:nvSpPr>
+          <p:cNvPr id="11" name="TextBox 10">
+            <a:extLst>
+              <a:ext uri="{FF2B5EF4-FFF2-40B4-BE49-F238E27FC236}">
+                <a16:creationId xmlns:a16="http://schemas.microsoft.com/office/drawing/2014/main" id="{C762E3A5-5883-4CF4-94F0-14B6B2658F9A}"/>
+              </a:ext>
+            </a:extLst>
+          </p:cNvPr>
+          <p:cNvSpPr txBox="1"/>
+          <p:nvPr/>
+        </p:nvSpPr>
+        <p:spPr>
+          <a:xfrm>
+            <a:off x="5861035" y="1466202"/>
+            <a:ext cx="2120896" cy="369332"/>
+          </a:xfrm>
+          <a:prstGeom prst="rect">
+            <a:avLst/>
+          </a:prstGeom>
+          <a:noFill/>
+        </p:spPr>
+        <p:txBody>
+          <a:bodyPr wrap="square" rtlCol="0">
+            <a:spAutoFit/>
+          </a:bodyPr>
+          <a:lstStyle/>
+          <a:p>
+            <a:r>
+              <a:rPr lang="en-GB" dirty="0"/>
+              <a:t>Course</a:t>
+            </a:r>
+          </a:p>
+        </p:txBody>
+      </p:sp>
+      <p:graphicFrame>
+        <p:nvGraphicFramePr>
+          <p:cNvPr id="12" name="Table 4">
+            <a:extLst>
+              <a:ext uri="{FF2B5EF4-FFF2-40B4-BE49-F238E27FC236}">
+                <a16:creationId xmlns:a16="http://schemas.microsoft.com/office/drawing/2014/main" id="{4E028C26-1DD6-46BE-859D-BC8DA5A6DD83}"/>
+              </a:ext>
+            </a:extLst>
+          </p:cNvPr>
+          <p:cNvGraphicFramePr>
+            <a:graphicFrameLocks noGrp="1"/>
+          </p:cNvGraphicFramePr>
+          <p:nvPr>
+            <p:extLst>
+              <p:ext uri="{D42A27DB-BD31-4B8C-83A1-F6EECF244321}">
+                <p14:modId xmlns:p14="http://schemas.microsoft.com/office/powerpoint/2010/main" val="3178746555"/>
+              </p:ext>
+            </p:extLst>
+          </p:nvPr>
+        </p:nvGraphicFramePr>
+        <p:xfrm>
+          <a:off x="211614" y="4393844"/>
+          <a:ext cx="2397388" cy="438280"/>
+        </p:xfrm>
+        <a:graphic>
+          <a:graphicData uri="http://schemas.openxmlformats.org/drawingml/2006/table">
+            <a:tbl>
+              <a:tblPr firstRow="1" bandRow="1">
+                <a:tableStyleId>{5C22544A-7EE6-4342-B048-85BDC9FD1C3A}</a:tableStyleId>
+              </a:tblPr>
+              <a:tblGrid>
+                <a:gridCol w="1198694">
+                  <a:extLst>
+                    <a:ext uri="{9D8B030D-6E8A-4147-A177-3AD203B41FA5}">
+                      <a16:colId xmlns:a16="http://schemas.microsoft.com/office/drawing/2014/main" val="2391090108"/>
+                    </a:ext>
+                  </a:extLst>
+                </a:gridCol>
+                <a:gridCol w="1198694">
+                  <a:extLst>
+                    <a:ext uri="{9D8B030D-6E8A-4147-A177-3AD203B41FA5}">
+                      <a16:colId xmlns:a16="http://schemas.microsoft.com/office/drawing/2014/main" val="3051588018"/>
+                    </a:ext>
+                  </a:extLst>
+                </a:gridCol>
+              </a:tblGrid>
+              <a:tr h="219140">
+                <a:tc>
+                  <a:txBody>
+                    <a:bodyPr/>
+                    <a:lstStyle/>
+                    <a:p>
+                      <a:r>
+                        <a:rPr lang="en-GB" sz="1000" dirty="0"/>
+                        <a:t>Field</a:t>
+                      </a:r>
+                    </a:p>
+                  </a:txBody>
+                  <a:tcPr marL="51629" marR="51629" marT="25814" marB="25814"/>
+                </a:tc>
+                <a:tc>
+                  <a:txBody>
+                    <a:bodyPr/>
+                    <a:lstStyle/>
+                    <a:p>
+                      <a:r>
+                        <a:rPr lang="en-GB" sz="1000" dirty="0"/>
+                        <a:t>Type</a:t>
+                      </a:r>
+                    </a:p>
+                  </a:txBody>
+                  <a:tcPr marL="51629" marR="51629" marT="25814" marB="25814"/>
+                </a:tc>
+                <a:extLst>
+                  <a:ext uri="{0D108BD9-81ED-4DB2-BD59-A6C34878D82A}">
+                    <a16:rowId xmlns:a16="http://schemas.microsoft.com/office/drawing/2014/main" val="4150427295"/>
+                  </a:ext>
+                </a:extLst>
+              </a:tr>
+              <a:tr h="219140">
+                <a:tc>
+                  <a:txBody>
+                    <a:bodyPr/>
+                    <a:lstStyle/>
+                    <a:p>
+                      <a:r>
+                        <a:rPr lang="en-GB" sz="1000" b="1" u="sng" dirty="0" err="1"/>
+                        <a:t>student_ID</a:t>
+                      </a:r>
+                      <a:r>
+                        <a:rPr lang="en-GB" sz="1000" b="1" u="sng" dirty="0"/>
+                        <a:t>*</a:t>
+                      </a:r>
+                      <a:endParaRPr lang="en-GB" sz="1000" dirty="0"/>
+                    </a:p>
+                  </a:txBody>
+                  <a:tcPr marL="51629" marR="51629" marT="25814" marB="25814"/>
+                </a:tc>
+                <a:tc>
+                  <a:txBody>
+                    <a:bodyPr/>
+                    <a:lstStyle/>
+                    <a:p>
+                      <a:r>
+                        <a:rPr lang="en-GB" sz="1000" dirty="0"/>
+                        <a:t>IntegerField</a:t>
+                      </a:r>
+                    </a:p>
+                  </a:txBody>
+                  <a:tcPr marL="51629" marR="51629" marT="25814" marB="25814"/>
+                </a:tc>
+                <a:extLst>
+                  <a:ext uri="{0D108BD9-81ED-4DB2-BD59-A6C34878D82A}">
+                    <a16:rowId xmlns:a16="http://schemas.microsoft.com/office/drawing/2014/main" val="20519223"/>
+                  </a:ext>
+                </a:extLst>
+              </a:tr>
+            </a:tbl>
+          </a:graphicData>
+        </a:graphic>
+      </p:graphicFrame>
+      <p:sp>
+        <p:nvSpPr>
+          <p:cNvPr id="13" name="TextBox 12">
+            <a:extLst>
+              <a:ext uri="{FF2B5EF4-FFF2-40B4-BE49-F238E27FC236}">
+                <a16:creationId xmlns:a16="http://schemas.microsoft.com/office/drawing/2014/main" id="{B83D87BA-367D-4717-B05A-BD4BD150FCD8}"/>
+              </a:ext>
+            </a:extLst>
+          </p:cNvPr>
+          <p:cNvSpPr txBox="1"/>
+          <p:nvPr/>
+        </p:nvSpPr>
+        <p:spPr>
+          <a:xfrm>
+            <a:off x="108098" y="4045205"/>
+            <a:ext cx="3565480" cy="369332"/>
+          </a:xfrm>
+          <a:prstGeom prst="rect">
+            <a:avLst/>
+          </a:prstGeom>
+          <a:noFill/>
+        </p:spPr>
+        <p:txBody>
+          <a:bodyPr wrap="square" rtlCol="0">
+            <a:spAutoFit/>
+          </a:bodyPr>
+          <a:lstStyle/>
+          <a:p>
+            <a:r>
+              <a:rPr lang="en-GB" dirty="0"/>
+              <a:t> Student</a:t>
+            </a:r>
+          </a:p>
+        </p:txBody>
+      </p:sp>
+      <p:graphicFrame>
+        <p:nvGraphicFramePr>
+          <p:cNvPr id="14" name="Table 4">
+            <a:extLst>
+              <a:ext uri="{FF2B5EF4-FFF2-40B4-BE49-F238E27FC236}">
+                <a16:creationId xmlns:a16="http://schemas.microsoft.com/office/drawing/2014/main" id="{6E0FCA1E-A5FB-40F1-891E-D52DCB65EAAC}"/>
+              </a:ext>
+            </a:extLst>
+          </p:cNvPr>
+          <p:cNvGraphicFramePr>
+            <a:graphicFrameLocks noGrp="1"/>
+          </p:cNvGraphicFramePr>
+          <p:nvPr>
+            <p:extLst>
+              <p:ext uri="{D42A27DB-BD31-4B8C-83A1-F6EECF244321}">
+                <p14:modId xmlns:p14="http://schemas.microsoft.com/office/powerpoint/2010/main" val="4172938091"/>
+              </p:ext>
+            </p:extLst>
+          </p:nvPr>
+        </p:nvGraphicFramePr>
+        <p:xfrm>
+          <a:off x="3102154" y="3376632"/>
+          <a:ext cx="5234318" cy="1978814"/>
+        </p:xfrm>
+        <a:graphic>
+          <a:graphicData uri="http://schemas.openxmlformats.org/drawingml/2006/table">
+            <a:tbl>
+              <a:tblPr firstRow="1" bandRow="1">
+                <a:tableStyleId>{5C22544A-7EE6-4342-B048-85BDC9FD1C3A}</a:tableStyleId>
+              </a:tblPr>
+              <a:tblGrid>
+                <a:gridCol w="2617159">
+                  <a:extLst>
+                    <a:ext uri="{9D8B030D-6E8A-4147-A177-3AD203B41FA5}">
+                      <a16:colId xmlns:a16="http://schemas.microsoft.com/office/drawing/2014/main" val="2391090108"/>
+                    </a:ext>
+                  </a:extLst>
+                </a:gridCol>
+                <a:gridCol w="2617159">
+                  <a:extLst>
+                    <a:ext uri="{9D8B030D-6E8A-4147-A177-3AD203B41FA5}">
+                      <a16:colId xmlns:a16="http://schemas.microsoft.com/office/drawing/2014/main" val="3051588018"/>
+                    </a:ext>
+                  </a:extLst>
+                </a:gridCol>
+              </a:tblGrid>
+              <a:tr h="272475">
+                <a:tc>
+                  <a:txBody>
+                    <a:bodyPr/>
+                    <a:lstStyle/>
+                    <a:p>
+                      <a:r>
+                        <a:rPr lang="en-GB" sz="1100" dirty="0"/>
+                        <a:t>Field</a:t>
+                      </a:r>
+                    </a:p>
+                  </a:txBody>
+                  <a:tcPr marL="54475" marR="54475" marT="27238" marB="27238"/>
+                </a:tc>
+                <a:tc>
+                  <a:txBody>
+                    <a:bodyPr/>
+                    <a:lstStyle/>
+                    <a:p>
+                      <a:r>
+                        <a:rPr lang="en-GB" sz="1100" dirty="0"/>
+                        <a:t>Type</a:t>
+                      </a:r>
+                    </a:p>
+                  </a:txBody>
+                  <a:tcPr marL="54475" marR="54475" marT="27238" marB="27238"/>
+                </a:tc>
+                <a:extLst>
+                  <a:ext uri="{0D108BD9-81ED-4DB2-BD59-A6C34878D82A}">
+                    <a16:rowId xmlns:a16="http://schemas.microsoft.com/office/drawing/2014/main" val="4150427295"/>
+                  </a:ext>
+                </a:extLst>
+              </a:tr>
+              <a:tr h="331518">
+                <a:tc>
+                  <a:txBody>
+                    <a:bodyPr/>
+                    <a:lstStyle/>
+                    <a:p>
+                      <a:r>
+                        <a:rPr lang="en-GB" sz="1100" b="1" u="sng" dirty="0" err="1"/>
+                        <a:t>Lecture_ID</a:t>
+                      </a:r>
+                      <a:endParaRPr lang="en-GB" sz="1100" b="1" u="sng" dirty="0"/>
+                    </a:p>
+                  </a:txBody>
+                  <a:tcPr marL="54475" marR="54475" marT="27238" marB="27238"/>
+                </a:tc>
+                <a:tc>
+                  <a:txBody>
+                    <a:bodyPr/>
+                    <a:lstStyle/>
+                    <a:p>
+                      <a:r>
+                        <a:rPr lang="en-GB" sz="1100" dirty="0"/>
+                        <a:t>IntegerField</a:t>
+                      </a:r>
+                    </a:p>
+                  </a:txBody>
+                  <a:tcPr marL="54475" marR="54475" marT="27238" marB="27238"/>
+                </a:tc>
+                <a:extLst>
+                  <a:ext uri="{0D108BD9-81ED-4DB2-BD59-A6C34878D82A}">
+                    <a16:rowId xmlns:a16="http://schemas.microsoft.com/office/drawing/2014/main" val="20519223"/>
+                  </a:ext>
+                </a:extLst>
+              </a:tr>
+              <a:tr h="272475">
+                <a:tc>
+                  <a:txBody>
+                    <a:bodyPr/>
+                    <a:lstStyle/>
+                    <a:p>
+                      <a:r>
+                        <a:rPr lang="en-GB" sz="1100" dirty="0"/>
+                        <a:t>videoURL</a:t>
+                      </a:r>
+                    </a:p>
+                  </a:txBody>
+                  <a:tcPr marL="54475" marR="54475" marT="27238" marB="27238"/>
+                </a:tc>
+                <a:tc>
+                  <a:txBody>
+                    <a:bodyPr/>
+                    <a:lstStyle/>
+                    <a:p>
+                      <a:pPr marL="0" marR="0" lvl="0" indent="0" algn="l" defTabSz="914400" rtl="0" eaLnBrk="1" fontAlgn="auto" latinLnBrk="0" hangingPunct="1">
+                        <a:lnSpc>
+                          <a:spcPct val="100000"/>
+                        </a:lnSpc>
+                        <a:spcBef>
+                          <a:spcPts val="0"/>
+                        </a:spcBef>
+                        <a:spcAft>
+                          <a:spcPts val="0"/>
+                        </a:spcAft>
+                        <a:buClrTx/>
+                        <a:buSzTx/>
+                        <a:buFontTx/>
+                        <a:buNone/>
+                        <a:tabLst/>
+                        <a:defRPr/>
+                      </a:pPr>
+                      <a:r>
+                        <a:rPr lang="en-GB" sz="1100" dirty="0" err="1"/>
+                        <a:t>CharField</a:t>
+                      </a:r>
+                      <a:r>
+                        <a:rPr lang="en-GB" sz="1100" dirty="0"/>
+                        <a:t>(150)</a:t>
+                      </a:r>
+                    </a:p>
+                  </a:txBody>
+                  <a:tcPr marL="54475" marR="54475" marT="27238" marB="27238"/>
+                </a:tc>
+                <a:extLst>
+                  <a:ext uri="{0D108BD9-81ED-4DB2-BD59-A6C34878D82A}">
+                    <a16:rowId xmlns:a16="http://schemas.microsoft.com/office/drawing/2014/main" val="3097328042"/>
+                  </a:ext>
+                </a:extLst>
+              </a:tr>
+              <a:tr h="272475">
+                <a:tc>
+                  <a:txBody>
+                    <a:bodyPr/>
+                    <a:lstStyle/>
+                    <a:p>
+                      <a:r>
+                        <a:rPr lang="en-GB" sz="1100" dirty="0"/>
+                        <a:t>slideShowURL</a:t>
+                      </a:r>
+                    </a:p>
+                  </a:txBody>
+                  <a:tcPr marL="54475" marR="54475" marT="27238" marB="27238"/>
+                </a:tc>
+                <a:tc>
+                  <a:txBody>
+                    <a:bodyPr/>
+                    <a:lstStyle/>
+                    <a:p>
+                      <a:pPr marL="0" marR="0" lvl="0" indent="0" algn="l" defTabSz="914400" rtl="0" eaLnBrk="1" fontAlgn="auto" latinLnBrk="0" hangingPunct="1">
+                        <a:lnSpc>
+                          <a:spcPct val="100000"/>
+                        </a:lnSpc>
+                        <a:spcBef>
+                          <a:spcPts val="0"/>
+                        </a:spcBef>
+                        <a:spcAft>
+                          <a:spcPts val="0"/>
+                        </a:spcAft>
+                        <a:buClrTx/>
+                        <a:buSzTx/>
+                        <a:buFontTx/>
+                        <a:buNone/>
+                        <a:tabLst/>
+                        <a:defRPr/>
+                      </a:pPr>
+                      <a:r>
+                        <a:rPr lang="en-GB" sz="1100" dirty="0" err="1"/>
+                        <a:t>CharField</a:t>
+                      </a:r>
+                      <a:r>
+                        <a:rPr lang="en-GB" sz="1100" dirty="0"/>
+                        <a:t>(150)</a:t>
+                      </a:r>
+                    </a:p>
+                  </a:txBody>
+                  <a:tcPr marL="54475" marR="54475" marT="27238" marB="27238"/>
+                </a:tc>
+                <a:extLst>
+                  <a:ext uri="{0D108BD9-81ED-4DB2-BD59-A6C34878D82A}">
+                    <a16:rowId xmlns:a16="http://schemas.microsoft.com/office/drawing/2014/main" val="1200363246"/>
+                  </a:ext>
+                </a:extLst>
+              </a:tr>
+              <a:tr h="272475">
+                <a:tc>
+                  <a:txBody>
+                    <a:bodyPr/>
+                    <a:lstStyle/>
+                    <a:p>
+                      <a:r>
+                        <a:rPr lang="en-GB" sz="1100" b="1" dirty="0" err="1"/>
+                        <a:t>Course_ID</a:t>
+                      </a:r>
+                      <a:r>
+                        <a:rPr lang="en-GB" sz="1100" dirty="0"/>
+                        <a:t>*</a:t>
+                      </a:r>
+                    </a:p>
+                  </a:txBody>
+                  <a:tcPr marL="54475" marR="54475" marT="27238" marB="27238"/>
+                </a:tc>
+                <a:tc>
+                  <a:txBody>
+                    <a:bodyPr/>
+                    <a:lstStyle/>
+                    <a:p>
+                      <a:r>
+                        <a:rPr lang="en-GB" sz="1100" dirty="0"/>
+                        <a:t>IntegerField</a:t>
+                      </a:r>
+                    </a:p>
+                  </a:txBody>
+                  <a:tcPr marL="54475" marR="54475" marT="27238" marB="27238"/>
+                </a:tc>
+                <a:extLst>
+                  <a:ext uri="{0D108BD9-81ED-4DB2-BD59-A6C34878D82A}">
+                    <a16:rowId xmlns:a16="http://schemas.microsoft.com/office/drawing/2014/main" val="4212254447"/>
+                  </a:ext>
+                </a:extLst>
+              </a:tr>
+              <a:tr h="272475">
+                <a:tc>
+                  <a:txBody>
+                    <a:bodyPr/>
+                    <a:lstStyle/>
+                    <a:p>
+                      <a:r>
+                        <a:rPr lang="en-GB" sz="1100" b="1" dirty="0" err="1"/>
+                        <a:t>Professor_ID</a:t>
+                      </a:r>
+                      <a:r>
+                        <a:rPr lang="en-GB" sz="1100" b="1" dirty="0"/>
+                        <a:t>*</a:t>
+                      </a:r>
+                    </a:p>
+                  </a:txBody>
+                  <a:tcPr marL="54475" marR="54475" marT="27238" marB="27238"/>
+                </a:tc>
+                <a:tc>
+                  <a:txBody>
+                    <a:bodyPr/>
+                    <a:lstStyle/>
+                    <a:p>
+                      <a:r>
+                        <a:rPr lang="en-GB" sz="1100" dirty="0"/>
+                        <a:t>IntegerField, can be null if this lecture was pulled from Moodle (not uploaded manually)</a:t>
+                      </a:r>
+                    </a:p>
+                  </a:txBody>
+                  <a:tcPr marL="54475" marR="54475" marT="27238" marB="27238"/>
+                </a:tc>
+                <a:extLst>
+                  <a:ext uri="{0D108BD9-81ED-4DB2-BD59-A6C34878D82A}">
+                    <a16:rowId xmlns:a16="http://schemas.microsoft.com/office/drawing/2014/main" val="4139509957"/>
+                  </a:ext>
+                </a:extLst>
+              </a:tr>
+            </a:tbl>
+          </a:graphicData>
+        </a:graphic>
+      </p:graphicFrame>
+      <p:sp>
+        <p:nvSpPr>
+          <p:cNvPr id="15" name="TextBox 14">
+            <a:extLst>
+              <a:ext uri="{FF2B5EF4-FFF2-40B4-BE49-F238E27FC236}">
+                <a16:creationId xmlns:a16="http://schemas.microsoft.com/office/drawing/2014/main" id="{3338A273-0B8F-4C88-90EE-6A186091E1BF}"/>
+              </a:ext>
+            </a:extLst>
+          </p:cNvPr>
+          <p:cNvSpPr txBox="1"/>
+          <p:nvPr/>
+        </p:nvSpPr>
+        <p:spPr>
+          <a:xfrm>
+            <a:off x="2998638" y="3027992"/>
+            <a:ext cx="2120896" cy="369332"/>
+          </a:xfrm>
+          <a:prstGeom prst="rect">
+            <a:avLst/>
+          </a:prstGeom>
+          <a:noFill/>
+        </p:spPr>
+        <p:txBody>
+          <a:bodyPr wrap="square" rtlCol="0">
+            <a:spAutoFit/>
+          </a:bodyPr>
+          <a:lstStyle/>
+          <a:p>
+            <a:r>
+              <a:rPr lang="en-GB" dirty="0"/>
+              <a:t>Lecture</a:t>
+            </a:r>
+          </a:p>
+        </p:txBody>
+      </p:sp>
+      <p:graphicFrame>
+        <p:nvGraphicFramePr>
+          <p:cNvPr id="16" name="Table 4">
+            <a:extLst>
+              <a:ext uri="{FF2B5EF4-FFF2-40B4-BE49-F238E27FC236}">
+                <a16:creationId xmlns:a16="http://schemas.microsoft.com/office/drawing/2014/main" id="{4A45FB7B-EF11-4A8B-8516-8C1E53384428}"/>
+              </a:ext>
+            </a:extLst>
+          </p:cNvPr>
+          <p:cNvGraphicFramePr>
+            <a:graphicFrameLocks noGrp="1"/>
+          </p:cNvGraphicFramePr>
+          <p:nvPr>
+            <p:extLst>
+              <p:ext uri="{D42A27DB-BD31-4B8C-83A1-F6EECF244321}">
+                <p14:modId xmlns:p14="http://schemas.microsoft.com/office/powerpoint/2010/main" val="107085356"/>
+              </p:ext>
+            </p:extLst>
+          </p:nvPr>
+        </p:nvGraphicFramePr>
+        <p:xfrm>
+          <a:off x="3102154" y="5632055"/>
+          <a:ext cx="5234318" cy="935511"/>
+        </p:xfrm>
+        <a:graphic>
+          <a:graphicData uri="http://schemas.openxmlformats.org/drawingml/2006/table">
+            <a:tbl>
+              <a:tblPr firstRow="1" bandRow="1">
+                <a:tableStyleId>{5C22544A-7EE6-4342-B048-85BDC9FD1C3A}</a:tableStyleId>
+              </a:tblPr>
+              <a:tblGrid>
+                <a:gridCol w="2617159">
+                  <a:extLst>
+                    <a:ext uri="{9D8B030D-6E8A-4147-A177-3AD203B41FA5}">
+                      <a16:colId xmlns:a16="http://schemas.microsoft.com/office/drawing/2014/main" val="2391090108"/>
+                    </a:ext>
+                  </a:extLst>
+                </a:gridCol>
+                <a:gridCol w="2617159">
+                  <a:extLst>
+                    <a:ext uri="{9D8B030D-6E8A-4147-A177-3AD203B41FA5}">
+                      <a16:colId xmlns:a16="http://schemas.microsoft.com/office/drawing/2014/main" val="3051588018"/>
+                    </a:ext>
+                  </a:extLst>
+                </a:gridCol>
+              </a:tblGrid>
+              <a:tr h="272475">
+                <a:tc>
+                  <a:txBody>
+                    <a:bodyPr/>
+                    <a:lstStyle/>
+                    <a:p>
+                      <a:r>
+                        <a:rPr lang="en-GB" sz="1100" dirty="0"/>
+                        <a:t>Field</a:t>
+                      </a:r>
+                    </a:p>
+                  </a:txBody>
+                  <a:tcPr marL="54475" marR="54475" marT="27238" marB="27238"/>
+                </a:tc>
+                <a:tc>
+                  <a:txBody>
+                    <a:bodyPr/>
+                    <a:lstStyle/>
+                    <a:p>
+                      <a:r>
+                        <a:rPr lang="en-GB" sz="1100" dirty="0"/>
+                        <a:t>Type</a:t>
+                      </a:r>
+                    </a:p>
+                  </a:txBody>
+                  <a:tcPr marL="54475" marR="54475" marT="27238" marB="27238"/>
+                </a:tc>
+                <a:extLst>
+                  <a:ext uri="{0D108BD9-81ED-4DB2-BD59-A6C34878D82A}">
+                    <a16:rowId xmlns:a16="http://schemas.microsoft.com/office/drawing/2014/main" val="4150427295"/>
+                  </a:ext>
+                </a:extLst>
+              </a:tr>
+              <a:tr h="331518">
+                <a:tc>
+                  <a:txBody>
+                    <a:bodyPr/>
+                    <a:lstStyle/>
+                    <a:p>
+                      <a:r>
+                        <a:rPr lang="en-GB" sz="1100" b="1" u="sng" dirty="0"/>
+                        <a:t>Lecture_ID</a:t>
+                      </a:r>
+                    </a:p>
+                  </a:txBody>
+                  <a:tcPr marL="54475" marR="54475" marT="27238" marB="27238"/>
+                </a:tc>
+                <a:tc>
+                  <a:txBody>
+                    <a:bodyPr/>
+                    <a:lstStyle/>
+                    <a:p>
+                      <a:r>
+                        <a:rPr lang="en-GB" sz="1100" dirty="0"/>
+                        <a:t>IntegerField</a:t>
+                      </a:r>
+                    </a:p>
+                  </a:txBody>
+                  <a:tcPr marL="54475" marR="54475" marT="27238" marB="27238"/>
+                </a:tc>
+                <a:extLst>
+                  <a:ext uri="{0D108BD9-81ED-4DB2-BD59-A6C34878D82A}">
+                    <a16:rowId xmlns:a16="http://schemas.microsoft.com/office/drawing/2014/main" val="20519223"/>
+                  </a:ext>
+                </a:extLst>
+              </a:tr>
+              <a:tr h="331518">
+                <a:tc>
+                  <a:txBody>
+                    <a:bodyPr/>
+                    <a:lstStyle/>
+                    <a:p>
+                      <a:r>
+                        <a:rPr lang="en-GB" sz="1100" b="1" u="none" dirty="0" err="1"/>
+                        <a:t>User_ID</a:t>
+                      </a:r>
+                      <a:r>
+                        <a:rPr lang="en-GB" sz="1100" b="1" u="none" dirty="0"/>
+                        <a:t>*</a:t>
+                      </a:r>
+                    </a:p>
+                  </a:txBody>
+                  <a:tcPr marL="54475" marR="54475" marT="27238" marB="27238"/>
+                </a:tc>
+                <a:tc>
+                  <a:txBody>
+                    <a:bodyPr/>
+                    <a:lstStyle/>
+                    <a:p>
+                      <a:r>
+                        <a:rPr lang="en-GB" sz="1100" dirty="0"/>
+                        <a:t>IntegerField</a:t>
+                      </a:r>
+                    </a:p>
+                  </a:txBody>
+                  <a:tcPr marL="54475" marR="54475" marT="27238" marB="27238"/>
+                </a:tc>
+                <a:extLst>
+                  <a:ext uri="{0D108BD9-81ED-4DB2-BD59-A6C34878D82A}">
+                    <a16:rowId xmlns:a16="http://schemas.microsoft.com/office/drawing/2014/main" val="2986257566"/>
+                  </a:ext>
+                </a:extLst>
+              </a:tr>
+            </a:tbl>
+          </a:graphicData>
+        </a:graphic>
+      </p:graphicFrame>
+      <p:sp>
+        <p:nvSpPr>
+          <p:cNvPr id="17" name="TextBox 16">
+            <a:extLst>
+              <a:ext uri="{FF2B5EF4-FFF2-40B4-BE49-F238E27FC236}">
+                <a16:creationId xmlns:a16="http://schemas.microsoft.com/office/drawing/2014/main" id="{B35AC068-A9A0-4603-9003-27844C2C3946}"/>
+              </a:ext>
+            </a:extLst>
+          </p:cNvPr>
+          <p:cNvSpPr txBox="1"/>
+          <p:nvPr/>
+        </p:nvSpPr>
+        <p:spPr>
+          <a:xfrm>
+            <a:off x="2998638" y="5283415"/>
+            <a:ext cx="2120896" cy="369332"/>
+          </a:xfrm>
+          <a:prstGeom prst="rect">
+            <a:avLst/>
+          </a:prstGeom>
+          <a:noFill/>
+        </p:spPr>
+        <p:txBody>
+          <a:bodyPr wrap="square" rtlCol="0">
+            <a:spAutoFit/>
+          </a:bodyPr>
+          <a:lstStyle/>
+          <a:p>
+            <a:r>
+              <a:rPr lang="en-GB" dirty="0" err="1"/>
+              <a:t>SavedLecture</a:t>
+            </a:r>
+            <a:endParaRPr lang="en-GB" dirty="0"/>
+          </a:p>
+        </p:txBody>
+      </p:sp>
+    </p:spTree>
+    <p:extLst>
+      <p:ext uri="{BB962C8B-B14F-4D97-AF65-F5344CB8AC3E}">
+        <p14:creationId xmlns:p14="http://schemas.microsoft.com/office/powerpoint/2010/main" val="1913528824"/>
+      </p:ext>
+    </p:extLst>
+  </p:cSld>
+  <p:clrMapOvr>
+    <a:masterClrMapping/>
+  </p:clrMapOvr>
+</p:sld>
+</file>
+
+<file path=ppt/slides/slide12.xml><?xml version="1.0" encoding="utf-8"?>
+<p:sld xmlns:a="http://schemas.openxmlformats.org/drawingml/2006/main" xmlns:r="http://schemas.openxmlformats.org/officeDocument/2006/relationships" xmlns:p="http://schemas.openxmlformats.org/presentationml/2006/main">
+  <p:cSld>
+    <p:spTree>
+      <p:nvGrpSpPr>
+        <p:cNvPr id="1" name=""/>
+        <p:cNvGrpSpPr/>
+        <p:nvPr/>
+      </p:nvGrpSpPr>
+      <p:grpSpPr>
+        <a:xfrm>
+          <a:off x="0" y="0"/>
+          <a:ext cx="0" cy="0"/>
+          <a:chOff x="0" y="0"/>
+          <a:chExt cx="0" cy="0"/>
+        </a:xfrm>
+      </p:grpSpPr>
+      <p:sp>
+        <p:nvSpPr>
+          <p:cNvPr id="2" name="Title 1">
+            <a:extLst>
+              <a:ext uri="{FF2B5EF4-FFF2-40B4-BE49-F238E27FC236}">
                 <a16:creationId xmlns:a16="http://schemas.microsoft.com/office/drawing/2014/main" id="{EAA9E18D-6439-40D7-8CC4-2EA82C8DA52E}"/>
               </a:ext>
             </a:extLst>
@@ -6709,7 +8165,7 @@
           <a:p>
             <a:r>
               <a:rPr lang="en-GB" dirty="0"/>
-              <a:t>ER Diagram (Chen notation)</a:t>
+              <a:t>ER Diagram (Compressed Chen Notation)</a:t>
             </a:r>
           </a:p>
         </p:txBody>
@@ -7625,6 +9081,45 @@
           </a:fontRef>
         </p:style>
       </p:cxnSp>
+      <p:sp>
+        <p:nvSpPr>
+          <p:cNvPr id="3" name="TextBox 2">
+            <a:extLst>
+              <a:ext uri="{FF2B5EF4-FFF2-40B4-BE49-F238E27FC236}">
+                <a16:creationId xmlns:a16="http://schemas.microsoft.com/office/drawing/2014/main" id="{77A6C71B-616D-47AB-9DB6-8894FD2E7C8E}"/>
+              </a:ext>
+            </a:extLst>
+          </p:cNvPr>
+          <p:cNvSpPr txBox="1"/>
+          <p:nvPr/>
+        </p:nvSpPr>
+        <p:spPr>
+          <a:xfrm>
+            <a:off x="4838635" y="2971225"/>
+            <a:ext cx="4493615" cy="923330"/>
+          </a:xfrm>
+          <a:prstGeom prst="rect">
+            <a:avLst/>
+          </a:prstGeom>
+          <a:noFill/>
+        </p:spPr>
+        <p:txBody>
+          <a:bodyPr wrap="square" rtlCol="0">
+            <a:spAutoFit/>
+          </a:bodyPr>
+          <a:lstStyle/>
+          <a:p>
+            <a:r>
+              <a:rPr lang="en-GB" dirty="0">
+                <a:solidFill>
+                  <a:srgbClr val="FF0000"/>
+                </a:solidFill>
+              </a:rPr>
+              <a:t>!!!!! OLD ER DIAGRAM, WILL REMOVE THIS ONCE WE CONFIRM THE UPDATED ONE IS ALL CORRECT :D !!!!</a:t>
+            </a:r>
+          </a:p>
+        </p:txBody>
+      </p:sp>
     </p:spTree>
     <p:extLst>
       <p:ext uri="{BB962C8B-B14F-4D97-AF65-F5344CB8AC3E}">

--- a/DesignSpecification.pptx
+++ b/DesignSpecification.pptx
@@ -12,11 +12,17 @@
     <p:sldId id="260" r:id="rId6"/>
     <p:sldId id="261" r:id="rId7"/>
     <p:sldId id="262" r:id="rId8"/>
-    <p:sldId id="263" r:id="rId9"/>
-    <p:sldId id="264" r:id="rId10"/>
-    <p:sldId id="267" r:id="rId11"/>
-    <p:sldId id="266" r:id="rId12"/>
-    <p:sldId id="265" r:id="rId13"/>
+    <p:sldId id="272" r:id="rId9"/>
+    <p:sldId id="268" r:id="rId10"/>
+    <p:sldId id="269" r:id="rId11"/>
+    <p:sldId id="270" r:id="rId12"/>
+    <p:sldId id="271" r:id="rId13"/>
+    <p:sldId id="273" r:id="rId14"/>
+    <p:sldId id="263" r:id="rId15"/>
+    <p:sldId id="264" r:id="rId16"/>
+    <p:sldId id="267" r:id="rId17"/>
+    <p:sldId id="266" r:id="rId18"/>
+    <p:sldId id="265" r:id="rId19"/>
   </p:sldIdLst>
   <p:sldSz cx="12192000" cy="6858000"/>
   <p:notesSz cx="6858000" cy="9144000"/>
@@ -272,7 +278,7 @@
           <a:p>
             <a:fld id="{95092FE3-F51D-0C4A-A1D2-112694A4D9A8}" type="datetimeFigureOut">
               <a:rPr lang="en-US" smtClean="0"/>
-              <a:t>2/22/2022</a:t>
+              <a:t>2/23/22</a:t>
             </a:fld>
             <a:endParaRPr lang="en-US"/>
           </a:p>
@@ -472,7 +478,7 @@
           <a:p>
             <a:fld id="{95092FE3-F51D-0C4A-A1D2-112694A4D9A8}" type="datetimeFigureOut">
               <a:rPr lang="en-US" smtClean="0"/>
-              <a:t>2/22/2022</a:t>
+              <a:t>2/23/22</a:t>
             </a:fld>
             <a:endParaRPr lang="en-US"/>
           </a:p>
@@ -682,7 +688,7 @@
           <a:p>
             <a:fld id="{95092FE3-F51D-0C4A-A1D2-112694A4D9A8}" type="datetimeFigureOut">
               <a:rPr lang="en-US" smtClean="0"/>
-              <a:t>2/22/2022</a:t>
+              <a:t>2/23/22</a:t>
             </a:fld>
             <a:endParaRPr lang="en-US"/>
           </a:p>
@@ -882,7 +888,7 @@
           <a:p>
             <a:fld id="{95092FE3-F51D-0C4A-A1D2-112694A4D9A8}" type="datetimeFigureOut">
               <a:rPr lang="en-US" smtClean="0"/>
-              <a:t>2/22/2022</a:t>
+              <a:t>2/23/22</a:t>
             </a:fld>
             <a:endParaRPr lang="en-US"/>
           </a:p>
@@ -1158,7 +1164,7 @@
           <a:p>
             <a:fld id="{95092FE3-F51D-0C4A-A1D2-112694A4D9A8}" type="datetimeFigureOut">
               <a:rPr lang="en-US" smtClean="0"/>
-              <a:t>2/22/2022</a:t>
+              <a:t>2/23/22</a:t>
             </a:fld>
             <a:endParaRPr lang="en-US"/>
           </a:p>
@@ -1426,7 +1432,7 @@
           <a:p>
             <a:fld id="{95092FE3-F51D-0C4A-A1D2-112694A4D9A8}" type="datetimeFigureOut">
               <a:rPr lang="en-US" smtClean="0"/>
-              <a:t>2/22/2022</a:t>
+              <a:t>2/23/22</a:t>
             </a:fld>
             <a:endParaRPr lang="en-US"/>
           </a:p>
@@ -1841,7 +1847,7 @@
           <a:p>
             <a:fld id="{95092FE3-F51D-0C4A-A1D2-112694A4D9A8}" type="datetimeFigureOut">
               <a:rPr lang="en-US" smtClean="0"/>
-              <a:t>2/22/2022</a:t>
+              <a:t>2/23/22</a:t>
             </a:fld>
             <a:endParaRPr lang="en-US"/>
           </a:p>
@@ -1983,7 +1989,7 @@
           <a:p>
             <a:fld id="{95092FE3-F51D-0C4A-A1D2-112694A4D9A8}" type="datetimeFigureOut">
               <a:rPr lang="en-US" smtClean="0"/>
-              <a:t>2/22/2022</a:t>
+              <a:t>2/23/22</a:t>
             </a:fld>
             <a:endParaRPr lang="en-US"/>
           </a:p>
@@ -2096,7 +2102,7 @@
           <a:p>
             <a:fld id="{95092FE3-F51D-0C4A-A1D2-112694A4D9A8}" type="datetimeFigureOut">
               <a:rPr lang="en-US" smtClean="0"/>
-              <a:t>2/22/2022</a:t>
+              <a:t>2/23/22</a:t>
             </a:fld>
             <a:endParaRPr lang="en-US"/>
           </a:p>
@@ -2409,7 +2415,7 @@
           <a:p>
             <a:fld id="{95092FE3-F51D-0C4A-A1D2-112694A4D9A8}" type="datetimeFigureOut">
               <a:rPr lang="en-US" smtClean="0"/>
-              <a:t>2/22/2022</a:t>
+              <a:t>2/23/22</a:t>
             </a:fld>
             <a:endParaRPr lang="en-US"/>
           </a:p>
@@ -2698,7 +2704,7 @@
           <a:p>
             <a:fld id="{95092FE3-F51D-0C4A-A1D2-112694A4D9A8}" type="datetimeFigureOut">
               <a:rPr lang="en-US" smtClean="0"/>
-              <a:t>2/22/2022</a:t>
+              <a:t>2/23/22</a:t>
             </a:fld>
             <a:endParaRPr lang="en-US"/>
           </a:p>
@@ -2941,7 +2947,7 @@
           <a:p>
             <a:fld id="{95092FE3-F51D-0C4A-A1D2-112694A4D9A8}" type="datetimeFigureOut">
               <a:rPr lang="en-US" smtClean="0"/>
-              <a:t>2/22/2022</a:t>
+              <a:t>2/23/22</a:t>
             </a:fld>
             <a:endParaRPr lang="en-US"/>
           </a:p>
@@ -3449,6 +3455,2240 @@
       </p:grpSpPr>
       <p:sp>
         <p:nvSpPr>
+          <p:cNvPr id="6" name="Title 1">
+            <a:extLst>
+              <a:ext uri="{FF2B5EF4-FFF2-40B4-BE49-F238E27FC236}">
+                <a16:creationId xmlns:a16="http://schemas.microsoft.com/office/drawing/2014/main" id="{9DB5592E-353F-7C45-803D-9059B918B94B}"/>
+              </a:ext>
+            </a:extLst>
+          </p:cNvPr>
+          <p:cNvSpPr>
+            <a:spLocks noGrp="1"/>
+          </p:cNvSpPr>
+          <p:nvPr>
+            <p:ph type="title"/>
+          </p:nvPr>
+        </p:nvSpPr>
+        <p:spPr>
+          <a:xfrm>
+            <a:off x="144516" y="187106"/>
+            <a:ext cx="6935905" cy="1001220"/>
+          </a:xfrm>
+        </p:spPr>
+        <p:txBody>
+          <a:bodyPr>
+            <a:normAutofit fontScale="90000"/>
+          </a:bodyPr>
+          <a:lstStyle/>
+          <a:p>
+            <a:r>
+              <a:rPr lang="en-GB" dirty="0"/>
+              <a:t>Wireframe – My Page (Professor)</a:t>
+            </a:r>
+          </a:p>
+        </p:txBody>
+      </p:sp>
+      <p:pic>
+        <p:nvPicPr>
+          <p:cNvPr id="9" name="그림 8">
+            <a:extLst>
+              <a:ext uri="{FF2B5EF4-FFF2-40B4-BE49-F238E27FC236}">
+                <a16:creationId xmlns:a16="http://schemas.microsoft.com/office/drawing/2014/main" id="{E784D36D-8538-6544-BAD9-2C253696DE90}"/>
+              </a:ext>
+            </a:extLst>
+          </p:cNvPr>
+          <p:cNvPicPr>
+            <a:picLocks noChangeAspect="1"/>
+          </p:cNvPicPr>
+          <p:nvPr/>
+        </p:nvPicPr>
+        <p:blipFill>
+          <a:blip r:embed="rId2"/>
+          <a:srcRect/>
+          <a:stretch/>
+        </p:blipFill>
+        <p:spPr>
+          <a:xfrm>
+            <a:off x="1056000" y="1000894"/>
+            <a:ext cx="10080000" cy="5670000"/>
+          </a:xfrm>
+          <a:prstGeom prst="rect">
+            <a:avLst/>
+          </a:prstGeom>
+          <a:ln>
+            <a:solidFill>
+              <a:schemeClr val="tx1"/>
+            </a:solidFill>
+          </a:ln>
+        </p:spPr>
+      </p:pic>
+    </p:spTree>
+    <p:extLst>
+      <p:ext uri="{BB962C8B-B14F-4D97-AF65-F5344CB8AC3E}">
+        <p14:creationId xmlns:p14="http://schemas.microsoft.com/office/powerpoint/2010/main" val="1806906224"/>
+      </p:ext>
+    </p:extLst>
+  </p:cSld>
+  <p:clrMapOvr>
+    <a:masterClrMapping/>
+  </p:clrMapOvr>
+</p:sld>
+</file>
+
+<file path=ppt/slides/slide11.xml><?xml version="1.0" encoding="utf-8"?>
+<p:sld xmlns:a="http://schemas.openxmlformats.org/drawingml/2006/main" xmlns:r="http://schemas.openxmlformats.org/officeDocument/2006/relationships" xmlns:p="http://schemas.openxmlformats.org/presentationml/2006/main">
+  <p:cSld>
+    <p:spTree>
+      <p:nvGrpSpPr>
+        <p:cNvPr id="1" name=""/>
+        <p:cNvGrpSpPr/>
+        <p:nvPr/>
+      </p:nvGrpSpPr>
+      <p:grpSpPr>
+        <a:xfrm>
+          <a:off x="0" y="0"/>
+          <a:ext cx="0" cy="0"/>
+          <a:chOff x="0" y="0"/>
+          <a:chExt cx="0" cy="0"/>
+        </a:xfrm>
+      </p:grpSpPr>
+      <p:sp>
+        <p:nvSpPr>
+          <p:cNvPr id="6" name="Title 1">
+            <a:extLst>
+              <a:ext uri="{FF2B5EF4-FFF2-40B4-BE49-F238E27FC236}">
+                <a16:creationId xmlns:a16="http://schemas.microsoft.com/office/drawing/2014/main" id="{C191CE77-9723-E04C-AD32-02DAD82B350B}"/>
+              </a:ext>
+            </a:extLst>
+          </p:cNvPr>
+          <p:cNvSpPr txBox="1">
+            <a:spLocks/>
+          </p:cNvSpPr>
+          <p:nvPr/>
+        </p:nvSpPr>
+        <p:spPr>
+          <a:xfrm>
+            <a:off x="144517" y="187106"/>
+            <a:ext cx="6861764" cy="1001220"/>
+          </a:xfrm>
+          <a:prstGeom prst="rect">
+            <a:avLst/>
+          </a:prstGeom>
+        </p:spPr>
+        <p:txBody>
+          <a:bodyPr vert="horz" lIns="91440" tIns="45720" rIns="91440" bIns="45720" rtlCol="0" anchor="ctr">
+            <a:normAutofit fontScale="92500"/>
+          </a:bodyPr>
+          <a:lstStyle>
+            <a:lvl1pPr algn="l" defTabSz="914400" rtl="0" eaLnBrk="1" latinLnBrk="0" hangingPunct="1">
+              <a:lnSpc>
+                <a:spcPct val="90000"/>
+              </a:lnSpc>
+              <a:spcBef>
+                <a:spcPct val="0"/>
+              </a:spcBef>
+              <a:buNone/>
+              <a:defRPr sz="4400" kern="1200">
+                <a:solidFill>
+                  <a:schemeClr val="tx1"/>
+                </a:solidFill>
+                <a:latin typeface="+mj-lt"/>
+                <a:ea typeface="+mj-ea"/>
+                <a:cs typeface="+mj-cs"/>
+              </a:defRPr>
+            </a:lvl1pPr>
+          </a:lstStyle>
+          <a:p>
+            <a:r>
+              <a:rPr lang="en-GB" dirty="0"/>
+              <a:t>Wireframe – My Page (Student)</a:t>
+            </a:r>
+          </a:p>
+        </p:txBody>
+      </p:sp>
+      <p:pic>
+        <p:nvPicPr>
+          <p:cNvPr id="8" name="그림 7">
+            <a:extLst>
+              <a:ext uri="{FF2B5EF4-FFF2-40B4-BE49-F238E27FC236}">
+                <a16:creationId xmlns:a16="http://schemas.microsoft.com/office/drawing/2014/main" id="{A85170A8-04E2-9D45-9336-D9AE2E401BC2}"/>
+              </a:ext>
+            </a:extLst>
+          </p:cNvPr>
+          <p:cNvPicPr>
+            <a:picLocks noChangeAspect="1"/>
+          </p:cNvPicPr>
+          <p:nvPr/>
+        </p:nvPicPr>
+        <p:blipFill>
+          <a:blip r:embed="rId2"/>
+          <a:srcRect/>
+          <a:stretch/>
+        </p:blipFill>
+        <p:spPr>
+          <a:xfrm>
+            <a:off x="1056000" y="1000894"/>
+            <a:ext cx="10080000" cy="5670000"/>
+          </a:xfrm>
+          <a:prstGeom prst="rect">
+            <a:avLst/>
+          </a:prstGeom>
+          <a:ln>
+            <a:solidFill>
+              <a:schemeClr val="tx1"/>
+            </a:solidFill>
+          </a:ln>
+        </p:spPr>
+      </p:pic>
+    </p:spTree>
+    <p:extLst>
+      <p:ext uri="{BB962C8B-B14F-4D97-AF65-F5344CB8AC3E}">
+        <p14:creationId xmlns:p14="http://schemas.microsoft.com/office/powerpoint/2010/main" val="2925483444"/>
+      </p:ext>
+    </p:extLst>
+  </p:cSld>
+  <p:clrMapOvr>
+    <a:masterClrMapping/>
+  </p:clrMapOvr>
+</p:sld>
+</file>
+
+<file path=ppt/slides/slide12.xml><?xml version="1.0" encoding="utf-8"?>
+<p:sld xmlns:a="http://schemas.openxmlformats.org/drawingml/2006/main" xmlns:r="http://schemas.openxmlformats.org/officeDocument/2006/relationships" xmlns:p="http://schemas.openxmlformats.org/presentationml/2006/main">
+  <p:cSld>
+    <p:spTree>
+      <p:nvGrpSpPr>
+        <p:cNvPr id="1" name=""/>
+        <p:cNvGrpSpPr/>
+        <p:nvPr/>
+      </p:nvGrpSpPr>
+      <p:grpSpPr>
+        <a:xfrm>
+          <a:off x="0" y="0"/>
+          <a:ext cx="0" cy="0"/>
+          <a:chOff x="0" y="0"/>
+          <a:chExt cx="0" cy="0"/>
+        </a:xfrm>
+      </p:grpSpPr>
+      <p:sp>
+        <p:nvSpPr>
+          <p:cNvPr id="7" name="Title 1">
+            <a:extLst>
+              <a:ext uri="{FF2B5EF4-FFF2-40B4-BE49-F238E27FC236}">
+                <a16:creationId xmlns:a16="http://schemas.microsoft.com/office/drawing/2014/main" id="{8D943849-7CE8-AC48-89AF-0F63339976F9}"/>
+              </a:ext>
+            </a:extLst>
+          </p:cNvPr>
+          <p:cNvSpPr>
+            <a:spLocks noGrp="1"/>
+          </p:cNvSpPr>
+          <p:nvPr>
+            <p:ph type="title"/>
+          </p:nvPr>
+        </p:nvSpPr>
+        <p:spPr>
+          <a:xfrm>
+            <a:off x="144517" y="187106"/>
+            <a:ext cx="6340366" cy="1001220"/>
+          </a:xfrm>
+        </p:spPr>
+        <p:txBody>
+          <a:bodyPr>
+            <a:normAutofit fontScale="90000"/>
+          </a:bodyPr>
+          <a:lstStyle/>
+          <a:p>
+            <a:r>
+              <a:rPr lang="en-GB" dirty="0"/>
+              <a:t>Wireframe – Lecture (Video)</a:t>
+            </a:r>
+          </a:p>
+        </p:txBody>
+      </p:sp>
+      <p:pic>
+        <p:nvPicPr>
+          <p:cNvPr id="9" name="그림 8">
+            <a:extLst>
+              <a:ext uri="{FF2B5EF4-FFF2-40B4-BE49-F238E27FC236}">
+                <a16:creationId xmlns:a16="http://schemas.microsoft.com/office/drawing/2014/main" id="{8DA0566D-ED70-0B4E-BF2C-35E8B28DB74A}"/>
+              </a:ext>
+            </a:extLst>
+          </p:cNvPr>
+          <p:cNvPicPr>
+            <a:picLocks noChangeAspect="1"/>
+          </p:cNvPicPr>
+          <p:nvPr/>
+        </p:nvPicPr>
+        <p:blipFill>
+          <a:blip r:embed="rId2"/>
+          <a:srcRect/>
+          <a:stretch/>
+        </p:blipFill>
+        <p:spPr>
+          <a:xfrm>
+            <a:off x="1056000" y="1000894"/>
+            <a:ext cx="10080000" cy="5670000"/>
+          </a:xfrm>
+          <a:prstGeom prst="rect">
+            <a:avLst/>
+          </a:prstGeom>
+          <a:ln>
+            <a:solidFill>
+              <a:schemeClr val="tx1"/>
+            </a:solidFill>
+          </a:ln>
+        </p:spPr>
+      </p:pic>
+    </p:spTree>
+    <p:extLst>
+      <p:ext uri="{BB962C8B-B14F-4D97-AF65-F5344CB8AC3E}">
+        <p14:creationId xmlns:p14="http://schemas.microsoft.com/office/powerpoint/2010/main" val="2670905241"/>
+      </p:ext>
+    </p:extLst>
+  </p:cSld>
+  <p:clrMapOvr>
+    <a:masterClrMapping/>
+  </p:clrMapOvr>
+</p:sld>
+</file>
+
+<file path=ppt/slides/slide13.xml><?xml version="1.0" encoding="utf-8"?>
+<p:sld xmlns:a="http://schemas.openxmlformats.org/drawingml/2006/main" xmlns:r="http://schemas.openxmlformats.org/officeDocument/2006/relationships" xmlns:p="http://schemas.openxmlformats.org/presentationml/2006/main">
+  <p:cSld>
+    <p:spTree>
+      <p:nvGrpSpPr>
+        <p:cNvPr id="1" name=""/>
+        <p:cNvGrpSpPr/>
+        <p:nvPr/>
+      </p:nvGrpSpPr>
+      <p:grpSpPr>
+        <a:xfrm>
+          <a:off x="0" y="0"/>
+          <a:ext cx="0" cy="0"/>
+          <a:chOff x="0" y="0"/>
+          <a:chExt cx="0" cy="0"/>
+        </a:xfrm>
+      </p:grpSpPr>
+      <p:sp>
+        <p:nvSpPr>
+          <p:cNvPr id="7" name="Title 1">
+            <a:extLst>
+              <a:ext uri="{FF2B5EF4-FFF2-40B4-BE49-F238E27FC236}">
+                <a16:creationId xmlns:a16="http://schemas.microsoft.com/office/drawing/2014/main" id="{8D943849-7CE8-AC48-89AF-0F63339976F9}"/>
+              </a:ext>
+            </a:extLst>
+          </p:cNvPr>
+          <p:cNvSpPr>
+            <a:spLocks noGrp="1"/>
+          </p:cNvSpPr>
+          <p:nvPr>
+            <p:ph type="title"/>
+          </p:nvPr>
+        </p:nvSpPr>
+        <p:spPr>
+          <a:xfrm>
+            <a:off x="144517" y="187106"/>
+            <a:ext cx="6340366" cy="1001220"/>
+          </a:xfrm>
+        </p:spPr>
+        <p:txBody>
+          <a:bodyPr/>
+          <a:lstStyle/>
+          <a:p>
+            <a:r>
+              <a:rPr lang="en-GB" dirty="0"/>
+              <a:t>Wireframe – Lecture (PDF)</a:t>
+            </a:r>
+          </a:p>
+        </p:txBody>
+      </p:sp>
+      <p:pic>
+        <p:nvPicPr>
+          <p:cNvPr id="3" name="그림 2">
+            <a:extLst>
+              <a:ext uri="{FF2B5EF4-FFF2-40B4-BE49-F238E27FC236}">
+                <a16:creationId xmlns:a16="http://schemas.microsoft.com/office/drawing/2014/main" id="{256A733E-42DC-3E47-907F-7510D310194A}"/>
+              </a:ext>
+            </a:extLst>
+          </p:cNvPr>
+          <p:cNvPicPr>
+            <a:picLocks noChangeAspect="1"/>
+          </p:cNvPicPr>
+          <p:nvPr/>
+        </p:nvPicPr>
+        <p:blipFill>
+          <a:blip r:embed="rId2"/>
+          <a:srcRect/>
+          <a:stretch/>
+        </p:blipFill>
+        <p:spPr>
+          <a:xfrm>
+            <a:off x="1056000" y="1000894"/>
+            <a:ext cx="10080000" cy="5670000"/>
+          </a:xfrm>
+          <a:prstGeom prst="rect">
+            <a:avLst/>
+          </a:prstGeom>
+          <a:ln>
+            <a:solidFill>
+              <a:schemeClr val="tx1"/>
+            </a:solidFill>
+          </a:ln>
+        </p:spPr>
+      </p:pic>
+    </p:spTree>
+    <p:extLst>
+      <p:ext uri="{BB962C8B-B14F-4D97-AF65-F5344CB8AC3E}">
+        <p14:creationId xmlns:p14="http://schemas.microsoft.com/office/powerpoint/2010/main" val="1766597243"/>
+      </p:ext>
+    </p:extLst>
+  </p:cSld>
+  <p:clrMapOvr>
+    <a:masterClrMapping/>
+  </p:clrMapOvr>
+</p:sld>
+</file>
+
+<file path=ppt/slides/slide14.xml><?xml version="1.0" encoding="utf-8"?>
+<p:sld xmlns:a="http://schemas.openxmlformats.org/drawingml/2006/main" xmlns:r="http://schemas.openxmlformats.org/officeDocument/2006/relationships" xmlns:p="http://schemas.openxmlformats.org/presentationml/2006/main">
+  <p:cSld>
+    <p:spTree>
+      <p:nvGrpSpPr>
+        <p:cNvPr id="1" name=""/>
+        <p:cNvGrpSpPr/>
+        <p:nvPr/>
+      </p:nvGrpSpPr>
+      <p:grpSpPr>
+        <a:xfrm>
+          <a:off x="0" y="0"/>
+          <a:ext cx="0" cy="0"/>
+          <a:chOff x="0" y="0"/>
+          <a:chExt cx="0" cy="0"/>
+        </a:xfrm>
+      </p:grpSpPr>
+      <p:sp>
+        <p:nvSpPr>
+          <p:cNvPr id="2" name="Title 1">
+            <a:extLst>
+              <a:ext uri="{FF2B5EF4-FFF2-40B4-BE49-F238E27FC236}">
+                <a16:creationId xmlns:a16="http://schemas.microsoft.com/office/drawing/2014/main" id="{9B798473-5C4E-4CB0-9573-9DFEE9D223A6}"/>
+              </a:ext>
+            </a:extLst>
+          </p:cNvPr>
+          <p:cNvSpPr>
+            <a:spLocks noGrp="1"/>
+          </p:cNvSpPr>
+          <p:nvPr>
+            <p:ph type="title"/>
+          </p:nvPr>
+        </p:nvSpPr>
+        <p:spPr/>
+        <p:txBody>
+          <a:bodyPr/>
+          <a:lstStyle/>
+          <a:p>
+            <a:r>
+              <a:rPr lang="en-GB" dirty="0"/>
+              <a:t>System Architecture</a:t>
+            </a:r>
+          </a:p>
+        </p:txBody>
+      </p:sp>
+      <p:sp>
+        <p:nvSpPr>
+          <p:cNvPr id="4" name="Smiley Face 3">
+            <a:extLst>
+              <a:ext uri="{FF2B5EF4-FFF2-40B4-BE49-F238E27FC236}">
+                <a16:creationId xmlns:a16="http://schemas.microsoft.com/office/drawing/2014/main" id="{878431BF-EF9F-4686-AAEF-CA6E40AA4E40}"/>
+              </a:ext>
+            </a:extLst>
+          </p:cNvPr>
+          <p:cNvSpPr/>
+          <p:nvPr/>
+        </p:nvSpPr>
+        <p:spPr>
+          <a:xfrm>
+            <a:off x="475862" y="2034074"/>
+            <a:ext cx="1007705" cy="933062"/>
+          </a:xfrm>
+          <a:prstGeom prst="smileyFace">
+            <a:avLst/>
+          </a:prstGeom>
+          <a:solidFill>
+            <a:schemeClr val="bg1"/>
+          </a:solidFill>
+          <a:ln>
+            <a:solidFill>
+              <a:schemeClr val="tx1"/>
+            </a:solidFill>
+          </a:ln>
+        </p:spPr>
+        <p:style>
+          <a:lnRef idx="2">
+            <a:schemeClr val="accent1">
+              <a:shade val="50000"/>
+            </a:schemeClr>
+          </a:lnRef>
+          <a:fillRef idx="1">
+            <a:schemeClr val="accent1"/>
+          </a:fillRef>
+          <a:effectRef idx="0">
+            <a:schemeClr val="accent1"/>
+          </a:effectRef>
+          <a:fontRef idx="minor">
+            <a:schemeClr val="lt1"/>
+          </a:fontRef>
+        </p:style>
+        <p:txBody>
+          <a:bodyPr rtlCol="0" anchor="ctr"/>
+          <a:lstStyle/>
+          <a:p>
+            <a:pPr algn="ctr"/>
+            <a:endParaRPr lang="en-GB"/>
+          </a:p>
+        </p:txBody>
+      </p:sp>
+      <p:cxnSp>
+        <p:nvCxnSpPr>
+          <p:cNvPr id="6" name="Straight Connector 5">
+            <a:extLst>
+              <a:ext uri="{FF2B5EF4-FFF2-40B4-BE49-F238E27FC236}">
+                <a16:creationId xmlns:a16="http://schemas.microsoft.com/office/drawing/2014/main" id="{F8470938-10B2-40EB-87C0-1156A6AF797E}"/>
+              </a:ext>
+            </a:extLst>
+          </p:cNvPr>
+          <p:cNvCxnSpPr>
+            <a:stCxn id="4" idx="4"/>
+          </p:cNvCxnSpPr>
+          <p:nvPr/>
+        </p:nvCxnSpPr>
+        <p:spPr>
+          <a:xfrm flipH="1">
+            <a:off x="970384" y="2967136"/>
+            <a:ext cx="9331" cy="1007705"/>
+          </a:xfrm>
+          <a:prstGeom prst="line">
+            <a:avLst/>
+          </a:prstGeom>
+          <a:ln>
+            <a:solidFill>
+              <a:schemeClr val="tx1"/>
+            </a:solidFill>
+          </a:ln>
+        </p:spPr>
+        <p:style>
+          <a:lnRef idx="1">
+            <a:schemeClr val="accent1"/>
+          </a:lnRef>
+          <a:fillRef idx="0">
+            <a:schemeClr val="accent1"/>
+          </a:fillRef>
+          <a:effectRef idx="0">
+            <a:schemeClr val="accent1"/>
+          </a:effectRef>
+          <a:fontRef idx="minor">
+            <a:schemeClr val="tx1"/>
+          </a:fontRef>
+        </p:style>
+      </p:cxnSp>
+      <p:cxnSp>
+        <p:nvCxnSpPr>
+          <p:cNvPr id="8" name="Straight Connector 7">
+            <a:extLst>
+              <a:ext uri="{FF2B5EF4-FFF2-40B4-BE49-F238E27FC236}">
+                <a16:creationId xmlns:a16="http://schemas.microsoft.com/office/drawing/2014/main" id="{C19B3E6C-D052-4BF9-9BBD-D94C4CB612CA}"/>
+              </a:ext>
+            </a:extLst>
+          </p:cNvPr>
+          <p:cNvCxnSpPr/>
+          <p:nvPr/>
+        </p:nvCxnSpPr>
+        <p:spPr>
+          <a:xfrm>
+            <a:off x="970384" y="3974841"/>
+            <a:ext cx="354563" cy="587828"/>
+          </a:xfrm>
+          <a:prstGeom prst="line">
+            <a:avLst/>
+          </a:prstGeom>
+          <a:ln>
+            <a:solidFill>
+              <a:schemeClr val="tx1"/>
+            </a:solidFill>
+          </a:ln>
+        </p:spPr>
+        <p:style>
+          <a:lnRef idx="1">
+            <a:schemeClr val="accent1"/>
+          </a:lnRef>
+          <a:fillRef idx="0">
+            <a:schemeClr val="accent1"/>
+          </a:fillRef>
+          <a:effectRef idx="0">
+            <a:schemeClr val="accent1"/>
+          </a:effectRef>
+          <a:fontRef idx="minor">
+            <a:schemeClr val="tx1"/>
+          </a:fontRef>
+        </p:style>
+      </p:cxnSp>
+      <p:cxnSp>
+        <p:nvCxnSpPr>
+          <p:cNvPr id="10" name="Straight Connector 9">
+            <a:extLst>
+              <a:ext uri="{FF2B5EF4-FFF2-40B4-BE49-F238E27FC236}">
+                <a16:creationId xmlns:a16="http://schemas.microsoft.com/office/drawing/2014/main" id="{8FAE5725-6B0B-461C-94FE-BECDE339134C}"/>
+              </a:ext>
+            </a:extLst>
+          </p:cNvPr>
+          <p:cNvCxnSpPr/>
+          <p:nvPr/>
+        </p:nvCxnSpPr>
+        <p:spPr>
+          <a:xfrm flipH="1">
+            <a:off x="681135" y="3974841"/>
+            <a:ext cx="298580" cy="587828"/>
+          </a:xfrm>
+          <a:prstGeom prst="line">
+            <a:avLst/>
+          </a:prstGeom>
+          <a:ln>
+            <a:solidFill>
+              <a:schemeClr val="tx1"/>
+            </a:solidFill>
+          </a:ln>
+        </p:spPr>
+        <p:style>
+          <a:lnRef idx="1">
+            <a:schemeClr val="accent1"/>
+          </a:lnRef>
+          <a:fillRef idx="0">
+            <a:schemeClr val="accent1"/>
+          </a:fillRef>
+          <a:effectRef idx="0">
+            <a:schemeClr val="accent1"/>
+          </a:effectRef>
+          <a:fontRef idx="minor">
+            <a:schemeClr val="tx1"/>
+          </a:fontRef>
+        </p:style>
+      </p:cxnSp>
+      <p:cxnSp>
+        <p:nvCxnSpPr>
+          <p:cNvPr id="12" name="Straight Connector 11">
+            <a:extLst>
+              <a:ext uri="{FF2B5EF4-FFF2-40B4-BE49-F238E27FC236}">
+                <a16:creationId xmlns:a16="http://schemas.microsoft.com/office/drawing/2014/main" id="{19D55684-2D39-4F4C-89CA-72E938D3868D}"/>
+              </a:ext>
+            </a:extLst>
+          </p:cNvPr>
+          <p:cNvCxnSpPr>
+            <a:stCxn id="4" idx="4"/>
+          </p:cNvCxnSpPr>
+          <p:nvPr/>
+        </p:nvCxnSpPr>
+        <p:spPr>
+          <a:xfrm>
+            <a:off x="979715" y="2967136"/>
+            <a:ext cx="503852" cy="783770"/>
+          </a:xfrm>
+          <a:prstGeom prst="line">
+            <a:avLst/>
+          </a:prstGeom>
+          <a:ln>
+            <a:solidFill>
+              <a:schemeClr val="tx1"/>
+            </a:solidFill>
+          </a:ln>
+        </p:spPr>
+        <p:style>
+          <a:lnRef idx="1">
+            <a:schemeClr val="accent1"/>
+          </a:lnRef>
+          <a:fillRef idx="0">
+            <a:schemeClr val="accent1"/>
+          </a:fillRef>
+          <a:effectRef idx="0">
+            <a:schemeClr val="accent1"/>
+          </a:effectRef>
+          <a:fontRef idx="minor">
+            <a:schemeClr val="tx1"/>
+          </a:fontRef>
+        </p:style>
+      </p:cxnSp>
+      <p:cxnSp>
+        <p:nvCxnSpPr>
+          <p:cNvPr id="14" name="Straight Connector 13">
+            <a:extLst>
+              <a:ext uri="{FF2B5EF4-FFF2-40B4-BE49-F238E27FC236}">
+                <a16:creationId xmlns:a16="http://schemas.microsoft.com/office/drawing/2014/main" id="{3A412B67-B8BB-4CC3-9AD2-BF5C7E8D4E50}"/>
+              </a:ext>
+            </a:extLst>
+          </p:cNvPr>
+          <p:cNvCxnSpPr>
+            <a:stCxn id="4" idx="4"/>
+          </p:cNvCxnSpPr>
+          <p:nvPr/>
+        </p:nvCxnSpPr>
+        <p:spPr>
+          <a:xfrm flipH="1">
+            <a:off x="475862" y="2967136"/>
+            <a:ext cx="503853" cy="718456"/>
+          </a:xfrm>
+          <a:prstGeom prst="line">
+            <a:avLst/>
+          </a:prstGeom>
+          <a:ln>
+            <a:solidFill>
+              <a:schemeClr val="tx1"/>
+            </a:solidFill>
+          </a:ln>
+        </p:spPr>
+        <p:style>
+          <a:lnRef idx="1">
+            <a:schemeClr val="accent1"/>
+          </a:lnRef>
+          <a:fillRef idx="0">
+            <a:schemeClr val="accent1"/>
+          </a:fillRef>
+          <a:effectRef idx="0">
+            <a:schemeClr val="accent1"/>
+          </a:effectRef>
+          <a:fontRef idx="minor">
+            <a:schemeClr val="tx1"/>
+          </a:fontRef>
+        </p:style>
+      </p:cxnSp>
+      <p:sp>
+        <p:nvSpPr>
+          <p:cNvPr id="15" name="Rectangle 14">
+            <a:extLst>
+              <a:ext uri="{FF2B5EF4-FFF2-40B4-BE49-F238E27FC236}">
+                <a16:creationId xmlns:a16="http://schemas.microsoft.com/office/drawing/2014/main" id="{8E07B13D-6BF7-4557-8E47-CCA4C630043D}"/>
+              </a:ext>
+            </a:extLst>
+          </p:cNvPr>
+          <p:cNvSpPr/>
+          <p:nvPr/>
+        </p:nvSpPr>
+        <p:spPr>
+          <a:xfrm>
+            <a:off x="419878" y="4851918"/>
+            <a:ext cx="1623526" cy="587828"/>
+          </a:xfrm>
+          <a:prstGeom prst="rect">
+            <a:avLst/>
+          </a:prstGeom>
+          <a:noFill/>
+          <a:ln>
+            <a:solidFill>
+              <a:schemeClr val="tx1"/>
+            </a:solidFill>
+          </a:ln>
+        </p:spPr>
+        <p:style>
+          <a:lnRef idx="2">
+            <a:schemeClr val="accent1">
+              <a:shade val="50000"/>
+            </a:schemeClr>
+          </a:lnRef>
+          <a:fillRef idx="1">
+            <a:schemeClr val="accent1"/>
+          </a:fillRef>
+          <a:effectRef idx="0">
+            <a:schemeClr val="accent1"/>
+          </a:effectRef>
+          <a:fontRef idx="minor">
+            <a:schemeClr val="lt1"/>
+          </a:fontRef>
+        </p:style>
+        <p:txBody>
+          <a:bodyPr rtlCol="0" anchor="ctr"/>
+          <a:lstStyle/>
+          <a:p>
+            <a:pPr algn="ctr"/>
+            <a:r>
+              <a:rPr lang="en-GB" dirty="0">
+                <a:solidFill>
+                  <a:schemeClr val="tx1"/>
+                </a:solidFill>
+              </a:rPr>
+              <a:t>User</a:t>
+            </a:r>
+          </a:p>
+        </p:txBody>
+      </p:sp>
+      <p:sp>
+        <p:nvSpPr>
+          <p:cNvPr id="16" name="Rectangle 15">
+            <a:extLst>
+              <a:ext uri="{FF2B5EF4-FFF2-40B4-BE49-F238E27FC236}">
+                <a16:creationId xmlns:a16="http://schemas.microsoft.com/office/drawing/2014/main" id="{32B67003-E7DD-4A0E-813C-0DCE89020061}"/>
+              </a:ext>
+            </a:extLst>
+          </p:cNvPr>
+          <p:cNvSpPr/>
+          <p:nvPr/>
+        </p:nvSpPr>
+        <p:spPr>
+          <a:xfrm>
+            <a:off x="2932923" y="2825160"/>
+            <a:ext cx="1623526" cy="587828"/>
+          </a:xfrm>
+          <a:prstGeom prst="rect">
+            <a:avLst/>
+          </a:prstGeom>
+          <a:noFill/>
+          <a:ln>
+            <a:solidFill>
+              <a:schemeClr val="tx1"/>
+            </a:solidFill>
+          </a:ln>
+        </p:spPr>
+        <p:style>
+          <a:lnRef idx="2">
+            <a:schemeClr val="accent1">
+              <a:shade val="50000"/>
+            </a:schemeClr>
+          </a:lnRef>
+          <a:fillRef idx="1">
+            <a:schemeClr val="accent1"/>
+          </a:fillRef>
+          <a:effectRef idx="0">
+            <a:schemeClr val="accent1"/>
+          </a:effectRef>
+          <a:fontRef idx="minor">
+            <a:schemeClr val="lt1"/>
+          </a:fontRef>
+        </p:style>
+        <p:txBody>
+          <a:bodyPr rtlCol="0" anchor="ctr"/>
+          <a:lstStyle/>
+          <a:p>
+            <a:pPr algn="ctr"/>
+            <a:r>
+              <a:rPr lang="en-GB" dirty="0">
+                <a:solidFill>
+                  <a:schemeClr val="tx1"/>
+                </a:solidFill>
+              </a:rPr>
+              <a:t>Client</a:t>
+            </a:r>
+          </a:p>
+        </p:txBody>
+      </p:sp>
+      <p:sp>
+        <p:nvSpPr>
+          <p:cNvPr id="17" name="Rectangle 16">
+            <a:extLst>
+              <a:ext uri="{FF2B5EF4-FFF2-40B4-BE49-F238E27FC236}">
+                <a16:creationId xmlns:a16="http://schemas.microsoft.com/office/drawing/2014/main" id="{1D43E286-88CE-4B44-98A0-EBD2F728996B}"/>
+              </a:ext>
+            </a:extLst>
+          </p:cNvPr>
+          <p:cNvSpPr/>
+          <p:nvPr/>
+        </p:nvSpPr>
+        <p:spPr>
+          <a:xfrm>
+            <a:off x="5735218" y="2809148"/>
+            <a:ext cx="1623526" cy="619852"/>
+          </a:xfrm>
+          <a:prstGeom prst="rect">
+            <a:avLst/>
+          </a:prstGeom>
+          <a:noFill/>
+          <a:ln>
+            <a:solidFill>
+              <a:schemeClr val="tx1"/>
+            </a:solidFill>
+          </a:ln>
+        </p:spPr>
+        <p:style>
+          <a:lnRef idx="2">
+            <a:schemeClr val="accent1">
+              <a:shade val="50000"/>
+            </a:schemeClr>
+          </a:lnRef>
+          <a:fillRef idx="1">
+            <a:schemeClr val="accent1"/>
+          </a:fillRef>
+          <a:effectRef idx="0">
+            <a:schemeClr val="accent1"/>
+          </a:effectRef>
+          <a:fontRef idx="minor">
+            <a:schemeClr val="lt1"/>
+          </a:fontRef>
+        </p:style>
+        <p:txBody>
+          <a:bodyPr rtlCol="0" anchor="ctr"/>
+          <a:lstStyle/>
+          <a:p>
+            <a:pPr algn="ctr"/>
+            <a:r>
+              <a:rPr lang="en-GB" dirty="0">
+                <a:solidFill>
+                  <a:schemeClr val="tx1"/>
+                </a:solidFill>
+              </a:rPr>
+              <a:t>Middleware</a:t>
+            </a:r>
+          </a:p>
+        </p:txBody>
+      </p:sp>
+      <p:sp>
+        <p:nvSpPr>
+          <p:cNvPr id="18" name="Cloud 17">
+            <a:extLst>
+              <a:ext uri="{FF2B5EF4-FFF2-40B4-BE49-F238E27FC236}">
+                <a16:creationId xmlns:a16="http://schemas.microsoft.com/office/drawing/2014/main" id="{7B44C75D-218B-4859-894A-0EB6EE3CE9D0}"/>
+              </a:ext>
+            </a:extLst>
+          </p:cNvPr>
+          <p:cNvSpPr/>
+          <p:nvPr/>
+        </p:nvSpPr>
+        <p:spPr>
+          <a:xfrm>
+            <a:off x="9069355" y="891998"/>
+            <a:ext cx="2646783" cy="1436914"/>
+          </a:xfrm>
+          <a:prstGeom prst="cloud">
+            <a:avLst/>
+          </a:prstGeom>
+          <a:noFill/>
+          <a:ln>
+            <a:solidFill>
+              <a:schemeClr val="tx1"/>
+            </a:solidFill>
+          </a:ln>
+        </p:spPr>
+        <p:style>
+          <a:lnRef idx="2">
+            <a:schemeClr val="accent1">
+              <a:shade val="50000"/>
+            </a:schemeClr>
+          </a:lnRef>
+          <a:fillRef idx="1">
+            <a:schemeClr val="accent1"/>
+          </a:fillRef>
+          <a:effectRef idx="0">
+            <a:schemeClr val="accent1"/>
+          </a:effectRef>
+          <a:fontRef idx="minor">
+            <a:schemeClr val="lt1"/>
+          </a:fontRef>
+        </p:style>
+        <p:txBody>
+          <a:bodyPr rtlCol="0" anchor="ctr"/>
+          <a:lstStyle/>
+          <a:p>
+            <a:pPr algn="ctr"/>
+            <a:r>
+              <a:rPr lang="en-GB" dirty="0">
+                <a:solidFill>
+                  <a:schemeClr val="tx1"/>
+                </a:solidFill>
+              </a:rPr>
+              <a:t>Moodle/Google</a:t>
+            </a:r>
+          </a:p>
+          <a:p>
+            <a:pPr algn="ctr"/>
+            <a:r>
+              <a:rPr lang="en-GB" dirty="0">
+                <a:solidFill>
+                  <a:schemeClr val="tx1"/>
+                </a:solidFill>
+              </a:rPr>
+              <a:t>Search API</a:t>
+            </a:r>
+          </a:p>
+        </p:txBody>
+      </p:sp>
+      <p:sp>
+        <p:nvSpPr>
+          <p:cNvPr id="19" name="Cylinder 18">
+            <a:extLst>
+              <a:ext uri="{FF2B5EF4-FFF2-40B4-BE49-F238E27FC236}">
+                <a16:creationId xmlns:a16="http://schemas.microsoft.com/office/drawing/2014/main" id="{3546B2E7-3E75-4547-B0CC-D29B5188DFF4}"/>
+              </a:ext>
+            </a:extLst>
+          </p:cNvPr>
+          <p:cNvSpPr/>
+          <p:nvPr/>
+        </p:nvSpPr>
+        <p:spPr>
+          <a:xfrm>
+            <a:off x="9088016" y="3214395"/>
+            <a:ext cx="1800808" cy="1931437"/>
+          </a:xfrm>
+          <a:prstGeom prst="can">
+            <a:avLst/>
+          </a:prstGeom>
+          <a:noFill/>
+          <a:ln>
+            <a:solidFill>
+              <a:schemeClr val="tx1"/>
+            </a:solidFill>
+          </a:ln>
+        </p:spPr>
+        <p:style>
+          <a:lnRef idx="2">
+            <a:schemeClr val="accent1">
+              <a:shade val="50000"/>
+            </a:schemeClr>
+          </a:lnRef>
+          <a:fillRef idx="1">
+            <a:schemeClr val="accent1"/>
+          </a:fillRef>
+          <a:effectRef idx="0">
+            <a:schemeClr val="accent1"/>
+          </a:effectRef>
+          <a:fontRef idx="minor">
+            <a:schemeClr val="lt1"/>
+          </a:fontRef>
+        </p:style>
+        <p:txBody>
+          <a:bodyPr rtlCol="0" anchor="ctr"/>
+          <a:lstStyle/>
+          <a:p>
+            <a:pPr algn="ctr"/>
+            <a:r>
+              <a:rPr lang="en-GB" dirty="0">
+                <a:solidFill>
+                  <a:schemeClr val="tx1"/>
+                </a:solidFill>
+              </a:rPr>
+              <a:t>Database</a:t>
+            </a:r>
+          </a:p>
+        </p:txBody>
+      </p:sp>
+      <p:cxnSp>
+        <p:nvCxnSpPr>
+          <p:cNvPr id="25" name="Straight Arrow Connector 24">
+            <a:extLst>
+              <a:ext uri="{FF2B5EF4-FFF2-40B4-BE49-F238E27FC236}">
+                <a16:creationId xmlns:a16="http://schemas.microsoft.com/office/drawing/2014/main" id="{10CF4283-4F7C-413D-83C5-1CFC0F7B9B6C}"/>
+              </a:ext>
+            </a:extLst>
+          </p:cNvPr>
+          <p:cNvCxnSpPr>
+            <a:stCxn id="16" idx="1"/>
+          </p:cNvCxnSpPr>
+          <p:nvPr/>
+        </p:nvCxnSpPr>
+        <p:spPr>
+          <a:xfrm flipH="1">
+            <a:off x="1536440" y="3119074"/>
+            <a:ext cx="1396483" cy="0"/>
+          </a:xfrm>
+          <a:prstGeom prst="straightConnector1">
+            <a:avLst/>
+          </a:prstGeom>
+          <a:ln>
+            <a:solidFill>
+              <a:schemeClr val="tx1"/>
+            </a:solidFill>
+            <a:headEnd type="triangle"/>
+            <a:tailEnd type="triangle"/>
+          </a:ln>
+        </p:spPr>
+        <p:style>
+          <a:lnRef idx="1">
+            <a:schemeClr val="accent1"/>
+          </a:lnRef>
+          <a:fillRef idx="0">
+            <a:schemeClr val="accent1"/>
+          </a:fillRef>
+          <a:effectRef idx="0">
+            <a:schemeClr val="accent1"/>
+          </a:effectRef>
+          <a:fontRef idx="minor">
+            <a:schemeClr val="tx1"/>
+          </a:fontRef>
+        </p:style>
+      </p:cxnSp>
+      <p:cxnSp>
+        <p:nvCxnSpPr>
+          <p:cNvPr id="27" name="Straight Arrow Connector 26">
+            <a:extLst>
+              <a:ext uri="{FF2B5EF4-FFF2-40B4-BE49-F238E27FC236}">
+                <a16:creationId xmlns:a16="http://schemas.microsoft.com/office/drawing/2014/main" id="{9411FF59-F50E-41D6-AC39-E21CB1F6D99B}"/>
+              </a:ext>
+            </a:extLst>
+          </p:cNvPr>
+          <p:cNvCxnSpPr>
+            <a:stCxn id="16" idx="3"/>
+            <a:endCxn id="17" idx="1"/>
+          </p:cNvCxnSpPr>
+          <p:nvPr/>
+        </p:nvCxnSpPr>
+        <p:spPr>
+          <a:xfrm>
+            <a:off x="4556449" y="3119074"/>
+            <a:ext cx="1178769" cy="0"/>
+          </a:xfrm>
+          <a:prstGeom prst="straightConnector1">
+            <a:avLst/>
+          </a:prstGeom>
+          <a:ln>
+            <a:solidFill>
+              <a:schemeClr val="tx1"/>
+            </a:solidFill>
+            <a:headEnd type="triangle"/>
+            <a:tailEnd type="triangle"/>
+          </a:ln>
+        </p:spPr>
+        <p:style>
+          <a:lnRef idx="1">
+            <a:schemeClr val="accent1"/>
+          </a:lnRef>
+          <a:fillRef idx="0">
+            <a:schemeClr val="accent1"/>
+          </a:fillRef>
+          <a:effectRef idx="0">
+            <a:schemeClr val="accent1"/>
+          </a:effectRef>
+          <a:fontRef idx="minor">
+            <a:schemeClr val="tx1"/>
+          </a:fontRef>
+        </p:style>
+      </p:cxnSp>
+      <p:cxnSp>
+        <p:nvCxnSpPr>
+          <p:cNvPr id="29" name="Straight Arrow Connector 28">
+            <a:extLst>
+              <a:ext uri="{FF2B5EF4-FFF2-40B4-BE49-F238E27FC236}">
+                <a16:creationId xmlns:a16="http://schemas.microsoft.com/office/drawing/2014/main" id="{C4BD0C16-7860-4735-AA7E-0D298DF5B9A8}"/>
+              </a:ext>
+            </a:extLst>
+          </p:cNvPr>
+          <p:cNvCxnSpPr>
+            <a:stCxn id="17" idx="3"/>
+            <a:endCxn id="19" idx="2"/>
+          </p:cNvCxnSpPr>
+          <p:nvPr/>
+        </p:nvCxnSpPr>
+        <p:spPr>
+          <a:xfrm>
+            <a:off x="7358744" y="3119074"/>
+            <a:ext cx="1729272" cy="1061040"/>
+          </a:xfrm>
+          <a:prstGeom prst="straightConnector1">
+            <a:avLst/>
+          </a:prstGeom>
+          <a:ln>
+            <a:solidFill>
+              <a:schemeClr val="tx1"/>
+            </a:solidFill>
+            <a:headEnd type="triangle"/>
+            <a:tailEnd type="triangle"/>
+          </a:ln>
+        </p:spPr>
+        <p:style>
+          <a:lnRef idx="1">
+            <a:schemeClr val="accent1"/>
+          </a:lnRef>
+          <a:fillRef idx="0">
+            <a:schemeClr val="accent1"/>
+          </a:fillRef>
+          <a:effectRef idx="0">
+            <a:schemeClr val="accent1"/>
+          </a:effectRef>
+          <a:fontRef idx="minor">
+            <a:schemeClr val="tx1"/>
+          </a:fontRef>
+        </p:style>
+      </p:cxnSp>
+      <p:cxnSp>
+        <p:nvCxnSpPr>
+          <p:cNvPr id="31" name="Straight Arrow Connector 30">
+            <a:extLst>
+              <a:ext uri="{FF2B5EF4-FFF2-40B4-BE49-F238E27FC236}">
+                <a16:creationId xmlns:a16="http://schemas.microsoft.com/office/drawing/2014/main" id="{E2B8B66D-5F3B-4709-A07E-B22ED9200809}"/>
+              </a:ext>
+            </a:extLst>
+          </p:cNvPr>
+          <p:cNvCxnSpPr>
+            <a:cxnSpLocks/>
+            <a:stCxn id="17" idx="3"/>
+            <a:endCxn id="18" idx="2"/>
+          </p:cNvCxnSpPr>
+          <p:nvPr/>
+        </p:nvCxnSpPr>
+        <p:spPr>
+          <a:xfrm flipV="1">
+            <a:off x="7358744" y="1610455"/>
+            <a:ext cx="1718821" cy="1508619"/>
+          </a:xfrm>
+          <a:prstGeom prst="straightConnector1">
+            <a:avLst/>
+          </a:prstGeom>
+          <a:ln>
+            <a:solidFill>
+              <a:schemeClr val="tx1"/>
+            </a:solidFill>
+            <a:headEnd type="triangle"/>
+            <a:tailEnd type="triangle"/>
+          </a:ln>
+        </p:spPr>
+        <p:style>
+          <a:lnRef idx="1">
+            <a:schemeClr val="accent1"/>
+          </a:lnRef>
+          <a:fillRef idx="0">
+            <a:schemeClr val="accent1"/>
+          </a:fillRef>
+          <a:effectRef idx="0">
+            <a:schemeClr val="accent1"/>
+          </a:effectRef>
+          <a:fontRef idx="minor">
+            <a:schemeClr val="tx1"/>
+          </a:fontRef>
+        </p:style>
+      </p:cxnSp>
+    </p:spTree>
+    <p:extLst>
+      <p:ext uri="{BB962C8B-B14F-4D97-AF65-F5344CB8AC3E}">
+        <p14:creationId xmlns:p14="http://schemas.microsoft.com/office/powerpoint/2010/main" val="2729043450"/>
+      </p:ext>
+    </p:extLst>
+  </p:cSld>
+  <p:clrMapOvr>
+    <a:masterClrMapping/>
+  </p:clrMapOvr>
+</p:sld>
+</file>
+
+<file path=ppt/slides/slide15.xml><?xml version="1.0" encoding="utf-8"?>
+<p:sld xmlns:a="http://schemas.openxmlformats.org/drawingml/2006/main" xmlns:r="http://schemas.openxmlformats.org/officeDocument/2006/relationships" xmlns:p="http://schemas.openxmlformats.org/presentationml/2006/main">
+  <p:cSld>
+    <p:spTree>
+      <p:nvGrpSpPr>
+        <p:cNvPr id="1" name=""/>
+        <p:cNvGrpSpPr/>
+        <p:nvPr/>
+      </p:nvGrpSpPr>
+      <p:grpSpPr>
+        <a:xfrm>
+          <a:off x="0" y="0"/>
+          <a:ext cx="0" cy="0"/>
+          <a:chOff x="0" y="0"/>
+          <a:chExt cx="0" cy="0"/>
+        </a:xfrm>
+      </p:grpSpPr>
+      <p:sp>
+        <p:nvSpPr>
+          <p:cNvPr id="2" name="Title 1">
+            <a:extLst>
+              <a:ext uri="{FF2B5EF4-FFF2-40B4-BE49-F238E27FC236}">
+                <a16:creationId xmlns:a16="http://schemas.microsoft.com/office/drawing/2014/main" id="{C9ECBC21-F83F-455B-BE32-F8BC56BA83FC}"/>
+              </a:ext>
+            </a:extLst>
+          </p:cNvPr>
+          <p:cNvSpPr>
+            <a:spLocks noGrp="1"/>
+          </p:cNvSpPr>
+          <p:nvPr>
+            <p:ph type="title"/>
+          </p:nvPr>
+        </p:nvSpPr>
+        <p:spPr/>
+        <p:txBody>
+          <a:bodyPr/>
+          <a:lstStyle/>
+          <a:p>
+            <a:r>
+              <a:rPr lang="en-GB" dirty="0"/>
+              <a:t>ER Diagram (Compressed Chen Notation)</a:t>
+            </a:r>
+          </a:p>
+        </p:txBody>
+      </p:sp>
+      <p:sp>
+        <p:nvSpPr>
+          <p:cNvPr id="4" name="Rectangle 3">
+            <a:extLst>
+              <a:ext uri="{FF2B5EF4-FFF2-40B4-BE49-F238E27FC236}">
+                <a16:creationId xmlns:a16="http://schemas.microsoft.com/office/drawing/2014/main" id="{2F051B80-E165-4202-80AB-F3B6DBDAA48F}"/>
+              </a:ext>
+            </a:extLst>
+          </p:cNvPr>
+          <p:cNvSpPr/>
+          <p:nvPr/>
+        </p:nvSpPr>
+        <p:spPr>
+          <a:xfrm>
+            <a:off x="307911" y="3247052"/>
+            <a:ext cx="1623526" cy="587828"/>
+          </a:xfrm>
+          <a:prstGeom prst="rect">
+            <a:avLst/>
+          </a:prstGeom>
+          <a:noFill/>
+          <a:ln>
+            <a:solidFill>
+              <a:schemeClr val="tx1"/>
+            </a:solidFill>
+          </a:ln>
+        </p:spPr>
+        <p:style>
+          <a:lnRef idx="2">
+            <a:schemeClr val="accent1">
+              <a:shade val="50000"/>
+            </a:schemeClr>
+          </a:lnRef>
+          <a:fillRef idx="1">
+            <a:schemeClr val="accent1"/>
+          </a:fillRef>
+          <a:effectRef idx="0">
+            <a:schemeClr val="accent1"/>
+          </a:effectRef>
+          <a:fontRef idx="minor">
+            <a:schemeClr val="lt1"/>
+          </a:fontRef>
+        </p:style>
+        <p:txBody>
+          <a:bodyPr rtlCol="0" anchor="ctr"/>
+          <a:lstStyle/>
+          <a:p>
+            <a:pPr algn="ctr"/>
+            <a:r>
+              <a:rPr lang="en-GB" dirty="0">
+                <a:solidFill>
+                  <a:schemeClr val="tx1"/>
+                </a:solidFill>
+              </a:rPr>
+              <a:t>User</a:t>
+            </a:r>
+          </a:p>
+        </p:txBody>
+      </p:sp>
+      <p:sp>
+        <p:nvSpPr>
+          <p:cNvPr id="5" name="Oval 4">
+            <a:extLst>
+              <a:ext uri="{FF2B5EF4-FFF2-40B4-BE49-F238E27FC236}">
+                <a16:creationId xmlns:a16="http://schemas.microsoft.com/office/drawing/2014/main" id="{04FD4208-8CFF-449A-B873-E3537D41FB48}"/>
+              </a:ext>
+            </a:extLst>
+          </p:cNvPr>
+          <p:cNvSpPr/>
+          <p:nvPr/>
+        </p:nvSpPr>
+        <p:spPr>
+          <a:xfrm>
+            <a:off x="2295330" y="3356685"/>
+            <a:ext cx="494523" cy="368561"/>
+          </a:xfrm>
+          <a:prstGeom prst="ellipse">
+            <a:avLst/>
+          </a:prstGeom>
+          <a:noFill/>
+          <a:ln>
+            <a:solidFill>
+              <a:schemeClr val="tx1"/>
+            </a:solidFill>
+          </a:ln>
+        </p:spPr>
+        <p:style>
+          <a:lnRef idx="2">
+            <a:schemeClr val="accent1">
+              <a:shade val="50000"/>
+            </a:schemeClr>
+          </a:lnRef>
+          <a:fillRef idx="1">
+            <a:schemeClr val="accent1"/>
+          </a:fillRef>
+          <a:effectRef idx="0">
+            <a:schemeClr val="accent1"/>
+          </a:effectRef>
+          <a:fontRef idx="minor">
+            <a:schemeClr val="lt1"/>
+          </a:fontRef>
+        </p:style>
+        <p:txBody>
+          <a:bodyPr rtlCol="0" anchor="ctr"/>
+          <a:lstStyle/>
+          <a:p>
+            <a:pPr algn="ctr"/>
+            <a:r>
+              <a:rPr lang="en-GB" dirty="0">
+                <a:solidFill>
+                  <a:schemeClr val="tx1"/>
+                </a:solidFill>
+              </a:rPr>
+              <a:t>O</a:t>
+            </a:r>
+          </a:p>
+        </p:txBody>
+      </p:sp>
+      <p:cxnSp>
+        <p:nvCxnSpPr>
+          <p:cNvPr id="7" name="Straight Connector 6">
+            <a:extLst>
+              <a:ext uri="{FF2B5EF4-FFF2-40B4-BE49-F238E27FC236}">
+                <a16:creationId xmlns:a16="http://schemas.microsoft.com/office/drawing/2014/main" id="{1F10592D-602C-4421-B7F9-9FEFB564245C}"/>
+              </a:ext>
+            </a:extLst>
+          </p:cNvPr>
+          <p:cNvCxnSpPr>
+            <a:stCxn id="4" idx="3"/>
+            <a:endCxn id="5" idx="2"/>
+          </p:cNvCxnSpPr>
+          <p:nvPr/>
+        </p:nvCxnSpPr>
+        <p:spPr>
+          <a:xfrm>
+            <a:off x="1931437" y="3540966"/>
+            <a:ext cx="363893" cy="0"/>
+          </a:xfrm>
+          <a:prstGeom prst="line">
+            <a:avLst/>
+          </a:prstGeom>
+        </p:spPr>
+        <p:style>
+          <a:lnRef idx="1">
+            <a:schemeClr val="accent1"/>
+          </a:lnRef>
+          <a:fillRef idx="0">
+            <a:schemeClr val="accent1"/>
+          </a:fillRef>
+          <a:effectRef idx="0">
+            <a:schemeClr val="accent1"/>
+          </a:effectRef>
+          <a:fontRef idx="minor">
+            <a:schemeClr val="tx1"/>
+          </a:fontRef>
+        </p:style>
+      </p:cxnSp>
+      <p:sp>
+        <p:nvSpPr>
+          <p:cNvPr id="9" name="Rectangle 8">
+            <a:extLst>
+              <a:ext uri="{FF2B5EF4-FFF2-40B4-BE49-F238E27FC236}">
+                <a16:creationId xmlns:a16="http://schemas.microsoft.com/office/drawing/2014/main" id="{AB4E13EC-5B3D-46D7-A74D-87D1FABF8E14}"/>
+              </a:ext>
+            </a:extLst>
+          </p:cNvPr>
+          <p:cNvSpPr/>
+          <p:nvPr/>
+        </p:nvSpPr>
+        <p:spPr>
+          <a:xfrm>
+            <a:off x="2942254" y="2240025"/>
+            <a:ext cx="1623526" cy="587828"/>
+          </a:xfrm>
+          <a:prstGeom prst="rect">
+            <a:avLst/>
+          </a:prstGeom>
+          <a:noFill/>
+          <a:ln>
+            <a:solidFill>
+              <a:schemeClr val="tx1"/>
+            </a:solidFill>
+          </a:ln>
+        </p:spPr>
+        <p:style>
+          <a:lnRef idx="2">
+            <a:schemeClr val="accent1">
+              <a:shade val="50000"/>
+            </a:schemeClr>
+          </a:lnRef>
+          <a:fillRef idx="1">
+            <a:schemeClr val="accent1"/>
+          </a:fillRef>
+          <a:effectRef idx="0">
+            <a:schemeClr val="accent1"/>
+          </a:effectRef>
+          <a:fontRef idx="minor">
+            <a:schemeClr val="lt1"/>
+          </a:fontRef>
+        </p:style>
+        <p:txBody>
+          <a:bodyPr rtlCol="0" anchor="ctr"/>
+          <a:lstStyle/>
+          <a:p>
+            <a:pPr algn="ctr"/>
+            <a:r>
+              <a:rPr lang="en-GB" dirty="0">
+                <a:solidFill>
+                  <a:schemeClr val="tx1"/>
+                </a:solidFill>
+              </a:rPr>
+              <a:t>Professor</a:t>
+            </a:r>
+          </a:p>
+        </p:txBody>
+      </p:sp>
+      <p:sp>
+        <p:nvSpPr>
+          <p:cNvPr id="10" name="Rectangle 9">
+            <a:extLst>
+              <a:ext uri="{FF2B5EF4-FFF2-40B4-BE49-F238E27FC236}">
+                <a16:creationId xmlns:a16="http://schemas.microsoft.com/office/drawing/2014/main" id="{99737E61-8F61-459C-BD4B-A65D5FF4CB2E}"/>
+              </a:ext>
+            </a:extLst>
+          </p:cNvPr>
+          <p:cNvSpPr/>
+          <p:nvPr/>
+        </p:nvSpPr>
+        <p:spPr>
+          <a:xfrm>
+            <a:off x="2942254" y="3987280"/>
+            <a:ext cx="1623526" cy="587828"/>
+          </a:xfrm>
+          <a:prstGeom prst="rect">
+            <a:avLst/>
+          </a:prstGeom>
+          <a:noFill/>
+          <a:ln>
+            <a:solidFill>
+              <a:schemeClr val="tx1"/>
+            </a:solidFill>
+          </a:ln>
+        </p:spPr>
+        <p:style>
+          <a:lnRef idx="2">
+            <a:schemeClr val="accent1">
+              <a:shade val="50000"/>
+            </a:schemeClr>
+          </a:lnRef>
+          <a:fillRef idx="1">
+            <a:schemeClr val="accent1"/>
+          </a:fillRef>
+          <a:effectRef idx="0">
+            <a:schemeClr val="accent1"/>
+          </a:effectRef>
+          <a:fontRef idx="minor">
+            <a:schemeClr val="lt1"/>
+          </a:fontRef>
+        </p:style>
+        <p:txBody>
+          <a:bodyPr rtlCol="0" anchor="ctr"/>
+          <a:lstStyle/>
+          <a:p>
+            <a:pPr algn="ctr"/>
+            <a:r>
+              <a:rPr lang="en-GB" dirty="0">
+                <a:solidFill>
+                  <a:schemeClr val="tx1"/>
+                </a:solidFill>
+              </a:rPr>
+              <a:t>Student</a:t>
+            </a:r>
+          </a:p>
+        </p:txBody>
+      </p:sp>
+      <p:cxnSp>
+        <p:nvCxnSpPr>
+          <p:cNvPr id="12" name="Straight Connector 11">
+            <a:extLst>
+              <a:ext uri="{FF2B5EF4-FFF2-40B4-BE49-F238E27FC236}">
+                <a16:creationId xmlns:a16="http://schemas.microsoft.com/office/drawing/2014/main" id="{6BBEBCE0-58A0-4191-A54A-E9F2F9C43F06}"/>
+              </a:ext>
+            </a:extLst>
+          </p:cNvPr>
+          <p:cNvCxnSpPr>
+            <a:stCxn id="5" idx="6"/>
+            <a:endCxn id="9" idx="1"/>
+          </p:cNvCxnSpPr>
+          <p:nvPr/>
+        </p:nvCxnSpPr>
+        <p:spPr>
+          <a:xfrm flipV="1">
+            <a:off x="2789853" y="2533939"/>
+            <a:ext cx="152401" cy="1007027"/>
+          </a:xfrm>
+          <a:prstGeom prst="line">
+            <a:avLst/>
+          </a:prstGeom>
+          <a:ln>
+            <a:solidFill>
+              <a:schemeClr val="tx1"/>
+            </a:solidFill>
+          </a:ln>
+        </p:spPr>
+        <p:style>
+          <a:lnRef idx="1">
+            <a:schemeClr val="accent1"/>
+          </a:lnRef>
+          <a:fillRef idx="0">
+            <a:schemeClr val="accent1"/>
+          </a:fillRef>
+          <a:effectRef idx="0">
+            <a:schemeClr val="accent1"/>
+          </a:effectRef>
+          <a:fontRef idx="minor">
+            <a:schemeClr val="tx1"/>
+          </a:fontRef>
+        </p:style>
+      </p:cxnSp>
+      <p:cxnSp>
+        <p:nvCxnSpPr>
+          <p:cNvPr id="14" name="Straight Connector 13">
+            <a:extLst>
+              <a:ext uri="{FF2B5EF4-FFF2-40B4-BE49-F238E27FC236}">
+                <a16:creationId xmlns:a16="http://schemas.microsoft.com/office/drawing/2014/main" id="{1A6D4049-ADE1-4A93-A9BE-4544D3394750}"/>
+              </a:ext>
+            </a:extLst>
+          </p:cNvPr>
+          <p:cNvCxnSpPr>
+            <a:stCxn id="5" idx="6"/>
+            <a:endCxn id="10" idx="1"/>
+          </p:cNvCxnSpPr>
+          <p:nvPr/>
+        </p:nvCxnSpPr>
+        <p:spPr>
+          <a:xfrm>
+            <a:off x="2789853" y="3540966"/>
+            <a:ext cx="152401" cy="740228"/>
+          </a:xfrm>
+          <a:prstGeom prst="line">
+            <a:avLst/>
+          </a:prstGeom>
+          <a:ln>
+            <a:solidFill>
+              <a:schemeClr val="tx1"/>
+            </a:solidFill>
+          </a:ln>
+        </p:spPr>
+        <p:style>
+          <a:lnRef idx="1">
+            <a:schemeClr val="accent1"/>
+          </a:lnRef>
+          <a:fillRef idx="0">
+            <a:schemeClr val="accent1"/>
+          </a:fillRef>
+          <a:effectRef idx="0">
+            <a:schemeClr val="accent1"/>
+          </a:effectRef>
+          <a:fontRef idx="minor">
+            <a:schemeClr val="tx1"/>
+          </a:fontRef>
+        </p:style>
+      </p:cxnSp>
+      <p:sp>
+        <p:nvSpPr>
+          <p:cNvPr id="15" name="Freeform: Shape 14">
+            <a:extLst>
+              <a:ext uri="{FF2B5EF4-FFF2-40B4-BE49-F238E27FC236}">
+                <a16:creationId xmlns:a16="http://schemas.microsoft.com/office/drawing/2014/main" id="{405466FD-7C76-439E-A0E2-AE4422AD9563}"/>
+              </a:ext>
+            </a:extLst>
+          </p:cNvPr>
+          <p:cNvSpPr/>
+          <p:nvPr/>
+        </p:nvSpPr>
+        <p:spPr>
+          <a:xfrm>
+            <a:off x="2771192" y="3097552"/>
+            <a:ext cx="134693" cy="121509"/>
+          </a:xfrm>
+          <a:custGeom>
+            <a:avLst/>
+            <a:gdLst>
+              <a:gd name="connsiteX0" fmla="*/ 0 w 134693"/>
+              <a:gd name="connsiteY0" fmla="*/ 46864 h 121509"/>
+              <a:gd name="connsiteX1" fmla="*/ 93306 w 134693"/>
+              <a:gd name="connsiteY1" fmla="*/ 211 h 121509"/>
+              <a:gd name="connsiteX2" fmla="*/ 130628 w 134693"/>
+              <a:gd name="connsiteY2" fmla="*/ 28203 h 121509"/>
+              <a:gd name="connsiteX3" fmla="*/ 130628 w 134693"/>
+              <a:gd name="connsiteY3" fmla="*/ 121509 h 121509"/>
+            </a:gdLst>
+            <a:ahLst/>
+            <a:cxnLst>
+              <a:cxn ang="0">
+                <a:pos x="connsiteX0" y="connsiteY0"/>
+              </a:cxn>
+              <a:cxn ang="0">
+                <a:pos x="connsiteX1" y="connsiteY1"/>
+              </a:cxn>
+              <a:cxn ang="0">
+                <a:pos x="connsiteX2" y="connsiteY2"/>
+              </a:cxn>
+              <a:cxn ang="0">
+                <a:pos x="connsiteX3" y="connsiteY3"/>
+              </a:cxn>
+            </a:cxnLst>
+            <a:rect l="l" t="t" r="r" b="b"/>
+            <a:pathLst>
+              <a:path w="134693" h="121509">
+                <a:moveTo>
+                  <a:pt x="0" y="46864"/>
+                </a:moveTo>
+                <a:cubicBezTo>
+                  <a:pt x="31102" y="31313"/>
+                  <a:pt x="58882" y="5129"/>
+                  <a:pt x="93306" y="211"/>
+                </a:cubicBezTo>
+                <a:cubicBezTo>
+                  <a:pt x="108701" y="-1988"/>
+                  <a:pt x="126055" y="13340"/>
+                  <a:pt x="130628" y="28203"/>
+                </a:cubicBezTo>
+                <a:cubicBezTo>
+                  <a:pt x="139775" y="57930"/>
+                  <a:pt x="130628" y="90407"/>
+                  <a:pt x="130628" y="121509"/>
+                </a:cubicBezTo>
+              </a:path>
+            </a:pathLst>
+          </a:custGeom>
+          <a:noFill/>
+          <a:ln>
+            <a:solidFill>
+              <a:schemeClr val="tx1"/>
+            </a:solidFill>
+          </a:ln>
+        </p:spPr>
+        <p:style>
+          <a:lnRef idx="2">
+            <a:schemeClr val="accent1">
+              <a:shade val="50000"/>
+            </a:schemeClr>
+          </a:lnRef>
+          <a:fillRef idx="1">
+            <a:schemeClr val="accent1"/>
+          </a:fillRef>
+          <a:effectRef idx="0">
+            <a:schemeClr val="accent1"/>
+          </a:effectRef>
+          <a:fontRef idx="minor">
+            <a:schemeClr val="lt1"/>
+          </a:fontRef>
+        </p:style>
+        <p:txBody>
+          <a:bodyPr rtlCol="0" anchor="ctr"/>
+          <a:lstStyle/>
+          <a:p>
+            <a:pPr algn="ctr"/>
+            <a:endParaRPr lang="en-GB"/>
+          </a:p>
+        </p:txBody>
+      </p:sp>
+      <p:sp>
+        <p:nvSpPr>
+          <p:cNvPr id="16" name="Freeform: Shape 15">
+            <a:extLst>
+              <a:ext uri="{FF2B5EF4-FFF2-40B4-BE49-F238E27FC236}">
+                <a16:creationId xmlns:a16="http://schemas.microsoft.com/office/drawing/2014/main" id="{0501A320-16BE-40F5-A948-08BDBF166EB4}"/>
+              </a:ext>
+            </a:extLst>
+          </p:cNvPr>
+          <p:cNvSpPr/>
+          <p:nvPr/>
+        </p:nvSpPr>
+        <p:spPr>
+          <a:xfrm rot="8519874">
+            <a:off x="2794319" y="3782674"/>
+            <a:ext cx="134693" cy="121509"/>
+          </a:xfrm>
+          <a:custGeom>
+            <a:avLst/>
+            <a:gdLst>
+              <a:gd name="connsiteX0" fmla="*/ 0 w 134693"/>
+              <a:gd name="connsiteY0" fmla="*/ 46864 h 121509"/>
+              <a:gd name="connsiteX1" fmla="*/ 93306 w 134693"/>
+              <a:gd name="connsiteY1" fmla="*/ 211 h 121509"/>
+              <a:gd name="connsiteX2" fmla="*/ 130628 w 134693"/>
+              <a:gd name="connsiteY2" fmla="*/ 28203 h 121509"/>
+              <a:gd name="connsiteX3" fmla="*/ 130628 w 134693"/>
+              <a:gd name="connsiteY3" fmla="*/ 121509 h 121509"/>
+            </a:gdLst>
+            <a:ahLst/>
+            <a:cxnLst>
+              <a:cxn ang="0">
+                <a:pos x="connsiteX0" y="connsiteY0"/>
+              </a:cxn>
+              <a:cxn ang="0">
+                <a:pos x="connsiteX1" y="connsiteY1"/>
+              </a:cxn>
+              <a:cxn ang="0">
+                <a:pos x="connsiteX2" y="connsiteY2"/>
+              </a:cxn>
+              <a:cxn ang="0">
+                <a:pos x="connsiteX3" y="connsiteY3"/>
+              </a:cxn>
+            </a:cxnLst>
+            <a:rect l="l" t="t" r="r" b="b"/>
+            <a:pathLst>
+              <a:path w="134693" h="121509">
+                <a:moveTo>
+                  <a:pt x="0" y="46864"/>
+                </a:moveTo>
+                <a:cubicBezTo>
+                  <a:pt x="31102" y="31313"/>
+                  <a:pt x="58882" y="5129"/>
+                  <a:pt x="93306" y="211"/>
+                </a:cubicBezTo>
+                <a:cubicBezTo>
+                  <a:pt x="108701" y="-1988"/>
+                  <a:pt x="126055" y="13340"/>
+                  <a:pt x="130628" y="28203"/>
+                </a:cubicBezTo>
+                <a:cubicBezTo>
+                  <a:pt x="139775" y="57930"/>
+                  <a:pt x="130628" y="90407"/>
+                  <a:pt x="130628" y="121509"/>
+                </a:cubicBezTo>
+              </a:path>
+            </a:pathLst>
+          </a:custGeom>
+          <a:noFill/>
+          <a:ln>
+            <a:solidFill>
+              <a:schemeClr val="tx1"/>
+            </a:solidFill>
+          </a:ln>
+        </p:spPr>
+        <p:style>
+          <a:lnRef idx="2">
+            <a:schemeClr val="accent1">
+              <a:shade val="50000"/>
+            </a:schemeClr>
+          </a:lnRef>
+          <a:fillRef idx="1">
+            <a:schemeClr val="accent1"/>
+          </a:fillRef>
+          <a:effectRef idx="0">
+            <a:schemeClr val="accent1"/>
+          </a:effectRef>
+          <a:fontRef idx="minor">
+            <a:schemeClr val="lt1"/>
+          </a:fontRef>
+        </p:style>
+        <p:txBody>
+          <a:bodyPr rtlCol="0" anchor="ctr"/>
+          <a:lstStyle/>
+          <a:p>
+            <a:pPr algn="ctr"/>
+            <a:endParaRPr lang="en-GB"/>
+          </a:p>
+        </p:txBody>
+      </p:sp>
+      <p:sp>
+        <p:nvSpPr>
+          <p:cNvPr id="17" name="Rectangle 16">
+            <a:extLst>
+              <a:ext uri="{FF2B5EF4-FFF2-40B4-BE49-F238E27FC236}">
+                <a16:creationId xmlns:a16="http://schemas.microsoft.com/office/drawing/2014/main" id="{3E57BBF4-271A-4F7F-852B-CDAABA74C3CA}"/>
+              </a:ext>
+            </a:extLst>
+          </p:cNvPr>
+          <p:cNvSpPr/>
+          <p:nvPr/>
+        </p:nvSpPr>
+        <p:spPr>
+          <a:xfrm>
+            <a:off x="10437845" y="3248600"/>
+            <a:ext cx="1623526" cy="587828"/>
+          </a:xfrm>
+          <a:prstGeom prst="rect">
+            <a:avLst/>
+          </a:prstGeom>
+          <a:noFill/>
+          <a:ln>
+            <a:solidFill>
+              <a:schemeClr val="tx1"/>
+            </a:solidFill>
+          </a:ln>
+        </p:spPr>
+        <p:style>
+          <a:lnRef idx="2">
+            <a:schemeClr val="accent1">
+              <a:shade val="50000"/>
+            </a:schemeClr>
+          </a:lnRef>
+          <a:fillRef idx="1">
+            <a:schemeClr val="accent1"/>
+          </a:fillRef>
+          <a:effectRef idx="0">
+            <a:schemeClr val="accent1"/>
+          </a:effectRef>
+          <a:fontRef idx="minor">
+            <a:schemeClr val="lt1"/>
+          </a:fontRef>
+        </p:style>
+        <p:txBody>
+          <a:bodyPr rtlCol="0" anchor="ctr"/>
+          <a:lstStyle/>
+          <a:p>
+            <a:pPr algn="ctr"/>
+            <a:r>
+              <a:rPr lang="en-GB" dirty="0">
+                <a:solidFill>
+                  <a:schemeClr val="tx1"/>
+                </a:solidFill>
+              </a:rPr>
+              <a:t>Lecture</a:t>
+            </a:r>
+          </a:p>
+        </p:txBody>
+      </p:sp>
+      <p:sp>
+        <p:nvSpPr>
+          <p:cNvPr id="18" name="Diamond 17">
+            <a:extLst>
+              <a:ext uri="{FF2B5EF4-FFF2-40B4-BE49-F238E27FC236}">
+                <a16:creationId xmlns:a16="http://schemas.microsoft.com/office/drawing/2014/main" id="{13F44BB6-0B23-40D8-ACED-E62F8F3EC6A8}"/>
+              </a:ext>
+            </a:extLst>
+          </p:cNvPr>
+          <p:cNvSpPr/>
+          <p:nvPr/>
+        </p:nvSpPr>
+        <p:spPr>
+          <a:xfrm>
+            <a:off x="5864290" y="1421778"/>
+            <a:ext cx="1782147" cy="1007027"/>
+          </a:xfrm>
+          <a:prstGeom prst="diamond">
+            <a:avLst/>
+          </a:prstGeom>
+          <a:noFill/>
+          <a:ln>
+            <a:solidFill>
+              <a:schemeClr val="tx1"/>
+            </a:solidFill>
+          </a:ln>
+        </p:spPr>
+        <p:style>
+          <a:lnRef idx="2">
+            <a:schemeClr val="accent1">
+              <a:shade val="50000"/>
+            </a:schemeClr>
+          </a:lnRef>
+          <a:fillRef idx="1">
+            <a:schemeClr val="accent1"/>
+          </a:fillRef>
+          <a:effectRef idx="0">
+            <a:schemeClr val="accent1"/>
+          </a:effectRef>
+          <a:fontRef idx="minor">
+            <a:schemeClr val="lt1"/>
+          </a:fontRef>
+        </p:style>
+        <p:txBody>
+          <a:bodyPr rtlCol="0" anchor="ctr"/>
+          <a:lstStyle/>
+          <a:p>
+            <a:pPr algn="ctr"/>
+            <a:r>
+              <a:rPr lang="en-GB" dirty="0">
+                <a:solidFill>
+                  <a:schemeClr val="tx1"/>
+                </a:solidFill>
+              </a:rPr>
+              <a:t>Upload</a:t>
+            </a:r>
+          </a:p>
+        </p:txBody>
+      </p:sp>
+      <p:sp>
+        <p:nvSpPr>
+          <p:cNvPr id="19" name="Diamond 18">
+            <a:extLst>
+              <a:ext uri="{FF2B5EF4-FFF2-40B4-BE49-F238E27FC236}">
+                <a16:creationId xmlns:a16="http://schemas.microsoft.com/office/drawing/2014/main" id="{19EF735F-7082-4D4C-AA8C-CF98C03DEF89}"/>
+              </a:ext>
+            </a:extLst>
+          </p:cNvPr>
+          <p:cNvSpPr/>
+          <p:nvPr/>
+        </p:nvSpPr>
+        <p:spPr>
+          <a:xfrm>
+            <a:off x="5960106" y="5087304"/>
+            <a:ext cx="1782147" cy="1007027"/>
+          </a:xfrm>
+          <a:prstGeom prst="diamond">
+            <a:avLst/>
+          </a:prstGeom>
+          <a:noFill/>
+          <a:ln>
+            <a:solidFill>
+              <a:schemeClr val="tx1"/>
+            </a:solidFill>
+          </a:ln>
+        </p:spPr>
+        <p:style>
+          <a:lnRef idx="2">
+            <a:schemeClr val="accent1">
+              <a:shade val="50000"/>
+            </a:schemeClr>
+          </a:lnRef>
+          <a:fillRef idx="1">
+            <a:schemeClr val="accent1"/>
+          </a:fillRef>
+          <a:effectRef idx="0">
+            <a:schemeClr val="accent1"/>
+          </a:effectRef>
+          <a:fontRef idx="minor">
+            <a:schemeClr val="lt1"/>
+          </a:fontRef>
+        </p:style>
+        <p:txBody>
+          <a:bodyPr rtlCol="0" anchor="ctr"/>
+          <a:lstStyle/>
+          <a:p>
+            <a:pPr algn="ctr"/>
+            <a:r>
+              <a:rPr lang="en-GB" dirty="0">
+                <a:solidFill>
+                  <a:schemeClr val="tx1"/>
+                </a:solidFill>
+              </a:rPr>
+              <a:t>View</a:t>
+            </a:r>
+          </a:p>
+        </p:txBody>
+      </p:sp>
+      <p:cxnSp>
+        <p:nvCxnSpPr>
+          <p:cNvPr id="21" name="Straight Connector 20">
+            <a:extLst>
+              <a:ext uri="{FF2B5EF4-FFF2-40B4-BE49-F238E27FC236}">
+                <a16:creationId xmlns:a16="http://schemas.microsoft.com/office/drawing/2014/main" id="{83C7F558-C2A3-4B25-A922-A302FDF3AE84}"/>
+              </a:ext>
+            </a:extLst>
+          </p:cNvPr>
+          <p:cNvCxnSpPr>
+            <a:stCxn id="10" idx="3"/>
+            <a:endCxn id="19" idx="1"/>
+          </p:cNvCxnSpPr>
+          <p:nvPr/>
+        </p:nvCxnSpPr>
+        <p:spPr>
+          <a:xfrm>
+            <a:off x="4565780" y="4281194"/>
+            <a:ext cx="1394326" cy="1309624"/>
+          </a:xfrm>
+          <a:prstGeom prst="line">
+            <a:avLst/>
+          </a:prstGeom>
+        </p:spPr>
+        <p:style>
+          <a:lnRef idx="1">
+            <a:schemeClr val="accent1"/>
+          </a:lnRef>
+          <a:fillRef idx="0">
+            <a:schemeClr val="accent1"/>
+          </a:fillRef>
+          <a:effectRef idx="0">
+            <a:schemeClr val="accent1"/>
+          </a:effectRef>
+          <a:fontRef idx="minor">
+            <a:schemeClr val="tx1"/>
+          </a:fontRef>
+        </p:style>
+      </p:cxnSp>
+      <p:cxnSp>
+        <p:nvCxnSpPr>
+          <p:cNvPr id="23" name="Straight Connector 22">
+            <a:extLst>
+              <a:ext uri="{FF2B5EF4-FFF2-40B4-BE49-F238E27FC236}">
+                <a16:creationId xmlns:a16="http://schemas.microsoft.com/office/drawing/2014/main" id="{19867B36-F9F2-4504-8644-BAB723605829}"/>
+              </a:ext>
+            </a:extLst>
+          </p:cNvPr>
+          <p:cNvCxnSpPr>
+            <a:stCxn id="19" idx="3"/>
+            <a:endCxn id="17" idx="2"/>
+          </p:cNvCxnSpPr>
+          <p:nvPr/>
+        </p:nvCxnSpPr>
+        <p:spPr>
+          <a:xfrm flipV="1">
+            <a:off x="7742253" y="3836428"/>
+            <a:ext cx="3507355" cy="1754390"/>
+          </a:xfrm>
+          <a:prstGeom prst="line">
+            <a:avLst/>
+          </a:prstGeom>
+          <a:ln>
+            <a:solidFill>
+              <a:schemeClr val="tx1"/>
+            </a:solidFill>
+          </a:ln>
+        </p:spPr>
+        <p:style>
+          <a:lnRef idx="1">
+            <a:schemeClr val="accent1"/>
+          </a:lnRef>
+          <a:fillRef idx="0">
+            <a:schemeClr val="accent1"/>
+          </a:fillRef>
+          <a:effectRef idx="0">
+            <a:schemeClr val="accent1"/>
+          </a:effectRef>
+          <a:fontRef idx="minor">
+            <a:schemeClr val="tx1"/>
+          </a:fontRef>
+        </p:style>
+      </p:cxnSp>
+      <p:cxnSp>
+        <p:nvCxnSpPr>
+          <p:cNvPr id="25" name="Straight Connector 24">
+            <a:extLst>
+              <a:ext uri="{FF2B5EF4-FFF2-40B4-BE49-F238E27FC236}">
+                <a16:creationId xmlns:a16="http://schemas.microsoft.com/office/drawing/2014/main" id="{A127FAC2-9A57-4B20-9100-B93AE8DE88AE}"/>
+              </a:ext>
+            </a:extLst>
+          </p:cNvPr>
+          <p:cNvCxnSpPr>
+            <a:stCxn id="9" idx="3"/>
+            <a:endCxn id="18" idx="1"/>
+          </p:cNvCxnSpPr>
+          <p:nvPr/>
+        </p:nvCxnSpPr>
+        <p:spPr>
+          <a:xfrm flipV="1">
+            <a:off x="4565780" y="1925292"/>
+            <a:ext cx="1298510" cy="608647"/>
+          </a:xfrm>
+          <a:prstGeom prst="line">
+            <a:avLst/>
+          </a:prstGeom>
+          <a:ln>
+            <a:solidFill>
+              <a:schemeClr val="tx1"/>
+            </a:solidFill>
+          </a:ln>
+        </p:spPr>
+        <p:style>
+          <a:lnRef idx="1">
+            <a:schemeClr val="accent1"/>
+          </a:lnRef>
+          <a:fillRef idx="0">
+            <a:schemeClr val="accent1"/>
+          </a:fillRef>
+          <a:effectRef idx="0">
+            <a:schemeClr val="accent1"/>
+          </a:effectRef>
+          <a:fontRef idx="minor">
+            <a:schemeClr val="tx1"/>
+          </a:fontRef>
+        </p:style>
+      </p:cxnSp>
+      <p:cxnSp>
+        <p:nvCxnSpPr>
+          <p:cNvPr id="27" name="Straight Connector 26">
+            <a:extLst>
+              <a:ext uri="{FF2B5EF4-FFF2-40B4-BE49-F238E27FC236}">
+                <a16:creationId xmlns:a16="http://schemas.microsoft.com/office/drawing/2014/main" id="{D4500744-9796-41F2-B1FB-B0CA93F95377}"/>
+              </a:ext>
+            </a:extLst>
+          </p:cNvPr>
+          <p:cNvCxnSpPr>
+            <a:stCxn id="18" idx="3"/>
+            <a:endCxn id="17" idx="0"/>
+          </p:cNvCxnSpPr>
+          <p:nvPr/>
+        </p:nvCxnSpPr>
+        <p:spPr>
+          <a:xfrm>
+            <a:off x="7646437" y="1925292"/>
+            <a:ext cx="3603171" cy="1323308"/>
+          </a:xfrm>
+          <a:prstGeom prst="line">
+            <a:avLst/>
+          </a:prstGeom>
+          <a:ln>
+            <a:solidFill>
+              <a:schemeClr val="tx1"/>
+            </a:solidFill>
+          </a:ln>
+        </p:spPr>
+        <p:style>
+          <a:lnRef idx="1">
+            <a:schemeClr val="accent1"/>
+          </a:lnRef>
+          <a:fillRef idx="0">
+            <a:schemeClr val="accent1"/>
+          </a:fillRef>
+          <a:effectRef idx="0">
+            <a:schemeClr val="accent1"/>
+          </a:effectRef>
+          <a:fontRef idx="minor">
+            <a:schemeClr val="tx1"/>
+          </a:fontRef>
+        </p:style>
+      </p:cxnSp>
+      <p:sp>
+        <p:nvSpPr>
+          <p:cNvPr id="3" name="TextBox 2">
+            <a:extLst>
+              <a:ext uri="{FF2B5EF4-FFF2-40B4-BE49-F238E27FC236}">
+                <a16:creationId xmlns:a16="http://schemas.microsoft.com/office/drawing/2014/main" id="{77A6C71B-616D-47AB-9DB6-8894FD2E7C8E}"/>
+              </a:ext>
+            </a:extLst>
+          </p:cNvPr>
+          <p:cNvSpPr txBox="1"/>
+          <p:nvPr/>
+        </p:nvSpPr>
+        <p:spPr>
+          <a:xfrm>
+            <a:off x="4838635" y="2971225"/>
+            <a:ext cx="4493615" cy="923330"/>
+          </a:xfrm>
+          <a:prstGeom prst="rect">
+            <a:avLst/>
+          </a:prstGeom>
+          <a:noFill/>
+        </p:spPr>
+        <p:txBody>
+          <a:bodyPr wrap="square" rtlCol="0">
+            <a:spAutoFit/>
+          </a:bodyPr>
+          <a:lstStyle/>
+          <a:p>
+            <a:r>
+              <a:rPr lang="en-GB" dirty="0">
+                <a:solidFill>
+                  <a:srgbClr val="FF0000"/>
+                </a:solidFill>
+              </a:rPr>
+              <a:t>!!!!! OLD ER DIAGRAM, WILL REMOVE THIS ONCE WE CONFIRM THE UPDATED ONE IS ALL CORRECT :D !!!!</a:t>
+            </a:r>
+          </a:p>
+        </p:txBody>
+      </p:sp>
+    </p:spTree>
+    <p:extLst>
+      <p:ext uri="{BB962C8B-B14F-4D97-AF65-F5344CB8AC3E}">
+        <p14:creationId xmlns:p14="http://schemas.microsoft.com/office/powerpoint/2010/main" val="2859539322"/>
+      </p:ext>
+    </p:extLst>
+  </p:cSld>
+  <p:clrMapOvr>
+    <a:masterClrMapping/>
+  </p:clrMapOvr>
+</p:sld>
+</file>
+
+<file path=ppt/slides/slide16.xml><?xml version="1.0" encoding="utf-8"?>
+<p:sld xmlns:a="http://schemas.openxmlformats.org/drawingml/2006/main" xmlns:r="http://schemas.openxmlformats.org/officeDocument/2006/relationships" xmlns:p="http://schemas.openxmlformats.org/presentationml/2006/main">
+  <p:cSld>
+    <p:spTree>
+      <p:nvGrpSpPr>
+        <p:cNvPr id="1" name=""/>
+        <p:cNvGrpSpPr/>
+        <p:nvPr/>
+      </p:nvGrpSpPr>
+      <p:grpSpPr>
+        <a:xfrm>
+          <a:off x="0" y="0"/>
+          <a:ext cx="0" cy="0"/>
+          <a:chOff x="0" y="0"/>
+          <a:chExt cx="0" cy="0"/>
+        </a:xfrm>
+      </p:grpSpPr>
+      <p:sp>
+        <p:nvSpPr>
           <p:cNvPr id="2" name="Title 1">
             <a:extLst>
               <a:ext uri="{FF2B5EF4-FFF2-40B4-BE49-F238E27FC236}">
@@ -3518,7 +5758,7 @@
 </p:sld>
 </file>
 
-<file path=ppt/slides/slide11.xml><?xml version="1.0" encoding="utf-8"?>
+<file path=ppt/slides/slide17.xml><?xml version="1.0" encoding="utf-8"?>
 <p:sld xmlns:a="http://schemas.openxmlformats.org/drawingml/2006/main" xmlns:r="http://schemas.openxmlformats.org/officeDocument/2006/relationships" xmlns:p="http://schemas.openxmlformats.org/presentationml/2006/main">
   <p:cSld>
     <p:spTree>
@@ -4884,7 +7124,7 @@
 </p:sld>
 </file>
 
-<file path=ppt/slides/slide12.xml><?xml version="1.0" encoding="utf-8"?>
+<file path=ppt/slides/slide18.xml><?xml version="1.0" encoding="utf-8"?>
 <p:sld xmlns:a="http://schemas.openxmlformats.org/drawingml/2006/main" xmlns:r="http://schemas.openxmlformats.org/officeDocument/2006/relationships" xmlns:p="http://schemas.openxmlformats.org/presentationml/2006/main">
   <p:cSld>
     <p:spTree>
@@ -7331,10 +9571,10 @@
       </p:grpSpPr>
       <p:sp>
         <p:nvSpPr>
-          <p:cNvPr id="2" name="Title 1">
-            <a:extLst>
-              <a:ext uri="{FF2B5EF4-FFF2-40B4-BE49-F238E27FC236}">
-                <a16:creationId xmlns:a16="http://schemas.microsoft.com/office/drawing/2014/main" id="{9B798473-5C4E-4CB0-9573-9DFEE9D223A6}"/>
+          <p:cNvPr id="4" name="Title 1">
+            <a:extLst>
+              <a:ext uri="{FF2B5EF4-FFF2-40B4-BE49-F238E27FC236}">
+                <a16:creationId xmlns:a16="http://schemas.microsoft.com/office/drawing/2014/main" id="{AC3B754C-3F36-CF44-81C6-E737E0F7EDD6}"/>
               </a:ext>
             </a:extLst>
           </p:cNvPr>
@@ -7345,92 +9585,48 @@
             <p:ph type="title"/>
           </p:nvPr>
         </p:nvSpPr>
-        <p:spPr/>
+        <p:spPr>
+          <a:xfrm>
+            <a:off x="144517" y="187106"/>
+            <a:ext cx="6340366" cy="1001220"/>
+          </a:xfrm>
+        </p:spPr>
         <p:txBody>
           <a:bodyPr/>
           <a:lstStyle/>
           <a:p>
             <a:r>
               <a:rPr lang="en-GB" dirty="0"/>
-              <a:t>System Architecture</a:t>
-            </a:r>
-          </a:p>
-        </p:txBody>
-      </p:sp>
-      <p:sp>
-        <p:nvSpPr>
-          <p:cNvPr id="4" name="Smiley Face 3">
-            <a:extLst>
-              <a:ext uri="{FF2B5EF4-FFF2-40B4-BE49-F238E27FC236}">
-                <a16:creationId xmlns:a16="http://schemas.microsoft.com/office/drawing/2014/main" id="{878431BF-EF9F-4686-AAEF-CA6E40AA4E40}"/>
-              </a:ext>
-            </a:extLst>
-          </p:cNvPr>
-          <p:cNvSpPr/>
+              <a:t>Wireframe – Index (Home)</a:t>
+            </a:r>
+          </a:p>
+        </p:txBody>
+      </p:sp>
+      <p:pic>
+        <p:nvPicPr>
+          <p:cNvPr id="5" name="그림 4">
+            <a:extLst>
+              <a:ext uri="{FF2B5EF4-FFF2-40B4-BE49-F238E27FC236}">
+                <a16:creationId xmlns:a16="http://schemas.microsoft.com/office/drawing/2014/main" id="{06312A89-1A5D-5E42-9C3C-62C4E70149ED}"/>
+              </a:ext>
+            </a:extLst>
+          </p:cNvPr>
+          <p:cNvPicPr>
+            <a:picLocks noChangeAspect="1"/>
+          </p:cNvPicPr>
           <p:nvPr/>
-        </p:nvSpPr>
+        </p:nvPicPr>
+        <p:blipFill>
+          <a:blip r:embed="rId2"/>
+          <a:srcRect/>
+          <a:stretch/>
+        </p:blipFill>
         <p:spPr>
           <a:xfrm>
-            <a:off x="475862" y="2034074"/>
-            <a:ext cx="1007705" cy="933062"/>
+            <a:off x="1056289" y="1001220"/>
+            <a:ext cx="10079420" cy="5669674"/>
           </a:xfrm>
-          <a:prstGeom prst="smileyFace">
-            <a:avLst/>
-          </a:prstGeom>
-          <a:solidFill>
-            <a:schemeClr val="bg1"/>
-          </a:solidFill>
-          <a:ln>
-            <a:solidFill>
-              <a:schemeClr val="tx1"/>
-            </a:solidFill>
-          </a:ln>
-        </p:spPr>
-        <p:style>
-          <a:lnRef idx="2">
-            <a:schemeClr val="accent1">
-              <a:shade val="50000"/>
-            </a:schemeClr>
-          </a:lnRef>
-          <a:fillRef idx="1">
-            <a:schemeClr val="accent1"/>
-          </a:fillRef>
-          <a:effectRef idx="0">
-            <a:schemeClr val="accent1"/>
-          </a:effectRef>
-          <a:fontRef idx="minor">
-            <a:schemeClr val="lt1"/>
-          </a:fontRef>
-        </p:style>
-        <p:txBody>
-          <a:bodyPr rtlCol="0" anchor="ctr"/>
-          <a:lstStyle/>
-          <a:p>
-            <a:pPr algn="ctr"/>
-            <a:endParaRPr lang="en-GB"/>
-          </a:p>
-        </p:txBody>
-      </p:sp>
-      <p:cxnSp>
-        <p:nvCxnSpPr>
-          <p:cNvPr id="6" name="Straight Connector 5">
-            <a:extLst>
-              <a:ext uri="{FF2B5EF4-FFF2-40B4-BE49-F238E27FC236}">
-                <a16:creationId xmlns:a16="http://schemas.microsoft.com/office/drawing/2014/main" id="{F8470938-10B2-40EB-87C0-1156A6AF797E}"/>
-              </a:ext>
-            </a:extLst>
-          </p:cNvPr>
-          <p:cNvCxnSpPr>
-            <a:stCxn id="4" idx="4"/>
-          </p:cNvCxnSpPr>
-          <p:nvPr/>
-        </p:nvCxnSpPr>
-        <p:spPr>
-          <a:xfrm flipH="1">
-            <a:off x="970384" y="2967136"/>
-            <a:ext cx="9331" cy="1007705"/>
-          </a:xfrm>
-          <a:prstGeom prst="line">
+          <a:prstGeom prst="rect">
             <a:avLst/>
           </a:prstGeom>
           <a:ln>
@@ -7439,683 +9635,11 @@
             </a:solidFill>
           </a:ln>
         </p:spPr>
-        <p:style>
-          <a:lnRef idx="1">
-            <a:schemeClr val="accent1"/>
-          </a:lnRef>
-          <a:fillRef idx="0">
-            <a:schemeClr val="accent1"/>
-          </a:fillRef>
-          <a:effectRef idx="0">
-            <a:schemeClr val="accent1"/>
-          </a:effectRef>
-          <a:fontRef idx="minor">
-            <a:schemeClr val="tx1"/>
-          </a:fontRef>
-        </p:style>
-      </p:cxnSp>
-      <p:cxnSp>
-        <p:nvCxnSpPr>
-          <p:cNvPr id="8" name="Straight Connector 7">
-            <a:extLst>
-              <a:ext uri="{FF2B5EF4-FFF2-40B4-BE49-F238E27FC236}">
-                <a16:creationId xmlns:a16="http://schemas.microsoft.com/office/drawing/2014/main" id="{C19B3E6C-D052-4BF9-9BBD-D94C4CB612CA}"/>
-              </a:ext>
-            </a:extLst>
-          </p:cNvPr>
-          <p:cNvCxnSpPr/>
-          <p:nvPr/>
-        </p:nvCxnSpPr>
-        <p:spPr>
-          <a:xfrm>
-            <a:off x="970384" y="3974841"/>
-            <a:ext cx="354563" cy="587828"/>
-          </a:xfrm>
-          <a:prstGeom prst="line">
-            <a:avLst/>
-          </a:prstGeom>
-          <a:ln>
-            <a:solidFill>
-              <a:schemeClr val="tx1"/>
-            </a:solidFill>
-          </a:ln>
-        </p:spPr>
-        <p:style>
-          <a:lnRef idx="1">
-            <a:schemeClr val="accent1"/>
-          </a:lnRef>
-          <a:fillRef idx="0">
-            <a:schemeClr val="accent1"/>
-          </a:fillRef>
-          <a:effectRef idx="0">
-            <a:schemeClr val="accent1"/>
-          </a:effectRef>
-          <a:fontRef idx="minor">
-            <a:schemeClr val="tx1"/>
-          </a:fontRef>
-        </p:style>
-      </p:cxnSp>
-      <p:cxnSp>
-        <p:nvCxnSpPr>
-          <p:cNvPr id="10" name="Straight Connector 9">
-            <a:extLst>
-              <a:ext uri="{FF2B5EF4-FFF2-40B4-BE49-F238E27FC236}">
-                <a16:creationId xmlns:a16="http://schemas.microsoft.com/office/drawing/2014/main" id="{8FAE5725-6B0B-461C-94FE-BECDE339134C}"/>
-              </a:ext>
-            </a:extLst>
-          </p:cNvPr>
-          <p:cNvCxnSpPr/>
-          <p:nvPr/>
-        </p:nvCxnSpPr>
-        <p:spPr>
-          <a:xfrm flipH="1">
-            <a:off x="681135" y="3974841"/>
-            <a:ext cx="298580" cy="587828"/>
-          </a:xfrm>
-          <a:prstGeom prst="line">
-            <a:avLst/>
-          </a:prstGeom>
-          <a:ln>
-            <a:solidFill>
-              <a:schemeClr val="tx1"/>
-            </a:solidFill>
-          </a:ln>
-        </p:spPr>
-        <p:style>
-          <a:lnRef idx="1">
-            <a:schemeClr val="accent1"/>
-          </a:lnRef>
-          <a:fillRef idx="0">
-            <a:schemeClr val="accent1"/>
-          </a:fillRef>
-          <a:effectRef idx="0">
-            <a:schemeClr val="accent1"/>
-          </a:effectRef>
-          <a:fontRef idx="minor">
-            <a:schemeClr val="tx1"/>
-          </a:fontRef>
-        </p:style>
-      </p:cxnSp>
-      <p:cxnSp>
-        <p:nvCxnSpPr>
-          <p:cNvPr id="12" name="Straight Connector 11">
-            <a:extLst>
-              <a:ext uri="{FF2B5EF4-FFF2-40B4-BE49-F238E27FC236}">
-                <a16:creationId xmlns:a16="http://schemas.microsoft.com/office/drawing/2014/main" id="{19D55684-2D39-4F4C-89CA-72E938D3868D}"/>
-              </a:ext>
-            </a:extLst>
-          </p:cNvPr>
-          <p:cNvCxnSpPr>
-            <a:stCxn id="4" idx="4"/>
-          </p:cNvCxnSpPr>
-          <p:nvPr/>
-        </p:nvCxnSpPr>
-        <p:spPr>
-          <a:xfrm>
-            <a:off x="979715" y="2967136"/>
-            <a:ext cx="503852" cy="783770"/>
-          </a:xfrm>
-          <a:prstGeom prst="line">
-            <a:avLst/>
-          </a:prstGeom>
-          <a:ln>
-            <a:solidFill>
-              <a:schemeClr val="tx1"/>
-            </a:solidFill>
-          </a:ln>
-        </p:spPr>
-        <p:style>
-          <a:lnRef idx="1">
-            <a:schemeClr val="accent1"/>
-          </a:lnRef>
-          <a:fillRef idx="0">
-            <a:schemeClr val="accent1"/>
-          </a:fillRef>
-          <a:effectRef idx="0">
-            <a:schemeClr val="accent1"/>
-          </a:effectRef>
-          <a:fontRef idx="minor">
-            <a:schemeClr val="tx1"/>
-          </a:fontRef>
-        </p:style>
-      </p:cxnSp>
-      <p:cxnSp>
-        <p:nvCxnSpPr>
-          <p:cNvPr id="14" name="Straight Connector 13">
-            <a:extLst>
-              <a:ext uri="{FF2B5EF4-FFF2-40B4-BE49-F238E27FC236}">
-                <a16:creationId xmlns:a16="http://schemas.microsoft.com/office/drawing/2014/main" id="{3A412B67-B8BB-4CC3-9AD2-BF5C7E8D4E50}"/>
-              </a:ext>
-            </a:extLst>
-          </p:cNvPr>
-          <p:cNvCxnSpPr>
-            <a:stCxn id="4" idx="4"/>
-          </p:cNvCxnSpPr>
-          <p:nvPr/>
-        </p:nvCxnSpPr>
-        <p:spPr>
-          <a:xfrm flipH="1">
-            <a:off x="475862" y="2967136"/>
-            <a:ext cx="503853" cy="718456"/>
-          </a:xfrm>
-          <a:prstGeom prst="line">
-            <a:avLst/>
-          </a:prstGeom>
-          <a:ln>
-            <a:solidFill>
-              <a:schemeClr val="tx1"/>
-            </a:solidFill>
-          </a:ln>
-        </p:spPr>
-        <p:style>
-          <a:lnRef idx="1">
-            <a:schemeClr val="accent1"/>
-          </a:lnRef>
-          <a:fillRef idx="0">
-            <a:schemeClr val="accent1"/>
-          </a:fillRef>
-          <a:effectRef idx="0">
-            <a:schemeClr val="accent1"/>
-          </a:effectRef>
-          <a:fontRef idx="minor">
-            <a:schemeClr val="tx1"/>
-          </a:fontRef>
-        </p:style>
-      </p:cxnSp>
-      <p:sp>
-        <p:nvSpPr>
-          <p:cNvPr id="15" name="Rectangle 14">
-            <a:extLst>
-              <a:ext uri="{FF2B5EF4-FFF2-40B4-BE49-F238E27FC236}">
-                <a16:creationId xmlns:a16="http://schemas.microsoft.com/office/drawing/2014/main" id="{8E07B13D-6BF7-4557-8E47-CCA4C630043D}"/>
-              </a:ext>
-            </a:extLst>
-          </p:cNvPr>
-          <p:cNvSpPr/>
-          <p:nvPr/>
-        </p:nvSpPr>
-        <p:spPr>
-          <a:xfrm>
-            <a:off x="419878" y="4851918"/>
-            <a:ext cx="1623526" cy="587828"/>
-          </a:xfrm>
-          <a:prstGeom prst="rect">
-            <a:avLst/>
-          </a:prstGeom>
-          <a:noFill/>
-          <a:ln>
-            <a:solidFill>
-              <a:schemeClr val="tx1"/>
-            </a:solidFill>
-          </a:ln>
-        </p:spPr>
-        <p:style>
-          <a:lnRef idx="2">
-            <a:schemeClr val="accent1">
-              <a:shade val="50000"/>
-            </a:schemeClr>
-          </a:lnRef>
-          <a:fillRef idx="1">
-            <a:schemeClr val="accent1"/>
-          </a:fillRef>
-          <a:effectRef idx="0">
-            <a:schemeClr val="accent1"/>
-          </a:effectRef>
-          <a:fontRef idx="minor">
-            <a:schemeClr val="lt1"/>
-          </a:fontRef>
-        </p:style>
-        <p:txBody>
-          <a:bodyPr rtlCol="0" anchor="ctr"/>
-          <a:lstStyle/>
-          <a:p>
-            <a:pPr algn="ctr"/>
-            <a:r>
-              <a:rPr lang="en-GB" dirty="0">
-                <a:solidFill>
-                  <a:schemeClr val="tx1"/>
-                </a:solidFill>
-              </a:rPr>
-              <a:t>User</a:t>
-            </a:r>
-          </a:p>
-        </p:txBody>
-      </p:sp>
-      <p:sp>
-        <p:nvSpPr>
-          <p:cNvPr id="16" name="Rectangle 15">
-            <a:extLst>
-              <a:ext uri="{FF2B5EF4-FFF2-40B4-BE49-F238E27FC236}">
-                <a16:creationId xmlns:a16="http://schemas.microsoft.com/office/drawing/2014/main" id="{32B67003-E7DD-4A0E-813C-0DCE89020061}"/>
-              </a:ext>
-            </a:extLst>
-          </p:cNvPr>
-          <p:cNvSpPr/>
-          <p:nvPr/>
-        </p:nvSpPr>
-        <p:spPr>
-          <a:xfrm>
-            <a:off x="2932923" y="2825160"/>
-            <a:ext cx="1623526" cy="587828"/>
-          </a:xfrm>
-          <a:prstGeom prst="rect">
-            <a:avLst/>
-          </a:prstGeom>
-          <a:noFill/>
-          <a:ln>
-            <a:solidFill>
-              <a:schemeClr val="tx1"/>
-            </a:solidFill>
-          </a:ln>
-        </p:spPr>
-        <p:style>
-          <a:lnRef idx="2">
-            <a:schemeClr val="accent1">
-              <a:shade val="50000"/>
-            </a:schemeClr>
-          </a:lnRef>
-          <a:fillRef idx="1">
-            <a:schemeClr val="accent1"/>
-          </a:fillRef>
-          <a:effectRef idx="0">
-            <a:schemeClr val="accent1"/>
-          </a:effectRef>
-          <a:fontRef idx="minor">
-            <a:schemeClr val="lt1"/>
-          </a:fontRef>
-        </p:style>
-        <p:txBody>
-          <a:bodyPr rtlCol="0" anchor="ctr"/>
-          <a:lstStyle/>
-          <a:p>
-            <a:pPr algn="ctr"/>
-            <a:r>
-              <a:rPr lang="en-GB" dirty="0">
-                <a:solidFill>
-                  <a:schemeClr val="tx1"/>
-                </a:solidFill>
-              </a:rPr>
-              <a:t>Client</a:t>
-            </a:r>
-          </a:p>
-        </p:txBody>
-      </p:sp>
-      <p:sp>
-        <p:nvSpPr>
-          <p:cNvPr id="17" name="Rectangle 16">
-            <a:extLst>
-              <a:ext uri="{FF2B5EF4-FFF2-40B4-BE49-F238E27FC236}">
-                <a16:creationId xmlns:a16="http://schemas.microsoft.com/office/drawing/2014/main" id="{1D43E286-88CE-4B44-98A0-EBD2F728996B}"/>
-              </a:ext>
-            </a:extLst>
-          </p:cNvPr>
-          <p:cNvSpPr/>
-          <p:nvPr/>
-        </p:nvSpPr>
-        <p:spPr>
-          <a:xfrm>
-            <a:off x="5735218" y="2809148"/>
-            <a:ext cx="1623526" cy="619852"/>
-          </a:xfrm>
-          <a:prstGeom prst="rect">
-            <a:avLst/>
-          </a:prstGeom>
-          <a:noFill/>
-          <a:ln>
-            <a:solidFill>
-              <a:schemeClr val="tx1"/>
-            </a:solidFill>
-          </a:ln>
-        </p:spPr>
-        <p:style>
-          <a:lnRef idx="2">
-            <a:schemeClr val="accent1">
-              <a:shade val="50000"/>
-            </a:schemeClr>
-          </a:lnRef>
-          <a:fillRef idx="1">
-            <a:schemeClr val="accent1"/>
-          </a:fillRef>
-          <a:effectRef idx="0">
-            <a:schemeClr val="accent1"/>
-          </a:effectRef>
-          <a:fontRef idx="minor">
-            <a:schemeClr val="lt1"/>
-          </a:fontRef>
-        </p:style>
-        <p:txBody>
-          <a:bodyPr rtlCol="0" anchor="ctr"/>
-          <a:lstStyle/>
-          <a:p>
-            <a:pPr algn="ctr"/>
-            <a:r>
-              <a:rPr lang="en-GB" dirty="0">
-                <a:solidFill>
-                  <a:schemeClr val="tx1"/>
-                </a:solidFill>
-              </a:rPr>
-              <a:t>Middleware</a:t>
-            </a:r>
-          </a:p>
-        </p:txBody>
-      </p:sp>
-      <p:sp>
-        <p:nvSpPr>
-          <p:cNvPr id="18" name="Cloud 17">
-            <a:extLst>
-              <a:ext uri="{FF2B5EF4-FFF2-40B4-BE49-F238E27FC236}">
-                <a16:creationId xmlns:a16="http://schemas.microsoft.com/office/drawing/2014/main" id="{7B44C75D-218B-4859-894A-0EB6EE3CE9D0}"/>
-              </a:ext>
-            </a:extLst>
-          </p:cNvPr>
-          <p:cNvSpPr/>
-          <p:nvPr/>
-        </p:nvSpPr>
-        <p:spPr>
-          <a:xfrm>
-            <a:off x="9069355" y="891998"/>
-            <a:ext cx="2646783" cy="1436914"/>
-          </a:xfrm>
-          <a:prstGeom prst="cloud">
-            <a:avLst/>
-          </a:prstGeom>
-          <a:noFill/>
-          <a:ln>
-            <a:solidFill>
-              <a:schemeClr val="tx1"/>
-            </a:solidFill>
-          </a:ln>
-        </p:spPr>
-        <p:style>
-          <a:lnRef idx="2">
-            <a:schemeClr val="accent1">
-              <a:shade val="50000"/>
-            </a:schemeClr>
-          </a:lnRef>
-          <a:fillRef idx="1">
-            <a:schemeClr val="accent1"/>
-          </a:fillRef>
-          <a:effectRef idx="0">
-            <a:schemeClr val="accent1"/>
-          </a:effectRef>
-          <a:fontRef idx="minor">
-            <a:schemeClr val="lt1"/>
-          </a:fontRef>
-        </p:style>
-        <p:txBody>
-          <a:bodyPr rtlCol="0" anchor="ctr"/>
-          <a:lstStyle/>
-          <a:p>
-            <a:pPr algn="ctr"/>
-            <a:r>
-              <a:rPr lang="en-GB" dirty="0">
-                <a:solidFill>
-                  <a:schemeClr val="tx1"/>
-                </a:solidFill>
-              </a:rPr>
-              <a:t>Moodle/Google</a:t>
-            </a:r>
-          </a:p>
-          <a:p>
-            <a:pPr algn="ctr"/>
-            <a:r>
-              <a:rPr lang="en-GB" dirty="0">
-                <a:solidFill>
-                  <a:schemeClr val="tx1"/>
-                </a:solidFill>
-              </a:rPr>
-              <a:t>Search API</a:t>
-            </a:r>
-          </a:p>
-        </p:txBody>
-      </p:sp>
-      <p:sp>
-        <p:nvSpPr>
-          <p:cNvPr id="19" name="Cylinder 18">
-            <a:extLst>
-              <a:ext uri="{FF2B5EF4-FFF2-40B4-BE49-F238E27FC236}">
-                <a16:creationId xmlns:a16="http://schemas.microsoft.com/office/drawing/2014/main" id="{3546B2E7-3E75-4547-B0CC-D29B5188DFF4}"/>
-              </a:ext>
-            </a:extLst>
-          </p:cNvPr>
-          <p:cNvSpPr/>
-          <p:nvPr/>
-        </p:nvSpPr>
-        <p:spPr>
-          <a:xfrm>
-            <a:off x="9088016" y="3214395"/>
-            <a:ext cx="1800808" cy="1931437"/>
-          </a:xfrm>
-          <a:prstGeom prst="can">
-            <a:avLst/>
-          </a:prstGeom>
-          <a:noFill/>
-          <a:ln>
-            <a:solidFill>
-              <a:schemeClr val="tx1"/>
-            </a:solidFill>
-          </a:ln>
-        </p:spPr>
-        <p:style>
-          <a:lnRef idx="2">
-            <a:schemeClr val="accent1">
-              <a:shade val="50000"/>
-            </a:schemeClr>
-          </a:lnRef>
-          <a:fillRef idx="1">
-            <a:schemeClr val="accent1"/>
-          </a:fillRef>
-          <a:effectRef idx="0">
-            <a:schemeClr val="accent1"/>
-          </a:effectRef>
-          <a:fontRef idx="minor">
-            <a:schemeClr val="lt1"/>
-          </a:fontRef>
-        </p:style>
-        <p:txBody>
-          <a:bodyPr rtlCol="0" anchor="ctr"/>
-          <a:lstStyle/>
-          <a:p>
-            <a:pPr algn="ctr"/>
-            <a:r>
-              <a:rPr lang="en-GB" dirty="0">
-                <a:solidFill>
-                  <a:schemeClr val="tx1"/>
-                </a:solidFill>
-              </a:rPr>
-              <a:t>Database</a:t>
-            </a:r>
-          </a:p>
-        </p:txBody>
-      </p:sp>
-      <p:cxnSp>
-        <p:nvCxnSpPr>
-          <p:cNvPr id="25" name="Straight Arrow Connector 24">
-            <a:extLst>
-              <a:ext uri="{FF2B5EF4-FFF2-40B4-BE49-F238E27FC236}">
-                <a16:creationId xmlns:a16="http://schemas.microsoft.com/office/drawing/2014/main" id="{10CF4283-4F7C-413D-83C5-1CFC0F7B9B6C}"/>
-              </a:ext>
-            </a:extLst>
-          </p:cNvPr>
-          <p:cNvCxnSpPr>
-            <a:stCxn id="16" idx="1"/>
-          </p:cNvCxnSpPr>
-          <p:nvPr/>
-        </p:nvCxnSpPr>
-        <p:spPr>
-          <a:xfrm flipH="1">
-            <a:off x="1536440" y="3119074"/>
-            <a:ext cx="1396483" cy="0"/>
-          </a:xfrm>
-          <a:prstGeom prst="straightConnector1">
-            <a:avLst/>
-          </a:prstGeom>
-          <a:ln>
-            <a:solidFill>
-              <a:schemeClr val="tx1"/>
-            </a:solidFill>
-            <a:headEnd type="triangle"/>
-            <a:tailEnd type="triangle"/>
-          </a:ln>
-        </p:spPr>
-        <p:style>
-          <a:lnRef idx="1">
-            <a:schemeClr val="accent1"/>
-          </a:lnRef>
-          <a:fillRef idx="0">
-            <a:schemeClr val="accent1"/>
-          </a:fillRef>
-          <a:effectRef idx="0">
-            <a:schemeClr val="accent1"/>
-          </a:effectRef>
-          <a:fontRef idx="minor">
-            <a:schemeClr val="tx1"/>
-          </a:fontRef>
-        </p:style>
-      </p:cxnSp>
-      <p:cxnSp>
-        <p:nvCxnSpPr>
-          <p:cNvPr id="27" name="Straight Arrow Connector 26">
-            <a:extLst>
-              <a:ext uri="{FF2B5EF4-FFF2-40B4-BE49-F238E27FC236}">
-                <a16:creationId xmlns:a16="http://schemas.microsoft.com/office/drawing/2014/main" id="{9411FF59-F50E-41D6-AC39-E21CB1F6D99B}"/>
-              </a:ext>
-            </a:extLst>
-          </p:cNvPr>
-          <p:cNvCxnSpPr>
-            <a:stCxn id="16" idx="3"/>
-            <a:endCxn id="17" idx="1"/>
-          </p:cNvCxnSpPr>
-          <p:nvPr/>
-        </p:nvCxnSpPr>
-        <p:spPr>
-          <a:xfrm>
-            <a:off x="4556449" y="3119074"/>
-            <a:ext cx="1178769" cy="0"/>
-          </a:xfrm>
-          <a:prstGeom prst="straightConnector1">
-            <a:avLst/>
-          </a:prstGeom>
-          <a:ln>
-            <a:solidFill>
-              <a:schemeClr val="tx1"/>
-            </a:solidFill>
-            <a:headEnd type="triangle"/>
-            <a:tailEnd type="triangle"/>
-          </a:ln>
-        </p:spPr>
-        <p:style>
-          <a:lnRef idx="1">
-            <a:schemeClr val="accent1"/>
-          </a:lnRef>
-          <a:fillRef idx="0">
-            <a:schemeClr val="accent1"/>
-          </a:fillRef>
-          <a:effectRef idx="0">
-            <a:schemeClr val="accent1"/>
-          </a:effectRef>
-          <a:fontRef idx="minor">
-            <a:schemeClr val="tx1"/>
-          </a:fontRef>
-        </p:style>
-      </p:cxnSp>
-      <p:cxnSp>
-        <p:nvCxnSpPr>
-          <p:cNvPr id="29" name="Straight Arrow Connector 28">
-            <a:extLst>
-              <a:ext uri="{FF2B5EF4-FFF2-40B4-BE49-F238E27FC236}">
-                <a16:creationId xmlns:a16="http://schemas.microsoft.com/office/drawing/2014/main" id="{C4BD0C16-7860-4735-AA7E-0D298DF5B9A8}"/>
-              </a:ext>
-            </a:extLst>
-          </p:cNvPr>
-          <p:cNvCxnSpPr>
-            <a:stCxn id="17" idx="3"/>
-            <a:endCxn id="19" idx="2"/>
-          </p:cNvCxnSpPr>
-          <p:nvPr/>
-        </p:nvCxnSpPr>
-        <p:spPr>
-          <a:xfrm>
-            <a:off x="7358744" y="3119074"/>
-            <a:ext cx="1729272" cy="1061040"/>
-          </a:xfrm>
-          <a:prstGeom prst="straightConnector1">
-            <a:avLst/>
-          </a:prstGeom>
-          <a:ln>
-            <a:solidFill>
-              <a:schemeClr val="tx1"/>
-            </a:solidFill>
-            <a:headEnd type="triangle"/>
-            <a:tailEnd type="triangle"/>
-          </a:ln>
-        </p:spPr>
-        <p:style>
-          <a:lnRef idx="1">
-            <a:schemeClr val="accent1"/>
-          </a:lnRef>
-          <a:fillRef idx="0">
-            <a:schemeClr val="accent1"/>
-          </a:fillRef>
-          <a:effectRef idx="0">
-            <a:schemeClr val="accent1"/>
-          </a:effectRef>
-          <a:fontRef idx="minor">
-            <a:schemeClr val="tx1"/>
-          </a:fontRef>
-        </p:style>
-      </p:cxnSp>
-      <p:cxnSp>
-        <p:nvCxnSpPr>
-          <p:cNvPr id="31" name="Straight Arrow Connector 30">
-            <a:extLst>
-              <a:ext uri="{FF2B5EF4-FFF2-40B4-BE49-F238E27FC236}">
-                <a16:creationId xmlns:a16="http://schemas.microsoft.com/office/drawing/2014/main" id="{E2B8B66D-5F3B-4709-A07E-B22ED9200809}"/>
-              </a:ext>
-            </a:extLst>
-          </p:cNvPr>
-          <p:cNvCxnSpPr>
-            <a:cxnSpLocks/>
-            <a:stCxn id="17" idx="3"/>
-            <a:endCxn id="18" idx="2"/>
-          </p:cNvCxnSpPr>
-          <p:nvPr/>
-        </p:nvCxnSpPr>
-        <p:spPr>
-          <a:xfrm flipV="1">
-            <a:off x="7358744" y="1610455"/>
-            <a:ext cx="1718821" cy="1508619"/>
-          </a:xfrm>
-          <a:prstGeom prst="straightConnector1">
-            <a:avLst/>
-          </a:prstGeom>
-          <a:ln>
-            <a:solidFill>
-              <a:schemeClr val="tx1"/>
-            </a:solidFill>
-            <a:headEnd type="triangle"/>
-            <a:tailEnd type="triangle"/>
-          </a:ln>
-        </p:spPr>
-        <p:style>
-          <a:lnRef idx="1">
-            <a:schemeClr val="accent1"/>
-          </a:lnRef>
-          <a:fillRef idx="0">
-            <a:schemeClr val="accent1"/>
-          </a:fillRef>
-          <a:effectRef idx="0">
-            <a:schemeClr val="accent1"/>
-          </a:effectRef>
-          <a:fontRef idx="minor">
-            <a:schemeClr val="tx1"/>
-          </a:fontRef>
-        </p:style>
-      </p:cxnSp>
+      </p:pic>
     </p:spTree>
     <p:extLst>
       <p:ext uri="{BB962C8B-B14F-4D97-AF65-F5344CB8AC3E}">
-        <p14:creationId xmlns:p14="http://schemas.microsoft.com/office/powerpoint/2010/main" val="2729043450"/>
+        <p14:creationId xmlns:p14="http://schemas.microsoft.com/office/powerpoint/2010/main" val="12437513"/>
       </p:ext>
     </p:extLst>
   </p:cSld>
@@ -8144,10 +9668,10 @@
       </p:grpSpPr>
       <p:sp>
         <p:nvSpPr>
-          <p:cNvPr id="2" name="Title 1">
-            <a:extLst>
-              <a:ext uri="{FF2B5EF4-FFF2-40B4-BE49-F238E27FC236}">
-                <a16:creationId xmlns:a16="http://schemas.microsoft.com/office/drawing/2014/main" id="{C9ECBC21-F83F-455B-BE32-F8BC56BA83FC}"/>
+          <p:cNvPr id="7" name="Title 1">
+            <a:extLst>
+              <a:ext uri="{FF2B5EF4-FFF2-40B4-BE49-F238E27FC236}">
+                <a16:creationId xmlns:a16="http://schemas.microsoft.com/office/drawing/2014/main" id="{37CD10C5-A28C-F345-BEA8-B71511BFC448}"/>
               </a:ext>
             </a:extLst>
           </p:cNvPr>
@@ -8158,314 +9682,48 @@
             <p:ph type="title"/>
           </p:nvPr>
         </p:nvSpPr>
-        <p:spPr/>
+        <p:spPr>
+          <a:xfrm>
+            <a:off x="144517" y="187106"/>
+            <a:ext cx="6340366" cy="1001220"/>
+          </a:xfrm>
+        </p:spPr>
         <p:txBody>
           <a:bodyPr/>
           <a:lstStyle/>
           <a:p>
             <a:r>
               <a:rPr lang="en-GB" dirty="0"/>
-              <a:t>ER Diagram (Compressed Chen Notation)</a:t>
-            </a:r>
-          </a:p>
-        </p:txBody>
-      </p:sp>
-      <p:sp>
-        <p:nvSpPr>
-          <p:cNvPr id="4" name="Rectangle 3">
-            <a:extLst>
-              <a:ext uri="{FF2B5EF4-FFF2-40B4-BE49-F238E27FC236}">
-                <a16:creationId xmlns:a16="http://schemas.microsoft.com/office/drawing/2014/main" id="{2F051B80-E165-4202-80AB-F3B6DBDAA48F}"/>
-              </a:ext>
-            </a:extLst>
-          </p:cNvPr>
-          <p:cNvSpPr/>
+              <a:t>Wireframe – Search</a:t>
+            </a:r>
+          </a:p>
+        </p:txBody>
+      </p:sp>
+      <p:pic>
+        <p:nvPicPr>
+          <p:cNvPr id="9" name="그림 8">
+            <a:extLst>
+              <a:ext uri="{FF2B5EF4-FFF2-40B4-BE49-F238E27FC236}">
+                <a16:creationId xmlns:a16="http://schemas.microsoft.com/office/drawing/2014/main" id="{0B61C16C-E2F5-304C-AEC7-F42B2F9B8AA0}"/>
+              </a:ext>
+            </a:extLst>
+          </p:cNvPr>
+          <p:cNvPicPr>
+            <a:picLocks noChangeAspect="1"/>
+          </p:cNvPicPr>
           <p:nvPr/>
-        </p:nvSpPr>
+        </p:nvPicPr>
+        <p:blipFill>
+          <a:blip r:embed="rId2"/>
+          <a:srcRect/>
+          <a:stretch/>
+        </p:blipFill>
         <p:spPr>
           <a:xfrm>
-            <a:off x="307911" y="3247052"/>
-            <a:ext cx="1623526" cy="587828"/>
+            <a:off x="1056000" y="1000894"/>
+            <a:ext cx="10080000" cy="5670000"/>
           </a:xfrm>
           <a:prstGeom prst="rect">
-            <a:avLst/>
-          </a:prstGeom>
-          <a:noFill/>
-          <a:ln>
-            <a:solidFill>
-              <a:schemeClr val="tx1"/>
-            </a:solidFill>
-          </a:ln>
-        </p:spPr>
-        <p:style>
-          <a:lnRef idx="2">
-            <a:schemeClr val="accent1">
-              <a:shade val="50000"/>
-            </a:schemeClr>
-          </a:lnRef>
-          <a:fillRef idx="1">
-            <a:schemeClr val="accent1"/>
-          </a:fillRef>
-          <a:effectRef idx="0">
-            <a:schemeClr val="accent1"/>
-          </a:effectRef>
-          <a:fontRef idx="minor">
-            <a:schemeClr val="lt1"/>
-          </a:fontRef>
-        </p:style>
-        <p:txBody>
-          <a:bodyPr rtlCol="0" anchor="ctr"/>
-          <a:lstStyle/>
-          <a:p>
-            <a:pPr algn="ctr"/>
-            <a:r>
-              <a:rPr lang="en-GB" dirty="0">
-                <a:solidFill>
-                  <a:schemeClr val="tx1"/>
-                </a:solidFill>
-              </a:rPr>
-              <a:t>User</a:t>
-            </a:r>
-          </a:p>
-        </p:txBody>
-      </p:sp>
-      <p:sp>
-        <p:nvSpPr>
-          <p:cNvPr id="5" name="Oval 4">
-            <a:extLst>
-              <a:ext uri="{FF2B5EF4-FFF2-40B4-BE49-F238E27FC236}">
-                <a16:creationId xmlns:a16="http://schemas.microsoft.com/office/drawing/2014/main" id="{04FD4208-8CFF-449A-B873-E3537D41FB48}"/>
-              </a:ext>
-            </a:extLst>
-          </p:cNvPr>
-          <p:cNvSpPr/>
-          <p:nvPr/>
-        </p:nvSpPr>
-        <p:spPr>
-          <a:xfrm>
-            <a:off x="2295330" y="3356685"/>
-            <a:ext cx="494523" cy="368561"/>
-          </a:xfrm>
-          <a:prstGeom prst="ellipse">
-            <a:avLst/>
-          </a:prstGeom>
-          <a:noFill/>
-          <a:ln>
-            <a:solidFill>
-              <a:schemeClr val="tx1"/>
-            </a:solidFill>
-          </a:ln>
-        </p:spPr>
-        <p:style>
-          <a:lnRef idx="2">
-            <a:schemeClr val="accent1">
-              <a:shade val="50000"/>
-            </a:schemeClr>
-          </a:lnRef>
-          <a:fillRef idx="1">
-            <a:schemeClr val="accent1"/>
-          </a:fillRef>
-          <a:effectRef idx="0">
-            <a:schemeClr val="accent1"/>
-          </a:effectRef>
-          <a:fontRef idx="minor">
-            <a:schemeClr val="lt1"/>
-          </a:fontRef>
-        </p:style>
-        <p:txBody>
-          <a:bodyPr rtlCol="0" anchor="ctr"/>
-          <a:lstStyle/>
-          <a:p>
-            <a:pPr algn="ctr"/>
-            <a:r>
-              <a:rPr lang="en-GB" dirty="0">
-                <a:solidFill>
-                  <a:schemeClr val="tx1"/>
-                </a:solidFill>
-              </a:rPr>
-              <a:t>O</a:t>
-            </a:r>
-          </a:p>
-        </p:txBody>
-      </p:sp>
-      <p:cxnSp>
-        <p:nvCxnSpPr>
-          <p:cNvPr id="7" name="Straight Connector 6">
-            <a:extLst>
-              <a:ext uri="{FF2B5EF4-FFF2-40B4-BE49-F238E27FC236}">
-                <a16:creationId xmlns:a16="http://schemas.microsoft.com/office/drawing/2014/main" id="{1F10592D-602C-4421-B7F9-9FEFB564245C}"/>
-              </a:ext>
-            </a:extLst>
-          </p:cNvPr>
-          <p:cNvCxnSpPr>
-            <a:stCxn id="4" idx="3"/>
-            <a:endCxn id="5" idx="2"/>
-          </p:cNvCxnSpPr>
-          <p:nvPr/>
-        </p:nvCxnSpPr>
-        <p:spPr>
-          <a:xfrm>
-            <a:off x="1931437" y="3540966"/>
-            <a:ext cx="363893" cy="0"/>
-          </a:xfrm>
-          <a:prstGeom prst="line">
-            <a:avLst/>
-          </a:prstGeom>
-        </p:spPr>
-        <p:style>
-          <a:lnRef idx="1">
-            <a:schemeClr val="accent1"/>
-          </a:lnRef>
-          <a:fillRef idx="0">
-            <a:schemeClr val="accent1"/>
-          </a:fillRef>
-          <a:effectRef idx="0">
-            <a:schemeClr val="accent1"/>
-          </a:effectRef>
-          <a:fontRef idx="minor">
-            <a:schemeClr val="tx1"/>
-          </a:fontRef>
-        </p:style>
-      </p:cxnSp>
-      <p:sp>
-        <p:nvSpPr>
-          <p:cNvPr id="9" name="Rectangle 8">
-            <a:extLst>
-              <a:ext uri="{FF2B5EF4-FFF2-40B4-BE49-F238E27FC236}">
-                <a16:creationId xmlns:a16="http://schemas.microsoft.com/office/drawing/2014/main" id="{AB4E13EC-5B3D-46D7-A74D-87D1FABF8E14}"/>
-              </a:ext>
-            </a:extLst>
-          </p:cNvPr>
-          <p:cNvSpPr/>
-          <p:nvPr/>
-        </p:nvSpPr>
-        <p:spPr>
-          <a:xfrm>
-            <a:off x="2942254" y="2240025"/>
-            <a:ext cx="1623526" cy="587828"/>
-          </a:xfrm>
-          <a:prstGeom prst="rect">
-            <a:avLst/>
-          </a:prstGeom>
-          <a:noFill/>
-          <a:ln>
-            <a:solidFill>
-              <a:schemeClr val="tx1"/>
-            </a:solidFill>
-          </a:ln>
-        </p:spPr>
-        <p:style>
-          <a:lnRef idx="2">
-            <a:schemeClr val="accent1">
-              <a:shade val="50000"/>
-            </a:schemeClr>
-          </a:lnRef>
-          <a:fillRef idx="1">
-            <a:schemeClr val="accent1"/>
-          </a:fillRef>
-          <a:effectRef idx="0">
-            <a:schemeClr val="accent1"/>
-          </a:effectRef>
-          <a:fontRef idx="minor">
-            <a:schemeClr val="lt1"/>
-          </a:fontRef>
-        </p:style>
-        <p:txBody>
-          <a:bodyPr rtlCol="0" anchor="ctr"/>
-          <a:lstStyle/>
-          <a:p>
-            <a:pPr algn="ctr"/>
-            <a:r>
-              <a:rPr lang="en-GB" dirty="0">
-                <a:solidFill>
-                  <a:schemeClr val="tx1"/>
-                </a:solidFill>
-              </a:rPr>
-              <a:t>Professor</a:t>
-            </a:r>
-          </a:p>
-        </p:txBody>
-      </p:sp>
-      <p:sp>
-        <p:nvSpPr>
-          <p:cNvPr id="10" name="Rectangle 9">
-            <a:extLst>
-              <a:ext uri="{FF2B5EF4-FFF2-40B4-BE49-F238E27FC236}">
-                <a16:creationId xmlns:a16="http://schemas.microsoft.com/office/drawing/2014/main" id="{99737E61-8F61-459C-BD4B-A65D5FF4CB2E}"/>
-              </a:ext>
-            </a:extLst>
-          </p:cNvPr>
-          <p:cNvSpPr/>
-          <p:nvPr/>
-        </p:nvSpPr>
-        <p:spPr>
-          <a:xfrm>
-            <a:off x="2942254" y="3987280"/>
-            <a:ext cx="1623526" cy="587828"/>
-          </a:xfrm>
-          <a:prstGeom prst="rect">
-            <a:avLst/>
-          </a:prstGeom>
-          <a:noFill/>
-          <a:ln>
-            <a:solidFill>
-              <a:schemeClr val="tx1"/>
-            </a:solidFill>
-          </a:ln>
-        </p:spPr>
-        <p:style>
-          <a:lnRef idx="2">
-            <a:schemeClr val="accent1">
-              <a:shade val="50000"/>
-            </a:schemeClr>
-          </a:lnRef>
-          <a:fillRef idx="1">
-            <a:schemeClr val="accent1"/>
-          </a:fillRef>
-          <a:effectRef idx="0">
-            <a:schemeClr val="accent1"/>
-          </a:effectRef>
-          <a:fontRef idx="minor">
-            <a:schemeClr val="lt1"/>
-          </a:fontRef>
-        </p:style>
-        <p:txBody>
-          <a:bodyPr rtlCol="0" anchor="ctr"/>
-          <a:lstStyle/>
-          <a:p>
-            <a:pPr algn="ctr"/>
-            <a:r>
-              <a:rPr lang="en-GB" dirty="0">
-                <a:solidFill>
-                  <a:schemeClr val="tx1"/>
-                </a:solidFill>
-              </a:rPr>
-              <a:t>Student</a:t>
-            </a:r>
-          </a:p>
-        </p:txBody>
-      </p:sp>
-      <p:cxnSp>
-        <p:nvCxnSpPr>
-          <p:cNvPr id="12" name="Straight Connector 11">
-            <a:extLst>
-              <a:ext uri="{FF2B5EF4-FFF2-40B4-BE49-F238E27FC236}">
-                <a16:creationId xmlns:a16="http://schemas.microsoft.com/office/drawing/2014/main" id="{6BBEBCE0-58A0-4191-A54A-E9F2F9C43F06}"/>
-              </a:ext>
-            </a:extLst>
-          </p:cNvPr>
-          <p:cNvCxnSpPr>
-            <a:stCxn id="5" idx="6"/>
-            <a:endCxn id="9" idx="1"/>
-          </p:cNvCxnSpPr>
-          <p:nvPr/>
-        </p:nvCxnSpPr>
-        <p:spPr>
-          <a:xfrm flipV="1">
-            <a:off x="2789853" y="2533939"/>
-            <a:ext cx="152401" cy="1007027"/>
-          </a:xfrm>
-          <a:prstGeom prst="line">
             <a:avLst/>
           </a:prstGeom>
           <a:ln>
@@ -8474,656 +9732,11 @@
             </a:solidFill>
           </a:ln>
         </p:spPr>
-        <p:style>
-          <a:lnRef idx="1">
-            <a:schemeClr val="accent1"/>
-          </a:lnRef>
-          <a:fillRef idx="0">
-            <a:schemeClr val="accent1"/>
-          </a:fillRef>
-          <a:effectRef idx="0">
-            <a:schemeClr val="accent1"/>
-          </a:effectRef>
-          <a:fontRef idx="minor">
-            <a:schemeClr val="tx1"/>
-          </a:fontRef>
-        </p:style>
-      </p:cxnSp>
-      <p:cxnSp>
-        <p:nvCxnSpPr>
-          <p:cNvPr id="14" name="Straight Connector 13">
-            <a:extLst>
-              <a:ext uri="{FF2B5EF4-FFF2-40B4-BE49-F238E27FC236}">
-                <a16:creationId xmlns:a16="http://schemas.microsoft.com/office/drawing/2014/main" id="{1A6D4049-ADE1-4A93-A9BE-4544D3394750}"/>
-              </a:ext>
-            </a:extLst>
-          </p:cNvPr>
-          <p:cNvCxnSpPr>
-            <a:stCxn id="5" idx="6"/>
-            <a:endCxn id="10" idx="1"/>
-          </p:cNvCxnSpPr>
-          <p:nvPr/>
-        </p:nvCxnSpPr>
-        <p:spPr>
-          <a:xfrm>
-            <a:off x="2789853" y="3540966"/>
-            <a:ext cx="152401" cy="740228"/>
-          </a:xfrm>
-          <a:prstGeom prst="line">
-            <a:avLst/>
-          </a:prstGeom>
-          <a:ln>
-            <a:solidFill>
-              <a:schemeClr val="tx1"/>
-            </a:solidFill>
-          </a:ln>
-        </p:spPr>
-        <p:style>
-          <a:lnRef idx="1">
-            <a:schemeClr val="accent1"/>
-          </a:lnRef>
-          <a:fillRef idx="0">
-            <a:schemeClr val="accent1"/>
-          </a:fillRef>
-          <a:effectRef idx="0">
-            <a:schemeClr val="accent1"/>
-          </a:effectRef>
-          <a:fontRef idx="minor">
-            <a:schemeClr val="tx1"/>
-          </a:fontRef>
-        </p:style>
-      </p:cxnSp>
-      <p:sp>
-        <p:nvSpPr>
-          <p:cNvPr id="15" name="Freeform: Shape 14">
-            <a:extLst>
-              <a:ext uri="{FF2B5EF4-FFF2-40B4-BE49-F238E27FC236}">
-                <a16:creationId xmlns:a16="http://schemas.microsoft.com/office/drawing/2014/main" id="{405466FD-7C76-439E-A0E2-AE4422AD9563}"/>
-              </a:ext>
-            </a:extLst>
-          </p:cNvPr>
-          <p:cNvSpPr/>
-          <p:nvPr/>
-        </p:nvSpPr>
-        <p:spPr>
-          <a:xfrm>
-            <a:off x="2771192" y="3097552"/>
-            <a:ext cx="134693" cy="121509"/>
-          </a:xfrm>
-          <a:custGeom>
-            <a:avLst/>
-            <a:gdLst>
-              <a:gd name="connsiteX0" fmla="*/ 0 w 134693"/>
-              <a:gd name="connsiteY0" fmla="*/ 46864 h 121509"/>
-              <a:gd name="connsiteX1" fmla="*/ 93306 w 134693"/>
-              <a:gd name="connsiteY1" fmla="*/ 211 h 121509"/>
-              <a:gd name="connsiteX2" fmla="*/ 130628 w 134693"/>
-              <a:gd name="connsiteY2" fmla="*/ 28203 h 121509"/>
-              <a:gd name="connsiteX3" fmla="*/ 130628 w 134693"/>
-              <a:gd name="connsiteY3" fmla="*/ 121509 h 121509"/>
-            </a:gdLst>
-            <a:ahLst/>
-            <a:cxnLst>
-              <a:cxn ang="0">
-                <a:pos x="connsiteX0" y="connsiteY0"/>
-              </a:cxn>
-              <a:cxn ang="0">
-                <a:pos x="connsiteX1" y="connsiteY1"/>
-              </a:cxn>
-              <a:cxn ang="0">
-                <a:pos x="connsiteX2" y="connsiteY2"/>
-              </a:cxn>
-              <a:cxn ang="0">
-                <a:pos x="connsiteX3" y="connsiteY3"/>
-              </a:cxn>
-            </a:cxnLst>
-            <a:rect l="l" t="t" r="r" b="b"/>
-            <a:pathLst>
-              <a:path w="134693" h="121509">
-                <a:moveTo>
-                  <a:pt x="0" y="46864"/>
-                </a:moveTo>
-                <a:cubicBezTo>
-                  <a:pt x="31102" y="31313"/>
-                  <a:pt x="58882" y="5129"/>
-                  <a:pt x="93306" y="211"/>
-                </a:cubicBezTo>
-                <a:cubicBezTo>
-                  <a:pt x="108701" y="-1988"/>
-                  <a:pt x="126055" y="13340"/>
-                  <a:pt x="130628" y="28203"/>
-                </a:cubicBezTo>
-                <a:cubicBezTo>
-                  <a:pt x="139775" y="57930"/>
-                  <a:pt x="130628" y="90407"/>
-                  <a:pt x="130628" y="121509"/>
-                </a:cubicBezTo>
-              </a:path>
-            </a:pathLst>
-          </a:custGeom>
-          <a:noFill/>
-          <a:ln>
-            <a:solidFill>
-              <a:schemeClr val="tx1"/>
-            </a:solidFill>
-          </a:ln>
-        </p:spPr>
-        <p:style>
-          <a:lnRef idx="2">
-            <a:schemeClr val="accent1">
-              <a:shade val="50000"/>
-            </a:schemeClr>
-          </a:lnRef>
-          <a:fillRef idx="1">
-            <a:schemeClr val="accent1"/>
-          </a:fillRef>
-          <a:effectRef idx="0">
-            <a:schemeClr val="accent1"/>
-          </a:effectRef>
-          <a:fontRef idx="minor">
-            <a:schemeClr val="lt1"/>
-          </a:fontRef>
-        </p:style>
-        <p:txBody>
-          <a:bodyPr rtlCol="0" anchor="ctr"/>
-          <a:lstStyle/>
-          <a:p>
-            <a:pPr algn="ctr"/>
-            <a:endParaRPr lang="en-GB"/>
-          </a:p>
-        </p:txBody>
-      </p:sp>
-      <p:sp>
-        <p:nvSpPr>
-          <p:cNvPr id="16" name="Freeform: Shape 15">
-            <a:extLst>
-              <a:ext uri="{FF2B5EF4-FFF2-40B4-BE49-F238E27FC236}">
-                <a16:creationId xmlns:a16="http://schemas.microsoft.com/office/drawing/2014/main" id="{0501A320-16BE-40F5-A948-08BDBF166EB4}"/>
-              </a:ext>
-            </a:extLst>
-          </p:cNvPr>
-          <p:cNvSpPr/>
-          <p:nvPr/>
-        </p:nvSpPr>
-        <p:spPr>
-          <a:xfrm rot="8519874">
-            <a:off x="2794319" y="3782674"/>
-            <a:ext cx="134693" cy="121509"/>
-          </a:xfrm>
-          <a:custGeom>
-            <a:avLst/>
-            <a:gdLst>
-              <a:gd name="connsiteX0" fmla="*/ 0 w 134693"/>
-              <a:gd name="connsiteY0" fmla="*/ 46864 h 121509"/>
-              <a:gd name="connsiteX1" fmla="*/ 93306 w 134693"/>
-              <a:gd name="connsiteY1" fmla="*/ 211 h 121509"/>
-              <a:gd name="connsiteX2" fmla="*/ 130628 w 134693"/>
-              <a:gd name="connsiteY2" fmla="*/ 28203 h 121509"/>
-              <a:gd name="connsiteX3" fmla="*/ 130628 w 134693"/>
-              <a:gd name="connsiteY3" fmla="*/ 121509 h 121509"/>
-            </a:gdLst>
-            <a:ahLst/>
-            <a:cxnLst>
-              <a:cxn ang="0">
-                <a:pos x="connsiteX0" y="connsiteY0"/>
-              </a:cxn>
-              <a:cxn ang="0">
-                <a:pos x="connsiteX1" y="connsiteY1"/>
-              </a:cxn>
-              <a:cxn ang="0">
-                <a:pos x="connsiteX2" y="connsiteY2"/>
-              </a:cxn>
-              <a:cxn ang="0">
-                <a:pos x="connsiteX3" y="connsiteY3"/>
-              </a:cxn>
-            </a:cxnLst>
-            <a:rect l="l" t="t" r="r" b="b"/>
-            <a:pathLst>
-              <a:path w="134693" h="121509">
-                <a:moveTo>
-                  <a:pt x="0" y="46864"/>
-                </a:moveTo>
-                <a:cubicBezTo>
-                  <a:pt x="31102" y="31313"/>
-                  <a:pt x="58882" y="5129"/>
-                  <a:pt x="93306" y="211"/>
-                </a:cubicBezTo>
-                <a:cubicBezTo>
-                  <a:pt x="108701" y="-1988"/>
-                  <a:pt x="126055" y="13340"/>
-                  <a:pt x="130628" y="28203"/>
-                </a:cubicBezTo>
-                <a:cubicBezTo>
-                  <a:pt x="139775" y="57930"/>
-                  <a:pt x="130628" y="90407"/>
-                  <a:pt x="130628" y="121509"/>
-                </a:cubicBezTo>
-              </a:path>
-            </a:pathLst>
-          </a:custGeom>
-          <a:noFill/>
-          <a:ln>
-            <a:solidFill>
-              <a:schemeClr val="tx1"/>
-            </a:solidFill>
-          </a:ln>
-        </p:spPr>
-        <p:style>
-          <a:lnRef idx="2">
-            <a:schemeClr val="accent1">
-              <a:shade val="50000"/>
-            </a:schemeClr>
-          </a:lnRef>
-          <a:fillRef idx="1">
-            <a:schemeClr val="accent1"/>
-          </a:fillRef>
-          <a:effectRef idx="0">
-            <a:schemeClr val="accent1"/>
-          </a:effectRef>
-          <a:fontRef idx="minor">
-            <a:schemeClr val="lt1"/>
-          </a:fontRef>
-        </p:style>
-        <p:txBody>
-          <a:bodyPr rtlCol="0" anchor="ctr"/>
-          <a:lstStyle/>
-          <a:p>
-            <a:pPr algn="ctr"/>
-            <a:endParaRPr lang="en-GB"/>
-          </a:p>
-        </p:txBody>
-      </p:sp>
-      <p:sp>
-        <p:nvSpPr>
-          <p:cNvPr id="17" name="Rectangle 16">
-            <a:extLst>
-              <a:ext uri="{FF2B5EF4-FFF2-40B4-BE49-F238E27FC236}">
-                <a16:creationId xmlns:a16="http://schemas.microsoft.com/office/drawing/2014/main" id="{3E57BBF4-271A-4F7F-852B-CDAABA74C3CA}"/>
-              </a:ext>
-            </a:extLst>
-          </p:cNvPr>
-          <p:cNvSpPr/>
-          <p:nvPr/>
-        </p:nvSpPr>
-        <p:spPr>
-          <a:xfrm>
-            <a:off x="10437845" y="3248600"/>
-            <a:ext cx="1623526" cy="587828"/>
-          </a:xfrm>
-          <a:prstGeom prst="rect">
-            <a:avLst/>
-          </a:prstGeom>
-          <a:noFill/>
-          <a:ln>
-            <a:solidFill>
-              <a:schemeClr val="tx1"/>
-            </a:solidFill>
-          </a:ln>
-        </p:spPr>
-        <p:style>
-          <a:lnRef idx="2">
-            <a:schemeClr val="accent1">
-              <a:shade val="50000"/>
-            </a:schemeClr>
-          </a:lnRef>
-          <a:fillRef idx="1">
-            <a:schemeClr val="accent1"/>
-          </a:fillRef>
-          <a:effectRef idx="0">
-            <a:schemeClr val="accent1"/>
-          </a:effectRef>
-          <a:fontRef idx="minor">
-            <a:schemeClr val="lt1"/>
-          </a:fontRef>
-        </p:style>
-        <p:txBody>
-          <a:bodyPr rtlCol="0" anchor="ctr"/>
-          <a:lstStyle/>
-          <a:p>
-            <a:pPr algn="ctr"/>
-            <a:r>
-              <a:rPr lang="en-GB" dirty="0">
-                <a:solidFill>
-                  <a:schemeClr val="tx1"/>
-                </a:solidFill>
-              </a:rPr>
-              <a:t>Lecture</a:t>
-            </a:r>
-          </a:p>
-        </p:txBody>
-      </p:sp>
-      <p:sp>
-        <p:nvSpPr>
-          <p:cNvPr id="18" name="Diamond 17">
-            <a:extLst>
-              <a:ext uri="{FF2B5EF4-FFF2-40B4-BE49-F238E27FC236}">
-                <a16:creationId xmlns:a16="http://schemas.microsoft.com/office/drawing/2014/main" id="{13F44BB6-0B23-40D8-ACED-E62F8F3EC6A8}"/>
-              </a:ext>
-            </a:extLst>
-          </p:cNvPr>
-          <p:cNvSpPr/>
-          <p:nvPr/>
-        </p:nvSpPr>
-        <p:spPr>
-          <a:xfrm>
-            <a:off x="5864290" y="1421778"/>
-            <a:ext cx="1782147" cy="1007027"/>
-          </a:xfrm>
-          <a:prstGeom prst="diamond">
-            <a:avLst/>
-          </a:prstGeom>
-          <a:noFill/>
-          <a:ln>
-            <a:solidFill>
-              <a:schemeClr val="tx1"/>
-            </a:solidFill>
-          </a:ln>
-        </p:spPr>
-        <p:style>
-          <a:lnRef idx="2">
-            <a:schemeClr val="accent1">
-              <a:shade val="50000"/>
-            </a:schemeClr>
-          </a:lnRef>
-          <a:fillRef idx="1">
-            <a:schemeClr val="accent1"/>
-          </a:fillRef>
-          <a:effectRef idx="0">
-            <a:schemeClr val="accent1"/>
-          </a:effectRef>
-          <a:fontRef idx="minor">
-            <a:schemeClr val="lt1"/>
-          </a:fontRef>
-        </p:style>
-        <p:txBody>
-          <a:bodyPr rtlCol="0" anchor="ctr"/>
-          <a:lstStyle/>
-          <a:p>
-            <a:pPr algn="ctr"/>
-            <a:r>
-              <a:rPr lang="en-GB" dirty="0">
-                <a:solidFill>
-                  <a:schemeClr val="tx1"/>
-                </a:solidFill>
-              </a:rPr>
-              <a:t>Upload</a:t>
-            </a:r>
-          </a:p>
-        </p:txBody>
-      </p:sp>
-      <p:sp>
-        <p:nvSpPr>
-          <p:cNvPr id="19" name="Diamond 18">
-            <a:extLst>
-              <a:ext uri="{FF2B5EF4-FFF2-40B4-BE49-F238E27FC236}">
-                <a16:creationId xmlns:a16="http://schemas.microsoft.com/office/drawing/2014/main" id="{19EF735F-7082-4D4C-AA8C-CF98C03DEF89}"/>
-              </a:ext>
-            </a:extLst>
-          </p:cNvPr>
-          <p:cNvSpPr/>
-          <p:nvPr/>
-        </p:nvSpPr>
-        <p:spPr>
-          <a:xfrm>
-            <a:off x="5960106" y="5087304"/>
-            <a:ext cx="1782147" cy="1007027"/>
-          </a:xfrm>
-          <a:prstGeom prst="diamond">
-            <a:avLst/>
-          </a:prstGeom>
-          <a:noFill/>
-          <a:ln>
-            <a:solidFill>
-              <a:schemeClr val="tx1"/>
-            </a:solidFill>
-          </a:ln>
-        </p:spPr>
-        <p:style>
-          <a:lnRef idx="2">
-            <a:schemeClr val="accent1">
-              <a:shade val="50000"/>
-            </a:schemeClr>
-          </a:lnRef>
-          <a:fillRef idx="1">
-            <a:schemeClr val="accent1"/>
-          </a:fillRef>
-          <a:effectRef idx="0">
-            <a:schemeClr val="accent1"/>
-          </a:effectRef>
-          <a:fontRef idx="minor">
-            <a:schemeClr val="lt1"/>
-          </a:fontRef>
-        </p:style>
-        <p:txBody>
-          <a:bodyPr rtlCol="0" anchor="ctr"/>
-          <a:lstStyle/>
-          <a:p>
-            <a:pPr algn="ctr"/>
-            <a:r>
-              <a:rPr lang="en-GB" dirty="0">
-                <a:solidFill>
-                  <a:schemeClr val="tx1"/>
-                </a:solidFill>
-              </a:rPr>
-              <a:t>View</a:t>
-            </a:r>
-          </a:p>
-        </p:txBody>
-      </p:sp>
-      <p:cxnSp>
-        <p:nvCxnSpPr>
-          <p:cNvPr id="21" name="Straight Connector 20">
-            <a:extLst>
-              <a:ext uri="{FF2B5EF4-FFF2-40B4-BE49-F238E27FC236}">
-                <a16:creationId xmlns:a16="http://schemas.microsoft.com/office/drawing/2014/main" id="{83C7F558-C2A3-4B25-A922-A302FDF3AE84}"/>
-              </a:ext>
-            </a:extLst>
-          </p:cNvPr>
-          <p:cNvCxnSpPr>
-            <a:stCxn id="10" idx="3"/>
-            <a:endCxn id="19" idx="1"/>
-          </p:cNvCxnSpPr>
-          <p:nvPr/>
-        </p:nvCxnSpPr>
-        <p:spPr>
-          <a:xfrm>
-            <a:off x="4565780" y="4281194"/>
-            <a:ext cx="1394326" cy="1309624"/>
-          </a:xfrm>
-          <a:prstGeom prst="line">
-            <a:avLst/>
-          </a:prstGeom>
-        </p:spPr>
-        <p:style>
-          <a:lnRef idx="1">
-            <a:schemeClr val="accent1"/>
-          </a:lnRef>
-          <a:fillRef idx="0">
-            <a:schemeClr val="accent1"/>
-          </a:fillRef>
-          <a:effectRef idx="0">
-            <a:schemeClr val="accent1"/>
-          </a:effectRef>
-          <a:fontRef idx="minor">
-            <a:schemeClr val="tx1"/>
-          </a:fontRef>
-        </p:style>
-      </p:cxnSp>
-      <p:cxnSp>
-        <p:nvCxnSpPr>
-          <p:cNvPr id="23" name="Straight Connector 22">
-            <a:extLst>
-              <a:ext uri="{FF2B5EF4-FFF2-40B4-BE49-F238E27FC236}">
-                <a16:creationId xmlns:a16="http://schemas.microsoft.com/office/drawing/2014/main" id="{19867B36-F9F2-4504-8644-BAB723605829}"/>
-              </a:ext>
-            </a:extLst>
-          </p:cNvPr>
-          <p:cNvCxnSpPr>
-            <a:stCxn id="19" idx="3"/>
-            <a:endCxn id="17" idx="2"/>
-          </p:cNvCxnSpPr>
-          <p:nvPr/>
-        </p:nvCxnSpPr>
-        <p:spPr>
-          <a:xfrm flipV="1">
-            <a:off x="7742253" y="3836428"/>
-            <a:ext cx="3507355" cy="1754390"/>
-          </a:xfrm>
-          <a:prstGeom prst="line">
-            <a:avLst/>
-          </a:prstGeom>
-          <a:ln>
-            <a:solidFill>
-              <a:schemeClr val="tx1"/>
-            </a:solidFill>
-          </a:ln>
-        </p:spPr>
-        <p:style>
-          <a:lnRef idx="1">
-            <a:schemeClr val="accent1"/>
-          </a:lnRef>
-          <a:fillRef idx="0">
-            <a:schemeClr val="accent1"/>
-          </a:fillRef>
-          <a:effectRef idx="0">
-            <a:schemeClr val="accent1"/>
-          </a:effectRef>
-          <a:fontRef idx="minor">
-            <a:schemeClr val="tx1"/>
-          </a:fontRef>
-        </p:style>
-      </p:cxnSp>
-      <p:cxnSp>
-        <p:nvCxnSpPr>
-          <p:cNvPr id="25" name="Straight Connector 24">
-            <a:extLst>
-              <a:ext uri="{FF2B5EF4-FFF2-40B4-BE49-F238E27FC236}">
-                <a16:creationId xmlns:a16="http://schemas.microsoft.com/office/drawing/2014/main" id="{A127FAC2-9A57-4B20-9100-B93AE8DE88AE}"/>
-              </a:ext>
-            </a:extLst>
-          </p:cNvPr>
-          <p:cNvCxnSpPr>
-            <a:stCxn id="9" idx="3"/>
-            <a:endCxn id="18" idx="1"/>
-          </p:cNvCxnSpPr>
-          <p:nvPr/>
-        </p:nvCxnSpPr>
-        <p:spPr>
-          <a:xfrm flipV="1">
-            <a:off x="4565780" y="1925292"/>
-            <a:ext cx="1298510" cy="608647"/>
-          </a:xfrm>
-          <a:prstGeom prst="line">
-            <a:avLst/>
-          </a:prstGeom>
-          <a:ln>
-            <a:solidFill>
-              <a:schemeClr val="tx1"/>
-            </a:solidFill>
-          </a:ln>
-        </p:spPr>
-        <p:style>
-          <a:lnRef idx="1">
-            <a:schemeClr val="accent1"/>
-          </a:lnRef>
-          <a:fillRef idx="0">
-            <a:schemeClr val="accent1"/>
-          </a:fillRef>
-          <a:effectRef idx="0">
-            <a:schemeClr val="accent1"/>
-          </a:effectRef>
-          <a:fontRef idx="minor">
-            <a:schemeClr val="tx1"/>
-          </a:fontRef>
-        </p:style>
-      </p:cxnSp>
-      <p:cxnSp>
-        <p:nvCxnSpPr>
-          <p:cNvPr id="27" name="Straight Connector 26">
-            <a:extLst>
-              <a:ext uri="{FF2B5EF4-FFF2-40B4-BE49-F238E27FC236}">
-                <a16:creationId xmlns:a16="http://schemas.microsoft.com/office/drawing/2014/main" id="{D4500744-9796-41F2-B1FB-B0CA93F95377}"/>
-              </a:ext>
-            </a:extLst>
-          </p:cNvPr>
-          <p:cNvCxnSpPr>
-            <a:stCxn id="18" idx="3"/>
-            <a:endCxn id="17" idx="0"/>
-          </p:cNvCxnSpPr>
-          <p:nvPr/>
-        </p:nvCxnSpPr>
-        <p:spPr>
-          <a:xfrm>
-            <a:off x="7646437" y="1925292"/>
-            <a:ext cx="3603171" cy="1323308"/>
-          </a:xfrm>
-          <a:prstGeom prst="line">
-            <a:avLst/>
-          </a:prstGeom>
-          <a:ln>
-            <a:solidFill>
-              <a:schemeClr val="tx1"/>
-            </a:solidFill>
-          </a:ln>
-        </p:spPr>
-        <p:style>
-          <a:lnRef idx="1">
-            <a:schemeClr val="accent1"/>
-          </a:lnRef>
-          <a:fillRef idx="0">
-            <a:schemeClr val="accent1"/>
-          </a:fillRef>
-          <a:effectRef idx="0">
-            <a:schemeClr val="accent1"/>
-          </a:effectRef>
-          <a:fontRef idx="minor">
-            <a:schemeClr val="tx1"/>
-          </a:fontRef>
-        </p:style>
-      </p:cxnSp>
-      <p:sp>
-        <p:nvSpPr>
-          <p:cNvPr id="3" name="TextBox 2">
-            <a:extLst>
-              <a:ext uri="{FF2B5EF4-FFF2-40B4-BE49-F238E27FC236}">
-                <a16:creationId xmlns:a16="http://schemas.microsoft.com/office/drawing/2014/main" id="{77A6C71B-616D-47AB-9DB6-8894FD2E7C8E}"/>
-              </a:ext>
-            </a:extLst>
-          </p:cNvPr>
-          <p:cNvSpPr txBox="1"/>
-          <p:nvPr/>
-        </p:nvSpPr>
-        <p:spPr>
-          <a:xfrm>
-            <a:off x="4838635" y="2971225"/>
-            <a:ext cx="4493615" cy="923330"/>
-          </a:xfrm>
-          <a:prstGeom prst="rect">
-            <a:avLst/>
-          </a:prstGeom>
-          <a:noFill/>
-        </p:spPr>
-        <p:txBody>
-          <a:bodyPr wrap="square" rtlCol="0">
-            <a:spAutoFit/>
-          </a:bodyPr>
-          <a:lstStyle/>
-          <a:p>
-            <a:r>
-              <a:rPr lang="en-GB" dirty="0">
-                <a:solidFill>
-                  <a:srgbClr val="FF0000"/>
-                </a:solidFill>
-              </a:rPr>
-              <a:t>!!!!! OLD ER DIAGRAM, WILL REMOVE THIS ONCE WE CONFIRM THE UPDATED ONE IS ALL CORRECT :D !!!!</a:t>
-            </a:r>
-          </a:p>
-        </p:txBody>
-      </p:sp>
+      </p:pic>
     </p:spTree>
     <p:extLst>
       <p:ext uri="{BB962C8B-B14F-4D97-AF65-F5344CB8AC3E}">
-        <p14:creationId xmlns:p14="http://schemas.microsoft.com/office/powerpoint/2010/main" val="2859539322"/>
+        <p14:creationId xmlns:p14="http://schemas.microsoft.com/office/powerpoint/2010/main" val="2452374778"/>
       </p:ext>
     </p:extLst>
   </p:cSld>

--- a/DesignSpecification.pptx
+++ b/DesignSpecification.pptx
@@ -278,7 +278,7 @@
           <a:p>
             <a:fld id="{95092FE3-F51D-0C4A-A1D2-112694A4D9A8}" type="datetimeFigureOut">
               <a:rPr lang="en-US" smtClean="0"/>
-              <a:t>2/23/22</a:t>
+              <a:t>2/24/22</a:t>
             </a:fld>
             <a:endParaRPr lang="en-US"/>
           </a:p>
@@ -478,7 +478,7 @@
           <a:p>
             <a:fld id="{95092FE3-F51D-0C4A-A1D2-112694A4D9A8}" type="datetimeFigureOut">
               <a:rPr lang="en-US" smtClean="0"/>
-              <a:t>2/23/22</a:t>
+              <a:t>2/24/22</a:t>
             </a:fld>
             <a:endParaRPr lang="en-US"/>
           </a:p>
@@ -688,7 +688,7 @@
           <a:p>
             <a:fld id="{95092FE3-F51D-0C4A-A1D2-112694A4D9A8}" type="datetimeFigureOut">
               <a:rPr lang="en-US" smtClean="0"/>
-              <a:t>2/23/22</a:t>
+              <a:t>2/24/22</a:t>
             </a:fld>
             <a:endParaRPr lang="en-US"/>
           </a:p>
@@ -888,7 +888,7 @@
           <a:p>
             <a:fld id="{95092FE3-F51D-0C4A-A1D2-112694A4D9A8}" type="datetimeFigureOut">
               <a:rPr lang="en-US" smtClean="0"/>
-              <a:t>2/23/22</a:t>
+              <a:t>2/24/22</a:t>
             </a:fld>
             <a:endParaRPr lang="en-US"/>
           </a:p>
@@ -1164,7 +1164,7 @@
           <a:p>
             <a:fld id="{95092FE3-F51D-0C4A-A1D2-112694A4D9A8}" type="datetimeFigureOut">
               <a:rPr lang="en-US" smtClean="0"/>
-              <a:t>2/23/22</a:t>
+              <a:t>2/24/22</a:t>
             </a:fld>
             <a:endParaRPr lang="en-US"/>
           </a:p>
@@ -1432,7 +1432,7 @@
           <a:p>
             <a:fld id="{95092FE3-F51D-0C4A-A1D2-112694A4D9A8}" type="datetimeFigureOut">
               <a:rPr lang="en-US" smtClean="0"/>
-              <a:t>2/23/22</a:t>
+              <a:t>2/24/22</a:t>
             </a:fld>
             <a:endParaRPr lang="en-US"/>
           </a:p>
@@ -1847,7 +1847,7 @@
           <a:p>
             <a:fld id="{95092FE3-F51D-0C4A-A1D2-112694A4D9A8}" type="datetimeFigureOut">
               <a:rPr lang="en-US" smtClean="0"/>
-              <a:t>2/23/22</a:t>
+              <a:t>2/24/22</a:t>
             </a:fld>
             <a:endParaRPr lang="en-US"/>
           </a:p>
@@ -1989,7 +1989,7 @@
           <a:p>
             <a:fld id="{95092FE3-F51D-0C4A-A1D2-112694A4D9A8}" type="datetimeFigureOut">
               <a:rPr lang="en-US" smtClean="0"/>
-              <a:t>2/23/22</a:t>
+              <a:t>2/24/22</a:t>
             </a:fld>
             <a:endParaRPr lang="en-US"/>
           </a:p>
@@ -2102,7 +2102,7 @@
           <a:p>
             <a:fld id="{95092FE3-F51D-0C4A-A1D2-112694A4D9A8}" type="datetimeFigureOut">
               <a:rPr lang="en-US" smtClean="0"/>
-              <a:t>2/23/22</a:t>
+              <a:t>2/24/22</a:t>
             </a:fld>
             <a:endParaRPr lang="en-US"/>
           </a:p>
@@ -2415,7 +2415,7 @@
           <a:p>
             <a:fld id="{95092FE3-F51D-0C4A-A1D2-112694A4D9A8}" type="datetimeFigureOut">
               <a:rPr lang="en-US" smtClean="0"/>
-              <a:t>2/23/22</a:t>
+              <a:t>2/24/22</a:t>
             </a:fld>
             <a:endParaRPr lang="en-US"/>
           </a:p>
@@ -2704,7 +2704,7 @@
           <a:p>
             <a:fld id="{95092FE3-F51D-0C4A-A1D2-112694A4D9A8}" type="datetimeFigureOut">
               <a:rPr lang="en-US" smtClean="0"/>
-              <a:t>2/23/22</a:t>
+              <a:t>2/24/22</a:t>
             </a:fld>
             <a:endParaRPr lang="en-US"/>
           </a:p>
@@ -2947,7 +2947,7 @@
           <a:p>
             <a:fld id="{95092FE3-F51D-0C4A-A1D2-112694A4D9A8}" type="datetimeFigureOut">
               <a:rPr lang="en-US" smtClean="0"/>
-              <a:t>2/23/22</a:t>
+              <a:t>2/24/22</a:t>
             </a:fld>
             <a:endParaRPr lang="en-US"/>
           </a:p>
@@ -9624,7 +9624,7 @@
         <p:spPr>
           <a:xfrm>
             <a:off x="1056289" y="1001220"/>
-            <a:ext cx="10079420" cy="5669674"/>
+            <a:ext cx="10079420" cy="5669673"/>
           </a:xfrm>
           <a:prstGeom prst="rect">
             <a:avLst/>

--- a/DesignSpecification.pptx
+++ b/DesignSpecification.pptx
@@ -23,6 +23,7 @@
     <p:sldId id="267" r:id="rId17"/>
     <p:sldId id="266" r:id="rId18"/>
     <p:sldId id="265" r:id="rId19"/>
+    <p:sldId id="274" r:id="rId20"/>
   </p:sldIdLst>
   <p:sldSz cx="12192000" cy="6858000"/>
   <p:notesSz cx="6858000" cy="9144000"/>
@@ -278,7 +279,7 @@
           <a:p>
             <a:fld id="{95092FE3-F51D-0C4A-A1D2-112694A4D9A8}" type="datetimeFigureOut">
               <a:rPr lang="en-US" smtClean="0"/>
-              <a:t>2/24/22</a:t>
+              <a:t>2/23/2022</a:t>
             </a:fld>
             <a:endParaRPr lang="en-US"/>
           </a:p>
@@ -478,7 +479,7 @@
           <a:p>
             <a:fld id="{95092FE3-F51D-0C4A-A1D2-112694A4D9A8}" type="datetimeFigureOut">
               <a:rPr lang="en-US" smtClean="0"/>
-              <a:t>2/24/22</a:t>
+              <a:t>2/23/2022</a:t>
             </a:fld>
             <a:endParaRPr lang="en-US"/>
           </a:p>
@@ -688,7 +689,7 @@
           <a:p>
             <a:fld id="{95092FE3-F51D-0C4A-A1D2-112694A4D9A8}" type="datetimeFigureOut">
               <a:rPr lang="en-US" smtClean="0"/>
-              <a:t>2/24/22</a:t>
+              <a:t>2/23/2022</a:t>
             </a:fld>
             <a:endParaRPr lang="en-US"/>
           </a:p>
@@ -888,7 +889,7 @@
           <a:p>
             <a:fld id="{95092FE3-F51D-0C4A-A1D2-112694A4D9A8}" type="datetimeFigureOut">
               <a:rPr lang="en-US" smtClean="0"/>
-              <a:t>2/24/22</a:t>
+              <a:t>2/23/2022</a:t>
             </a:fld>
             <a:endParaRPr lang="en-US"/>
           </a:p>
@@ -1164,7 +1165,7 @@
           <a:p>
             <a:fld id="{95092FE3-F51D-0C4A-A1D2-112694A4D9A8}" type="datetimeFigureOut">
               <a:rPr lang="en-US" smtClean="0"/>
-              <a:t>2/24/22</a:t>
+              <a:t>2/23/2022</a:t>
             </a:fld>
             <a:endParaRPr lang="en-US"/>
           </a:p>
@@ -1432,7 +1433,7 @@
           <a:p>
             <a:fld id="{95092FE3-F51D-0C4A-A1D2-112694A4D9A8}" type="datetimeFigureOut">
               <a:rPr lang="en-US" smtClean="0"/>
-              <a:t>2/24/22</a:t>
+              <a:t>2/23/2022</a:t>
             </a:fld>
             <a:endParaRPr lang="en-US"/>
           </a:p>
@@ -1847,7 +1848,7 @@
           <a:p>
             <a:fld id="{95092FE3-F51D-0C4A-A1D2-112694A4D9A8}" type="datetimeFigureOut">
               <a:rPr lang="en-US" smtClean="0"/>
-              <a:t>2/24/22</a:t>
+              <a:t>2/23/2022</a:t>
             </a:fld>
             <a:endParaRPr lang="en-US"/>
           </a:p>
@@ -1989,7 +1990,7 @@
           <a:p>
             <a:fld id="{95092FE3-F51D-0C4A-A1D2-112694A4D9A8}" type="datetimeFigureOut">
               <a:rPr lang="en-US" smtClean="0"/>
-              <a:t>2/24/22</a:t>
+              <a:t>2/23/2022</a:t>
             </a:fld>
             <a:endParaRPr lang="en-US"/>
           </a:p>
@@ -2102,7 +2103,7 @@
           <a:p>
             <a:fld id="{95092FE3-F51D-0C4A-A1D2-112694A4D9A8}" type="datetimeFigureOut">
               <a:rPr lang="en-US" smtClean="0"/>
-              <a:t>2/24/22</a:t>
+              <a:t>2/23/2022</a:t>
             </a:fld>
             <a:endParaRPr lang="en-US"/>
           </a:p>
@@ -2415,7 +2416,7 @@
           <a:p>
             <a:fld id="{95092FE3-F51D-0C4A-A1D2-112694A4D9A8}" type="datetimeFigureOut">
               <a:rPr lang="en-US" smtClean="0"/>
-              <a:t>2/24/22</a:t>
+              <a:t>2/23/2022</a:t>
             </a:fld>
             <a:endParaRPr lang="en-US"/>
           </a:p>
@@ -2704,7 +2705,7 @@
           <a:p>
             <a:fld id="{95092FE3-F51D-0C4A-A1D2-112694A4D9A8}" type="datetimeFigureOut">
               <a:rPr lang="en-US" smtClean="0"/>
-              <a:t>2/24/22</a:t>
+              <a:t>2/23/2022</a:t>
             </a:fld>
             <a:endParaRPr lang="en-US"/>
           </a:p>
@@ -2947,7 +2948,7 @@
           <a:p>
             <a:fld id="{95092FE3-F51D-0C4A-A1D2-112694A4D9A8}" type="datetimeFigureOut">
               <a:rPr lang="en-US" smtClean="0"/>
-              <a:t>2/24/22</a:t>
+              <a:t>2/23/2022</a:t>
             </a:fld>
             <a:endParaRPr lang="en-US"/>
           </a:p>
@@ -7157,14 +7158,929 @@
             <p:ph type="title"/>
           </p:nvPr>
         </p:nvSpPr>
-        <p:spPr/>
+        <p:spPr>
+          <a:xfrm>
+            <a:off x="216763" y="155104"/>
+            <a:ext cx="10515600" cy="1325563"/>
+          </a:xfrm>
+        </p:spPr>
         <p:txBody>
           <a:bodyPr/>
           <a:lstStyle/>
           <a:p>
             <a:r>
               <a:rPr lang="en-GB" dirty="0"/>
-              <a:t>Walkthrough </a:t>
+              <a:t>Site Map</a:t>
+            </a:r>
+          </a:p>
+        </p:txBody>
+      </p:sp>
+      <p:sp>
+        <p:nvSpPr>
+          <p:cNvPr id="4" name="Rectangle 3">
+            <a:extLst>
+              <a:ext uri="{FF2B5EF4-FFF2-40B4-BE49-F238E27FC236}">
+                <a16:creationId xmlns:a16="http://schemas.microsoft.com/office/drawing/2014/main" id="{713AA823-5E89-44E1-B6AC-13179D4E9DB3}"/>
+              </a:ext>
+            </a:extLst>
+          </p:cNvPr>
+          <p:cNvSpPr/>
+          <p:nvPr/>
+        </p:nvSpPr>
+        <p:spPr>
+          <a:xfrm>
+            <a:off x="4767309" y="575144"/>
+            <a:ext cx="2405848" cy="905523"/>
+          </a:xfrm>
+          <a:prstGeom prst="rect">
+            <a:avLst/>
+          </a:prstGeom>
+          <a:noFill/>
+          <a:ln>
+            <a:solidFill>
+              <a:schemeClr val="tx1"/>
+            </a:solidFill>
+          </a:ln>
+        </p:spPr>
+        <p:style>
+          <a:lnRef idx="2">
+            <a:schemeClr val="accent1">
+              <a:shade val="50000"/>
+            </a:schemeClr>
+          </a:lnRef>
+          <a:fillRef idx="1">
+            <a:schemeClr val="accent1"/>
+          </a:fillRef>
+          <a:effectRef idx="0">
+            <a:schemeClr val="accent1"/>
+          </a:effectRef>
+          <a:fontRef idx="minor">
+            <a:schemeClr val="lt1"/>
+          </a:fontRef>
+        </p:style>
+        <p:txBody>
+          <a:bodyPr rtlCol="0" anchor="ctr"/>
+          <a:lstStyle/>
+          <a:p>
+            <a:pPr algn="ctr"/>
+            <a:r>
+              <a:rPr lang="en-GB" dirty="0">
+                <a:solidFill>
+                  <a:schemeClr val="tx1"/>
+                </a:solidFill>
+              </a:rPr>
+              <a:t>Home Page (index)</a:t>
+            </a:r>
+          </a:p>
+        </p:txBody>
+      </p:sp>
+      <p:sp>
+        <p:nvSpPr>
+          <p:cNvPr id="5" name="Rectangle 4">
+            <a:extLst>
+              <a:ext uri="{FF2B5EF4-FFF2-40B4-BE49-F238E27FC236}">
+                <a16:creationId xmlns:a16="http://schemas.microsoft.com/office/drawing/2014/main" id="{BFFDB295-9F21-424B-8649-1AE5B92AFD3B}"/>
+              </a:ext>
+            </a:extLst>
+          </p:cNvPr>
+          <p:cNvSpPr/>
+          <p:nvPr/>
+        </p:nvSpPr>
+        <p:spPr>
+          <a:xfrm>
+            <a:off x="1475173" y="2094705"/>
+            <a:ext cx="2405848" cy="905523"/>
+          </a:xfrm>
+          <a:prstGeom prst="rect">
+            <a:avLst/>
+          </a:prstGeom>
+          <a:noFill/>
+          <a:ln>
+            <a:solidFill>
+              <a:schemeClr val="tx1"/>
+            </a:solidFill>
+          </a:ln>
+        </p:spPr>
+        <p:style>
+          <a:lnRef idx="2">
+            <a:schemeClr val="accent1">
+              <a:shade val="50000"/>
+            </a:schemeClr>
+          </a:lnRef>
+          <a:fillRef idx="1">
+            <a:schemeClr val="accent1"/>
+          </a:fillRef>
+          <a:effectRef idx="0">
+            <a:schemeClr val="accent1"/>
+          </a:effectRef>
+          <a:fontRef idx="minor">
+            <a:schemeClr val="lt1"/>
+          </a:fontRef>
+        </p:style>
+        <p:txBody>
+          <a:bodyPr rtlCol="0" anchor="ctr"/>
+          <a:lstStyle/>
+          <a:p>
+            <a:pPr algn="ctr"/>
+            <a:r>
+              <a:rPr lang="en-GB" dirty="0">
+                <a:solidFill>
+                  <a:schemeClr val="tx1"/>
+                </a:solidFill>
+              </a:rPr>
+              <a:t>Login</a:t>
+            </a:r>
+          </a:p>
+        </p:txBody>
+      </p:sp>
+      <p:sp>
+        <p:nvSpPr>
+          <p:cNvPr id="6" name="Rectangle 5">
+            <a:extLst>
+              <a:ext uri="{FF2B5EF4-FFF2-40B4-BE49-F238E27FC236}">
+                <a16:creationId xmlns:a16="http://schemas.microsoft.com/office/drawing/2014/main" id="{B77AD60C-4060-41D2-B89C-D45DE1D9BB28}"/>
+              </a:ext>
+            </a:extLst>
+          </p:cNvPr>
+          <p:cNvSpPr/>
+          <p:nvPr/>
+        </p:nvSpPr>
+        <p:spPr>
+          <a:xfrm>
+            <a:off x="1475173" y="3405011"/>
+            <a:ext cx="2405848" cy="905523"/>
+          </a:xfrm>
+          <a:prstGeom prst="rect">
+            <a:avLst/>
+          </a:prstGeom>
+          <a:noFill/>
+          <a:ln>
+            <a:solidFill>
+              <a:schemeClr val="tx1"/>
+            </a:solidFill>
+          </a:ln>
+        </p:spPr>
+        <p:style>
+          <a:lnRef idx="2">
+            <a:schemeClr val="accent1">
+              <a:shade val="50000"/>
+            </a:schemeClr>
+          </a:lnRef>
+          <a:fillRef idx="1">
+            <a:schemeClr val="accent1"/>
+          </a:fillRef>
+          <a:effectRef idx="0">
+            <a:schemeClr val="accent1"/>
+          </a:effectRef>
+          <a:fontRef idx="minor">
+            <a:schemeClr val="lt1"/>
+          </a:fontRef>
+        </p:style>
+        <p:txBody>
+          <a:bodyPr rtlCol="0" anchor="ctr"/>
+          <a:lstStyle/>
+          <a:p>
+            <a:pPr algn="ctr"/>
+            <a:r>
+              <a:rPr lang="en-GB" dirty="0">
+                <a:solidFill>
+                  <a:schemeClr val="tx1"/>
+                </a:solidFill>
+              </a:rPr>
+              <a:t>My account</a:t>
+            </a:r>
+          </a:p>
+        </p:txBody>
+      </p:sp>
+      <p:sp>
+        <p:nvSpPr>
+          <p:cNvPr id="7" name="Rectangle 6">
+            <a:extLst>
+              <a:ext uri="{FF2B5EF4-FFF2-40B4-BE49-F238E27FC236}">
+                <a16:creationId xmlns:a16="http://schemas.microsoft.com/office/drawing/2014/main" id="{0F6BE382-F353-4603-B41E-D96F60CA2995}"/>
+              </a:ext>
+            </a:extLst>
+          </p:cNvPr>
+          <p:cNvSpPr/>
+          <p:nvPr/>
+        </p:nvSpPr>
+        <p:spPr>
+          <a:xfrm>
+            <a:off x="1475173" y="4791407"/>
+            <a:ext cx="2405848" cy="905523"/>
+          </a:xfrm>
+          <a:prstGeom prst="rect">
+            <a:avLst/>
+          </a:prstGeom>
+          <a:noFill/>
+          <a:ln>
+            <a:solidFill>
+              <a:schemeClr val="tx1"/>
+            </a:solidFill>
+          </a:ln>
+        </p:spPr>
+        <p:style>
+          <a:lnRef idx="2">
+            <a:schemeClr val="accent1">
+              <a:shade val="50000"/>
+            </a:schemeClr>
+          </a:lnRef>
+          <a:fillRef idx="1">
+            <a:schemeClr val="accent1"/>
+          </a:fillRef>
+          <a:effectRef idx="0">
+            <a:schemeClr val="accent1"/>
+          </a:effectRef>
+          <a:fontRef idx="minor">
+            <a:schemeClr val="lt1"/>
+          </a:fontRef>
+        </p:style>
+        <p:txBody>
+          <a:bodyPr rtlCol="0" anchor="ctr"/>
+          <a:lstStyle/>
+          <a:p>
+            <a:pPr algn="ctr"/>
+            <a:r>
+              <a:rPr lang="en-GB" dirty="0">
+                <a:solidFill>
+                  <a:schemeClr val="tx1"/>
+                </a:solidFill>
+              </a:rPr>
+              <a:t>My page</a:t>
+            </a:r>
+          </a:p>
+        </p:txBody>
+      </p:sp>
+      <p:sp>
+        <p:nvSpPr>
+          <p:cNvPr id="8" name="Rectangle 7">
+            <a:extLst>
+              <a:ext uri="{FF2B5EF4-FFF2-40B4-BE49-F238E27FC236}">
+                <a16:creationId xmlns:a16="http://schemas.microsoft.com/office/drawing/2014/main" id="{BA51B06E-BE6B-49D2-AF41-139D5D1A95B1}"/>
+              </a:ext>
+            </a:extLst>
+          </p:cNvPr>
+          <p:cNvSpPr/>
+          <p:nvPr/>
+        </p:nvSpPr>
+        <p:spPr>
+          <a:xfrm>
+            <a:off x="6232125" y="2094281"/>
+            <a:ext cx="2405848" cy="905523"/>
+          </a:xfrm>
+          <a:prstGeom prst="rect">
+            <a:avLst/>
+          </a:prstGeom>
+          <a:noFill/>
+          <a:ln>
+            <a:solidFill>
+              <a:schemeClr val="tx1"/>
+            </a:solidFill>
+          </a:ln>
+        </p:spPr>
+        <p:style>
+          <a:lnRef idx="2">
+            <a:schemeClr val="accent1">
+              <a:shade val="50000"/>
+            </a:schemeClr>
+          </a:lnRef>
+          <a:fillRef idx="1">
+            <a:schemeClr val="accent1"/>
+          </a:fillRef>
+          <a:effectRef idx="0">
+            <a:schemeClr val="accent1"/>
+          </a:effectRef>
+          <a:fontRef idx="minor">
+            <a:schemeClr val="lt1"/>
+          </a:fontRef>
+        </p:style>
+        <p:txBody>
+          <a:bodyPr rtlCol="0" anchor="ctr"/>
+          <a:lstStyle/>
+          <a:p>
+            <a:pPr algn="ctr"/>
+            <a:r>
+              <a:rPr lang="en-GB" dirty="0">
+                <a:solidFill>
+                  <a:schemeClr val="tx1"/>
+                </a:solidFill>
+              </a:rPr>
+              <a:t>Lecture</a:t>
+            </a:r>
+          </a:p>
+        </p:txBody>
+      </p:sp>
+      <p:sp>
+        <p:nvSpPr>
+          <p:cNvPr id="9" name="Rectangle 8">
+            <a:extLst>
+              <a:ext uri="{FF2B5EF4-FFF2-40B4-BE49-F238E27FC236}">
+                <a16:creationId xmlns:a16="http://schemas.microsoft.com/office/drawing/2014/main" id="{66236483-F162-4A85-A5A7-A42B0EB2ED0F}"/>
+              </a:ext>
+            </a:extLst>
+          </p:cNvPr>
+          <p:cNvSpPr/>
+          <p:nvPr/>
+        </p:nvSpPr>
+        <p:spPr>
+          <a:xfrm>
+            <a:off x="4767309" y="3405011"/>
+            <a:ext cx="2405848" cy="905523"/>
+          </a:xfrm>
+          <a:prstGeom prst="rect">
+            <a:avLst/>
+          </a:prstGeom>
+          <a:noFill/>
+          <a:ln>
+            <a:solidFill>
+              <a:schemeClr val="tx1"/>
+            </a:solidFill>
+          </a:ln>
+        </p:spPr>
+        <p:style>
+          <a:lnRef idx="2">
+            <a:schemeClr val="accent1">
+              <a:shade val="50000"/>
+            </a:schemeClr>
+          </a:lnRef>
+          <a:fillRef idx="1">
+            <a:schemeClr val="accent1"/>
+          </a:fillRef>
+          <a:effectRef idx="0">
+            <a:schemeClr val="accent1"/>
+          </a:effectRef>
+          <a:fontRef idx="minor">
+            <a:schemeClr val="lt1"/>
+          </a:fontRef>
+        </p:style>
+        <p:txBody>
+          <a:bodyPr rtlCol="0" anchor="ctr"/>
+          <a:lstStyle/>
+          <a:p>
+            <a:pPr algn="ctr"/>
+            <a:r>
+              <a:rPr lang="en-GB" dirty="0">
+                <a:solidFill>
+                  <a:schemeClr val="tx1"/>
+                </a:solidFill>
+              </a:rPr>
+              <a:t>video</a:t>
+            </a:r>
+          </a:p>
+        </p:txBody>
+      </p:sp>
+      <p:sp>
+        <p:nvSpPr>
+          <p:cNvPr id="10" name="Rectangle 9">
+            <a:extLst>
+              <a:ext uri="{FF2B5EF4-FFF2-40B4-BE49-F238E27FC236}">
+                <a16:creationId xmlns:a16="http://schemas.microsoft.com/office/drawing/2014/main" id="{DAA536A7-008D-4383-82D8-8ED2DE4291C5}"/>
+              </a:ext>
+            </a:extLst>
+          </p:cNvPr>
+          <p:cNvSpPr/>
+          <p:nvPr/>
+        </p:nvSpPr>
+        <p:spPr>
+          <a:xfrm>
+            <a:off x="7989903" y="3404806"/>
+            <a:ext cx="2405848" cy="905523"/>
+          </a:xfrm>
+          <a:prstGeom prst="rect">
+            <a:avLst/>
+          </a:prstGeom>
+          <a:noFill/>
+          <a:ln>
+            <a:solidFill>
+              <a:schemeClr val="tx1"/>
+            </a:solidFill>
+          </a:ln>
+        </p:spPr>
+        <p:style>
+          <a:lnRef idx="2">
+            <a:schemeClr val="accent1">
+              <a:shade val="50000"/>
+            </a:schemeClr>
+          </a:lnRef>
+          <a:fillRef idx="1">
+            <a:schemeClr val="accent1"/>
+          </a:fillRef>
+          <a:effectRef idx="0">
+            <a:schemeClr val="accent1"/>
+          </a:effectRef>
+          <a:fontRef idx="minor">
+            <a:schemeClr val="lt1"/>
+          </a:fontRef>
+        </p:style>
+        <p:txBody>
+          <a:bodyPr rtlCol="0" anchor="ctr"/>
+          <a:lstStyle/>
+          <a:p>
+            <a:pPr algn="ctr"/>
+            <a:r>
+              <a:rPr lang="en-GB" dirty="0">
+                <a:solidFill>
+                  <a:schemeClr val="tx1"/>
+                </a:solidFill>
+              </a:rPr>
+              <a:t>pdf</a:t>
+            </a:r>
+          </a:p>
+        </p:txBody>
+      </p:sp>
+      <p:cxnSp>
+        <p:nvCxnSpPr>
+          <p:cNvPr id="12" name="Straight Connector 11">
+            <a:extLst>
+              <a:ext uri="{FF2B5EF4-FFF2-40B4-BE49-F238E27FC236}">
+                <a16:creationId xmlns:a16="http://schemas.microsoft.com/office/drawing/2014/main" id="{A4C7D03C-D9FA-4D9E-A0CC-D17412646593}"/>
+              </a:ext>
+            </a:extLst>
+          </p:cNvPr>
+          <p:cNvCxnSpPr>
+            <a:cxnSpLocks/>
+          </p:cNvCxnSpPr>
+          <p:nvPr/>
+        </p:nvCxnSpPr>
+        <p:spPr>
+          <a:xfrm>
+            <a:off x="5970233" y="1480667"/>
+            <a:ext cx="0" cy="404783"/>
+          </a:xfrm>
+          <a:prstGeom prst="line">
+            <a:avLst/>
+          </a:prstGeom>
+          <a:ln>
+            <a:solidFill>
+              <a:schemeClr val="tx1"/>
+            </a:solidFill>
+          </a:ln>
+        </p:spPr>
+        <p:style>
+          <a:lnRef idx="1">
+            <a:schemeClr val="accent1"/>
+          </a:lnRef>
+          <a:fillRef idx="0">
+            <a:schemeClr val="accent1"/>
+          </a:fillRef>
+          <a:effectRef idx="0">
+            <a:schemeClr val="accent1"/>
+          </a:effectRef>
+          <a:fontRef idx="minor">
+            <a:schemeClr val="tx1"/>
+          </a:fontRef>
+        </p:style>
+      </p:cxnSp>
+      <p:cxnSp>
+        <p:nvCxnSpPr>
+          <p:cNvPr id="14" name="Straight Connector 13">
+            <a:extLst>
+              <a:ext uri="{FF2B5EF4-FFF2-40B4-BE49-F238E27FC236}">
+                <a16:creationId xmlns:a16="http://schemas.microsoft.com/office/drawing/2014/main" id="{9D78EFBE-B9E5-4FF6-929E-60454589F5FF}"/>
+              </a:ext>
+            </a:extLst>
+          </p:cNvPr>
+          <p:cNvCxnSpPr>
+            <a:cxnSpLocks/>
+            <a:endCxn id="5" idx="0"/>
+          </p:cNvCxnSpPr>
+          <p:nvPr/>
+        </p:nvCxnSpPr>
+        <p:spPr>
+          <a:xfrm>
+            <a:off x="2678097" y="1890944"/>
+            <a:ext cx="0" cy="203761"/>
+          </a:xfrm>
+          <a:prstGeom prst="line">
+            <a:avLst/>
+          </a:prstGeom>
+          <a:ln>
+            <a:solidFill>
+              <a:schemeClr val="tx1"/>
+            </a:solidFill>
+          </a:ln>
+        </p:spPr>
+        <p:style>
+          <a:lnRef idx="1">
+            <a:schemeClr val="accent1"/>
+          </a:lnRef>
+          <a:fillRef idx="0">
+            <a:schemeClr val="accent1"/>
+          </a:fillRef>
+          <a:effectRef idx="0">
+            <a:schemeClr val="accent1"/>
+          </a:effectRef>
+          <a:fontRef idx="minor">
+            <a:schemeClr val="tx1"/>
+          </a:fontRef>
+        </p:style>
+      </p:cxnSp>
+      <p:cxnSp>
+        <p:nvCxnSpPr>
+          <p:cNvPr id="18" name="Straight Connector 17">
+            <a:extLst>
+              <a:ext uri="{FF2B5EF4-FFF2-40B4-BE49-F238E27FC236}">
+                <a16:creationId xmlns:a16="http://schemas.microsoft.com/office/drawing/2014/main" id="{654F4811-1B2B-4E0A-ABAC-679625636C20}"/>
+              </a:ext>
+            </a:extLst>
+          </p:cNvPr>
+          <p:cNvCxnSpPr>
+            <a:cxnSpLocks/>
+            <a:stCxn id="8" idx="0"/>
+          </p:cNvCxnSpPr>
+          <p:nvPr/>
+        </p:nvCxnSpPr>
+        <p:spPr>
+          <a:xfrm flipV="1">
+            <a:off x="7435049" y="1885450"/>
+            <a:ext cx="0" cy="208831"/>
+          </a:xfrm>
+          <a:prstGeom prst="line">
+            <a:avLst/>
+          </a:prstGeom>
+          <a:ln>
+            <a:solidFill>
+              <a:schemeClr val="tx1"/>
+            </a:solidFill>
+          </a:ln>
+        </p:spPr>
+        <p:style>
+          <a:lnRef idx="1">
+            <a:schemeClr val="accent1"/>
+          </a:lnRef>
+          <a:fillRef idx="0">
+            <a:schemeClr val="accent1"/>
+          </a:fillRef>
+          <a:effectRef idx="0">
+            <a:schemeClr val="accent1"/>
+          </a:effectRef>
+          <a:fontRef idx="minor">
+            <a:schemeClr val="tx1"/>
+          </a:fontRef>
+        </p:style>
+      </p:cxnSp>
+      <p:cxnSp>
+        <p:nvCxnSpPr>
+          <p:cNvPr id="21" name="Straight Connector 20">
+            <a:extLst>
+              <a:ext uri="{FF2B5EF4-FFF2-40B4-BE49-F238E27FC236}">
+                <a16:creationId xmlns:a16="http://schemas.microsoft.com/office/drawing/2014/main" id="{4042DA97-6E0C-40E2-837A-E5C076631859}"/>
+              </a:ext>
+            </a:extLst>
+          </p:cNvPr>
+          <p:cNvCxnSpPr>
+            <a:cxnSpLocks/>
+          </p:cNvCxnSpPr>
+          <p:nvPr/>
+        </p:nvCxnSpPr>
+        <p:spPr>
+          <a:xfrm flipH="1">
+            <a:off x="2678097" y="1885450"/>
+            <a:ext cx="4756952" cy="5494"/>
+          </a:xfrm>
+          <a:prstGeom prst="line">
+            <a:avLst/>
+          </a:prstGeom>
+          <a:ln>
+            <a:solidFill>
+              <a:schemeClr val="tx1"/>
+            </a:solidFill>
+          </a:ln>
+        </p:spPr>
+        <p:style>
+          <a:lnRef idx="1">
+            <a:schemeClr val="accent1"/>
+          </a:lnRef>
+          <a:fillRef idx="0">
+            <a:schemeClr val="accent1"/>
+          </a:fillRef>
+          <a:effectRef idx="0">
+            <a:schemeClr val="accent1"/>
+          </a:effectRef>
+          <a:fontRef idx="minor">
+            <a:schemeClr val="tx1"/>
+          </a:fontRef>
+        </p:style>
+      </p:cxnSp>
+      <p:cxnSp>
+        <p:nvCxnSpPr>
+          <p:cNvPr id="26" name="Straight Connector 25">
+            <a:extLst>
+              <a:ext uri="{FF2B5EF4-FFF2-40B4-BE49-F238E27FC236}">
+                <a16:creationId xmlns:a16="http://schemas.microsoft.com/office/drawing/2014/main" id="{44827D39-B39E-429E-B4E1-3F6F067A2207}"/>
+              </a:ext>
+            </a:extLst>
+          </p:cNvPr>
+          <p:cNvCxnSpPr>
+            <a:cxnSpLocks/>
+            <a:stCxn id="8" idx="2"/>
+          </p:cNvCxnSpPr>
+          <p:nvPr/>
+        </p:nvCxnSpPr>
+        <p:spPr>
+          <a:xfrm>
+            <a:off x="7435049" y="2999804"/>
+            <a:ext cx="0" cy="249423"/>
+          </a:xfrm>
+          <a:prstGeom prst="line">
+            <a:avLst/>
+          </a:prstGeom>
+          <a:ln>
+            <a:solidFill>
+              <a:schemeClr val="tx1"/>
+            </a:solidFill>
+          </a:ln>
+        </p:spPr>
+        <p:style>
+          <a:lnRef idx="1">
+            <a:schemeClr val="accent1"/>
+          </a:lnRef>
+          <a:fillRef idx="0">
+            <a:schemeClr val="accent1"/>
+          </a:fillRef>
+          <a:effectRef idx="0">
+            <a:schemeClr val="accent1"/>
+          </a:effectRef>
+          <a:fontRef idx="minor">
+            <a:schemeClr val="tx1"/>
+          </a:fontRef>
+        </p:style>
+      </p:cxnSp>
+      <p:cxnSp>
+        <p:nvCxnSpPr>
+          <p:cNvPr id="29" name="Straight Connector 28">
+            <a:extLst>
+              <a:ext uri="{FF2B5EF4-FFF2-40B4-BE49-F238E27FC236}">
+                <a16:creationId xmlns:a16="http://schemas.microsoft.com/office/drawing/2014/main" id="{1AE70886-2322-4028-8CAA-4AB096AE7DA0}"/>
+              </a:ext>
+            </a:extLst>
+          </p:cNvPr>
+          <p:cNvCxnSpPr>
+            <a:cxnSpLocks/>
+            <a:stCxn id="9" idx="0"/>
+          </p:cNvCxnSpPr>
+          <p:nvPr/>
+        </p:nvCxnSpPr>
+        <p:spPr>
+          <a:xfrm flipV="1">
+            <a:off x="5970233" y="3208635"/>
+            <a:ext cx="0" cy="196376"/>
+          </a:xfrm>
+          <a:prstGeom prst="line">
+            <a:avLst/>
+          </a:prstGeom>
+          <a:ln>
+            <a:solidFill>
+              <a:schemeClr val="tx1"/>
+            </a:solidFill>
+          </a:ln>
+        </p:spPr>
+        <p:style>
+          <a:lnRef idx="1">
+            <a:schemeClr val="accent1"/>
+          </a:lnRef>
+          <a:fillRef idx="0">
+            <a:schemeClr val="accent1"/>
+          </a:fillRef>
+          <a:effectRef idx="0">
+            <a:schemeClr val="accent1"/>
+          </a:effectRef>
+          <a:fontRef idx="minor">
+            <a:schemeClr val="tx1"/>
+          </a:fontRef>
+        </p:style>
+      </p:cxnSp>
+      <p:cxnSp>
+        <p:nvCxnSpPr>
+          <p:cNvPr id="32" name="Straight Connector 31">
+            <a:extLst>
+              <a:ext uri="{FF2B5EF4-FFF2-40B4-BE49-F238E27FC236}">
+                <a16:creationId xmlns:a16="http://schemas.microsoft.com/office/drawing/2014/main" id="{C868CCBA-384C-44D6-A428-59DCAC616865}"/>
+              </a:ext>
+            </a:extLst>
+          </p:cNvPr>
+          <p:cNvCxnSpPr>
+            <a:cxnSpLocks/>
+            <a:endCxn id="10" idx="0"/>
+          </p:cNvCxnSpPr>
+          <p:nvPr/>
+        </p:nvCxnSpPr>
+        <p:spPr>
+          <a:xfrm>
+            <a:off x="9192827" y="3230316"/>
+            <a:ext cx="0" cy="174490"/>
+          </a:xfrm>
+          <a:prstGeom prst="line">
+            <a:avLst/>
+          </a:prstGeom>
+          <a:ln>
+            <a:solidFill>
+              <a:schemeClr val="tx1"/>
+            </a:solidFill>
+          </a:ln>
+        </p:spPr>
+        <p:style>
+          <a:lnRef idx="1">
+            <a:schemeClr val="accent1"/>
+          </a:lnRef>
+          <a:fillRef idx="0">
+            <a:schemeClr val="accent1"/>
+          </a:fillRef>
+          <a:effectRef idx="0">
+            <a:schemeClr val="accent1"/>
+          </a:effectRef>
+          <a:fontRef idx="minor">
+            <a:schemeClr val="tx1"/>
+          </a:fontRef>
+        </p:style>
+      </p:cxnSp>
+      <p:cxnSp>
+        <p:nvCxnSpPr>
+          <p:cNvPr id="35" name="Straight Connector 34">
+            <a:extLst>
+              <a:ext uri="{FF2B5EF4-FFF2-40B4-BE49-F238E27FC236}">
+                <a16:creationId xmlns:a16="http://schemas.microsoft.com/office/drawing/2014/main" id="{09F93231-F59D-48B0-A513-05F893FC554A}"/>
+              </a:ext>
+            </a:extLst>
+          </p:cNvPr>
+          <p:cNvCxnSpPr>
+            <a:cxnSpLocks/>
+          </p:cNvCxnSpPr>
+          <p:nvPr/>
+        </p:nvCxnSpPr>
+        <p:spPr>
+          <a:xfrm>
+            <a:off x="5970233" y="3230316"/>
+            <a:ext cx="3222594" cy="0"/>
+          </a:xfrm>
+          <a:prstGeom prst="line">
+            <a:avLst/>
+          </a:prstGeom>
+          <a:ln>
+            <a:solidFill>
+              <a:schemeClr val="tx1"/>
+            </a:solidFill>
+          </a:ln>
+        </p:spPr>
+        <p:style>
+          <a:lnRef idx="1">
+            <a:schemeClr val="accent1"/>
+          </a:lnRef>
+          <a:fillRef idx="0">
+            <a:schemeClr val="accent1"/>
+          </a:fillRef>
+          <a:effectRef idx="0">
+            <a:schemeClr val="accent1"/>
+          </a:effectRef>
+          <a:fontRef idx="minor">
+            <a:schemeClr val="tx1"/>
+          </a:fontRef>
+        </p:style>
+      </p:cxnSp>
+      <p:cxnSp>
+        <p:nvCxnSpPr>
+          <p:cNvPr id="39" name="Straight Connector 38">
+            <a:extLst>
+              <a:ext uri="{FF2B5EF4-FFF2-40B4-BE49-F238E27FC236}">
+                <a16:creationId xmlns:a16="http://schemas.microsoft.com/office/drawing/2014/main" id="{67C2B8C1-C1E8-4001-9F75-203A6D4EC570}"/>
+              </a:ext>
+            </a:extLst>
+          </p:cNvPr>
+          <p:cNvCxnSpPr>
+            <a:cxnSpLocks/>
+            <a:stCxn id="5" idx="2"/>
+            <a:endCxn id="6" idx="0"/>
+          </p:cNvCxnSpPr>
+          <p:nvPr/>
+        </p:nvCxnSpPr>
+        <p:spPr>
+          <a:xfrm>
+            <a:off x="2678097" y="3000228"/>
+            <a:ext cx="0" cy="404783"/>
+          </a:xfrm>
+          <a:prstGeom prst="line">
+            <a:avLst/>
+          </a:prstGeom>
+          <a:ln>
+            <a:solidFill>
+              <a:schemeClr val="tx1"/>
+            </a:solidFill>
+          </a:ln>
+        </p:spPr>
+        <p:style>
+          <a:lnRef idx="1">
+            <a:schemeClr val="accent1"/>
+          </a:lnRef>
+          <a:fillRef idx="0">
+            <a:schemeClr val="accent1"/>
+          </a:fillRef>
+          <a:effectRef idx="0">
+            <a:schemeClr val="accent1"/>
+          </a:effectRef>
+          <a:fontRef idx="minor">
+            <a:schemeClr val="tx1"/>
+          </a:fontRef>
+        </p:style>
+      </p:cxnSp>
+      <p:cxnSp>
+        <p:nvCxnSpPr>
+          <p:cNvPr id="42" name="Straight Connector 41">
+            <a:extLst>
+              <a:ext uri="{FF2B5EF4-FFF2-40B4-BE49-F238E27FC236}">
+                <a16:creationId xmlns:a16="http://schemas.microsoft.com/office/drawing/2014/main" id="{4B1E304B-42D0-43DD-990F-CF4D3E025763}"/>
+              </a:ext>
+            </a:extLst>
+          </p:cNvPr>
+          <p:cNvCxnSpPr>
+            <a:cxnSpLocks/>
+            <a:stCxn id="6" idx="2"/>
+            <a:endCxn id="7" idx="0"/>
+          </p:cNvCxnSpPr>
+          <p:nvPr/>
+        </p:nvCxnSpPr>
+        <p:spPr>
+          <a:xfrm>
+            <a:off x="2678097" y="4310534"/>
+            <a:ext cx="0" cy="480873"/>
+          </a:xfrm>
+          <a:prstGeom prst="line">
+            <a:avLst/>
+          </a:prstGeom>
+          <a:ln>
+            <a:solidFill>
+              <a:schemeClr val="tx1"/>
+            </a:solidFill>
+          </a:ln>
+        </p:spPr>
+        <p:style>
+          <a:lnRef idx="1">
+            <a:schemeClr val="accent1"/>
+          </a:lnRef>
+          <a:fillRef idx="0">
+            <a:schemeClr val="accent1"/>
+          </a:fillRef>
+          <a:effectRef idx="0">
+            <a:schemeClr val="accent1"/>
+          </a:effectRef>
+          <a:fontRef idx="minor">
+            <a:schemeClr val="tx1"/>
+          </a:fontRef>
+        </p:style>
+      </p:cxnSp>
+    </p:spTree>
+    <p:extLst>
+      <p:ext uri="{BB962C8B-B14F-4D97-AF65-F5344CB8AC3E}">
+        <p14:creationId xmlns:p14="http://schemas.microsoft.com/office/powerpoint/2010/main" val="1331374456"/>
+      </p:ext>
+    </p:extLst>
+  </p:cSld>
+  <p:clrMapOvr>
+    <a:masterClrMapping/>
+  </p:clrMapOvr>
+</p:sld>
+</file>
+
+<file path=ppt/slides/slide19.xml><?xml version="1.0" encoding="utf-8"?>
+<p:sld xmlns:a="http://schemas.openxmlformats.org/drawingml/2006/main" xmlns:r="http://schemas.openxmlformats.org/officeDocument/2006/relationships" xmlns:p="http://schemas.openxmlformats.org/presentationml/2006/main">
+  <p:cSld>
+    <p:spTree>
+      <p:nvGrpSpPr>
+        <p:cNvPr id="1" name=""/>
+        <p:cNvGrpSpPr/>
+        <p:nvPr/>
+      </p:nvGrpSpPr>
+      <p:grpSpPr>
+        <a:xfrm>
+          <a:off x="0" y="0"/>
+          <a:ext cx="0" cy="0"/>
+          <a:chOff x="0" y="0"/>
+          <a:chExt cx="0" cy="0"/>
+        </a:xfrm>
+      </p:grpSpPr>
+      <p:sp>
+        <p:nvSpPr>
+          <p:cNvPr id="2" name="Title 1">
+            <a:extLst>
+              <a:ext uri="{FF2B5EF4-FFF2-40B4-BE49-F238E27FC236}">
+                <a16:creationId xmlns:a16="http://schemas.microsoft.com/office/drawing/2014/main" id="{AFAB0BE9-E7D9-4620-A18B-34038E060CED}"/>
+              </a:ext>
+            </a:extLst>
+          </p:cNvPr>
+          <p:cNvSpPr>
+            <a:spLocks noGrp="1"/>
+          </p:cNvSpPr>
+          <p:nvPr>
+            <p:ph type="title"/>
+          </p:nvPr>
+        </p:nvSpPr>
+        <p:spPr/>
+        <p:txBody>
+          <a:bodyPr/>
+          <a:lstStyle/>
+          <a:p>
+            <a:r>
+              <a:rPr lang="en-GB" dirty="0"/>
+              <a:t>Site URLs</a:t>
             </a:r>
           </a:p>
         </p:txBody>
@@ -7174,7 +8090,7 @@
           <p:cNvPr id="3" name="Content Placeholder 2">
             <a:extLst>
               <a:ext uri="{FF2B5EF4-FFF2-40B4-BE49-F238E27FC236}">
-                <a16:creationId xmlns:a16="http://schemas.microsoft.com/office/drawing/2014/main" id="{BC7C4B6A-0C81-4E88-868A-D95400B4A5F2}"/>
+                <a16:creationId xmlns:a16="http://schemas.microsoft.com/office/drawing/2014/main" id="{4387F4E2-0FE5-481C-8B0E-9BFDA07CCF2D}"/>
               </a:ext>
             </a:extLst>
           </p:cNvPr>
@@ -7190,14 +8106,96 @@
           <a:bodyPr/>
           <a:lstStyle/>
           <a:p>
-            <a:endParaRPr lang="en-GB"/>
+            <a:r>
+              <a:rPr lang="en-GB" dirty="0"/>
+              <a:t>/home</a:t>
+            </a:r>
+          </a:p>
+          <a:p>
+            <a:r>
+              <a:rPr lang="en-GB" dirty="0"/>
+              <a:t>/search</a:t>
+            </a:r>
+          </a:p>
+          <a:p>
+            <a:r>
+              <a:rPr lang="en-GB" dirty="0"/>
+              <a:t>/login</a:t>
+            </a:r>
+          </a:p>
+          <a:p>
+            <a:pPr lvl="1">
+              <a:buFont typeface="Courier New" panose="02070309020205020404" pitchFamily="49" charset="0"/>
+              <a:buChar char="o"/>
+            </a:pPr>
+            <a:r>
+              <a:rPr lang="en-GB" dirty="0"/>
+              <a:t>/login/</a:t>
+            </a:r>
+            <a:r>
+              <a:rPr lang="en-GB" dirty="0" err="1"/>
+              <a:t>myaccount</a:t>
+            </a:r>
+            <a:endParaRPr lang="en-GB" dirty="0"/>
+          </a:p>
+          <a:p>
+            <a:pPr lvl="1">
+              <a:buFont typeface="Courier New" panose="02070309020205020404" pitchFamily="49" charset="0"/>
+              <a:buChar char="o"/>
+            </a:pPr>
+            <a:r>
+              <a:rPr lang="en-GB" dirty="0"/>
+              <a:t>/login/</a:t>
+            </a:r>
+            <a:r>
+              <a:rPr lang="en-GB" dirty="0" err="1"/>
+              <a:t>myaccount</a:t>
+            </a:r>
+            <a:r>
+              <a:rPr lang="en-GB" dirty="0"/>
+              <a:t>/</a:t>
+            </a:r>
+            <a:r>
+              <a:rPr lang="en-GB" dirty="0" err="1"/>
+              <a:t>mypage</a:t>
+            </a:r>
+            <a:endParaRPr lang="en-GB" dirty="0"/>
+          </a:p>
+          <a:p>
+            <a:r>
+              <a:rPr lang="en-GB" dirty="0"/>
+              <a:t>/lecture</a:t>
+            </a:r>
+          </a:p>
+          <a:p>
+            <a:pPr lvl="1">
+              <a:buFont typeface="Courier New" panose="02070309020205020404" pitchFamily="49" charset="0"/>
+              <a:buChar char="o"/>
+            </a:pPr>
+            <a:r>
+              <a:rPr lang="en-GB" dirty="0"/>
+              <a:t>/lecture/video</a:t>
+            </a:r>
+          </a:p>
+          <a:p>
+            <a:pPr lvl="1">
+              <a:buFont typeface="Courier New" panose="02070309020205020404" pitchFamily="49" charset="0"/>
+              <a:buChar char="o"/>
+            </a:pPr>
+            <a:r>
+              <a:rPr lang="en-GB" dirty="0"/>
+              <a:t>/lecture/pdf</a:t>
+            </a:r>
+          </a:p>
+          <a:p>
+            <a:endParaRPr lang="en-GB" dirty="0"/>
           </a:p>
         </p:txBody>
       </p:sp>
     </p:spTree>
     <p:extLst>
       <p:ext uri="{BB962C8B-B14F-4D97-AF65-F5344CB8AC3E}">
-        <p14:creationId xmlns:p14="http://schemas.microsoft.com/office/powerpoint/2010/main" val="1331374456"/>
+        <p14:creationId xmlns:p14="http://schemas.microsoft.com/office/powerpoint/2010/main" val="1228584305"/>
       </p:ext>
     </p:extLst>
   </p:cSld>

--- a/DesignSpecification.pptx
+++ b/DesignSpecification.pptx
@@ -279,7 +279,7 @@
           <a:p>
             <a:fld id="{95092FE3-F51D-0C4A-A1D2-112694A4D9A8}" type="datetimeFigureOut">
               <a:rPr lang="en-US" smtClean="0"/>
-              <a:t>2/23/2022</a:t>
+              <a:t>2/24/22</a:t>
             </a:fld>
             <a:endParaRPr lang="en-US"/>
           </a:p>
@@ -479,7 +479,7 @@
           <a:p>
             <a:fld id="{95092FE3-F51D-0C4A-A1D2-112694A4D9A8}" type="datetimeFigureOut">
               <a:rPr lang="en-US" smtClean="0"/>
-              <a:t>2/23/2022</a:t>
+              <a:t>2/24/22</a:t>
             </a:fld>
             <a:endParaRPr lang="en-US"/>
           </a:p>
@@ -689,7 +689,7 @@
           <a:p>
             <a:fld id="{95092FE3-F51D-0C4A-A1D2-112694A4D9A8}" type="datetimeFigureOut">
               <a:rPr lang="en-US" smtClean="0"/>
-              <a:t>2/23/2022</a:t>
+              <a:t>2/24/22</a:t>
             </a:fld>
             <a:endParaRPr lang="en-US"/>
           </a:p>
@@ -889,7 +889,7 @@
           <a:p>
             <a:fld id="{95092FE3-F51D-0C4A-A1D2-112694A4D9A8}" type="datetimeFigureOut">
               <a:rPr lang="en-US" smtClean="0"/>
-              <a:t>2/23/2022</a:t>
+              <a:t>2/24/22</a:t>
             </a:fld>
             <a:endParaRPr lang="en-US"/>
           </a:p>
@@ -1165,7 +1165,7 @@
           <a:p>
             <a:fld id="{95092FE3-F51D-0C4A-A1D2-112694A4D9A8}" type="datetimeFigureOut">
               <a:rPr lang="en-US" smtClean="0"/>
-              <a:t>2/23/2022</a:t>
+              <a:t>2/24/22</a:t>
             </a:fld>
             <a:endParaRPr lang="en-US"/>
           </a:p>
@@ -1433,7 +1433,7 @@
           <a:p>
             <a:fld id="{95092FE3-F51D-0C4A-A1D2-112694A4D9A8}" type="datetimeFigureOut">
               <a:rPr lang="en-US" smtClean="0"/>
-              <a:t>2/23/2022</a:t>
+              <a:t>2/24/22</a:t>
             </a:fld>
             <a:endParaRPr lang="en-US"/>
           </a:p>
@@ -1848,7 +1848,7 @@
           <a:p>
             <a:fld id="{95092FE3-F51D-0C4A-A1D2-112694A4D9A8}" type="datetimeFigureOut">
               <a:rPr lang="en-US" smtClean="0"/>
-              <a:t>2/23/2022</a:t>
+              <a:t>2/24/22</a:t>
             </a:fld>
             <a:endParaRPr lang="en-US"/>
           </a:p>
@@ -1990,7 +1990,7 @@
           <a:p>
             <a:fld id="{95092FE3-F51D-0C4A-A1D2-112694A4D9A8}" type="datetimeFigureOut">
               <a:rPr lang="en-US" smtClean="0"/>
-              <a:t>2/23/2022</a:t>
+              <a:t>2/24/22</a:t>
             </a:fld>
             <a:endParaRPr lang="en-US"/>
           </a:p>
@@ -2103,7 +2103,7 @@
           <a:p>
             <a:fld id="{95092FE3-F51D-0C4A-A1D2-112694A4D9A8}" type="datetimeFigureOut">
               <a:rPr lang="en-US" smtClean="0"/>
-              <a:t>2/23/2022</a:t>
+              <a:t>2/24/22</a:t>
             </a:fld>
             <a:endParaRPr lang="en-US"/>
           </a:p>
@@ -2416,7 +2416,7 @@
           <a:p>
             <a:fld id="{95092FE3-F51D-0C4A-A1D2-112694A4D9A8}" type="datetimeFigureOut">
               <a:rPr lang="en-US" smtClean="0"/>
-              <a:t>2/23/2022</a:t>
+              <a:t>2/24/22</a:t>
             </a:fld>
             <a:endParaRPr lang="en-US"/>
           </a:p>
@@ -2705,7 +2705,7 @@
           <a:p>
             <a:fld id="{95092FE3-F51D-0C4A-A1D2-112694A4D9A8}" type="datetimeFigureOut">
               <a:rPr lang="en-US" smtClean="0"/>
-              <a:t>2/23/2022</a:t>
+              <a:t>2/24/22</a:t>
             </a:fld>
             <a:endParaRPr lang="en-US"/>
           </a:p>
@@ -2948,7 +2948,7 @@
           <a:p>
             <a:fld id="{95092FE3-F51D-0C4A-A1D2-112694A4D9A8}" type="datetimeFigureOut">
               <a:rPr lang="en-US" smtClean="0"/>
-              <a:t>2/23/2022</a:t>
+              <a:t>2/24/22</a:t>
             </a:fld>
             <a:endParaRPr lang="en-US"/>
           </a:p>

--- a/DesignSpecification.pptx
+++ b/DesignSpecification.pptx
@@ -19,11 +19,10 @@
     <p:sldId id="271" r:id="rId13"/>
     <p:sldId id="273" r:id="rId14"/>
     <p:sldId id="263" r:id="rId15"/>
-    <p:sldId id="264" r:id="rId16"/>
-    <p:sldId id="267" r:id="rId17"/>
-    <p:sldId id="266" r:id="rId18"/>
-    <p:sldId id="265" r:id="rId19"/>
-    <p:sldId id="274" r:id="rId20"/>
+    <p:sldId id="267" r:id="rId16"/>
+    <p:sldId id="266" r:id="rId17"/>
+    <p:sldId id="265" r:id="rId18"/>
+    <p:sldId id="274" r:id="rId19"/>
   </p:sldIdLst>
   <p:sldSz cx="12192000" cy="6858000"/>
   <p:notesSz cx="6858000" cy="9144000"/>
@@ -279,7 +278,7 @@
           <a:p>
             <a:fld id="{95092FE3-F51D-0C4A-A1D2-112694A4D9A8}" type="datetimeFigureOut">
               <a:rPr lang="en-US" smtClean="0"/>
-              <a:t>2/24/22</a:t>
+              <a:t>2/24/2022</a:t>
             </a:fld>
             <a:endParaRPr lang="en-US"/>
           </a:p>
@@ -479,7 +478,7 @@
           <a:p>
             <a:fld id="{95092FE3-F51D-0C4A-A1D2-112694A4D9A8}" type="datetimeFigureOut">
               <a:rPr lang="en-US" smtClean="0"/>
-              <a:t>2/24/22</a:t>
+              <a:t>2/24/2022</a:t>
             </a:fld>
             <a:endParaRPr lang="en-US"/>
           </a:p>
@@ -689,7 +688,7 @@
           <a:p>
             <a:fld id="{95092FE3-F51D-0C4A-A1D2-112694A4D9A8}" type="datetimeFigureOut">
               <a:rPr lang="en-US" smtClean="0"/>
-              <a:t>2/24/22</a:t>
+              <a:t>2/24/2022</a:t>
             </a:fld>
             <a:endParaRPr lang="en-US"/>
           </a:p>
@@ -889,7 +888,7 @@
           <a:p>
             <a:fld id="{95092FE3-F51D-0C4A-A1D2-112694A4D9A8}" type="datetimeFigureOut">
               <a:rPr lang="en-US" smtClean="0"/>
-              <a:t>2/24/22</a:t>
+              <a:t>2/24/2022</a:t>
             </a:fld>
             <a:endParaRPr lang="en-US"/>
           </a:p>
@@ -1165,7 +1164,7 @@
           <a:p>
             <a:fld id="{95092FE3-F51D-0C4A-A1D2-112694A4D9A8}" type="datetimeFigureOut">
               <a:rPr lang="en-US" smtClean="0"/>
-              <a:t>2/24/22</a:t>
+              <a:t>2/24/2022</a:t>
             </a:fld>
             <a:endParaRPr lang="en-US"/>
           </a:p>
@@ -1433,7 +1432,7 @@
           <a:p>
             <a:fld id="{95092FE3-F51D-0C4A-A1D2-112694A4D9A8}" type="datetimeFigureOut">
               <a:rPr lang="en-US" smtClean="0"/>
-              <a:t>2/24/22</a:t>
+              <a:t>2/24/2022</a:t>
             </a:fld>
             <a:endParaRPr lang="en-US"/>
           </a:p>
@@ -1848,7 +1847,7 @@
           <a:p>
             <a:fld id="{95092FE3-F51D-0C4A-A1D2-112694A4D9A8}" type="datetimeFigureOut">
               <a:rPr lang="en-US" smtClean="0"/>
-              <a:t>2/24/22</a:t>
+              <a:t>2/24/2022</a:t>
             </a:fld>
             <a:endParaRPr lang="en-US"/>
           </a:p>
@@ -1990,7 +1989,7 @@
           <a:p>
             <a:fld id="{95092FE3-F51D-0C4A-A1D2-112694A4D9A8}" type="datetimeFigureOut">
               <a:rPr lang="en-US" smtClean="0"/>
-              <a:t>2/24/22</a:t>
+              <a:t>2/24/2022</a:t>
             </a:fld>
             <a:endParaRPr lang="en-US"/>
           </a:p>
@@ -2103,7 +2102,7 @@
           <a:p>
             <a:fld id="{95092FE3-F51D-0C4A-A1D2-112694A4D9A8}" type="datetimeFigureOut">
               <a:rPr lang="en-US" smtClean="0"/>
-              <a:t>2/24/22</a:t>
+              <a:t>2/24/2022</a:t>
             </a:fld>
             <a:endParaRPr lang="en-US"/>
           </a:p>
@@ -2416,7 +2415,7 @@
           <a:p>
             <a:fld id="{95092FE3-F51D-0C4A-A1D2-112694A4D9A8}" type="datetimeFigureOut">
               <a:rPr lang="en-US" smtClean="0"/>
-              <a:t>2/24/22</a:t>
+              <a:t>2/24/2022</a:t>
             </a:fld>
             <a:endParaRPr lang="en-US"/>
           </a:p>
@@ -2705,7 +2704,7 @@
           <a:p>
             <a:fld id="{95092FE3-F51D-0C4A-A1D2-112694A4D9A8}" type="datetimeFigureOut">
               <a:rPr lang="en-US" smtClean="0"/>
-              <a:t>2/24/22</a:t>
+              <a:t>2/24/2022</a:t>
             </a:fld>
             <a:endParaRPr lang="en-US"/>
           </a:p>
@@ -2948,7 +2947,7 @@
           <a:p>
             <a:fld id="{95092FE3-F51D-0C4A-A1D2-112694A4D9A8}" type="datetimeFigureOut">
               <a:rPr lang="en-US" smtClean="0"/>
-              <a:t>2/24/22</a:t>
+              <a:t>2/24/2022</a:t>
             </a:fld>
             <a:endParaRPr lang="en-US"/>
           </a:p>
@@ -4685,1014 +4684,6 @@
           <p:cNvPr id="2" name="Title 1">
             <a:extLst>
               <a:ext uri="{FF2B5EF4-FFF2-40B4-BE49-F238E27FC236}">
-                <a16:creationId xmlns:a16="http://schemas.microsoft.com/office/drawing/2014/main" id="{C9ECBC21-F83F-455B-BE32-F8BC56BA83FC}"/>
-              </a:ext>
-            </a:extLst>
-          </p:cNvPr>
-          <p:cNvSpPr>
-            <a:spLocks noGrp="1"/>
-          </p:cNvSpPr>
-          <p:nvPr>
-            <p:ph type="title"/>
-          </p:nvPr>
-        </p:nvSpPr>
-        <p:spPr/>
-        <p:txBody>
-          <a:bodyPr/>
-          <a:lstStyle/>
-          <a:p>
-            <a:r>
-              <a:rPr lang="en-GB" dirty="0"/>
-              <a:t>ER Diagram (Compressed Chen Notation)</a:t>
-            </a:r>
-          </a:p>
-        </p:txBody>
-      </p:sp>
-      <p:sp>
-        <p:nvSpPr>
-          <p:cNvPr id="4" name="Rectangle 3">
-            <a:extLst>
-              <a:ext uri="{FF2B5EF4-FFF2-40B4-BE49-F238E27FC236}">
-                <a16:creationId xmlns:a16="http://schemas.microsoft.com/office/drawing/2014/main" id="{2F051B80-E165-4202-80AB-F3B6DBDAA48F}"/>
-              </a:ext>
-            </a:extLst>
-          </p:cNvPr>
-          <p:cNvSpPr/>
-          <p:nvPr/>
-        </p:nvSpPr>
-        <p:spPr>
-          <a:xfrm>
-            <a:off x="307911" y="3247052"/>
-            <a:ext cx="1623526" cy="587828"/>
-          </a:xfrm>
-          <a:prstGeom prst="rect">
-            <a:avLst/>
-          </a:prstGeom>
-          <a:noFill/>
-          <a:ln>
-            <a:solidFill>
-              <a:schemeClr val="tx1"/>
-            </a:solidFill>
-          </a:ln>
-        </p:spPr>
-        <p:style>
-          <a:lnRef idx="2">
-            <a:schemeClr val="accent1">
-              <a:shade val="50000"/>
-            </a:schemeClr>
-          </a:lnRef>
-          <a:fillRef idx="1">
-            <a:schemeClr val="accent1"/>
-          </a:fillRef>
-          <a:effectRef idx="0">
-            <a:schemeClr val="accent1"/>
-          </a:effectRef>
-          <a:fontRef idx="minor">
-            <a:schemeClr val="lt1"/>
-          </a:fontRef>
-        </p:style>
-        <p:txBody>
-          <a:bodyPr rtlCol="0" anchor="ctr"/>
-          <a:lstStyle/>
-          <a:p>
-            <a:pPr algn="ctr"/>
-            <a:r>
-              <a:rPr lang="en-GB" dirty="0">
-                <a:solidFill>
-                  <a:schemeClr val="tx1"/>
-                </a:solidFill>
-              </a:rPr>
-              <a:t>User</a:t>
-            </a:r>
-          </a:p>
-        </p:txBody>
-      </p:sp>
-      <p:sp>
-        <p:nvSpPr>
-          <p:cNvPr id="5" name="Oval 4">
-            <a:extLst>
-              <a:ext uri="{FF2B5EF4-FFF2-40B4-BE49-F238E27FC236}">
-                <a16:creationId xmlns:a16="http://schemas.microsoft.com/office/drawing/2014/main" id="{04FD4208-8CFF-449A-B873-E3537D41FB48}"/>
-              </a:ext>
-            </a:extLst>
-          </p:cNvPr>
-          <p:cNvSpPr/>
-          <p:nvPr/>
-        </p:nvSpPr>
-        <p:spPr>
-          <a:xfrm>
-            <a:off x="2295330" y="3356685"/>
-            <a:ext cx="494523" cy="368561"/>
-          </a:xfrm>
-          <a:prstGeom prst="ellipse">
-            <a:avLst/>
-          </a:prstGeom>
-          <a:noFill/>
-          <a:ln>
-            <a:solidFill>
-              <a:schemeClr val="tx1"/>
-            </a:solidFill>
-          </a:ln>
-        </p:spPr>
-        <p:style>
-          <a:lnRef idx="2">
-            <a:schemeClr val="accent1">
-              <a:shade val="50000"/>
-            </a:schemeClr>
-          </a:lnRef>
-          <a:fillRef idx="1">
-            <a:schemeClr val="accent1"/>
-          </a:fillRef>
-          <a:effectRef idx="0">
-            <a:schemeClr val="accent1"/>
-          </a:effectRef>
-          <a:fontRef idx="minor">
-            <a:schemeClr val="lt1"/>
-          </a:fontRef>
-        </p:style>
-        <p:txBody>
-          <a:bodyPr rtlCol="0" anchor="ctr"/>
-          <a:lstStyle/>
-          <a:p>
-            <a:pPr algn="ctr"/>
-            <a:r>
-              <a:rPr lang="en-GB" dirty="0">
-                <a:solidFill>
-                  <a:schemeClr val="tx1"/>
-                </a:solidFill>
-              </a:rPr>
-              <a:t>O</a:t>
-            </a:r>
-          </a:p>
-        </p:txBody>
-      </p:sp>
-      <p:cxnSp>
-        <p:nvCxnSpPr>
-          <p:cNvPr id="7" name="Straight Connector 6">
-            <a:extLst>
-              <a:ext uri="{FF2B5EF4-FFF2-40B4-BE49-F238E27FC236}">
-                <a16:creationId xmlns:a16="http://schemas.microsoft.com/office/drawing/2014/main" id="{1F10592D-602C-4421-B7F9-9FEFB564245C}"/>
-              </a:ext>
-            </a:extLst>
-          </p:cNvPr>
-          <p:cNvCxnSpPr>
-            <a:stCxn id="4" idx="3"/>
-            <a:endCxn id="5" idx="2"/>
-          </p:cNvCxnSpPr>
-          <p:nvPr/>
-        </p:nvCxnSpPr>
-        <p:spPr>
-          <a:xfrm>
-            <a:off x="1931437" y="3540966"/>
-            <a:ext cx="363893" cy="0"/>
-          </a:xfrm>
-          <a:prstGeom prst="line">
-            <a:avLst/>
-          </a:prstGeom>
-        </p:spPr>
-        <p:style>
-          <a:lnRef idx="1">
-            <a:schemeClr val="accent1"/>
-          </a:lnRef>
-          <a:fillRef idx="0">
-            <a:schemeClr val="accent1"/>
-          </a:fillRef>
-          <a:effectRef idx="0">
-            <a:schemeClr val="accent1"/>
-          </a:effectRef>
-          <a:fontRef idx="minor">
-            <a:schemeClr val="tx1"/>
-          </a:fontRef>
-        </p:style>
-      </p:cxnSp>
-      <p:sp>
-        <p:nvSpPr>
-          <p:cNvPr id="9" name="Rectangle 8">
-            <a:extLst>
-              <a:ext uri="{FF2B5EF4-FFF2-40B4-BE49-F238E27FC236}">
-                <a16:creationId xmlns:a16="http://schemas.microsoft.com/office/drawing/2014/main" id="{AB4E13EC-5B3D-46D7-A74D-87D1FABF8E14}"/>
-              </a:ext>
-            </a:extLst>
-          </p:cNvPr>
-          <p:cNvSpPr/>
-          <p:nvPr/>
-        </p:nvSpPr>
-        <p:spPr>
-          <a:xfrm>
-            <a:off x="2942254" y="2240025"/>
-            <a:ext cx="1623526" cy="587828"/>
-          </a:xfrm>
-          <a:prstGeom prst="rect">
-            <a:avLst/>
-          </a:prstGeom>
-          <a:noFill/>
-          <a:ln>
-            <a:solidFill>
-              <a:schemeClr val="tx1"/>
-            </a:solidFill>
-          </a:ln>
-        </p:spPr>
-        <p:style>
-          <a:lnRef idx="2">
-            <a:schemeClr val="accent1">
-              <a:shade val="50000"/>
-            </a:schemeClr>
-          </a:lnRef>
-          <a:fillRef idx="1">
-            <a:schemeClr val="accent1"/>
-          </a:fillRef>
-          <a:effectRef idx="0">
-            <a:schemeClr val="accent1"/>
-          </a:effectRef>
-          <a:fontRef idx="minor">
-            <a:schemeClr val="lt1"/>
-          </a:fontRef>
-        </p:style>
-        <p:txBody>
-          <a:bodyPr rtlCol="0" anchor="ctr"/>
-          <a:lstStyle/>
-          <a:p>
-            <a:pPr algn="ctr"/>
-            <a:r>
-              <a:rPr lang="en-GB" dirty="0">
-                <a:solidFill>
-                  <a:schemeClr val="tx1"/>
-                </a:solidFill>
-              </a:rPr>
-              <a:t>Professor</a:t>
-            </a:r>
-          </a:p>
-        </p:txBody>
-      </p:sp>
-      <p:sp>
-        <p:nvSpPr>
-          <p:cNvPr id="10" name="Rectangle 9">
-            <a:extLst>
-              <a:ext uri="{FF2B5EF4-FFF2-40B4-BE49-F238E27FC236}">
-                <a16:creationId xmlns:a16="http://schemas.microsoft.com/office/drawing/2014/main" id="{99737E61-8F61-459C-BD4B-A65D5FF4CB2E}"/>
-              </a:ext>
-            </a:extLst>
-          </p:cNvPr>
-          <p:cNvSpPr/>
-          <p:nvPr/>
-        </p:nvSpPr>
-        <p:spPr>
-          <a:xfrm>
-            <a:off x="2942254" y="3987280"/>
-            <a:ext cx="1623526" cy="587828"/>
-          </a:xfrm>
-          <a:prstGeom prst="rect">
-            <a:avLst/>
-          </a:prstGeom>
-          <a:noFill/>
-          <a:ln>
-            <a:solidFill>
-              <a:schemeClr val="tx1"/>
-            </a:solidFill>
-          </a:ln>
-        </p:spPr>
-        <p:style>
-          <a:lnRef idx="2">
-            <a:schemeClr val="accent1">
-              <a:shade val="50000"/>
-            </a:schemeClr>
-          </a:lnRef>
-          <a:fillRef idx="1">
-            <a:schemeClr val="accent1"/>
-          </a:fillRef>
-          <a:effectRef idx="0">
-            <a:schemeClr val="accent1"/>
-          </a:effectRef>
-          <a:fontRef idx="minor">
-            <a:schemeClr val="lt1"/>
-          </a:fontRef>
-        </p:style>
-        <p:txBody>
-          <a:bodyPr rtlCol="0" anchor="ctr"/>
-          <a:lstStyle/>
-          <a:p>
-            <a:pPr algn="ctr"/>
-            <a:r>
-              <a:rPr lang="en-GB" dirty="0">
-                <a:solidFill>
-                  <a:schemeClr val="tx1"/>
-                </a:solidFill>
-              </a:rPr>
-              <a:t>Student</a:t>
-            </a:r>
-          </a:p>
-        </p:txBody>
-      </p:sp>
-      <p:cxnSp>
-        <p:nvCxnSpPr>
-          <p:cNvPr id="12" name="Straight Connector 11">
-            <a:extLst>
-              <a:ext uri="{FF2B5EF4-FFF2-40B4-BE49-F238E27FC236}">
-                <a16:creationId xmlns:a16="http://schemas.microsoft.com/office/drawing/2014/main" id="{6BBEBCE0-58A0-4191-A54A-E9F2F9C43F06}"/>
-              </a:ext>
-            </a:extLst>
-          </p:cNvPr>
-          <p:cNvCxnSpPr>
-            <a:stCxn id="5" idx="6"/>
-            <a:endCxn id="9" idx="1"/>
-          </p:cNvCxnSpPr>
-          <p:nvPr/>
-        </p:nvCxnSpPr>
-        <p:spPr>
-          <a:xfrm flipV="1">
-            <a:off x="2789853" y="2533939"/>
-            <a:ext cx="152401" cy="1007027"/>
-          </a:xfrm>
-          <a:prstGeom prst="line">
-            <a:avLst/>
-          </a:prstGeom>
-          <a:ln>
-            <a:solidFill>
-              <a:schemeClr val="tx1"/>
-            </a:solidFill>
-          </a:ln>
-        </p:spPr>
-        <p:style>
-          <a:lnRef idx="1">
-            <a:schemeClr val="accent1"/>
-          </a:lnRef>
-          <a:fillRef idx="0">
-            <a:schemeClr val="accent1"/>
-          </a:fillRef>
-          <a:effectRef idx="0">
-            <a:schemeClr val="accent1"/>
-          </a:effectRef>
-          <a:fontRef idx="minor">
-            <a:schemeClr val="tx1"/>
-          </a:fontRef>
-        </p:style>
-      </p:cxnSp>
-      <p:cxnSp>
-        <p:nvCxnSpPr>
-          <p:cNvPr id="14" name="Straight Connector 13">
-            <a:extLst>
-              <a:ext uri="{FF2B5EF4-FFF2-40B4-BE49-F238E27FC236}">
-                <a16:creationId xmlns:a16="http://schemas.microsoft.com/office/drawing/2014/main" id="{1A6D4049-ADE1-4A93-A9BE-4544D3394750}"/>
-              </a:ext>
-            </a:extLst>
-          </p:cNvPr>
-          <p:cNvCxnSpPr>
-            <a:stCxn id="5" idx="6"/>
-            <a:endCxn id="10" idx="1"/>
-          </p:cNvCxnSpPr>
-          <p:nvPr/>
-        </p:nvCxnSpPr>
-        <p:spPr>
-          <a:xfrm>
-            <a:off x="2789853" y="3540966"/>
-            <a:ext cx="152401" cy="740228"/>
-          </a:xfrm>
-          <a:prstGeom prst="line">
-            <a:avLst/>
-          </a:prstGeom>
-          <a:ln>
-            <a:solidFill>
-              <a:schemeClr val="tx1"/>
-            </a:solidFill>
-          </a:ln>
-        </p:spPr>
-        <p:style>
-          <a:lnRef idx="1">
-            <a:schemeClr val="accent1"/>
-          </a:lnRef>
-          <a:fillRef idx="0">
-            <a:schemeClr val="accent1"/>
-          </a:fillRef>
-          <a:effectRef idx="0">
-            <a:schemeClr val="accent1"/>
-          </a:effectRef>
-          <a:fontRef idx="minor">
-            <a:schemeClr val="tx1"/>
-          </a:fontRef>
-        </p:style>
-      </p:cxnSp>
-      <p:sp>
-        <p:nvSpPr>
-          <p:cNvPr id="15" name="Freeform: Shape 14">
-            <a:extLst>
-              <a:ext uri="{FF2B5EF4-FFF2-40B4-BE49-F238E27FC236}">
-                <a16:creationId xmlns:a16="http://schemas.microsoft.com/office/drawing/2014/main" id="{405466FD-7C76-439E-A0E2-AE4422AD9563}"/>
-              </a:ext>
-            </a:extLst>
-          </p:cNvPr>
-          <p:cNvSpPr/>
-          <p:nvPr/>
-        </p:nvSpPr>
-        <p:spPr>
-          <a:xfrm>
-            <a:off x="2771192" y="3097552"/>
-            <a:ext cx="134693" cy="121509"/>
-          </a:xfrm>
-          <a:custGeom>
-            <a:avLst/>
-            <a:gdLst>
-              <a:gd name="connsiteX0" fmla="*/ 0 w 134693"/>
-              <a:gd name="connsiteY0" fmla="*/ 46864 h 121509"/>
-              <a:gd name="connsiteX1" fmla="*/ 93306 w 134693"/>
-              <a:gd name="connsiteY1" fmla="*/ 211 h 121509"/>
-              <a:gd name="connsiteX2" fmla="*/ 130628 w 134693"/>
-              <a:gd name="connsiteY2" fmla="*/ 28203 h 121509"/>
-              <a:gd name="connsiteX3" fmla="*/ 130628 w 134693"/>
-              <a:gd name="connsiteY3" fmla="*/ 121509 h 121509"/>
-            </a:gdLst>
-            <a:ahLst/>
-            <a:cxnLst>
-              <a:cxn ang="0">
-                <a:pos x="connsiteX0" y="connsiteY0"/>
-              </a:cxn>
-              <a:cxn ang="0">
-                <a:pos x="connsiteX1" y="connsiteY1"/>
-              </a:cxn>
-              <a:cxn ang="0">
-                <a:pos x="connsiteX2" y="connsiteY2"/>
-              </a:cxn>
-              <a:cxn ang="0">
-                <a:pos x="connsiteX3" y="connsiteY3"/>
-              </a:cxn>
-            </a:cxnLst>
-            <a:rect l="l" t="t" r="r" b="b"/>
-            <a:pathLst>
-              <a:path w="134693" h="121509">
-                <a:moveTo>
-                  <a:pt x="0" y="46864"/>
-                </a:moveTo>
-                <a:cubicBezTo>
-                  <a:pt x="31102" y="31313"/>
-                  <a:pt x="58882" y="5129"/>
-                  <a:pt x="93306" y="211"/>
-                </a:cubicBezTo>
-                <a:cubicBezTo>
-                  <a:pt x="108701" y="-1988"/>
-                  <a:pt x="126055" y="13340"/>
-                  <a:pt x="130628" y="28203"/>
-                </a:cubicBezTo>
-                <a:cubicBezTo>
-                  <a:pt x="139775" y="57930"/>
-                  <a:pt x="130628" y="90407"/>
-                  <a:pt x="130628" y="121509"/>
-                </a:cubicBezTo>
-              </a:path>
-            </a:pathLst>
-          </a:custGeom>
-          <a:noFill/>
-          <a:ln>
-            <a:solidFill>
-              <a:schemeClr val="tx1"/>
-            </a:solidFill>
-          </a:ln>
-        </p:spPr>
-        <p:style>
-          <a:lnRef idx="2">
-            <a:schemeClr val="accent1">
-              <a:shade val="50000"/>
-            </a:schemeClr>
-          </a:lnRef>
-          <a:fillRef idx="1">
-            <a:schemeClr val="accent1"/>
-          </a:fillRef>
-          <a:effectRef idx="0">
-            <a:schemeClr val="accent1"/>
-          </a:effectRef>
-          <a:fontRef idx="minor">
-            <a:schemeClr val="lt1"/>
-          </a:fontRef>
-        </p:style>
-        <p:txBody>
-          <a:bodyPr rtlCol="0" anchor="ctr"/>
-          <a:lstStyle/>
-          <a:p>
-            <a:pPr algn="ctr"/>
-            <a:endParaRPr lang="en-GB"/>
-          </a:p>
-        </p:txBody>
-      </p:sp>
-      <p:sp>
-        <p:nvSpPr>
-          <p:cNvPr id="16" name="Freeform: Shape 15">
-            <a:extLst>
-              <a:ext uri="{FF2B5EF4-FFF2-40B4-BE49-F238E27FC236}">
-                <a16:creationId xmlns:a16="http://schemas.microsoft.com/office/drawing/2014/main" id="{0501A320-16BE-40F5-A948-08BDBF166EB4}"/>
-              </a:ext>
-            </a:extLst>
-          </p:cNvPr>
-          <p:cNvSpPr/>
-          <p:nvPr/>
-        </p:nvSpPr>
-        <p:spPr>
-          <a:xfrm rot="8519874">
-            <a:off x="2794319" y="3782674"/>
-            <a:ext cx="134693" cy="121509"/>
-          </a:xfrm>
-          <a:custGeom>
-            <a:avLst/>
-            <a:gdLst>
-              <a:gd name="connsiteX0" fmla="*/ 0 w 134693"/>
-              <a:gd name="connsiteY0" fmla="*/ 46864 h 121509"/>
-              <a:gd name="connsiteX1" fmla="*/ 93306 w 134693"/>
-              <a:gd name="connsiteY1" fmla="*/ 211 h 121509"/>
-              <a:gd name="connsiteX2" fmla="*/ 130628 w 134693"/>
-              <a:gd name="connsiteY2" fmla="*/ 28203 h 121509"/>
-              <a:gd name="connsiteX3" fmla="*/ 130628 w 134693"/>
-              <a:gd name="connsiteY3" fmla="*/ 121509 h 121509"/>
-            </a:gdLst>
-            <a:ahLst/>
-            <a:cxnLst>
-              <a:cxn ang="0">
-                <a:pos x="connsiteX0" y="connsiteY0"/>
-              </a:cxn>
-              <a:cxn ang="0">
-                <a:pos x="connsiteX1" y="connsiteY1"/>
-              </a:cxn>
-              <a:cxn ang="0">
-                <a:pos x="connsiteX2" y="connsiteY2"/>
-              </a:cxn>
-              <a:cxn ang="0">
-                <a:pos x="connsiteX3" y="connsiteY3"/>
-              </a:cxn>
-            </a:cxnLst>
-            <a:rect l="l" t="t" r="r" b="b"/>
-            <a:pathLst>
-              <a:path w="134693" h="121509">
-                <a:moveTo>
-                  <a:pt x="0" y="46864"/>
-                </a:moveTo>
-                <a:cubicBezTo>
-                  <a:pt x="31102" y="31313"/>
-                  <a:pt x="58882" y="5129"/>
-                  <a:pt x="93306" y="211"/>
-                </a:cubicBezTo>
-                <a:cubicBezTo>
-                  <a:pt x="108701" y="-1988"/>
-                  <a:pt x="126055" y="13340"/>
-                  <a:pt x="130628" y="28203"/>
-                </a:cubicBezTo>
-                <a:cubicBezTo>
-                  <a:pt x="139775" y="57930"/>
-                  <a:pt x="130628" y="90407"/>
-                  <a:pt x="130628" y="121509"/>
-                </a:cubicBezTo>
-              </a:path>
-            </a:pathLst>
-          </a:custGeom>
-          <a:noFill/>
-          <a:ln>
-            <a:solidFill>
-              <a:schemeClr val="tx1"/>
-            </a:solidFill>
-          </a:ln>
-        </p:spPr>
-        <p:style>
-          <a:lnRef idx="2">
-            <a:schemeClr val="accent1">
-              <a:shade val="50000"/>
-            </a:schemeClr>
-          </a:lnRef>
-          <a:fillRef idx="1">
-            <a:schemeClr val="accent1"/>
-          </a:fillRef>
-          <a:effectRef idx="0">
-            <a:schemeClr val="accent1"/>
-          </a:effectRef>
-          <a:fontRef idx="minor">
-            <a:schemeClr val="lt1"/>
-          </a:fontRef>
-        </p:style>
-        <p:txBody>
-          <a:bodyPr rtlCol="0" anchor="ctr"/>
-          <a:lstStyle/>
-          <a:p>
-            <a:pPr algn="ctr"/>
-            <a:endParaRPr lang="en-GB"/>
-          </a:p>
-        </p:txBody>
-      </p:sp>
-      <p:sp>
-        <p:nvSpPr>
-          <p:cNvPr id="17" name="Rectangle 16">
-            <a:extLst>
-              <a:ext uri="{FF2B5EF4-FFF2-40B4-BE49-F238E27FC236}">
-                <a16:creationId xmlns:a16="http://schemas.microsoft.com/office/drawing/2014/main" id="{3E57BBF4-271A-4F7F-852B-CDAABA74C3CA}"/>
-              </a:ext>
-            </a:extLst>
-          </p:cNvPr>
-          <p:cNvSpPr/>
-          <p:nvPr/>
-        </p:nvSpPr>
-        <p:spPr>
-          <a:xfrm>
-            <a:off x="10437845" y="3248600"/>
-            <a:ext cx="1623526" cy="587828"/>
-          </a:xfrm>
-          <a:prstGeom prst="rect">
-            <a:avLst/>
-          </a:prstGeom>
-          <a:noFill/>
-          <a:ln>
-            <a:solidFill>
-              <a:schemeClr val="tx1"/>
-            </a:solidFill>
-          </a:ln>
-        </p:spPr>
-        <p:style>
-          <a:lnRef idx="2">
-            <a:schemeClr val="accent1">
-              <a:shade val="50000"/>
-            </a:schemeClr>
-          </a:lnRef>
-          <a:fillRef idx="1">
-            <a:schemeClr val="accent1"/>
-          </a:fillRef>
-          <a:effectRef idx="0">
-            <a:schemeClr val="accent1"/>
-          </a:effectRef>
-          <a:fontRef idx="minor">
-            <a:schemeClr val="lt1"/>
-          </a:fontRef>
-        </p:style>
-        <p:txBody>
-          <a:bodyPr rtlCol="0" anchor="ctr"/>
-          <a:lstStyle/>
-          <a:p>
-            <a:pPr algn="ctr"/>
-            <a:r>
-              <a:rPr lang="en-GB" dirty="0">
-                <a:solidFill>
-                  <a:schemeClr val="tx1"/>
-                </a:solidFill>
-              </a:rPr>
-              <a:t>Lecture</a:t>
-            </a:r>
-          </a:p>
-        </p:txBody>
-      </p:sp>
-      <p:sp>
-        <p:nvSpPr>
-          <p:cNvPr id="18" name="Diamond 17">
-            <a:extLst>
-              <a:ext uri="{FF2B5EF4-FFF2-40B4-BE49-F238E27FC236}">
-                <a16:creationId xmlns:a16="http://schemas.microsoft.com/office/drawing/2014/main" id="{13F44BB6-0B23-40D8-ACED-E62F8F3EC6A8}"/>
-              </a:ext>
-            </a:extLst>
-          </p:cNvPr>
-          <p:cNvSpPr/>
-          <p:nvPr/>
-        </p:nvSpPr>
-        <p:spPr>
-          <a:xfrm>
-            <a:off x="5864290" y="1421778"/>
-            <a:ext cx="1782147" cy="1007027"/>
-          </a:xfrm>
-          <a:prstGeom prst="diamond">
-            <a:avLst/>
-          </a:prstGeom>
-          <a:noFill/>
-          <a:ln>
-            <a:solidFill>
-              <a:schemeClr val="tx1"/>
-            </a:solidFill>
-          </a:ln>
-        </p:spPr>
-        <p:style>
-          <a:lnRef idx="2">
-            <a:schemeClr val="accent1">
-              <a:shade val="50000"/>
-            </a:schemeClr>
-          </a:lnRef>
-          <a:fillRef idx="1">
-            <a:schemeClr val="accent1"/>
-          </a:fillRef>
-          <a:effectRef idx="0">
-            <a:schemeClr val="accent1"/>
-          </a:effectRef>
-          <a:fontRef idx="minor">
-            <a:schemeClr val="lt1"/>
-          </a:fontRef>
-        </p:style>
-        <p:txBody>
-          <a:bodyPr rtlCol="0" anchor="ctr"/>
-          <a:lstStyle/>
-          <a:p>
-            <a:pPr algn="ctr"/>
-            <a:r>
-              <a:rPr lang="en-GB" dirty="0">
-                <a:solidFill>
-                  <a:schemeClr val="tx1"/>
-                </a:solidFill>
-              </a:rPr>
-              <a:t>Upload</a:t>
-            </a:r>
-          </a:p>
-        </p:txBody>
-      </p:sp>
-      <p:sp>
-        <p:nvSpPr>
-          <p:cNvPr id="19" name="Diamond 18">
-            <a:extLst>
-              <a:ext uri="{FF2B5EF4-FFF2-40B4-BE49-F238E27FC236}">
-                <a16:creationId xmlns:a16="http://schemas.microsoft.com/office/drawing/2014/main" id="{19EF735F-7082-4D4C-AA8C-CF98C03DEF89}"/>
-              </a:ext>
-            </a:extLst>
-          </p:cNvPr>
-          <p:cNvSpPr/>
-          <p:nvPr/>
-        </p:nvSpPr>
-        <p:spPr>
-          <a:xfrm>
-            <a:off x="5960106" y="5087304"/>
-            <a:ext cx="1782147" cy="1007027"/>
-          </a:xfrm>
-          <a:prstGeom prst="diamond">
-            <a:avLst/>
-          </a:prstGeom>
-          <a:noFill/>
-          <a:ln>
-            <a:solidFill>
-              <a:schemeClr val="tx1"/>
-            </a:solidFill>
-          </a:ln>
-        </p:spPr>
-        <p:style>
-          <a:lnRef idx="2">
-            <a:schemeClr val="accent1">
-              <a:shade val="50000"/>
-            </a:schemeClr>
-          </a:lnRef>
-          <a:fillRef idx="1">
-            <a:schemeClr val="accent1"/>
-          </a:fillRef>
-          <a:effectRef idx="0">
-            <a:schemeClr val="accent1"/>
-          </a:effectRef>
-          <a:fontRef idx="minor">
-            <a:schemeClr val="lt1"/>
-          </a:fontRef>
-        </p:style>
-        <p:txBody>
-          <a:bodyPr rtlCol="0" anchor="ctr"/>
-          <a:lstStyle/>
-          <a:p>
-            <a:pPr algn="ctr"/>
-            <a:r>
-              <a:rPr lang="en-GB" dirty="0">
-                <a:solidFill>
-                  <a:schemeClr val="tx1"/>
-                </a:solidFill>
-              </a:rPr>
-              <a:t>View</a:t>
-            </a:r>
-          </a:p>
-        </p:txBody>
-      </p:sp>
-      <p:cxnSp>
-        <p:nvCxnSpPr>
-          <p:cNvPr id="21" name="Straight Connector 20">
-            <a:extLst>
-              <a:ext uri="{FF2B5EF4-FFF2-40B4-BE49-F238E27FC236}">
-                <a16:creationId xmlns:a16="http://schemas.microsoft.com/office/drawing/2014/main" id="{83C7F558-C2A3-4B25-A922-A302FDF3AE84}"/>
-              </a:ext>
-            </a:extLst>
-          </p:cNvPr>
-          <p:cNvCxnSpPr>
-            <a:stCxn id="10" idx="3"/>
-            <a:endCxn id="19" idx="1"/>
-          </p:cNvCxnSpPr>
-          <p:nvPr/>
-        </p:nvCxnSpPr>
-        <p:spPr>
-          <a:xfrm>
-            <a:off x="4565780" y="4281194"/>
-            <a:ext cx="1394326" cy="1309624"/>
-          </a:xfrm>
-          <a:prstGeom prst="line">
-            <a:avLst/>
-          </a:prstGeom>
-        </p:spPr>
-        <p:style>
-          <a:lnRef idx="1">
-            <a:schemeClr val="accent1"/>
-          </a:lnRef>
-          <a:fillRef idx="0">
-            <a:schemeClr val="accent1"/>
-          </a:fillRef>
-          <a:effectRef idx="0">
-            <a:schemeClr val="accent1"/>
-          </a:effectRef>
-          <a:fontRef idx="minor">
-            <a:schemeClr val="tx1"/>
-          </a:fontRef>
-        </p:style>
-      </p:cxnSp>
-      <p:cxnSp>
-        <p:nvCxnSpPr>
-          <p:cNvPr id="23" name="Straight Connector 22">
-            <a:extLst>
-              <a:ext uri="{FF2B5EF4-FFF2-40B4-BE49-F238E27FC236}">
-                <a16:creationId xmlns:a16="http://schemas.microsoft.com/office/drawing/2014/main" id="{19867B36-F9F2-4504-8644-BAB723605829}"/>
-              </a:ext>
-            </a:extLst>
-          </p:cNvPr>
-          <p:cNvCxnSpPr>
-            <a:stCxn id="19" idx="3"/>
-            <a:endCxn id="17" idx="2"/>
-          </p:cNvCxnSpPr>
-          <p:nvPr/>
-        </p:nvCxnSpPr>
-        <p:spPr>
-          <a:xfrm flipV="1">
-            <a:off x="7742253" y="3836428"/>
-            <a:ext cx="3507355" cy="1754390"/>
-          </a:xfrm>
-          <a:prstGeom prst="line">
-            <a:avLst/>
-          </a:prstGeom>
-          <a:ln>
-            <a:solidFill>
-              <a:schemeClr val="tx1"/>
-            </a:solidFill>
-          </a:ln>
-        </p:spPr>
-        <p:style>
-          <a:lnRef idx="1">
-            <a:schemeClr val="accent1"/>
-          </a:lnRef>
-          <a:fillRef idx="0">
-            <a:schemeClr val="accent1"/>
-          </a:fillRef>
-          <a:effectRef idx="0">
-            <a:schemeClr val="accent1"/>
-          </a:effectRef>
-          <a:fontRef idx="minor">
-            <a:schemeClr val="tx1"/>
-          </a:fontRef>
-        </p:style>
-      </p:cxnSp>
-      <p:cxnSp>
-        <p:nvCxnSpPr>
-          <p:cNvPr id="25" name="Straight Connector 24">
-            <a:extLst>
-              <a:ext uri="{FF2B5EF4-FFF2-40B4-BE49-F238E27FC236}">
-                <a16:creationId xmlns:a16="http://schemas.microsoft.com/office/drawing/2014/main" id="{A127FAC2-9A57-4B20-9100-B93AE8DE88AE}"/>
-              </a:ext>
-            </a:extLst>
-          </p:cNvPr>
-          <p:cNvCxnSpPr>
-            <a:stCxn id="9" idx="3"/>
-            <a:endCxn id="18" idx="1"/>
-          </p:cNvCxnSpPr>
-          <p:nvPr/>
-        </p:nvCxnSpPr>
-        <p:spPr>
-          <a:xfrm flipV="1">
-            <a:off x="4565780" y="1925292"/>
-            <a:ext cx="1298510" cy="608647"/>
-          </a:xfrm>
-          <a:prstGeom prst="line">
-            <a:avLst/>
-          </a:prstGeom>
-          <a:ln>
-            <a:solidFill>
-              <a:schemeClr val="tx1"/>
-            </a:solidFill>
-          </a:ln>
-        </p:spPr>
-        <p:style>
-          <a:lnRef idx="1">
-            <a:schemeClr val="accent1"/>
-          </a:lnRef>
-          <a:fillRef idx="0">
-            <a:schemeClr val="accent1"/>
-          </a:fillRef>
-          <a:effectRef idx="0">
-            <a:schemeClr val="accent1"/>
-          </a:effectRef>
-          <a:fontRef idx="minor">
-            <a:schemeClr val="tx1"/>
-          </a:fontRef>
-        </p:style>
-      </p:cxnSp>
-      <p:cxnSp>
-        <p:nvCxnSpPr>
-          <p:cNvPr id="27" name="Straight Connector 26">
-            <a:extLst>
-              <a:ext uri="{FF2B5EF4-FFF2-40B4-BE49-F238E27FC236}">
-                <a16:creationId xmlns:a16="http://schemas.microsoft.com/office/drawing/2014/main" id="{D4500744-9796-41F2-B1FB-B0CA93F95377}"/>
-              </a:ext>
-            </a:extLst>
-          </p:cNvPr>
-          <p:cNvCxnSpPr>
-            <a:stCxn id="18" idx="3"/>
-            <a:endCxn id="17" idx="0"/>
-          </p:cNvCxnSpPr>
-          <p:nvPr/>
-        </p:nvCxnSpPr>
-        <p:spPr>
-          <a:xfrm>
-            <a:off x="7646437" y="1925292"/>
-            <a:ext cx="3603171" cy="1323308"/>
-          </a:xfrm>
-          <a:prstGeom prst="line">
-            <a:avLst/>
-          </a:prstGeom>
-          <a:ln>
-            <a:solidFill>
-              <a:schemeClr val="tx1"/>
-            </a:solidFill>
-          </a:ln>
-        </p:spPr>
-        <p:style>
-          <a:lnRef idx="1">
-            <a:schemeClr val="accent1"/>
-          </a:lnRef>
-          <a:fillRef idx="0">
-            <a:schemeClr val="accent1"/>
-          </a:fillRef>
-          <a:effectRef idx="0">
-            <a:schemeClr val="accent1"/>
-          </a:effectRef>
-          <a:fontRef idx="minor">
-            <a:schemeClr val="tx1"/>
-          </a:fontRef>
-        </p:style>
-      </p:cxnSp>
-      <p:sp>
-        <p:nvSpPr>
-          <p:cNvPr id="3" name="TextBox 2">
-            <a:extLst>
-              <a:ext uri="{FF2B5EF4-FFF2-40B4-BE49-F238E27FC236}">
-                <a16:creationId xmlns:a16="http://schemas.microsoft.com/office/drawing/2014/main" id="{77A6C71B-616D-47AB-9DB6-8894FD2E7C8E}"/>
-              </a:ext>
-            </a:extLst>
-          </p:cNvPr>
-          <p:cNvSpPr txBox="1"/>
-          <p:nvPr/>
-        </p:nvSpPr>
-        <p:spPr>
-          <a:xfrm>
-            <a:off x="4838635" y="2971225"/>
-            <a:ext cx="4493615" cy="923330"/>
-          </a:xfrm>
-          <a:prstGeom prst="rect">
-            <a:avLst/>
-          </a:prstGeom>
-          <a:noFill/>
-        </p:spPr>
-        <p:txBody>
-          <a:bodyPr wrap="square" rtlCol="0">
-            <a:spAutoFit/>
-          </a:bodyPr>
-          <a:lstStyle/>
-          <a:p>
-            <a:r>
-              <a:rPr lang="en-GB" dirty="0">
-                <a:solidFill>
-                  <a:srgbClr val="FF0000"/>
-                </a:solidFill>
-              </a:rPr>
-              <a:t>!!!!! OLD ER DIAGRAM, WILL REMOVE THIS ONCE WE CONFIRM THE UPDATED ONE IS ALL CORRECT :D !!!!</a:t>
-            </a:r>
-          </a:p>
-        </p:txBody>
-      </p:sp>
-    </p:spTree>
-    <p:extLst>
-      <p:ext uri="{BB962C8B-B14F-4D97-AF65-F5344CB8AC3E}">
-        <p14:creationId xmlns:p14="http://schemas.microsoft.com/office/powerpoint/2010/main" val="2859539322"/>
-      </p:ext>
-    </p:extLst>
-  </p:cSld>
-  <p:clrMapOvr>
-    <a:masterClrMapping/>
-  </p:clrMapOvr>
-</p:sld>
-</file>
-
-<file path=ppt/slides/slide16.xml><?xml version="1.0" encoding="utf-8"?>
-<p:sld xmlns:a="http://schemas.openxmlformats.org/drawingml/2006/main" xmlns:r="http://schemas.openxmlformats.org/officeDocument/2006/relationships" xmlns:p="http://schemas.openxmlformats.org/presentationml/2006/main">
-  <p:cSld>
-    <p:spTree>
-      <p:nvGrpSpPr>
-        <p:cNvPr id="1" name=""/>
-        <p:cNvGrpSpPr/>
-        <p:nvPr/>
-      </p:nvGrpSpPr>
-      <p:grpSpPr>
-        <a:xfrm>
-          <a:off x="0" y="0"/>
-          <a:ext cx="0" cy="0"/>
-          <a:chOff x="0" y="0"/>
-          <a:chExt cx="0" cy="0"/>
-        </a:xfrm>
-      </p:grpSpPr>
-      <p:sp>
-        <p:nvSpPr>
-          <p:cNvPr id="2" name="Title 1">
-            <a:extLst>
-              <a:ext uri="{FF2B5EF4-FFF2-40B4-BE49-F238E27FC236}">
                 <a16:creationId xmlns:a16="http://schemas.microsoft.com/office/drawing/2014/main" id="{509D9326-567C-4EDA-804B-04887162EBA0}"/>
               </a:ext>
             </a:extLst>
@@ -5759,7 +4750,7 @@
 </p:sld>
 </file>
 
-<file path=ppt/slides/slide17.xml><?xml version="1.0" encoding="utf-8"?>
+<file path=ppt/slides/slide16.xml><?xml version="1.0" encoding="utf-8"?>
 <p:sld xmlns:a="http://schemas.openxmlformats.org/drawingml/2006/main" xmlns:r="http://schemas.openxmlformats.org/officeDocument/2006/relationships" xmlns:p="http://schemas.openxmlformats.org/presentationml/2006/main">
   <p:cSld>
     <p:spTree>
@@ -7125,6 +6116,99 @@
 </p:sld>
 </file>
 
+<file path=ppt/slides/slide17.xml><?xml version="1.0" encoding="utf-8"?>
+<p:sld xmlns:a="http://schemas.openxmlformats.org/drawingml/2006/main" xmlns:r="http://schemas.openxmlformats.org/officeDocument/2006/relationships" xmlns:p="http://schemas.openxmlformats.org/presentationml/2006/main">
+  <p:cSld>
+    <p:spTree>
+      <p:nvGrpSpPr>
+        <p:cNvPr id="1" name=""/>
+        <p:cNvGrpSpPr/>
+        <p:nvPr/>
+      </p:nvGrpSpPr>
+      <p:grpSpPr>
+        <a:xfrm>
+          <a:off x="0" y="0"/>
+          <a:ext cx="0" cy="0"/>
+          <a:chOff x="0" y="0"/>
+          <a:chExt cx="0" cy="0"/>
+        </a:xfrm>
+      </p:grpSpPr>
+      <p:pic>
+        <p:nvPicPr>
+          <p:cNvPr id="11" name="Picture 10">
+            <a:extLst>
+              <a:ext uri="{FF2B5EF4-FFF2-40B4-BE49-F238E27FC236}">
+                <a16:creationId xmlns:a16="http://schemas.microsoft.com/office/drawing/2014/main" id="{8A9BC152-CBD2-4CF7-ADD3-02BC529681BA}"/>
+              </a:ext>
+            </a:extLst>
+          </p:cNvPr>
+          <p:cNvPicPr>
+            <a:picLocks noChangeAspect="1"/>
+          </p:cNvPicPr>
+          <p:nvPr/>
+        </p:nvPicPr>
+        <p:blipFill>
+          <a:blip r:embed="rId2"/>
+          <a:stretch>
+            <a:fillRect/>
+          </a:stretch>
+        </p:blipFill>
+        <p:spPr>
+          <a:xfrm>
+            <a:off x="310331" y="0"/>
+            <a:ext cx="11881669" cy="6858000"/>
+          </a:xfrm>
+          <a:prstGeom prst="rect">
+            <a:avLst/>
+          </a:prstGeom>
+        </p:spPr>
+      </p:pic>
+      <p:sp>
+        <p:nvSpPr>
+          <p:cNvPr id="2" name="Title 1">
+            <a:extLst>
+              <a:ext uri="{FF2B5EF4-FFF2-40B4-BE49-F238E27FC236}">
+                <a16:creationId xmlns:a16="http://schemas.microsoft.com/office/drawing/2014/main" id="{EAA9E18D-6439-40D7-8CC4-2EA82C8DA52E}"/>
+              </a:ext>
+            </a:extLst>
+          </p:cNvPr>
+          <p:cNvSpPr>
+            <a:spLocks noGrp="1"/>
+          </p:cNvSpPr>
+          <p:nvPr>
+            <p:ph type="title"/>
+          </p:nvPr>
+        </p:nvSpPr>
+        <p:spPr>
+          <a:xfrm>
+            <a:off x="216763" y="155104"/>
+            <a:ext cx="10515600" cy="1325563"/>
+          </a:xfrm>
+        </p:spPr>
+        <p:txBody>
+          <a:bodyPr/>
+          <a:lstStyle/>
+          <a:p>
+            <a:r>
+              <a:rPr lang="en-GB" dirty="0"/>
+              <a:t>Site Map</a:t>
+            </a:r>
+          </a:p>
+        </p:txBody>
+      </p:sp>
+    </p:spTree>
+    <p:extLst>
+      <p:ext uri="{BB962C8B-B14F-4D97-AF65-F5344CB8AC3E}">
+        <p14:creationId xmlns:p14="http://schemas.microsoft.com/office/powerpoint/2010/main" val="1331374456"/>
+      </p:ext>
+    </p:extLst>
+  </p:cSld>
+  <p:clrMapOvr>
+    <a:masterClrMapping/>
+  </p:clrMapOvr>
+</p:sld>
+</file>
+
 <file path=ppt/slides/slide18.xml><?xml version="1.0" encoding="utf-8"?>
 <p:sld xmlns:a="http://schemas.openxmlformats.org/drawingml/2006/main" xmlns:r="http://schemas.openxmlformats.org/officeDocument/2006/relationships" xmlns:p="http://schemas.openxmlformats.org/presentationml/2006/main">
   <p:cSld>
@@ -7147,7 +6231,7 @@
           <p:cNvPr id="2" name="Title 1">
             <a:extLst>
               <a:ext uri="{FF2B5EF4-FFF2-40B4-BE49-F238E27FC236}">
-                <a16:creationId xmlns:a16="http://schemas.microsoft.com/office/drawing/2014/main" id="{EAA9E18D-6439-40D7-8CC4-2EA82C8DA52E}"/>
+                <a16:creationId xmlns:a16="http://schemas.microsoft.com/office/drawing/2014/main" id="{AFAB0BE9-E7D9-4620-A18B-34038E060CED}"/>
               </a:ext>
             </a:extLst>
           </p:cNvPr>
@@ -7160,7 +6244,7 @@
         </p:nvSpPr>
         <p:spPr>
           <a:xfrm>
-            <a:off x="216763" y="155104"/>
+            <a:off x="381000" y="523746"/>
             <a:ext cx="10515600" cy="1325563"/>
           </a:xfrm>
         </p:spPr>
@@ -7170,1028 +6254,41 @@
           <a:p>
             <a:r>
               <a:rPr lang="en-GB" dirty="0"/>
-              <a:t>Site Map</a:t>
-            </a:r>
-          </a:p>
-        </p:txBody>
-      </p:sp>
-      <p:sp>
-        <p:nvSpPr>
-          <p:cNvPr id="4" name="Rectangle 3">
-            <a:extLst>
-              <a:ext uri="{FF2B5EF4-FFF2-40B4-BE49-F238E27FC236}">
-                <a16:creationId xmlns:a16="http://schemas.microsoft.com/office/drawing/2014/main" id="{713AA823-5E89-44E1-B6AC-13179D4E9DB3}"/>
-              </a:ext>
-            </a:extLst>
-          </p:cNvPr>
-          <p:cNvSpPr/>
+              <a:t>Site URLs</a:t>
+            </a:r>
+          </a:p>
+        </p:txBody>
+      </p:sp>
+      <p:pic>
+        <p:nvPicPr>
+          <p:cNvPr id="7" name="Picture 6">
+            <a:extLst>
+              <a:ext uri="{FF2B5EF4-FFF2-40B4-BE49-F238E27FC236}">
+                <a16:creationId xmlns:a16="http://schemas.microsoft.com/office/drawing/2014/main" id="{702B029C-782D-477E-A167-A4DB090C2CCB}"/>
+              </a:ext>
+            </a:extLst>
+          </p:cNvPr>
+          <p:cNvPicPr>
+            <a:picLocks noChangeAspect="1"/>
+          </p:cNvPicPr>
           <p:nvPr/>
-        </p:nvSpPr>
+        </p:nvPicPr>
+        <p:blipFill>
+          <a:blip r:embed="rId2"/>
+          <a:stretch>
+            <a:fillRect/>
+          </a:stretch>
+        </p:blipFill>
         <p:spPr>
           <a:xfrm>
-            <a:off x="4767309" y="575144"/>
-            <a:ext cx="2405848" cy="905523"/>
+            <a:off x="3200868" y="183786"/>
+            <a:ext cx="8798300" cy="6674213"/>
           </a:xfrm>
           <a:prstGeom prst="rect">
             <a:avLst/>
           </a:prstGeom>
-          <a:noFill/>
-          <a:ln>
-            <a:solidFill>
-              <a:schemeClr val="tx1"/>
-            </a:solidFill>
-          </a:ln>
         </p:spPr>
-        <p:style>
-          <a:lnRef idx="2">
-            <a:schemeClr val="accent1">
-              <a:shade val="50000"/>
-            </a:schemeClr>
-          </a:lnRef>
-          <a:fillRef idx="1">
-            <a:schemeClr val="accent1"/>
-          </a:fillRef>
-          <a:effectRef idx="0">
-            <a:schemeClr val="accent1"/>
-          </a:effectRef>
-          <a:fontRef idx="minor">
-            <a:schemeClr val="lt1"/>
-          </a:fontRef>
-        </p:style>
-        <p:txBody>
-          <a:bodyPr rtlCol="0" anchor="ctr"/>
-          <a:lstStyle/>
-          <a:p>
-            <a:pPr algn="ctr"/>
-            <a:r>
-              <a:rPr lang="en-GB" dirty="0">
-                <a:solidFill>
-                  <a:schemeClr val="tx1"/>
-                </a:solidFill>
-              </a:rPr>
-              <a:t>Home Page (index)</a:t>
-            </a:r>
-          </a:p>
-        </p:txBody>
-      </p:sp>
-      <p:sp>
-        <p:nvSpPr>
-          <p:cNvPr id="5" name="Rectangle 4">
-            <a:extLst>
-              <a:ext uri="{FF2B5EF4-FFF2-40B4-BE49-F238E27FC236}">
-                <a16:creationId xmlns:a16="http://schemas.microsoft.com/office/drawing/2014/main" id="{BFFDB295-9F21-424B-8649-1AE5B92AFD3B}"/>
-              </a:ext>
-            </a:extLst>
-          </p:cNvPr>
-          <p:cNvSpPr/>
-          <p:nvPr/>
-        </p:nvSpPr>
-        <p:spPr>
-          <a:xfrm>
-            <a:off x="1475173" y="2094705"/>
-            <a:ext cx="2405848" cy="905523"/>
-          </a:xfrm>
-          <a:prstGeom prst="rect">
-            <a:avLst/>
-          </a:prstGeom>
-          <a:noFill/>
-          <a:ln>
-            <a:solidFill>
-              <a:schemeClr val="tx1"/>
-            </a:solidFill>
-          </a:ln>
-        </p:spPr>
-        <p:style>
-          <a:lnRef idx="2">
-            <a:schemeClr val="accent1">
-              <a:shade val="50000"/>
-            </a:schemeClr>
-          </a:lnRef>
-          <a:fillRef idx="1">
-            <a:schemeClr val="accent1"/>
-          </a:fillRef>
-          <a:effectRef idx="0">
-            <a:schemeClr val="accent1"/>
-          </a:effectRef>
-          <a:fontRef idx="minor">
-            <a:schemeClr val="lt1"/>
-          </a:fontRef>
-        </p:style>
-        <p:txBody>
-          <a:bodyPr rtlCol="0" anchor="ctr"/>
-          <a:lstStyle/>
-          <a:p>
-            <a:pPr algn="ctr"/>
-            <a:r>
-              <a:rPr lang="en-GB" dirty="0">
-                <a:solidFill>
-                  <a:schemeClr val="tx1"/>
-                </a:solidFill>
-              </a:rPr>
-              <a:t>Login</a:t>
-            </a:r>
-          </a:p>
-        </p:txBody>
-      </p:sp>
-      <p:sp>
-        <p:nvSpPr>
-          <p:cNvPr id="6" name="Rectangle 5">
-            <a:extLst>
-              <a:ext uri="{FF2B5EF4-FFF2-40B4-BE49-F238E27FC236}">
-                <a16:creationId xmlns:a16="http://schemas.microsoft.com/office/drawing/2014/main" id="{B77AD60C-4060-41D2-B89C-D45DE1D9BB28}"/>
-              </a:ext>
-            </a:extLst>
-          </p:cNvPr>
-          <p:cNvSpPr/>
-          <p:nvPr/>
-        </p:nvSpPr>
-        <p:spPr>
-          <a:xfrm>
-            <a:off x="1475173" y="3405011"/>
-            <a:ext cx="2405848" cy="905523"/>
-          </a:xfrm>
-          <a:prstGeom prst="rect">
-            <a:avLst/>
-          </a:prstGeom>
-          <a:noFill/>
-          <a:ln>
-            <a:solidFill>
-              <a:schemeClr val="tx1"/>
-            </a:solidFill>
-          </a:ln>
-        </p:spPr>
-        <p:style>
-          <a:lnRef idx="2">
-            <a:schemeClr val="accent1">
-              <a:shade val="50000"/>
-            </a:schemeClr>
-          </a:lnRef>
-          <a:fillRef idx="1">
-            <a:schemeClr val="accent1"/>
-          </a:fillRef>
-          <a:effectRef idx="0">
-            <a:schemeClr val="accent1"/>
-          </a:effectRef>
-          <a:fontRef idx="minor">
-            <a:schemeClr val="lt1"/>
-          </a:fontRef>
-        </p:style>
-        <p:txBody>
-          <a:bodyPr rtlCol="0" anchor="ctr"/>
-          <a:lstStyle/>
-          <a:p>
-            <a:pPr algn="ctr"/>
-            <a:r>
-              <a:rPr lang="en-GB" dirty="0">
-                <a:solidFill>
-                  <a:schemeClr val="tx1"/>
-                </a:solidFill>
-              </a:rPr>
-              <a:t>My account</a:t>
-            </a:r>
-          </a:p>
-        </p:txBody>
-      </p:sp>
-      <p:sp>
-        <p:nvSpPr>
-          <p:cNvPr id="7" name="Rectangle 6">
-            <a:extLst>
-              <a:ext uri="{FF2B5EF4-FFF2-40B4-BE49-F238E27FC236}">
-                <a16:creationId xmlns:a16="http://schemas.microsoft.com/office/drawing/2014/main" id="{0F6BE382-F353-4603-B41E-D96F60CA2995}"/>
-              </a:ext>
-            </a:extLst>
-          </p:cNvPr>
-          <p:cNvSpPr/>
-          <p:nvPr/>
-        </p:nvSpPr>
-        <p:spPr>
-          <a:xfrm>
-            <a:off x="1475173" y="4791407"/>
-            <a:ext cx="2405848" cy="905523"/>
-          </a:xfrm>
-          <a:prstGeom prst="rect">
-            <a:avLst/>
-          </a:prstGeom>
-          <a:noFill/>
-          <a:ln>
-            <a:solidFill>
-              <a:schemeClr val="tx1"/>
-            </a:solidFill>
-          </a:ln>
-        </p:spPr>
-        <p:style>
-          <a:lnRef idx="2">
-            <a:schemeClr val="accent1">
-              <a:shade val="50000"/>
-            </a:schemeClr>
-          </a:lnRef>
-          <a:fillRef idx="1">
-            <a:schemeClr val="accent1"/>
-          </a:fillRef>
-          <a:effectRef idx="0">
-            <a:schemeClr val="accent1"/>
-          </a:effectRef>
-          <a:fontRef idx="minor">
-            <a:schemeClr val="lt1"/>
-          </a:fontRef>
-        </p:style>
-        <p:txBody>
-          <a:bodyPr rtlCol="0" anchor="ctr"/>
-          <a:lstStyle/>
-          <a:p>
-            <a:pPr algn="ctr"/>
-            <a:r>
-              <a:rPr lang="en-GB" dirty="0">
-                <a:solidFill>
-                  <a:schemeClr val="tx1"/>
-                </a:solidFill>
-              </a:rPr>
-              <a:t>My page</a:t>
-            </a:r>
-          </a:p>
-        </p:txBody>
-      </p:sp>
-      <p:sp>
-        <p:nvSpPr>
-          <p:cNvPr id="8" name="Rectangle 7">
-            <a:extLst>
-              <a:ext uri="{FF2B5EF4-FFF2-40B4-BE49-F238E27FC236}">
-                <a16:creationId xmlns:a16="http://schemas.microsoft.com/office/drawing/2014/main" id="{BA51B06E-BE6B-49D2-AF41-139D5D1A95B1}"/>
-              </a:ext>
-            </a:extLst>
-          </p:cNvPr>
-          <p:cNvSpPr/>
-          <p:nvPr/>
-        </p:nvSpPr>
-        <p:spPr>
-          <a:xfrm>
-            <a:off x="6232125" y="2094281"/>
-            <a:ext cx="2405848" cy="905523"/>
-          </a:xfrm>
-          <a:prstGeom prst="rect">
-            <a:avLst/>
-          </a:prstGeom>
-          <a:noFill/>
-          <a:ln>
-            <a:solidFill>
-              <a:schemeClr val="tx1"/>
-            </a:solidFill>
-          </a:ln>
-        </p:spPr>
-        <p:style>
-          <a:lnRef idx="2">
-            <a:schemeClr val="accent1">
-              <a:shade val="50000"/>
-            </a:schemeClr>
-          </a:lnRef>
-          <a:fillRef idx="1">
-            <a:schemeClr val="accent1"/>
-          </a:fillRef>
-          <a:effectRef idx="0">
-            <a:schemeClr val="accent1"/>
-          </a:effectRef>
-          <a:fontRef idx="minor">
-            <a:schemeClr val="lt1"/>
-          </a:fontRef>
-        </p:style>
-        <p:txBody>
-          <a:bodyPr rtlCol="0" anchor="ctr"/>
-          <a:lstStyle/>
-          <a:p>
-            <a:pPr algn="ctr"/>
-            <a:r>
-              <a:rPr lang="en-GB" dirty="0">
-                <a:solidFill>
-                  <a:schemeClr val="tx1"/>
-                </a:solidFill>
-              </a:rPr>
-              <a:t>Lecture</a:t>
-            </a:r>
-          </a:p>
-        </p:txBody>
-      </p:sp>
-      <p:sp>
-        <p:nvSpPr>
-          <p:cNvPr id="9" name="Rectangle 8">
-            <a:extLst>
-              <a:ext uri="{FF2B5EF4-FFF2-40B4-BE49-F238E27FC236}">
-                <a16:creationId xmlns:a16="http://schemas.microsoft.com/office/drawing/2014/main" id="{66236483-F162-4A85-A5A7-A42B0EB2ED0F}"/>
-              </a:ext>
-            </a:extLst>
-          </p:cNvPr>
-          <p:cNvSpPr/>
-          <p:nvPr/>
-        </p:nvSpPr>
-        <p:spPr>
-          <a:xfrm>
-            <a:off x="4767309" y="3405011"/>
-            <a:ext cx="2405848" cy="905523"/>
-          </a:xfrm>
-          <a:prstGeom prst="rect">
-            <a:avLst/>
-          </a:prstGeom>
-          <a:noFill/>
-          <a:ln>
-            <a:solidFill>
-              <a:schemeClr val="tx1"/>
-            </a:solidFill>
-          </a:ln>
-        </p:spPr>
-        <p:style>
-          <a:lnRef idx="2">
-            <a:schemeClr val="accent1">
-              <a:shade val="50000"/>
-            </a:schemeClr>
-          </a:lnRef>
-          <a:fillRef idx="1">
-            <a:schemeClr val="accent1"/>
-          </a:fillRef>
-          <a:effectRef idx="0">
-            <a:schemeClr val="accent1"/>
-          </a:effectRef>
-          <a:fontRef idx="minor">
-            <a:schemeClr val="lt1"/>
-          </a:fontRef>
-        </p:style>
-        <p:txBody>
-          <a:bodyPr rtlCol="0" anchor="ctr"/>
-          <a:lstStyle/>
-          <a:p>
-            <a:pPr algn="ctr"/>
-            <a:r>
-              <a:rPr lang="en-GB" dirty="0">
-                <a:solidFill>
-                  <a:schemeClr val="tx1"/>
-                </a:solidFill>
-              </a:rPr>
-              <a:t>video</a:t>
-            </a:r>
-          </a:p>
-        </p:txBody>
-      </p:sp>
-      <p:sp>
-        <p:nvSpPr>
-          <p:cNvPr id="10" name="Rectangle 9">
-            <a:extLst>
-              <a:ext uri="{FF2B5EF4-FFF2-40B4-BE49-F238E27FC236}">
-                <a16:creationId xmlns:a16="http://schemas.microsoft.com/office/drawing/2014/main" id="{DAA536A7-008D-4383-82D8-8ED2DE4291C5}"/>
-              </a:ext>
-            </a:extLst>
-          </p:cNvPr>
-          <p:cNvSpPr/>
-          <p:nvPr/>
-        </p:nvSpPr>
-        <p:spPr>
-          <a:xfrm>
-            <a:off x="7989903" y="3404806"/>
-            <a:ext cx="2405848" cy="905523"/>
-          </a:xfrm>
-          <a:prstGeom prst="rect">
-            <a:avLst/>
-          </a:prstGeom>
-          <a:noFill/>
-          <a:ln>
-            <a:solidFill>
-              <a:schemeClr val="tx1"/>
-            </a:solidFill>
-          </a:ln>
-        </p:spPr>
-        <p:style>
-          <a:lnRef idx="2">
-            <a:schemeClr val="accent1">
-              <a:shade val="50000"/>
-            </a:schemeClr>
-          </a:lnRef>
-          <a:fillRef idx="1">
-            <a:schemeClr val="accent1"/>
-          </a:fillRef>
-          <a:effectRef idx="0">
-            <a:schemeClr val="accent1"/>
-          </a:effectRef>
-          <a:fontRef idx="minor">
-            <a:schemeClr val="lt1"/>
-          </a:fontRef>
-        </p:style>
-        <p:txBody>
-          <a:bodyPr rtlCol="0" anchor="ctr"/>
-          <a:lstStyle/>
-          <a:p>
-            <a:pPr algn="ctr"/>
-            <a:r>
-              <a:rPr lang="en-GB" dirty="0">
-                <a:solidFill>
-                  <a:schemeClr val="tx1"/>
-                </a:solidFill>
-              </a:rPr>
-              <a:t>pdf</a:t>
-            </a:r>
-          </a:p>
-        </p:txBody>
-      </p:sp>
-      <p:cxnSp>
-        <p:nvCxnSpPr>
-          <p:cNvPr id="12" name="Straight Connector 11">
-            <a:extLst>
-              <a:ext uri="{FF2B5EF4-FFF2-40B4-BE49-F238E27FC236}">
-                <a16:creationId xmlns:a16="http://schemas.microsoft.com/office/drawing/2014/main" id="{A4C7D03C-D9FA-4D9E-A0CC-D17412646593}"/>
-              </a:ext>
-            </a:extLst>
-          </p:cNvPr>
-          <p:cNvCxnSpPr>
-            <a:cxnSpLocks/>
-          </p:cNvCxnSpPr>
-          <p:nvPr/>
-        </p:nvCxnSpPr>
-        <p:spPr>
-          <a:xfrm>
-            <a:off x="5970233" y="1480667"/>
-            <a:ext cx="0" cy="404783"/>
-          </a:xfrm>
-          <a:prstGeom prst="line">
-            <a:avLst/>
-          </a:prstGeom>
-          <a:ln>
-            <a:solidFill>
-              <a:schemeClr val="tx1"/>
-            </a:solidFill>
-          </a:ln>
-        </p:spPr>
-        <p:style>
-          <a:lnRef idx="1">
-            <a:schemeClr val="accent1"/>
-          </a:lnRef>
-          <a:fillRef idx="0">
-            <a:schemeClr val="accent1"/>
-          </a:fillRef>
-          <a:effectRef idx="0">
-            <a:schemeClr val="accent1"/>
-          </a:effectRef>
-          <a:fontRef idx="minor">
-            <a:schemeClr val="tx1"/>
-          </a:fontRef>
-        </p:style>
-      </p:cxnSp>
-      <p:cxnSp>
-        <p:nvCxnSpPr>
-          <p:cNvPr id="14" name="Straight Connector 13">
-            <a:extLst>
-              <a:ext uri="{FF2B5EF4-FFF2-40B4-BE49-F238E27FC236}">
-                <a16:creationId xmlns:a16="http://schemas.microsoft.com/office/drawing/2014/main" id="{9D78EFBE-B9E5-4FF6-929E-60454589F5FF}"/>
-              </a:ext>
-            </a:extLst>
-          </p:cNvPr>
-          <p:cNvCxnSpPr>
-            <a:cxnSpLocks/>
-            <a:endCxn id="5" idx="0"/>
-          </p:cNvCxnSpPr>
-          <p:nvPr/>
-        </p:nvCxnSpPr>
-        <p:spPr>
-          <a:xfrm>
-            <a:off x="2678097" y="1890944"/>
-            <a:ext cx="0" cy="203761"/>
-          </a:xfrm>
-          <a:prstGeom prst="line">
-            <a:avLst/>
-          </a:prstGeom>
-          <a:ln>
-            <a:solidFill>
-              <a:schemeClr val="tx1"/>
-            </a:solidFill>
-          </a:ln>
-        </p:spPr>
-        <p:style>
-          <a:lnRef idx="1">
-            <a:schemeClr val="accent1"/>
-          </a:lnRef>
-          <a:fillRef idx="0">
-            <a:schemeClr val="accent1"/>
-          </a:fillRef>
-          <a:effectRef idx="0">
-            <a:schemeClr val="accent1"/>
-          </a:effectRef>
-          <a:fontRef idx="minor">
-            <a:schemeClr val="tx1"/>
-          </a:fontRef>
-        </p:style>
-      </p:cxnSp>
-      <p:cxnSp>
-        <p:nvCxnSpPr>
-          <p:cNvPr id="18" name="Straight Connector 17">
-            <a:extLst>
-              <a:ext uri="{FF2B5EF4-FFF2-40B4-BE49-F238E27FC236}">
-                <a16:creationId xmlns:a16="http://schemas.microsoft.com/office/drawing/2014/main" id="{654F4811-1B2B-4E0A-ABAC-679625636C20}"/>
-              </a:ext>
-            </a:extLst>
-          </p:cNvPr>
-          <p:cNvCxnSpPr>
-            <a:cxnSpLocks/>
-            <a:stCxn id="8" idx="0"/>
-          </p:cNvCxnSpPr>
-          <p:nvPr/>
-        </p:nvCxnSpPr>
-        <p:spPr>
-          <a:xfrm flipV="1">
-            <a:off x="7435049" y="1885450"/>
-            <a:ext cx="0" cy="208831"/>
-          </a:xfrm>
-          <a:prstGeom prst="line">
-            <a:avLst/>
-          </a:prstGeom>
-          <a:ln>
-            <a:solidFill>
-              <a:schemeClr val="tx1"/>
-            </a:solidFill>
-          </a:ln>
-        </p:spPr>
-        <p:style>
-          <a:lnRef idx="1">
-            <a:schemeClr val="accent1"/>
-          </a:lnRef>
-          <a:fillRef idx="0">
-            <a:schemeClr val="accent1"/>
-          </a:fillRef>
-          <a:effectRef idx="0">
-            <a:schemeClr val="accent1"/>
-          </a:effectRef>
-          <a:fontRef idx="minor">
-            <a:schemeClr val="tx1"/>
-          </a:fontRef>
-        </p:style>
-      </p:cxnSp>
-      <p:cxnSp>
-        <p:nvCxnSpPr>
-          <p:cNvPr id="21" name="Straight Connector 20">
-            <a:extLst>
-              <a:ext uri="{FF2B5EF4-FFF2-40B4-BE49-F238E27FC236}">
-                <a16:creationId xmlns:a16="http://schemas.microsoft.com/office/drawing/2014/main" id="{4042DA97-6E0C-40E2-837A-E5C076631859}"/>
-              </a:ext>
-            </a:extLst>
-          </p:cNvPr>
-          <p:cNvCxnSpPr>
-            <a:cxnSpLocks/>
-          </p:cNvCxnSpPr>
-          <p:nvPr/>
-        </p:nvCxnSpPr>
-        <p:spPr>
-          <a:xfrm flipH="1">
-            <a:off x="2678097" y="1885450"/>
-            <a:ext cx="4756952" cy="5494"/>
-          </a:xfrm>
-          <a:prstGeom prst="line">
-            <a:avLst/>
-          </a:prstGeom>
-          <a:ln>
-            <a:solidFill>
-              <a:schemeClr val="tx1"/>
-            </a:solidFill>
-          </a:ln>
-        </p:spPr>
-        <p:style>
-          <a:lnRef idx="1">
-            <a:schemeClr val="accent1"/>
-          </a:lnRef>
-          <a:fillRef idx="0">
-            <a:schemeClr val="accent1"/>
-          </a:fillRef>
-          <a:effectRef idx="0">
-            <a:schemeClr val="accent1"/>
-          </a:effectRef>
-          <a:fontRef idx="minor">
-            <a:schemeClr val="tx1"/>
-          </a:fontRef>
-        </p:style>
-      </p:cxnSp>
-      <p:cxnSp>
-        <p:nvCxnSpPr>
-          <p:cNvPr id="26" name="Straight Connector 25">
-            <a:extLst>
-              <a:ext uri="{FF2B5EF4-FFF2-40B4-BE49-F238E27FC236}">
-                <a16:creationId xmlns:a16="http://schemas.microsoft.com/office/drawing/2014/main" id="{44827D39-B39E-429E-B4E1-3F6F067A2207}"/>
-              </a:ext>
-            </a:extLst>
-          </p:cNvPr>
-          <p:cNvCxnSpPr>
-            <a:cxnSpLocks/>
-            <a:stCxn id="8" idx="2"/>
-          </p:cNvCxnSpPr>
-          <p:nvPr/>
-        </p:nvCxnSpPr>
-        <p:spPr>
-          <a:xfrm>
-            <a:off x="7435049" y="2999804"/>
-            <a:ext cx="0" cy="249423"/>
-          </a:xfrm>
-          <a:prstGeom prst="line">
-            <a:avLst/>
-          </a:prstGeom>
-          <a:ln>
-            <a:solidFill>
-              <a:schemeClr val="tx1"/>
-            </a:solidFill>
-          </a:ln>
-        </p:spPr>
-        <p:style>
-          <a:lnRef idx="1">
-            <a:schemeClr val="accent1"/>
-          </a:lnRef>
-          <a:fillRef idx="0">
-            <a:schemeClr val="accent1"/>
-          </a:fillRef>
-          <a:effectRef idx="0">
-            <a:schemeClr val="accent1"/>
-          </a:effectRef>
-          <a:fontRef idx="minor">
-            <a:schemeClr val="tx1"/>
-          </a:fontRef>
-        </p:style>
-      </p:cxnSp>
-      <p:cxnSp>
-        <p:nvCxnSpPr>
-          <p:cNvPr id="29" name="Straight Connector 28">
-            <a:extLst>
-              <a:ext uri="{FF2B5EF4-FFF2-40B4-BE49-F238E27FC236}">
-                <a16:creationId xmlns:a16="http://schemas.microsoft.com/office/drawing/2014/main" id="{1AE70886-2322-4028-8CAA-4AB096AE7DA0}"/>
-              </a:ext>
-            </a:extLst>
-          </p:cNvPr>
-          <p:cNvCxnSpPr>
-            <a:cxnSpLocks/>
-            <a:stCxn id="9" idx="0"/>
-          </p:cNvCxnSpPr>
-          <p:nvPr/>
-        </p:nvCxnSpPr>
-        <p:spPr>
-          <a:xfrm flipV="1">
-            <a:off x="5970233" y="3208635"/>
-            <a:ext cx="0" cy="196376"/>
-          </a:xfrm>
-          <a:prstGeom prst="line">
-            <a:avLst/>
-          </a:prstGeom>
-          <a:ln>
-            <a:solidFill>
-              <a:schemeClr val="tx1"/>
-            </a:solidFill>
-          </a:ln>
-        </p:spPr>
-        <p:style>
-          <a:lnRef idx="1">
-            <a:schemeClr val="accent1"/>
-          </a:lnRef>
-          <a:fillRef idx="0">
-            <a:schemeClr val="accent1"/>
-          </a:fillRef>
-          <a:effectRef idx="0">
-            <a:schemeClr val="accent1"/>
-          </a:effectRef>
-          <a:fontRef idx="minor">
-            <a:schemeClr val="tx1"/>
-          </a:fontRef>
-        </p:style>
-      </p:cxnSp>
-      <p:cxnSp>
-        <p:nvCxnSpPr>
-          <p:cNvPr id="32" name="Straight Connector 31">
-            <a:extLst>
-              <a:ext uri="{FF2B5EF4-FFF2-40B4-BE49-F238E27FC236}">
-                <a16:creationId xmlns:a16="http://schemas.microsoft.com/office/drawing/2014/main" id="{C868CCBA-384C-44D6-A428-59DCAC616865}"/>
-              </a:ext>
-            </a:extLst>
-          </p:cNvPr>
-          <p:cNvCxnSpPr>
-            <a:cxnSpLocks/>
-            <a:endCxn id="10" idx="0"/>
-          </p:cNvCxnSpPr>
-          <p:nvPr/>
-        </p:nvCxnSpPr>
-        <p:spPr>
-          <a:xfrm>
-            <a:off x="9192827" y="3230316"/>
-            <a:ext cx="0" cy="174490"/>
-          </a:xfrm>
-          <a:prstGeom prst="line">
-            <a:avLst/>
-          </a:prstGeom>
-          <a:ln>
-            <a:solidFill>
-              <a:schemeClr val="tx1"/>
-            </a:solidFill>
-          </a:ln>
-        </p:spPr>
-        <p:style>
-          <a:lnRef idx="1">
-            <a:schemeClr val="accent1"/>
-          </a:lnRef>
-          <a:fillRef idx="0">
-            <a:schemeClr val="accent1"/>
-          </a:fillRef>
-          <a:effectRef idx="0">
-            <a:schemeClr val="accent1"/>
-          </a:effectRef>
-          <a:fontRef idx="minor">
-            <a:schemeClr val="tx1"/>
-          </a:fontRef>
-        </p:style>
-      </p:cxnSp>
-      <p:cxnSp>
-        <p:nvCxnSpPr>
-          <p:cNvPr id="35" name="Straight Connector 34">
-            <a:extLst>
-              <a:ext uri="{FF2B5EF4-FFF2-40B4-BE49-F238E27FC236}">
-                <a16:creationId xmlns:a16="http://schemas.microsoft.com/office/drawing/2014/main" id="{09F93231-F59D-48B0-A513-05F893FC554A}"/>
-              </a:ext>
-            </a:extLst>
-          </p:cNvPr>
-          <p:cNvCxnSpPr>
-            <a:cxnSpLocks/>
-          </p:cNvCxnSpPr>
-          <p:nvPr/>
-        </p:nvCxnSpPr>
-        <p:spPr>
-          <a:xfrm>
-            <a:off x="5970233" y="3230316"/>
-            <a:ext cx="3222594" cy="0"/>
-          </a:xfrm>
-          <a:prstGeom prst="line">
-            <a:avLst/>
-          </a:prstGeom>
-          <a:ln>
-            <a:solidFill>
-              <a:schemeClr val="tx1"/>
-            </a:solidFill>
-          </a:ln>
-        </p:spPr>
-        <p:style>
-          <a:lnRef idx="1">
-            <a:schemeClr val="accent1"/>
-          </a:lnRef>
-          <a:fillRef idx="0">
-            <a:schemeClr val="accent1"/>
-          </a:fillRef>
-          <a:effectRef idx="0">
-            <a:schemeClr val="accent1"/>
-          </a:effectRef>
-          <a:fontRef idx="minor">
-            <a:schemeClr val="tx1"/>
-          </a:fontRef>
-        </p:style>
-      </p:cxnSp>
-      <p:cxnSp>
-        <p:nvCxnSpPr>
-          <p:cNvPr id="39" name="Straight Connector 38">
-            <a:extLst>
-              <a:ext uri="{FF2B5EF4-FFF2-40B4-BE49-F238E27FC236}">
-                <a16:creationId xmlns:a16="http://schemas.microsoft.com/office/drawing/2014/main" id="{67C2B8C1-C1E8-4001-9F75-203A6D4EC570}"/>
-              </a:ext>
-            </a:extLst>
-          </p:cNvPr>
-          <p:cNvCxnSpPr>
-            <a:cxnSpLocks/>
-            <a:stCxn id="5" idx="2"/>
-            <a:endCxn id="6" idx="0"/>
-          </p:cNvCxnSpPr>
-          <p:nvPr/>
-        </p:nvCxnSpPr>
-        <p:spPr>
-          <a:xfrm>
-            <a:off x="2678097" y="3000228"/>
-            <a:ext cx="0" cy="404783"/>
-          </a:xfrm>
-          <a:prstGeom prst="line">
-            <a:avLst/>
-          </a:prstGeom>
-          <a:ln>
-            <a:solidFill>
-              <a:schemeClr val="tx1"/>
-            </a:solidFill>
-          </a:ln>
-        </p:spPr>
-        <p:style>
-          <a:lnRef idx="1">
-            <a:schemeClr val="accent1"/>
-          </a:lnRef>
-          <a:fillRef idx="0">
-            <a:schemeClr val="accent1"/>
-          </a:fillRef>
-          <a:effectRef idx="0">
-            <a:schemeClr val="accent1"/>
-          </a:effectRef>
-          <a:fontRef idx="minor">
-            <a:schemeClr val="tx1"/>
-          </a:fontRef>
-        </p:style>
-      </p:cxnSp>
-      <p:cxnSp>
-        <p:nvCxnSpPr>
-          <p:cNvPr id="42" name="Straight Connector 41">
-            <a:extLst>
-              <a:ext uri="{FF2B5EF4-FFF2-40B4-BE49-F238E27FC236}">
-                <a16:creationId xmlns:a16="http://schemas.microsoft.com/office/drawing/2014/main" id="{4B1E304B-42D0-43DD-990F-CF4D3E025763}"/>
-              </a:ext>
-            </a:extLst>
-          </p:cNvPr>
-          <p:cNvCxnSpPr>
-            <a:cxnSpLocks/>
-            <a:stCxn id="6" idx="2"/>
-            <a:endCxn id="7" idx="0"/>
-          </p:cNvCxnSpPr>
-          <p:nvPr/>
-        </p:nvCxnSpPr>
-        <p:spPr>
-          <a:xfrm>
-            <a:off x="2678097" y="4310534"/>
-            <a:ext cx="0" cy="480873"/>
-          </a:xfrm>
-          <a:prstGeom prst="line">
-            <a:avLst/>
-          </a:prstGeom>
-          <a:ln>
-            <a:solidFill>
-              <a:schemeClr val="tx1"/>
-            </a:solidFill>
-          </a:ln>
-        </p:spPr>
-        <p:style>
-          <a:lnRef idx="1">
-            <a:schemeClr val="accent1"/>
-          </a:lnRef>
-          <a:fillRef idx="0">
-            <a:schemeClr val="accent1"/>
-          </a:fillRef>
-          <a:effectRef idx="0">
-            <a:schemeClr val="accent1"/>
-          </a:effectRef>
-          <a:fontRef idx="minor">
-            <a:schemeClr val="tx1"/>
-          </a:fontRef>
-        </p:style>
-      </p:cxnSp>
-    </p:spTree>
-    <p:extLst>
-      <p:ext uri="{BB962C8B-B14F-4D97-AF65-F5344CB8AC3E}">
-        <p14:creationId xmlns:p14="http://schemas.microsoft.com/office/powerpoint/2010/main" val="1331374456"/>
-      </p:ext>
-    </p:extLst>
-  </p:cSld>
-  <p:clrMapOvr>
-    <a:masterClrMapping/>
-  </p:clrMapOvr>
-</p:sld>
-</file>
-
-<file path=ppt/slides/slide19.xml><?xml version="1.0" encoding="utf-8"?>
-<p:sld xmlns:a="http://schemas.openxmlformats.org/drawingml/2006/main" xmlns:r="http://schemas.openxmlformats.org/officeDocument/2006/relationships" xmlns:p="http://schemas.openxmlformats.org/presentationml/2006/main">
-  <p:cSld>
-    <p:spTree>
-      <p:nvGrpSpPr>
-        <p:cNvPr id="1" name=""/>
-        <p:cNvGrpSpPr/>
-        <p:nvPr/>
-      </p:nvGrpSpPr>
-      <p:grpSpPr>
-        <a:xfrm>
-          <a:off x="0" y="0"/>
-          <a:ext cx="0" cy="0"/>
-          <a:chOff x="0" y="0"/>
-          <a:chExt cx="0" cy="0"/>
-        </a:xfrm>
-      </p:grpSpPr>
-      <p:sp>
-        <p:nvSpPr>
-          <p:cNvPr id="2" name="Title 1">
-            <a:extLst>
-              <a:ext uri="{FF2B5EF4-FFF2-40B4-BE49-F238E27FC236}">
-                <a16:creationId xmlns:a16="http://schemas.microsoft.com/office/drawing/2014/main" id="{AFAB0BE9-E7D9-4620-A18B-34038E060CED}"/>
-              </a:ext>
-            </a:extLst>
-          </p:cNvPr>
-          <p:cNvSpPr>
-            <a:spLocks noGrp="1"/>
-          </p:cNvSpPr>
-          <p:nvPr>
-            <p:ph type="title"/>
-          </p:nvPr>
-        </p:nvSpPr>
-        <p:spPr/>
-        <p:txBody>
-          <a:bodyPr/>
-          <a:lstStyle/>
-          <a:p>
-            <a:r>
-              <a:rPr lang="en-GB" dirty="0"/>
-              <a:t>Site URLs</a:t>
-            </a:r>
-          </a:p>
-        </p:txBody>
-      </p:sp>
-      <p:sp>
-        <p:nvSpPr>
-          <p:cNvPr id="3" name="Content Placeholder 2">
-            <a:extLst>
-              <a:ext uri="{FF2B5EF4-FFF2-40B4-BE49-F238E27FC236}">
-                <a16:creationId xmlns:a16="http://schemas.microsoft.com/office/drawing/2014/main" id="{4387F4E2-0FE5-481C-8B0E-9BFDA07CCF2D}"/>
-              </a:ext>
-            </a:extLst>
-          </p:cNvPr>
-          <p:cNvSpPr>
-            <a:spLocks noGrp="1"/>
-          </p:cNvSpPr>
-          <p:nvPr>
-            <p:ph idx="1"/>
-          </p:nvPr>
-        </p:nvSpPr>
-        <p:spPr/>
-        <p:txBody>
-          <a:bodyPr/>
-          <a:lstStyle/>
-          <a:p>
-            <a:r>
-              <a:rPr lang="en-GB" dirty="0"/>
-              <a:t>/home</a:t>
-            </a:r>
-          </a:p>
-          <a:p>
-            <a:r>
-              <a:rPr lang="en-GB" dirty="0"/>
-              <a:t>/search</a:t>
-            </a:r>
-          </a:p>
-          <a:p>
-            <a:r>
-              <a:rPr lang="en-GB" dirty="0"/>
-              <a:t>/login</a:t>
-            </a:r>
-          </a:p>
-          <a:p>
-            <a:pPr lvl="1">
-              <a:buFont typeface="Courier New" panose="02070309020205020404" pitchFamily="49" charset="0"/>
-              <a:buChar char="o"/>
-            </a:pPr>
-            <a:r>
-              <a:rPr lang="en-GB" dirty="0"/>
-              <a:t>/login/</a:t>
-            </a:r>
-            <a:r>
-              <a:rPr lang="en-GB" dirty="0" err="1"/>
-              <a:t>myaccount</a:t>
-            </a:r>
-            <a:endParaRPr lang="en-GB" dirty="0"/>
-          </a:p>
-          <a:p>
-            <a:pPr lvl="1">
-              <a:buFont typeface="Courier New" panose="02070309020205020404" pitchFamily="49" charset="0"/>
-              <a:buChar char="o"/>
-            </a:pPr>
-            <a:r>
-              <a:rPr lang="en-GB" dirty="0"/>
-              <a:t>/login/</a:t>
-            </a:r>
-            <a:r>
-              <a:rPr lang="en-GB" dirty="0" err="1"/>
-              <a:t>myaccount</a:t>
-            </a:r>
-            <a:r>
-              <a:rPr lang="en-GB" dirty="0"/>
-              <a:t>/</a:t>
-            </a:r>
-            <a:r>
-              <a:rPr lang="en-GB" dirty="0" err="1"/>
-              <a:t>mypage</a:t>
-            </a:r>
-            <a:endParaRPr lang="en-GB" dirty="0"/>
-          </a:p>
-          <a:p>
-            <a:r>
-              <a:rPr lang="en-GB" dirty="0"/>
-              <a:t>/lecture</a:t>
-            </a:r>
-          </a:p>
-          <a:p>
-            <a:pPr lvl="1">
-              <a:buFont typeface="Courier New" panose="02070309020205020404" pitchFamily="49" charset="0"/>
-              <a:buChar char="o"/>
-            </a:pPr>
-            <a:r>
-              <a:rPr lang="en-GB" dirty="0"/>
-              <a:t>/lecture/video</a:t>
-            </a:r>
-          </a:p>
-          <a:p>
-            <a:pPr lvl="1">
-              <a:buFont typeface="Courier New" panose="02070309020205020404" pitchFamily="49" charset="0"/>
-              <a:buChar char="o"/>
-            </a:pPr>
-            <a:r>
-              <a:rPr lang="en-GB" dirty="0"/>
-              <a:t>/lecture/pdf</a:t>
-            </a:r>
-          </a:p>
-          <a:p>
-            <a:endParaRPr lang="en-GB" dirty="0"/>
-          </a:p>
-        </p:txBody>
-      </p:sp>
+      </p:pic>
     </p:spTree>
     <p:extLst>
       <p:ext uri="{BB962C8B-B14F-4D97-AF65-F5344CB8AC3E}">

--- a/DesignSpecification.pptx
+++ b/DesignSpecification.pptx
@@ -7,22 +7,21 @@
   <p:sldIdLst>
     <p:sldId id="256" r:id="rId2"/>
     <p:sldId id="257" r:id="rId3"/>
-    <p:sldId id="258" r:id="rId4"/>
-    <p:sldId id="259" r:id="rId5"/>
-    <p:sldId id="260" r:id="rId6"/>
-    <p:sldId id="261" r:id="rId7"/>
-    <p:sldId id="262" r:id="rId8"/>
-    <p:sldId id="272" r:id="rId9"/>
-    <p:sldId id="268" r:id="rId10"/>
-    <p:sldId id="269" r:id="rId11"/>
-    <p:sldId id="270" r:id="rId12"/>
-    <p:sldId id="271" r:id="rId13"/>
-    <p:sldId id="273" r:id="rId14"/>
-    <p:sldId id="263" r:id="rId15"/>
-    <p:sldId id="267" r:id="rId16"/>
-    <p:sldId id="266" r:id="rId17"/>
-    <p:sldId id="265" r:id="rId18"/>
-    <p:sldId id="274" r:id="rId19"/>
+    <p:sldId id="259" r:id="rId4"/>
+    <p:sldId id="260" r:id="rId5"/>
+    <p:sldId id="261" r:id="rId6"/>
+    <p:sldId id="262" r:id="rId7"/>
+    <p:sldId id="272" r:id="rId8"/>
+    <p:sldId id="268" r:id="rId9"/>
+    <p:sldId id="269" r:id="rId10"/>
+    <p:sldId id="270" r:id="rId11"/>
+    <p:sldId id="271" r:id="rId12"/>
+    <p:sldId id="273" r:id="rId13"/>
+    <p:sldId id="263" r:id="rId14"/>
+    <p:sldId id="267" r:id="rId15"/>
+    <p:sldId id="266" r:id="rId16"/>
+    <p:sldId id="265" r:id="rId17"/>
+    <p:sldId id="274" r:id="rId18"/>
   </p:sldIdLst>
   <p:sldSz cx="12192000" cy="6858000"/>
   <p:notesSz cx="6858000" cy="9144000"/>
@@ -278,7 +277,7 @@
           <a:p>
             <a:fld id="{95092FE3-F51D-0C4A-A1D2-112694A4D9A8}" type="datetimeFigureOut">
               <a:rPr lang="en-US" smtClean="0"/>
-              <a:t>2/24/2022</a:t>
+              <a:t>2/25/2022</a:t>
             </a:fld>
             <a:endParaRPr lang="en-US"/>
           </a:p>
@@ -478,7 +477,7 @@
           <a:p>
             <a:fld id="{95092FE3-F51D-0C4A-A1D2-112694A4D9A8}" type="datetimeFigureOut">
               <a:rPr lang="en-US" smtClean="0"/>
-              <a:t>2/24/2022</a:t>
+              <a:t>2/25/2022</a:t>
             </a:fld>
             <a:endParaRPr lang="en-US"/>
           </a:p>
@@ -688,7 +687,7 @@
           <a:p>
             <a:fld id="{95092FE3-F51D-0C4A-A1D2-112694A4D9A8}" type="datetimeFigureOut">
               <a:rPr lang="en-US" smtClean="0"/>
-              <a:t>2/24/2022</a:t>
+              <a:t>2/25/2022</a:t>
             </a:fld>
             <a:endParaRPr lang="en-US"/>
           </a:p>
@@ -888,7 +887,7 @@
           <a:p>
             <a:fld id="{95092FE3-F51D-0C4A-A1D2-112694A4D9A8}" type="datetimeFigureOut">
               <a:rPr lang="en-US" smtClean="0"/>
-              <a:t>2/24/2022</a:t>
+              <a:t>2/25/2022</a:t>
             </a:fld>
             <a:endParaRPr lang="en-US"/>
           </a:p>
@@ -1164,7 +1163,7 @@
           <a:p>
             <a:fld id="{95092FE3-F51D-0C4A-A1D2-112694A4D9A8}" type="datetimeFigureOut">
               <a:rPr lang="en-US" smtClean="0"/>
-              <a:t>2/24/2022</a:t>
+              <a:t>2/25/2022</a:t>
             </a:fld>
             <a:endParaRPr lang="en-US"/>
           </a:p>
@@ -1432,7 +1431,7 @@
           <a:p>
             <a:fld id="{95092FE3-F51D-0C4A-A1D2-112694A4D9A8}" type="datetimeFigureOut">
               <a:rPr lang="en-US" smtClean="0"/>
-              <a:t>2/24/2022</a:t>
+              <a:t>2/25/2022</a:t>
             </a:fld>
             <a:endParaRPr lang="en-US"/>
           </a:p>
@@ -1847,7 +1846,7 @@
           <a:p>
             <a:fld id="{95092FE3-F51D-0C4A-A1D2-112694A4D9A8}" type="datetimeFigureOut">
               <a:rPr lang="en-US" smtClean="0"/>
-              <a:t>2/24/2022</a:t>
+              <a:t>2/25/2022</a:t>
             </a:fld>
             <a:endParaRPr lang="en-US"/>
           </a:p>
@@ -1989,7 +1988,7 @@
           <a:p>
             <a:fld id="{95092FE3-F51D-0C4A-A1D2-112694A4D9A8}" type="datetimeFigureOut">
               <a:rPr lang="en-US" smtClean="0"/>
-              <a:t>2/24/2022</a:t>
+              <a:t>2/25/2022</a:t>
             </a:fld>
             <a:endParaRPr lang="en-US"/>
           </a:p>
@@ -2102,7 +2101,7 @@
           <a:p>
             <a:fld id="{95092FE3-F51D-0C4A-A1D2-112694A4D9A8}" type="datetimeFigureOut">
               <a:rPr lang="en-US" smtClean="0"/>
-              <a:t>2/24/2022</a:t>
+              <a:t>2/25/2022</a:t>
             </a:fld>
             <a:endParaRPr lang="en-US"/>
           </a:p>
@@ -2415,7 +2414,7 @@
           <a:p>
             <a:fld id="{95092FE3-F51D-0C4A-A1D2-112694A4D9A8}" type="datetimeFigureOut">
               <a:rPr lang="en-US" smtClean="0"/>
-              <a:t>2/24/2022</a:t>
+              <a:t>2/25/2022</a:t>
             </a:fld>
             <a:endParaRPr lang="en-US"/>
           </a:p>
@@ -2704,7 +2703,7 @@
           <a:p>
             <a:fld id="{95092FE3-F51D-0C4A-A1D2-112694A4D9A8}" type="datetimeFigureOut">
               <a:rPr lang="en-US" smtClean="0"/>
-              <a:t>2/24/2022</a:t>
+              <a:t>2/25/2022</a:t>
             </a:fld>
             <a:endParaRPr lang="en-US"/>
           </a:p>
@@ -2947,7 +2946,7 @@
           <a:p>
             <a:fld id="{95092FE3-F51D-0C4A-A1D2-112694A4D9A8}" type="datetimeFigureOut">
               <a:rPr lang="en-US" smtClean="0"/>
-              <a:t>2/24/2022</a:t>
+              <a:t>2/25/2022</a:t>
             </a:fld>
             <a:endParaRPr lang="en-US"/>
           </a:p>
@@ -3458,105 +3457,6 @@
           <p:cNvPr id="6" name="Title 1">
             <a:extLst>
               <a:ext uri="{FF2B5EF4-FFF2-40B4-BE49-F238E27FC236}">
-                <a16:creationId xmlns:a16="http://schemas.microsoft.com/office/drawing/2014/main" id="{9DB5592E-353F-7C45-803D-9059B918B94B}"/>
-              </a:ext>
-            </a:extLst>
-          </p:cNvPr>
-          <p:cNvSpPr>
-            <a:spLocks noGrp="1"/>
-          </p:cNvSpPr>
-          <p:nvPr>
-            <p:ph type="title"/>
-          </p:nvPr>
-        </p:nvSpPr>
-        <p:spPr>
-          <a:xfrm>
-            <a:off x="144516" y="187106"/>
-            <a:ext cx="6935905" cy="1001220"/>
-          </a:xfrm>
-        </p:spPr>
-        <p:txBody>
-          <a:bodyPr>
-            <a:normAutofit fontScale="90000"/>
-          </a:bodyPr>
-          <a:lstStyle/>
-          <a:p>
-            <a:r>
-              <a:rPr lang="en-GB" dirty="0"/>
-              <a:t>Wireframe – My Page (Professor)</a:t>
-            </a:r>
-          </a:p>
-        </p:txBody>
-      </p:sp>
-      <p:pic>
-        <p:nvPicPr>
-          <p:cNvPr id="9" name="그림 8">
-            <a:extLst>
-              <a:ext uri="{FF2B5EF4-FFF2-40B4-BE49-F238E27FC236}">
-                <a16:creationId xmlns:a16="http://schemas.microsoft.com/office/drawing/2014/main" id="{E784D36D-8538-6544-BAD9-2C253696DE90}"/>
-              </a:ext>
-            </a:extLst>
-          </p:cNvPr>
-          <p:cNvPicPr>
-            <a:picLocks noChangeAspect="1"/>
-          </p:cNvPicPr>
-          <p:nvPr/>
-        </p:nvPicPr>
-        <p:blipFill>
-          <a:blip r:embed="rId2"/>
-          <a:srcRect/>
-          <a:stretch/>
-        </p:blipFill>
-        <p:spPr>
-          <a:xfrm>
-            <a:off x="1056000" y="1000894"/>
-            <a:ext cx="10080000" cy="5670000"/>
-          </a:xfrm>
-          <a:prstGeom prst="rect">
-            <a:avLst/>
-          </a:prstGeom>
-          <a:ln>
-            <a:solidFill>
-              <a:schemeClr val="tx1"/>
-            </a:solidFill>
-          </a:ln>
-        </p:spPr>
-      </p:pic>
-    </p:spTree>
-    <p:extLst>
-      <p:ext uri="{BB962C8B-B14F-4D97-AF65-F5344CB8AC3E}">
-        <p14:creationId xmlns:p14="http://schemas.microsoft.com/office/powerpoint/2010/main" val="1806906224"/>
-      </p:ext>
-    </p:extLst>
-  </p:cSld>
-  <p:clrMapOvr>
-    <a:masterClrMapping/>
-  </p:clrMapOvr>
-</p:sld>
-</file>
-
-<file path=ppt/slides/slide11.xml><?xml version="1.0" encoding="utf-8"?>
-<p:sld xmlns:a="http://schemas.openxmlformats.org/drawingml/2006/main" xmlns:r="http://schemas.openxmlformats.org/officeDocument/2006/relationships" xmlns:p="http://schemas.openxmlformats.org/presentationml/2006/main">
-  <p:cSld>
-    <p:spTree>
-      <p:nvGrpSpPr>
-        <p:cNvPr id="1" name=""/>
-        <p:cNvGrpSpPr/>
-        <p:nvPr/>
-      </p:nvGrpSpPr>
-      <p:grpSpPr>
-        <a:xfrm>
-          <a:off x="0" y="0"/>
-          <a:ext cx="0" cy="0"/>
-          <a:chOff x="0" y="0"/>
-          <a:chExt cx="0" cy="0"/>
-        </a:xfrm>
-      </p:grpSpPr>
-      <p:sp>
-        <p:nvSpPr>
-          <p:cNvPr id="6" name="Title 1">
-            <a:extLst>
-              <a:ext uri="{FF2B5EF4-FFF2-40B4-BE49-F238E27FC236}">
                 <a16:creationId xmlns:a16="http://schemas.microsoft.com/office/drawing/2014/main" id="{C191CE77-9723-E04C-AD32-02DAD82B350B}"/>
               </a:ext>
             </a:extLst>
@@ -3653,7 +3553,7 @@
 </p:sld>
 </file>
 
-<file path=ppt/slides/slide12.xml><?xml version="1.0" encoding="utf-8"?>
+<file path=ppt/slides/slide11.xml><?xml version="1.0" encoding="utf-8"?>
 <p:sld xmlns:a="http://schemas.openxmlformats.org/drawingml/2006/main" xmlns:r="http://schemas.openxmlformats.org/officeDocument/2006/relationships" xmlns:p="http://schemas.openxmlformats.org/presentationml/2006/main">
   <p:cSld>
     <p:spTree>
@@ -3752,7 +3652,7 @@
 </p:sld>
 </file>
 
-<file path=ppt/slides/slide13.xml><?xml version="1.0" encoding="utf-8"?>
+<file path=ppt/slides/slide12.xml><?xml version="1.0" encoding="utf-8"?>
 <p:sld xmlns:a="http://schemas.openxmlformats.org/drawingml/2006/main" xmlns:r="http://schemas.openxmlformats.org/officeDocument/2006/relationships" xmlns:p="http://schemas.openxmlformats.org/presentationml/2006/main">
   <p:cSld>
     <p:spTree>
@@ -3849,7 +3749,7 @@
 </p:sld>
 </file>
 
-<file path=ppt/slides/slide14.xml><?xml version="1.0" encoding="utf-8"?>
+<file path=ppt/slides/slide13.xml><?xml version="1.0" encoding="utf-8"?>
 <p:sld xmlns:a="http://schemas.openxmlformats.org/drawingml/2006/main" xmlns:r="http://schemas.openxmlformats.org/officeDocument/2006/relationships" xmlns:p="http://schemas.openxmlformats.org/presentationml/2006/main">
   <p:cSld>
     <p:spTree>
@@ -4662,7 +4562,7 @@
 </p:sld>
 </file>
 
-<file path=ppt/slides/slide15.xml><?xml version="1.0" encoding="utf-8"?>
+<file path=ppt/slides/slide14.xml><?xml version="1.0" encoding="utf-8"?>
 <p:sld xmlns:a="http://schemas.openxmlformats.org/drawingml/2006/main" xmlns:r="http://schemas.openxmlformats.org/officeDocument/2006/relationships" xmlns:p="http://schemas.openxmlformats.org/presentationml/2006/main">
   <p:cSld>
     <p:spTree>
@@ -4750,7 +4650,7 @@
 </p:sld>
 </file>
 
-<file path=ppt/slides/slide16.xml><?xml version="1.0" encoding="utf-8"?>
+<file path=ppt/slides/slide15.xml><?xml version="1.0" encoding="utf-8"?>
 <p:sld xmlns:a="http://schemas.openxmlformats.org/drawingml/2006/main" xmlns:r="http://schemas.openxmlformats.org/officeDocument/2006/relationships" xmlns:p="http://schemas.openxmlformats.org/presentationml/2006/main">
   <p:cSld>
     <p:spTree>
@@ -6116,7 +6016,7 @@
 </p:sld>
 </file>
 
-<file path=ppt/slides/slide17.xml><?xml version="1.0" encoding="utf-8"?>
+<file path=ppt/slides/slide16.xml><?xml version="1.0" encoding="utf-8"?>
 <p:sld xmlns:a="http://schemas.openxmlformats.org/drawingml/2006/main" xmlns:r="http://schemas.openxmlformats.org/officeDocument/2006/relationships" xmlns:p="http://schemas.openxmlformats.org/presentationml/2006/main">
   <p:cSld>
     <p:spTree>
@@ -6209,7 +6109,7 @@
 </p:sld>
 </file>
 
-<file path=ppt/slides/slide18.xml><?xml version="1.0" encoding="utf-8"?>
+<file path=ppt/slides/slide17.xml><?xml version="1.0" encoding="utf-8"?>
 <p:sld xmlns:a="http://schemas.openxmlformats.org/drawingml/2006/main" xmlns:r="http://schemas.openxmlformats.org/officeDocument/2006/relationships" xmlns:p="http://schemas.openxmlformats.org/presentationml/2006/main">
   <p:cSld>
     <p:spTree>
@@ -6410,119 +6310,6 @@
 </file>
 
 <file path=ppt/slides/slide3.xml><?xml version="1.0" encoding="utf-8"?>
-<p:sld xmlns:a="http://schemas.openxmlformats.org/drawingml/2006/main" xmlns:r="http://schemas.openxmlformats.org/officeDocument/2006/relationships" xmlns:p="http://schemas.openxmlformats.org/presentationml/2006/main">
-  <p:cSld>
-    <p:spTree>
-      <p:nvGrpSpPr>
-        <p:cNvPr id="1" name=""/>
-        <p:cNvGrpSpPr/>
-        <p:nvPr/>
-      </p:nvGrpSpPr>
-      <p:grpSpPr>
-        <a:xfrm>
-          <a:off x="0" y="0"/>
-          <a:ext cx="0" cy="0"/>
-          <a:chOff x="0" y="0"/>
-          <a:chExt cx="0" cy="0"/>
-        </a:xfrm>
-      </p:grpSpPr>
-      <p:sp>
-        <p:nvSpPr>
-          <p:cNvPr id="2" name="Title 1">
-            <a:extLst>
-              <a:ext uri="{FF2B5EF4-FFF2-40B4-BE49-F238E27FC236}">
-                <a16:creationId xmlns:a16="http://schemas.microsoft.com/office/drawing/2014/main" id="{473E0231-C836-E94B-90E7-8CB4C06BC09F}"/>
-              </a:ext>
-            </a:extLst>
-          </p:cNvPr>
-          <p:cNvSpPr>
-            <a:spLocks noGrp="1"/>
-          </p:cNvSpPr>
-          <p:nvPr>
-            <p:ph type="title"/>
-          </p:nvPr>
-        </p:nvSpPr>
-        <p:spPr/>
-        <p:txBody>
-          <a:bodyPr/>
-          <a:lstStyle/>
-          <a:p>
-            <a:r>
-              <a:rPr lang="en-US" dirty="0"/>
-              <a:t>Project Requirements</a:t>
-            </a:r>
-          </a:p>
-        </p:txBody>
-      </p:sp>
-      <p:sp>
-        <p:nvSpPr>
-          <p:cNvPr id="3" name="Content Placeholder 2">
-            <a:extLst>
-              <a:ext uri="{FF2B5EF4-FFF2-40B4-BE49-F238E27FC236}">
-                <a16:creationId xmlns:a16="http://schemas.microsoft.com/office/drawing/2014/main" id="{C8436ED8-5BFC-6340-BDA4-A0210F7EE6F2}"/>
-              </a:ext>
-            </a:extLst>
-          </p:cNvPr>
-          <p:cNvSpPr>
-            <a:spLocks noGrp="1"/>
-          </p:cNvSpPr>
-          <p:nvPr>
-            <p:ph idx="1"/>
-          </p:nvPr>
-        </p:nvSpPr>
-        <p:spPr/>
-        <p:txBody>
-          <a:bodyPr/>
-          <a:lstStyle/>
-          <a:p>
-            <a:r>
-              <a:rPr lang="en-US" sz="2400" dirty="0"/>
-              <a:t>Students will be able to sign up + log in/out + delete their account</a:t>
-            </a:r>
-          </a:p>
-          <a:p>
-            <a:r>
-              <a:rPr lang="en-US" sz="2400" dirty="0"/>
-              <a:t>Professors and site admins will have access to add/remove study materials. Students will have a read only access. </a:t>
-            </a:r>
-          </a:p>
-          <a:p>
-            <a:r>
-              <a:rPr lang="en-US" sz="2400" dirty="0"/>
-              <a:t>Everyone will be able to view the search results however students will need to log in for saving/highlighting</a:t>
-            </a:r>
-          </a:p>
-          <a:p>
-            <a:r>
-              <a:rPr lang="en-US" sz="2400" dirty="0"/>
-              <a:t>Students will be able to filter search results by module name, professor name and week</a:t>
-            </a:r>
-          </a:p>
-          <a:p>
-            <a:r>
-              <a:rPr lang="en-US" sz="2400" dirty="0"/>
-              <a:t>Students can save notes to their account and highlight parts of transcripts to save to their account.</a:t>
-            </a:r>
-          </a:p>
-          <a:p>
-            <a:endParaRPr lang="en-US" sz="2400" dirty="0"/>
-          </a:p>
-        </p:txBody>
-      </p:sp>
-    </p:spTree>
-    <p:extLst>
-      <p:ext uri="{BB962C8B-B14F-4D97-AF65-F5344CB8AC3E}">
-        <p14:creationId xmlns:p14="http://schemas.microsoft.com/office/powerpoint/2010/main" val="4116146322"/>
-      </p:ext>
-    </p:extLst>
-  </p:cSld>
-  <p:clrMapOvr>
-    <a:masterClrMapping/>
-  </p:clrMapOvr>
-</p:sld>
-</file>
-
-<file path=ppt/slides/slide4.xml><?xml version="1.0" encoding="utf-8"?>
 <p:sld xmlns:a="http://schemas.openxmlformats.org/drawingml/2006/main" xmlns:r="http://schemas.openxmlformats.org/officeDocument/2006/relationships" xmlns:p="http://schemas.openxmlformats.org/presentationml/2006/main">
   <p:cSld>
     <p:bg>
@@ -7187,7 +6974,7 @@
 </p:sld>
 </file>
 
-<file path=ppt/slides/slide5.xml><?xml version="1.0" encoding="utf-8"?>
+<file path=ppt/slides/slide4.xml><?xml version="1.0" encoding="utf-8"?>
 <p:sld xmlns:a="http://schemas.openxmlformats.org/drawingml/2006/main" xmlns:r="http://schemas.openxmlformats.org/officeDocument/2006/relationships" xmlns:p="http://schemas.openxmlformats.org/presentationml/2006/main">
   <p:cSld>
     <p:bg>
@@ -7852,7 +7639,7 @@
 </p:sld>
 </file>
 
-<file path=ppt/slides/slide6.xml><?xml version="1.0" encoding="utf-8"?>
+<file path=ppt/slides/slide5.xml><?xml version="1.0" encoding="utf-8"?>
 <p:sld xmlns:a="http://schemas.openxmlformats.org/drawingml/2006/main" xmlns:r="http://schemas.openxmlformats.org/officeDocument/2006/relationships" xmlns:p="http://schemas.openxmlformats.org/presentationml/2006/main">
   <p:cSld>
     <p:bg>
@@ -8517,7 +8304,7 @@
 </p:sld>
 </file>
 
-<file path=ppt/slides/slide7.xml><?xml version="1.0" encoding="utf-8"?>
+<file path=ppt/slides/slide6.xml><?xml version="1.0" encoding="utf-8"?>
 <p:sld xmlns:a="http://schemas.openxmlformats.org/drawingml/2006/main" xmlns:r="http://schemas.openxmlformats.org/officeDocument/2006/relationships" xmlns:p="http://schemas.openxmlformats.org/presentationml/2006/main">
   <p:cSld>
     <p:spTree>
@@ -8647,7 +8434,7 @@
 </p:sld>
 </file>
 
-<file path=ppt/slides/slide8.xml><?xml version="1.0" encoding="utf-8"?>
+<file path=ppt/slides/slide7.xml><?xml version="1.0" encoding="utf-8"?>
 <p:sld xmlns:a="http://schemas.openxmlformats.org/drawingml/2006/main" xmlns:r="http://schemas.openxmlformats.org/officeDocument/2006/relationships" xmlns:p="http://schemas.openxmlformats.org/presentationml/2006/main">
   <p:cSld>
     <p:spTree>
@@ -8744,7 +8531,7 @@
 </p:sld>
 </file>
 
-<file path=ppt/slides/slide9.xml><?xml version="1.0" encoding="utf-8"?>
+<file path=ppt/slides/slide8.xml><?xml version="1.0" encoding="utf-8"?>
 <p:sld xmlns:a="http://schemas.openxmlformats.org/drawingml/2006/main" xmlns:r="http://schemas.openxmlformats.org/officeDocument/2006/relationships" xmlns:p="http://schemas.openxmlformats.org/presentationml/2006/main">
   <p:cSld>
     <p:spTree>
@@ -8832,6 +8619,105 @@
     <p:extLst>
       <p:ext uri="{BB962C8B-B14F-4D97-AF65-F5344CB8AC3E}">
         <p14:creationId xmlns:p14="http://schemas.microsoft.com/office/powerpoint/2010/main" val="2452374778"/>
+      </p:ext>
+    </p:extLst>
+  </p:cSld>
+  <p:clrMapOvr>
+    <a:masterClrMapping/>
+  </p:clrMapOvr>
+</p:sld>
+</file>
+
+<file path=ppt/slides/slide9.xml><?xml version="1.0" encoding="utf-8"?>
+<p:sld xmlns:a="http://schemas.openxmlformats.org/drawingml/2006/main" xmlns:r="http://schemas.openxmlformats.org/officeDocument/2006/relationships" xmlns:p="http://schemas.openxmlformats.org/presentationml/2006/main">
+  <p:cSld>
+    <p:spTree>
+      <p:nvGrpSpPr>
+        <p:cNvPr id="1" name=""/>
+        <p:cNvGrpSpPr/>
+        <p:nvPr/>
+      </p:nvGrpSpPr>
+      <p:grpSpPr>
+        <a:xfrm>
+          <a:off x="0" y="0"/>
+          <a:ext cx="0" cy="0"/>
+          <a:chOff x="0" y="0"/>
+          <a:chExt cx="0" cy="0"/>
+        </a:xfrm>
+      </p:grpSpPr>
+      <p:sp>
+        <p:nvSpPr>
+          <p:cNvPr id="6" name="Title 1">
+            <a:extLst>
+              <a:ext uri="{FF2B5EF4-FFF2-40B4-BE49-F238E27FC236}">
+                <a16:creationId xmlns:a16="http://schemas.microsoft.com/office/drawing/2014/main" id="{9DB5592E-353F-7C45-803D-9059B918B94B}"/>
+              </a:ext>
+            </a:extLst>
+          </p:cNvPr>
+          <p:cNvSpPr>
+            <a:spLocks noGrp="1"/>
+          </p:cNvSpPr>
+          <p:nvPr>
+            <p:ph type="title"/>
+          </p:nvPr>
+        </p:nvSpPr>
+        <p:spPr>
+          <a:xfrm>
+            <a:off x="144516" y="187106"/>
+            <a:ext cx="6935905" cy="1001220"/>
+          </a:xfrm>
+        </p:spPr>
+        <p:txBody>
+          <a:bodyPr>
+            <a:normAutofit fontScale="90000"/>
+          </a:bodyPr>
+          <a:lstStyle/>
+          <a:p>
+            <a:r>
+              <a:rPr lang="en-GB" dirty="0"/>
+              <a:t>Wireframe – My Page (Professor)</a:t>
+            </a:r>
+          </a:p>
+        </p:txBody>
+      </p:sp>
+      <p:pic>
+        <p:nvPicPr>
+          <p:cNvPr id="9" name="그림 8">
+            <a:extLst>
+              <a:ext uri="{FF2B5EF4-FFF2-40B4-BE49-F238E27FC236}">
+                <a16:creationId xmlns:a16="http://schemas.microsoft.com/office/drawing/2014/main" id="{E784D36D-8538-6544-BAD9-2C253696DE90}"/>
+              </a:ext>
+            </a:extLst>
+          </p:cNvPr>
+          <p:cNvPicPr>
+            <a:picLocks noChangeAspect="1"/>
+          </p:cNvPicPr>
+          <p:nvPr/>
+        </p:nvPicPr>
+        <p:blipFill>
+          <a:blip r:embed="rId2"/>
+          <a:srcRect/>
+          <a:stretch/>
+        </p:blipFill>
+        <p:spPr>
+          <a:xfrm>
+            <a:off x="1056000" y="1000894"/>
+            <a:ext cx="10080000" cy="5670000"/>
+          </a:xfrm>
+          <a:prstGeom prst="rect">
+            <a:avLst/>
+          </a:prstGeom>
+          <a:ln>
+            <a:solidFill>
+              <a:schemeClr val="tx1"/>
+            </a:solidFill>
+          </a:ln>
+        </p:spPr>
+      </p:pic>
+    </p:spTree>
+    <p:extLst>
+      <p:ext uri="{BB962C8B-B14F-4D97-AF65-F5344CB8AC3E}">
+        <p14:creationId xmlns:p14="http://schemas.microsoft.com/office/powerpoint/2010/main" val="1806906224"/>
       </p:ext>
     </p:extLst>
   </p:cSld>

--- a/DesignSpecification.pptx
+++ b/DesignSpecification.pptx
@@ -4549,6 +4549,310 @@
           </a:fontRef>
         </p:style>
       </p:cxnSp>
+      <p:sp>
+        <p:nvSpPr>
+          <p:cNvPr id="3" name="TextBox 2">
+            <a:extLst>
+              <a:ext uri="{FF2B5EF4-FFF2-40B4-BE49-F238E27FC236}">
+                <a16:creationId xmlns:a16="http://schemas.microsoft.com/office/drawing/2014/main" id="{714F7C36-7BED-4EB6-BAC4-912463CFBFC1}"/>
+              </a:ext>
+            </a:extLst>
+          </p:cNvPr>
+          <p:cNvSpPr txBox="1"/>
+          <p:nvPr/>
+        </p:nvSpPr>
+        <p:spPr>
+          <a:xfrm>
+            <a:off x="1737430" y="2672348"/>
+            <a:ext cx="1247975" cy="369332"/>
+          </a:xfrm>
+          <a:prstGeom prst="rect">
+            <a:avLst/>
+          </a:prstGeom>
+          <a:noFill/>
+          <a:ln>
+            <a:noFill/>
+          </a:ln>
+        </p:spPr>
+        <p:txBody>
+          <a:bodyPr wrap="square" rtlCol="0">
+            <a:spAutoFit/>
+          </a:bodyPr>
+          <a:lstStyle/>
+          <a:p>
+            <a:r>
+              <a:rPr lang="en-GB" dirty="0"/>
+              <a:t>Request</a:t>
+            </a:r>
+          </a:p>
+        </p:txBody>
+      </p:sp>
+      <p:sp>
+        <p:nvSpPr>
+          <p:cNvPr id="20" name="TextBox 19">
+            <a:extLst>
+              <a:ext uri="{FF2B5EF4-FFF2-40B4-BE49-F238E27FC236}">
+                <a16:creationId xmlns:a16="http://schemas.microsoft.com/office/drawing/2014/main" id="{2B99EB2B-72F1-485F-8CF4-0F2678C4BDB6}"/>
+              </a:ext>
+            </a:extLst>
+          </p:cNvPr>
+          <p:cNvSpPr txBox="1"/>
+          <p:nvPr/>
+        </p:nvSpPr>
+        <p:spPr>
+          <a:xfrm>
+            <a:off x="1720164" y="3244334"/>
+            <a:ext cx="1247975" cy="369332"/>
+          </a:xfrm>
+          <a:prstGeom prst="rect">
+            <a:avLst/>
+          </a:prstGeom>
+          <a:noFill/>
+          <a:ln>
+            <a:noFill/>
+          </a:ln>
+        </p:spPr>
+        <p:txBody>
+          <a:bodyPr wrap="square" rtlCol="0">
+            <a:spAutoFit/>
+          </a:bodyPr>
+          <a:lstStyle/>
+          <a:p>
+            <a:r>
+              <a:rPr lang="en-GB" dirty="0"/>
+              <a:t>Response</a:t>
+            </a:r>
+          </a:p>
+        </p:txBody>
+      </p:sp>
+      <p:sp>
+        <p:nvSpPr>
+          <p:cNvPr id="21" name="TextBox 20">
+            <a:extLst>
+              <a:ext uri="{FF2B5EF4-FFF2-40B4-BE49-F238E27FC236}">
+                <a16:creationId xmlns:a16="http://schemas.microsoft.com/office/drawing/2014/main" id="{3F1B55D7-DA50-4954-8282-5B5A2B41ED42}"/>
+              </a:ext>
+            </a:extLst>
+          </p:cNvPr>
+          <p:cNvSpPr txBox="1"/>
+          <p:nvPr/>
+        </p:nvSpPr>
+        <p:spPr>
+          <a:xfrm>
+            <a:off x="4840260" y="2602785"/>
+            <a:ext cx="1247975" cy="369332"/>
+          </a:xfrm>
+          <a:prstGeom prst="rect">
+            <a:avLst/>
+          </a:prstGeom>
+          <a:noFill/>
+          <a:ln>
+            <a:noFill/>
+          </a:ln>
+        </p:spPr>
+        <p:txBody>
+          <a:bodyPr wrap="square" rtlCol="0">
+            <a:spAutoFit/>
+          </a:bodyPr>
+          <a:lstStyle/>
+          <a:p>
+            <a:r>
+              <a:rPr lang="en-GB" dirty="0"/>
+              <a:t>URL</a:t>
+            </a:r>
+          </a:p>
+        </p:txBody>
+      </p:sp>
+      <p:sp>
+        <p:nvSpPr>
+          <p:cNvPr id="22" name="TextBox 21">
+            <a:extLst>
+              <a:ext uri="{FF2B5EF4-FFF2-40B4-BE49-F238E27FC236}">
+                <a16:creationId xmlns:a16="http://schemas.microsoft.com/office/drawing/2014/main" id="{D4B154CE-AA54-410C-B3B8-23996BD0CB2A}"/>
+              </a:ext>
+            </a:extLst>
+          </p:cNvPr>
+          <p:cNvSpPr txBox="1"/>
+          <p:nvPr/>
+        </p:nvSpPr>
+        <p:spPr>
+          <a:xfrm>
+            <a:off x="4556449" y="3326364"/>
+            <a:ext cx="1247975" cy="369332"/>
+          </a:xfrm>
+          <a:prstGeom prst="rect">
+            <a:avLst/>
+          </a:prstGeom>
+          <a:noFill/>
+          <a:ln>
+            <a:noFill/>
+          </a:ln>
+        </p:spPr>
+        <p:txBody>
+          <a:bodyPr wrap="square" rtlCol="0">
+            <a:spAutoFit/>
+          </a:bodyPr>
+          <a:lstStyle/>
+          <a:p>
+            <a:r>
+              <a:rPr lang="en-GB" dirty="0"/>
+              <a:t>Web Pages</a:t>
+            </a:r>
+          </a:p>
+        </p:txBody>
+      </p:sp>
+      <p:sp>
+        <p:nvSpPr>
+          <p:cNvPr id="23" name="TextBox 22">
+            <a:extLst>
+              <a:ext uri="{FF2B5EF4-FFF2-40B4-BE49-F238E27FC236}">
+                <a16:creationId xmlns:a16="http://schemas.microsoft.com/office/drawing/2014/main" id="{E59CA967-CE20-4909-B22F-D3B08356AB23}"/>
+              </a:ext>
+            </a:extLst>
+          </p:cNvPr>
+          <p:cNvSpPr txBox="1"/>
+          <p:nvPr/>
+        </p:nvSpPr>
+        <p:spPr>
+          <a:xfrm>
+            <a:off x="7703976" y="3728815"/>
+            <a:ext cx="1247975" cy="369332"/>
+          </a:xfrm>
+          <a:prstGeom prst="rect">
+            <a:avLst/>
+          </a:prstGeom>
+          <a:noFill/>
+          <a:ln>
+            <a:noFill/>
+          </a:ln>
+        </p:spPr>
+        <p:txBody>
+          <a:bodyPr wrap="square" rtlCol="0">
+            <a:spAutoFit/>
+          </a:bodyPr>
+          <a:lstStyle/>
+          <a:p>
+            <a:r>
+              <a:rPr lang="en-GB" dirty="0"/>
+              <a:t>Data</a:t>
+            </a:r>
+          </a:p>
+        </p:txBody>
+      </p:sp>
+      <p:sp>
+        <p:nvSpPr>
+          <p:cNvPr id="24" name="TextBox 23">
+            <a:extLst>
+              <a:ext uri="{FF2B5EF4-FFF2-40B4-BE49-F238E27FC236}">
+                <a16:creationId xmlns:a16="http://schemas.microsoft.com/office/drawing/2014/main" id="{5FB0FEED-25E0-4821-9757-573ABFF462FD}"/>
+              </a:ext>
+            </a:extLst>
+          </p:cNvPr>
+          <p:cNvSpPr txBox="1"/>
+          <p:nvPr/>
+        </p:nvSpPr>
+        <p:spPr>
+          <a:xfrm>
+            <a:off x="7964449" y="3137269"/>
+            <a:ext cx="1247975" cy="369332"/>
+          </a:xfrm>
+          <a:prstGeom prst="rect">
+            <a:avLst/>
+          </a:prstGeom>
+          <a:noFill/>
+          <a:ln>
+            <a:noFill/>
+          </a:ln>
+        </p:spPr>
+        <p:txBody>
+          <a:bodyPr wrap="square" rtlCol="0">
+            <a:spAutoFit/>
+          </a:bodyPr>
+          <a:lstStyle/>
+          <a:p>
+            <a:r>
+              <a:rPr lang="en-GB" dirty="0"/>
+              <a:t>SQL Query</a:t>
+            </a:r>
+          </a:p>
+        </p:txBody>
+      </p:sp>
+      <p:sp>
+        <p:nvSpPr>
+          <p:cNvPr id="26" name="TextBox 25">
+            <a:extLst>
+              <a:ext uri="{FF2B5EF4-FFF2-40B4-BE49-F238E27FC236}">
+                <a16:creationId xmlns:a16="http://schemas.microsoft.com/office/drawing/2014/main" id="{EBCC612A-A4B5-4F6C-A374-376E06EDB4AD}"/>
+              </a:ext>
+            </a:extLst>
+          </p:cNvPr>
+          <p:cNvSpPr txBox="1"/>
+          <p:nvPr/>
+        </p:nvSpPr>
+        <p:spPr>
+          <a:xfrm>
+            <a:off x="8218154" y="2300429"/>
+            <a:ext cx="1247975" cy="369332"/>
+          </a:xfrm>
+          <a:prstGeom prst="rect">
+            <a:avLst/>
+          </a:prstGeom>
+          <a:noFill/>
+          <a:ln>
+            <a:noFill/>
+          </a:ln>
+        </p:spPr>
+        <p:txBody>
+          <a:bodyPr wrap="square" rtlCol="0">
+            <a:spAutoFit/>
+          </a:bodyPr>
+          <a:lstStyle/>
+          <a:p>
+            <a:r>
+              <a:rPr lang="en-GB" dirty="0"/>
+              <a:t>Result</a:t>
+            </a:r>
+          </a:p>
+        </p:txBody>
+      </p:sp>
+      <p:sp>
+        <p:nvSpPr>
+          <p:cNvPr id="28" name="TextBox 27">
+            <a:extLst>
+              <a:ext uri="{FF2B5EF4-FFF2-40B4-BE49-F238E27FC236}">
+                <a16:creationId xmlns:a16="http://schemas.microsoft.com/office/drawing/2014/main" id="{DE036FFC-AE52-4DB8-B79B-1340B3C5A2E5}"/>
+              </a:ext>
+            </a:extLst>
+          </p:cNvPr>
+          <p:cNvSpPr txBox="1"/>
+          <p:nvPr/>
+        </p:nvSpPr>
+        <p:spPr>
+          <a:xfrm>
+            <a:off x="7028278" y="1879948"/>
+            <a:ext cx="1652513" cy="369332"/>
+          </a:xfrm>
+          <a:prstGeom prst="rect">
+            <a:avLst/>
+          </a:prstGeom>
+          <a:noFill/>
+          <a:ln>
+            <a:noFill/>
+          </a:ln>
+        </p:spPr>
+        <p:txBody>
+          <a:bodyPr wrap="square" rtlCol="0">
+            <a:spAutoFit/>
+          </a:bodyPr>
+          <a:lstStyle/>
+          <a:p>
+            <a:r>
+              <a:rPr lang="en-GB" dirty="0"/>
+              <a:t>Search Query</a:t>
+            </a:r>
+          </a:p>
+        </p:txBody>
+      </p:sp>
     </p:spTree>
     <p:extLst>
       <p:ext uri="{BB962C8B-B14F-4D97-AF65-F5344CB8AC3E}">
@@ -8368,7 +8672,7 @@
         <p:spPr/>
         <p:txBody>
           <a:bodyPr>
-            <a:normAutofit lnSpcReduction="10000"/>
+            <a:normAutofit fontScale="92500" lnSpcReduction="20000"/>
           </a:bodyPr>
           <a:lstStyle/>
           <a:p>
@@ -8386,7 +8690,7 @@
           <a:p>
             <a:r>
               <a:rPr lang="en-GB" dirty="0"/>
-              <a:t>Professors with accounts and site admins can upload content </a:t>
+              <a:t>Professors with accounts and site admins can upload content (pdfs and links for lectures)</a:t>
             </a:r>
           </a:p>
           <a:p>
@@ -8405,6 +8709,12 @@
             <a:r>
               <a:rPr lang="en-GB" dirty="0"/>
               <a:t>Students with accounts can view all saved content on their account page</a:t>
+            </a:r>
+          </a:p>
+          <a:p>
+            <a:r>
+              <a:rPr lang="en-GB" dirty="0"/>
+              <a:t>Professors with accounts can view all uploaded content</a:t>
             </a:r>
           </a:p>
           <a:p>

--- a/DesignSpecification.pptx
+++ b/DesignSpecification.pptx
@@ -4250,7 +4250,7 @@
         </p:nvSpPr>
         <p:spPr>
           <a:xfrm>
-            <a:off x="9069355" y="891998"/>
+            <a:off x="9199984" y="537637"/>
             <a:ext cx="2646783" cy="1436914"/>
           </a:xfrm>
           <a:prstGeom prst="cloud">
@@ -4320,7 +4320,7 @@
         </p:nvSpPr>
         <p:spPr>
           <a:xfrm>
-            <a:off x="9088016" y="3214395"/>
+            <a:off x="9492342" y="4474027"/>
             <a:ext cx="1800808" cy="1931437"/>
           </a:xfrm>
           <a:prstGeom prst="can">
@@ -4474,7 +4474,7 @@
         <p:spPr>
           <a:xfrm>
             <a:off x="7358744" y="3119074"/>
-            <a:ext cx="1729272" cy="1061040"/>
+            <a:ext cx="2133598" cy="2320672"/>
           </a:xfrm>
           <a:prstGeom prst="straightConnector1">
             <a:avLst/>
@@ -4520,8 +4520,8 @@
         </p:nvCxnSpPr>
         <p:spPr>
           <a:xfrm flipV="1">
-            <a:off x="7358744" y="1610455"/>
-            <a:ext cx="1718821" cy="1508619"/>
+            <a:off x="7358744" y="1256094"/>
+            <a:ext cx="1849450" cy="1862980"/>
           </a:xfrm>
           <a:prstGeom prst="straightConnector1">
             <a:avLst/>
@@ -4715,7 +4715,7 @@
         </p:nvSpPr>
         <p:spPr>
           <a:xfrm>
-            <a:off x="7703976" y="3728815"/>
+            <a:off x="7854534" y="4441299"/>
             <a:ext cx="1247975" cy="369332"/>
           </a:xfrm>
           <a:prstGeom prst="rect">
@@ -4753,7 +4753,7 @@
         </p:nvSpPr>
         <p:spPr>
           <a:xfrm>
-            <a:off x="7964449" y="3137269"/>
+            <a:off x="8422432" y="3835803"/>
             <a:ext cx="1247975" cy="369332"/>
           </a:xfrm>
           <a:prstGeom prst="rect">
@@ -4791,7 +4791,7 @@
         </p:nvSpPr>
         <p:spPr>
           <a:xfrm>
-            <a:off x="8218154" y="2300429"/>
+            <a:off x="8283469" y="2138700"/>
             <a:ext cx="1247975" cy="369332"/>
           </a:xfrm>
           <a:prstGeom prst="rect">
@@ -4829,7 +4829,7 @@
         </p:nvSpPr>
         <p:spPr>
           <a:xfrm>
-            <a:off x="7028278" y="1879948"/>
+            <a:off x="7089363" y="1742186"/>
             <a:ext cx="1652513" cy="369332"/>
           </a:xfrm>
           <a:prstGeom prst="rect">
@@ -4849,6 +4849,84 @@
             <a:r>
               <a:rPr lang="en-GB" dirty="0"/>
               <a:t>Search Query</a:t>
+            </a:r>
+          </a:p>
+        </p:txBody>
+      </p:sp>
+      <p:sp>
+        <p:nvSpPr>
+          <p:cNvPr id="11" name="TextBox 10">
+            <a:extLst>
+              <a:ext uri="{FF2B5EF4-FFF2-40B4-BE49-F238E27FC236}">
+                <a16:creationId xmlns:a16="http://schemas.microsoft.com/office/drawing/2014/main" id="{2C90E182-2EC5-4500-8CE1-EF9735C51366}"/>
+              </a:ext>
+            </a:extLst>
+          </p:cNvPr>
+          <p:cNvSpPr txBox="1"/>
+          <p:nvPr/>
+        </p:nvSpPr>
+        <p:spPr>
+          <a:xfrm>
+            <a:off x="6169091" y="3640711"/>
+            <a:ext cx="2379306" cy="369332"/>
+          </a:xfrm>
+          <a:prstGeom prst="rect">
+            <a:avLst/>
+          </a:prstGeom>
+          <a:noFill/>
+        </p:spPr>
+        <p:txBody>
+          <a:bodyPr wrap="square" rtlCol="0">
+            <a:spAutoFit/>
+          </a:bodyPr>
+          <a:lstStyle/>
+          <a:p>
+            <a:r>
+              <a:rPr lang="en-GB" dirty="0">
+                <a:solidFill>
+                  <a:srgbClr val="FF0000"/>
+                </a:solidFill>
+              </a:rPr>
+              <a:t>If cached, retrieve</a:t>
+            </a:r>
+          </a:p>
+        </p:txBody>
+      </p:sp>
+      <p:sp>
+        <p:nvSpPr>
+          <p:cNvPr id="30" name="TextBox 29">
+            <a:extLst>
+              <a:ext uri="{FF2B5EF4-FFF2-40B4-BE49-F238E27FC236}">
+                <a16:creationId xmlns:a16="http://schemas.microsoft.com/office/drawing/2014/main" id="{17C694EF-1769-49A6-ADB9-2E9F65614B0E}"/>
+              </a:ext>
+            </a:extLst>
+          </p:cNvPr>
+          <p:cNvSpPr txBox="1"/>
+          <p:nvPr/>
+        </p:nvSpPr>
+        <p:spPr>
+          <a:xfrm>
+            <a:off x="5783921" y="2300037"/>
+            <a:ext cx="2379306" cy="369332"/>
+          </a:xfrm>
+          <a:prstGeom prst="rect">
+            <a:avLst/>
+          </a:prstGeom>
+          <a:noFill/>
+        </p:spPr>
+        <p:txBody>
+          <a:bodyPr wrap="square" rtlCol="0">
+            <a:spAutoFit/>
+          </a:bodyPr>
+          <a:lstStyle/>
+          <a:p>
+            <a:r>
+              <a:rPr lang="en-GB" dirty="0">
+                <a:solidFill>
+                  <a:srgbClr val="FF0000"/>
+                </a:solidFill>
+              </a:rPr>
+              <a:t>If not cached, retrieve</a:t>
             </a:r>
           </a:p>
         </p:txBody>
@@ -6339,32 +6417,49 @@
       </p:grpSpPr>
       <p:pic>
         <p:nvPicPr>
-          <p:cNvPr id="11" name="Picture 10">
-            <a:extLst>
-              <a:ext uri="{FF2B5EF4-FFF2-40B4-BE49-F238E27FC236}">
-                <a16:creationId xmlns:a16="http://schemas.microsoft.com/office/drawing/2014/main" id="{8A9BC152-CBD2-4CF7-ADD3-02BC529681BA}"/>
+          <p:cNvPr id="1026" name="Picture 2">
+            <a:extLst>
+              <a:ext uri="{FF2B5EF4-FFF2-40B4-BE49-F238E27FC236}">
+                <a16:creationId xmlns:a16="http://schemas.microsoft.com/office/drawing/2014/main" id="{794A2A02-CDDF-4808-8345-5428C11FA111}"/>
               </a:ext>
             </a:extLst>
           </p:cNvPr>
           <p:cNvPicPr>
-            <a:picLocks noChangeAspect="1"/>
+            <a:picLocks noChangeAspect="1" noChangeArrowheads="1"/>
           </p:cNvPicPr>
           <p:nvPr/>
         </p:nvPicPr>
         <p:blipFill>
-          <a:blip r:embed="rId2"/>
+          <a:blip r:embed="rId2">
+            <a:extLst>
+              <a:ext uri="{28A0092B-C50C-407E-A947-70E740481C1C}">
+                <a14:useLocalDpi xmlns:a14="http://schemas.microsoft.com/office/drawing/2010/main" val="0"/>
+              </a:ext>
+            </a:extLst>
+          </a:blip>
+          <a:srcRect/>
           <a:stretch>
             <a:fillRect/>
           </a:stretch>
         </p:blipFill>
-        <p:spPr>
+        <p:spPr bwMode="auto">
           <a:xfrm>
-            <a:off x="310331" y="0"/>
-            <a:ext cx="11881669" cy="6858000"/>
+            <a:off x="299174" y="0"/>
+            <a:ext cx="11676063" cy="6858000"/>
           </a:xfrm>
           <a:prstGeom prst="rect">
             <a:avLst/>
           </a:prstGeom>
+          <a:noFill/>
+          <a:extLst>
+            <a:ext uri="{909E8E84-426E-40DD-AFC4-6F175D3DCCD1}">
+              <a14:hiddenFill xmlns:a14="http://schemas.microsoft.com/office/drawing/2010/main">
+                <a:solidFill>
+                  <a:srgbClr val="FFFFFF"/>
+                </a:solidFill>
+              </a14:hiddenFill>
+            </a:ext>
+          </a:extLst>
         </p:spPr>
       </p:pic>
       <p:sp>
@@ -6430,6 +6525,53 @@
           <a:chExt cx="0" cy="0"/>
         </a:xfrm>
       </p:grpSpPr>
+      <p:pic>
+        <p:nvPicPr>
+          <p:cNvPr id="2050" name="Picture 2">
+            <a:extLst>
+              <a:ext uri="{FF2B5EF4-FFF2-40B4-BE49-F238E27FC236}">
+                <a16:creationId xmlns:a16="http://schemas.microsoft.com/office/drawing/2014/main" id="{E585B51E-2ACE-4E92-87FC-C87B2B7EFC33}"/>
+              </a:ext>
+            </a:extLst>
+          </p:cNvPr>
+          <p:cNvPicPr>
+            <a:picLocks noChangeAspect="1" noChangeArrowheads="1"/>
+          </p:cNvPicPr>
+          <p:nvPr/>
+        </p:nvPicPr>
+        <p:blipFill>
+          <a:blip r:embed="rId2">
+            <a:extLst>
+              <a:ext uri="{28A0092B-C50C-407E-A947-70E740481C1C}">
+                <a14:useLocalDpi xmlns:a14="http://schemas.microsoft.com/office/drawing/2010/main" val="0"/>
+              </a:ext>
+            </a:extLst>
+          </a:blip>
+          <a:srcRect/>
+          <a:stretch>
+            <a:fillRect/>
+          </a:stretch>
+        </p:blipFill>
+        <p:spPr bwMode="auto">
+          <a:xfrm>
+            <a:off x="1488201" y="13996"/>
+            <a:ext cx="9736863" cy="6844004"/>
+          </a:xfrm>
+          <a:prstGeom prst="rect">
+            <a:avLst/>
+          </a:prstGeom>
+          <a:noFill/>
+          <a:extLst>
+            <a:ext uri="{909E8E84-426E-40DD-AFC4-6F175D3DCCD1}">
+              <a14:hiddenFill xmlns:a14="http://schemas.microsoft.com/office/drawing/2010/main">
+                <a:solidFill>
+                  <a:srgbClr val="FFFFFF"/>
+                </a:solidFill>
+              </a14:hiddenFill>
+            </a:ext>
+          </a:extLst>
+        </p:spPr>
+      </p:pic>
       <p:sp>
         <p:nvSpPr>
           <p:cNvPr id="2" name="Title 1">
@@ -6463,36 +6605,6 @@
           </a:p>
         </p:txBody>
       </p:sp>
-      <p:pic>
-        <p:nvPicPr>
-          <p:cNvPr id="7" name="Picture 6">
-            <a:extLst>
-              <a:ext uri="{FF2B5EF4-FFF2-40B4-BE49-F238E27FC236}">
-                <a16:creationId xmlns:a16="http://schemas.microsoft.com/office/drawing/2014/main" id="{702B029C-782D-477E-A167-A4DB090C2CCB}"/>
-              </a:ext>
-            </a:extLst>
-          </p:cNvPr>
-          <p:cNvPicPr>
-            <a:picLocks noChangeAspect="1"/>
-          </p:cNvPicPr>
-          <p:nvPr/>
-        </p:nvPicPr>
-        <p:blipFill>
-          <a:blip r:embed="rId2"/>
-          <a:stretch>
-            <a:fillRect/>
-          </a:stretch>
-        </p:blipFill>
-        <p:spPr>
-          <a:xfrm>
-            <a:off x="3200868" y="183786"/>
-            <a:ext cx="8798300" cy="6674213"/>
-          </a:xfrm>
-          <a:prstGeom prst="rect">
-            <a:avLst/>
-          </a:prstGeom>
-        </p:spPr>
-      </p:pic>
     </p:spTree>
     <p:extLst>
       <p:ext uri="{BB962C8B-B14F-4D97-AF65-F5344CB8AC3E}">
